--- a/SWMAL/O4 poster.pptx
+++ b/SWMAL/O4 poster.pptx
@@ -2,7 +2,7 @@
 <file path=ppt/presentation.xml><?xml version="1.0" encoding="utf-8"?>
 <p:presentation xmlns:a="http://schemas.openxmlformats.org/drawingml/2006/main" xmlns:r="http://schemas.openxmlformats.org/officeDocument/2006/relationships" xmlns:p="http://schemas.openxmlformats.org/presentationml/2006/main" saveSubsetFonts="1">
   <p:sldMasterIdLst>
-    <p:sldMasterId id="2147483648" r:id="rId1"/>
+    <p:sldMasterId id="2147483660" r:id="rId1"/>
   </p:sldMasterIdLst>
   <p:sldIdLst>
     <p:sldId id="256" r:id="rId2"/>
@@ -11,9 +11,9 @@
   <p:notesSz cx="6858000" cy="9144000"/>
   <p:defaultTextStyle>
     <a:defPPr>
-      <a:defRPr lang="en-DK"/>
+      <a:defRPr lang="en-US"/>
     </a:defPPr>
-    <a:lvl1pPr marL="0" algn="l" defTabSz="914400" rtl="0" eaLnBrk="1" latinLnBrk="0" hangingPunct="1">
+    <a:lvl1pPr marL="0" algn="l" defTabSz="457200" rtl="0" eaLnBrk="1" latinLnBrk="0" hangingPunct="1">
       <a:defRPr sz="1800" kern="1200">
         <a:solidFill>
           <a:schemeClr val="tx1"/>
@@ -23,7 +23,7 @@
         <a:cs typeface="+mn-cs"/>
       </a:defRPr>
     </a:lvl1pPr>
-    <a:lvl2pPr marL="457200" algn="l" defTabSz="914400" rtl="0" eaLnBrk="1" latinLnBrk="0" hangingPunct="1">
+    <a:lvl2pPr marL="457200" algn="l" defTabSz="457200" rtl="0" eaLnBrk="1" latinLnBrk="0" hangingPunct="1">
       <a:defRPr sz="1800" kern="1200">
         <a:solidFill>
           <a:schemeClr val="tx1"/>
@@ -33,7 +33,7 @@
         <a:cs typeface="+mn-cs"/>
       </a:defRPr>
     </a:lvl2pPr>
-    <a:lvl3pPr marL="914400" algn="l" defTabSz="914400" rtl="0" eaLnBrk="1" latinLnBrk="0" hangingPunct="1">
+    <a:lvl3pPr marL="914400" algn="l" defTabSz="457200" rtl="0" eaLnBrk="1" latinLnBrk="0" hangingPunct="1">
       <a:defRPr sz="1800" kern="1200">
         <a:solidFill>
           <a:schemeClr val="tx1"/>
@@ -43,7 +43,7 @@
         <a:cs typeface="+mn-cs"/>
       </a:defRPr>
     </a:lvl3pPr>
-    <a:lvl4pPr marL="1371600" algn="l" defTabSz="914400" rtl="0" eaLnBrk="1" latinLnBrk="0" hangingPunct="1">
+    <a:lvl4pPr marL="1371600" algn="l" defTabSz="457200" rtl="0" eaLnBrk="1" latinLnBrk="0" hangingPunct="1">
       <a:defRPr sz="1800" kern="1200">
         <a:solidFill>
           <a:schemeClr val="tx1"/>
@@ -53,7 +53,7 @@
         <a:cs typeface="+mn-cs"/>
       </a:defRPr>
     </a:lvl4pPr>
-    <a:lvl5pPr marL="1828800" algn="l" defTabSz="914400" rtl="0" eaLnBrk="1" latinLnBrk="0" hangingPunct="1">
+    <a:lvl5pPr marL="1828800" algn="l" defTabSz="457200" rtl="0" eaLnBrk="1" latinLnBrk="0" hangingPunct="1">
       <a:defRPr sz="1800" kern="1200">
         <a:solidFill>
           <a:schemeClr val="tx1"/>
@@ -63,7 +63,7 @@
         <a:cs typeface="+mn-cs"/>
       </a:defRPr>
     </a:lvl5pPr>
-    <a:lvl6pPr marL="2286000" algn="l" defTabSz="914400" rtl="0" eaLnBrk="1" latinLnBrk="0" hangingPunct="1">
+    <a:lvl6pPr marL="2286000" algn="l" defTabSz="457200" rtl="0" eaLnBrk="1" latinLnBrk="0" hangingPunct="1">
       <a:defRPr sz="1800" kern="1200">
         <a:solidFill>
           <a:schemeClr val="tx1"/>
@@ -73,7 +73,7 @@
         <a:cs typeface="+mn-cs"/>
       </a:defRPr>
     </a:lvl6pPr>
-    <a:lvl7pPr marL="2743200" algn="l" defTabSz="914400" rtl="0" eaLnBrk="1" latinLnBrk="0" hangingPunct="1">
+    <a:lvl7pPr marL="2743200" algn="l" defTabSz="457200" rtl="0" eaLnBrk="1" latinLnBrk="0" hangingPunct="1">
       <a:defRPr sz="1800" kern="1200">
         <a:solidFill>
           <a:schemeClr val="tx1"/>
@@ -83,7 +83,7 @@
         <a:cs typeface="+mn-cs"/>
       </a:defRPr>
     </a:lvl7pPr>
-    <a:lvl8pPr marL="3200400" algn="l" defTabSz="914400" rtl="0" eaLnBrk="1" latinLnBrk="0" hangingPunct="1">
+    <a:lvl8pPr marL="3200400" algn="l" defTabSz="457200" rtl="0" eaLnBrk="1" latinLnBrk="0" hangingPunct="1">
       <a:defRPr sz="1800" kern="1200">
         <a:solidFill>
           <a:schemeClr val="tx1"/>
@@ -93,7 +93,7 @@
         <a:cs typeface="+mn-cs"/>
       </a:defRPr>
     </a:lvl8pPr>
-    <a:lvl9pPr marL="3657600" algn="l" defTabSz="914400" rtl="0" eaLnBrk="1" latinLnBrk="0" hangingPunct="1">
+    <a:lvl9pPr marL="3657600" algn="l" defTabSz="457200" rtl="0" eaLnBrk="1" latinLnBrk="0" hangingPunct="1">
       <a:defRPr sz="1800" kern="1200">
         <a:solidFill>
           <a:schemeClr val="tx1"/>
@@ -104,6 +104,11 @@
       </a:defRPr>
     </a:lvl9pPr>
   </p:defaultTextStyle>
+  <p:extLst>
+    <p:ext uri="{EFAFB233-063F-42B5-8137-9DF3F51BA10A}">
+      <p15:sldGuideLst xmlns:p15="http://schemas.microsoft.com/office/powerpoint/2012/main"/>
+    </p:ext>
+  </p:extLst>
 </p:presentation>
 </file>
 
@@ -869,33 +874,65 @@
         <a:lstStyle/>
         <a:p>
           <a:r>
-            <a:rPr lang="en-DK" b="1" u="sng" dirty="0"/>
+            <a:rPr lang="en-DK" b="1" u="sng" dirty="0">
+              <a:solidFill>
+                <a:schemeClr val="bg1"/>
+              </a:solidFill>
+            </a:rPr>
             <a:t>Easy</a:t>
           </a:r>
           <a:br>
-            <a:rPr lang="en-DK" dirty="0"/>
+            <a:rPr lang="en-DK" dirty="0">
+              <a:solidFill>
+                <a:schemeClr val="bg1"/>
+              </a:solidFill>
+            </a:rPr>
           </a:br>
           <a:r>
-            <a:rPr lang="en-DK" dirty="0" err="1"/>
+            <a:rPr lang="en-DK" dirty="0" err="1">
+              <a:solidFill>
+                <a:schemeClr val="bg1"/>
+              </a:solidFill>
+            </a:rPr>
             <a:t>Mund</a:t>
           </a:r>
           <a:r>
-            <a:rPr lang="en-DK" dirty="0"/>
+            <a:rPr lang="en-DK" dirty="0">
+              <a:solidFill>
+                <a:schemeClr val="bg1"/>
+              </a:solidFill>
+            </a:rPr>
             <a:t> &amp; </a:t>
           </a:r>
           <a:r>
-            <a:rPr lang="en-DK" dirty="0" err="1"/>
+            <a:rPr lang="en-DK" dirty="0" err="1">
+              <a:solidFill>
+                <a:schemeClr val="bg1"/>
+              </a:solidFill>
+            </a:rPr>
             <a:t>næse</a:t>
           </a:r>
           <a:r>
-            <a:rPr lang="en-DK" dirty="0"/>
+            <a:rPr lang="en-DK" dirty="0">
+              <a:solidFill>
+                <a:schemeClr val="bg1"/>
+              </a:solidFill>
+            </a:rPr>
             <a:t> er </a:t>
           </a:r>
           <a:r>
-            <a:rPr lang="en-DK" dirty="0" err="1"/>
+            <a:rPr lang="en-DK" dirty="0" err="1">
+              <a:solidFill>
+                <a:schemeClr val="bg1"/>
+              </a:solidFill>
+            </a:rPr>
             <a:t>ændret</a:t>
           </a:r>
-          <a:endParaRPr lang="en-DK" dirty="0"/>
+          <a:endParaRPr lang="en-DK" dirty="0">
+            <a:solidFill>
+              <a:schemeClr val="bg1"/>
+            </a:solidFill>
+          </a:endParaRPr>
         </a:p>
       </dgm:t>
     </dgm:pt>
@@ -929,60 +966,120 @@
         <a:lstStyle/>
         <a:p>
           <a:r>
-            <a:rPr lang="en-DK" b="1" u="sng" dirty="0"/>
+            <a:rPr lang="en-DK" b="1" u="sng" dirty="0">
+              <a:solidFill>
+                <a:schemeClr val="bg1"/>
+              </a:solidFill>
+            </a:rPr>
             <a:t>Hard</a:t>
           </a:r>
           <a:br>
-            <a:rPr lang="en-DK" dirty="0"/>
+            <a:rPr lang="en-DK" dirty="0">
+              <a:solidFill>
+                <a:schemeClr val="bg1"/>
+              </a:solidFill>
+            </a:rPr>
           </a:br>
           <a:r>
-            <a:rPr lang="en-DK" dirty="0" err="1"/>
+            <a:rPr lang="en-DK" dirty="0" err="1">
+              <a:solidFill>
+                <a:schemeClr val="bg1"/>
+              </a:solidFill>
+            </a:rPr>
             <a:t>Begge</a:t>
           </a:r>
           <a:r>
-            <a:rPr lang="en-DK" dirty="0"/>
+            <a:rPr lang="en-DK" dirty="0">
+              <a:solidFill>
+                <a:schemeClr val="bg1"/>
+              </a:solidFill>
+            </a:rPr>
             <a:t> </a:t>
           </a:r>
           <a:r>
-            <a:rPr lang="en-DK" dirty="0" err="1"/>
+            <a:rPr lang="en-DK" dirty="0" err="1">
+              <a:solidFill>
+                <a:schemeClr val="bg1"/>
+              </a:solidFill>
+            </a:rPr>
             <a:t>øjne</a:t>
           </a:r>
           <a:r>
-            <a:rPr lang="en-DK" dirty="0"/>
+            <a:rPr lang="en-DK" dirty="0">
+              <a:solidFill>
+                <a:schemeClr val="bg1"/>
+              </a:solidFill>
+            </a:rPr>
             <a:t>, </a:t>
           </a:r>
           <a:r>
-            <a:rPr lang="en-DK" dirty="0" err="1"/>
+            <a:rPr lang="en-DK" dirty="0" err="1">
+              <a:solidFill>
+                <a:schemeClr val="bg1"/>
+              </a:solidFill>
+            </a:rPr>
             <a:t>næse</a:t>
           </a:r>
           <a:r>
-            <a:rPr lang="en-DK" dirty="0"/>
+            <a:rPr lang="en-DK" dirty="0">
+              <a:solidFill>
+                <a:schemeClr val="bg1"/>
+              </a:solidFill>
+            </a:rPr>
             <a:t> </a:t>
           </a:r>
           <a:r>
-            <a:rPr lang="en-DK" dirty="0" err="1"/>
+            <a:rPr lang="en-DK" dirty="0" err="1">
+              <a:solidFill>
+                <a:schemeClr val="bg1"/>
+              </a:solidFill>
+            </a:rPr>
             <a:t>og</a:t>
           </a:r>
           <a:r>
-            <a:rPr lang="en-DK" dirty="0"/>
+            <a:rPr lang="en-DK" dirty="0">
+              <a:solidFill>
+                <a:schemeClr val="bg1"/>
+              </a:solidFill>
+            </a:rPr>
             <a:t> </a:t>
           </a:r>
           <a:r>
-            <a:rPr lang="en-DK" dirty="0" err="1"/>
+            <a:rPr lang="en-DK" dirty="0" err="1">
+              <a:solidFill>
+                <a:schemeClr val="bg1"/>
+              </a:solidFill>
+            </a:rPr>
             <a:t>mun</a:t>
           </a:r>
           <a:r>
-            <a:rPr lang="en-DK" dirty="0"/>
+            <a:rPr lang="en-DK" dirty="0">
+              <a:solidFill>
+                <a:schemeClr val="bg1"/>
+              </a:solidFill>
+            </a:rPr>
             <a:t> er </a:t>
           </a:r>
           <a:r>
-            <a:rPr lang="en-DK" dirty="0" err="1"/>
+            <a:rPr lang="en-DK" dirty="0" err="1">
+              <a:solidFill>
+                <a:schemeClr val="bg1"/>
+              </a:solidFill>
+            </a:rPr>
             <a:t>ændret</a:t>
           </a:r>
           <a:br>
-            <a:rPr lang="en-DK" dirty="0"/>
+            <a:rPr lang="en-DK" dirty="0">
+              <a:solidFill>
+                <a:schemeClr val="bg1"/>
+              </a:solidFill>
+            </a:rPr>
           </a:br>
-          <a:endParaRPr lang="en-DK" dirty="0"/>
+          <a:endParaRPr lang="en-DK" dirty="0">
+            <a:solidFill>
+              <a:schemeClr val="bg1"/>
+            </a:solidFill>
+          </a:endParaRPr>
         </a:p>
       </dgm:t>
     </dgm:pt>
@@ -1016,33 +1113,65 @@
         <a:lstStyle/>
         <a:p>
           <a:r>
-            <a:rPr lang="en-DK" b="1" u="sng" dirty="0"/>
+            <a:rPr lang="en-DK" b="1" u="sng" dirty="0">
+              <a:solidFill>
+                <a:schemeClr val="bg1"/>
+              </a:solidFill>
+            </a:rPr>
             <a:t>Real</a:t>
           </a:r>
           <a:br>
-            <a:rPr lang="en-DK" dirty="0"/>
+            <a:rPr lang="en-DK" dirty="0">
+              <a:solidFill>
+                <a:schemeClr val="bg1"/>
+              </a:solidFill>
+            </a:rPr>
           </a:br>
           <a:r>
-            <a:rPr lang="en-DK" dirty="0" err="1"/>
+            <a:rPr lang="en-DK" dirty="0" err="1">
+              <a:solidFill>
+                <a:schemeClr val="bg1"/>
+              </a:solidFill>
+            </a:rPr>
             <a:t>Originalt</a:t>
           </a:r>
           <a:r>
-            <a:rPr lang="en-DK" dirty="0"/>
+            <a:rPr lang="en-DK" dirty="0">
+              <a:solidFill>
+                <a:schemeClr val="bg1"/>
+              </a:solidFill>
+            </a:rPr>
             <a:t> billed, der </a:t>
           </a:r>
           <a:r>
-            <a:rPr lang="en-DK" dirty="0" err="1"/>
+            <a:rPr lang="en-DK" dirty="0" err="1">
+              <a:solidFill>
+                <a:schemeClr val="bg1"/>
+              </a:solidFill>
+            </a:rPr>
             <a:t>ikke</a:t>
           </a:r>
           <a:r>
-            <a:rPr lang="en-DK" dirty="0"/>
+            <a:rPr lang="en-DK" dirty="0">
+              <a:solidFill>
+                <a:schemeClr val="bg1"/>
+              </a:solidFill>
+            </a:rPr>
             <a:t> er </a:t>
           </a:r>
           <a:r>
-            <a:rPr lang="en-DK" dirty="0" err="1"/>
+            <a:rPr lang="en-DK" dirty="0" err="1">
+              <a:solidFill>
+                <a:schemeClr val="bg1"/>
+              </a:solidFill>
+            </a:rPr>
             <a:t>ændret</a:t>
           </a:r>
-          <a:endParaRPr lang="en-DK" dirty="0"/>
+          <a:endParaRPr lang="en-DK" dirty="0">
+            <a:solidFill>
+              <a:schemeClr val="bg1"/>
+            </a:solidFill>
+          </a:endParaRPr>
         </a:p>
       </dgm:t>
     </dgm:pt>
@@ -1076,49 +1205,97 @@
         <a:lstStyle/>
         <a:p>
           <a:r>
-            <a:rPr lang="en-DK" b="1" u="sng" dirty="0"/>
+            <a:rPr lang="en-DK" b="1" u="sng" dirty="0">
+              <a:solidFill>
+                <a:schemeClr val="bg1"/>
+              </a:solidFill>
+            </a:rPr>
             <a:t>Medium</a:t>
           </a:r>
           <a:br>
-            <a:rPr lang="en-DK" dirty="0"/>
+            <a:rPr lang="en-DK" dirty="0">
+              <a:solidFill>
+                <a:schemeClr val="bg1"/>
+              </a:solidFill>
+            </a:rPr>
           </a:br>
           <a:r>
-            <a:rPr lang="en-DK" dirty="0" err="1"/>
+            <a:rPr lang="en-DK" dirty="0" err="1">
+              <a:solidFill>
+                <a:schemeClr val="bg1"/>
+              </a:solidFill>
+            </a:rPr>
             <a:t>Begge</a:t>
           </a:r>
           <a:r>
-            <a:rPr lang="en-DK" dirty="0"/>
+            <a:rPr lang="en-DK" dirty="0">
+              <a:solidFill>
+                <a:schemeClr val="bg1"/>
+              </a:solidFill>
+            </a:rPr>
             <a:t> </a:t>
           </a:r>
           <a:r>
-            <a:rPr lang="en-DK" dirty="0" err="1"/>
+            <a:rPr lang="en-DK" dirty="0" err="1">
+              <a:solidFill>
+                <a:schemeClr val="bg1"/>
+              </a:solidFill>
+            </a:rPr>
             <a:t>øjne</a:t>
           </a:r>
           <a:r>
-            <a:rPr lang="en-DK" dirty="0"/>
+            <a:rPr lang="en-DK" dirty="0">
+              <a:solidFill>
+                <a:schemeClr val="bg1"/>
+              </a:solidFill>
+            </a:rPr>
             <a:t>, </a:t>
           </a:r>
           <a:r>
-            <a:rPr lang="en-DK" dirty="0" err="1"/>
+            <a:rPr lang="en-DK" dirty="0" err="1">
+              <a:solidFill>
+                <a:schemeClr val="bg1"/>
+              </a:solidFill>
+            </a:rPr>
             <a:t>næse</a:t>
           </a:r>
           <a:r>
-            <a:rPr lang="en-DK" dirty="0"/>
+            <a:rPr lang="en-DK" dirty="0">
+              <a:solidFill>
+                <a:schemeClr val="bg1"/>
+              </a:solidFill>
+            </a:rPr>
             <a:t> &amp; </a:t>
           </a:r>
           <a:r>
-            <a:rPr lang="en-DK" dirty="0" err="1"/>
+            <a:rPr lang="en-DK" dirty="0" err="1">
+              <a:solidFill>
+                <a:schemeClr val="bg1"/>
+              </a:solidFill>
+            </a:rPr>
             <a:t>mund</a:t>
           </a:r>
           <a:r>
-            <a:rPr lang="en-DK" dirty="0"/>
+            <a:rPr lang="en-DK" dirty="0">
+              <a:solidFill>
+                <a:schemeClr val="bg1"/>
+              </a:solidFill>
+            </a:rPr>
             <a:t> er </a:t>
           </a:r>
           <a:r>
-            <a:rPr lang="en-DK" dirty="0" err="1"/>
+            <a:rPr lang="en-DK" dirty="0" err="1">
+              <a:solidFill>
+                <a:schemeClr val="bg1"/>
+              </a:solidFill>
+            </a:rPr>
             <a:t>ændret</a:t>
           </a:r>
-          <a:endParaRPr lang="en-DK" dirty="0"/>
+          <a:endParaRPr lang="en-DK" dirty="0">
+            <a:solidFill>
+              <a:schemeClr val="bg1"/>
+            </a:solidFill>
+          </a:endParaRPr>
         </a:p>
       </dgm:t>
     </dgm:pt>
@@ -1538,7 +1715,7 @@
             <a:alphaOff val="0"/>
           </a:schemeClr>
         </a:solidFill>
-        <a:ln w="6350" cap="flat" cmpd="sng" algn="ctr">
+        <a:ln w="9525" cap="flat" cmpd="sng" algn="ctr">
           <a:solidFill>
             <a:schemeClr val="accent1">
               <a:hueOff val="0"/>
@@ -1548,7 +1725,6 @@
             </a:schemeClr>
           </a:solidFill>
           <a:prstDash val="solid"/>
-          <a:miter lim="800000"/>
         </a:ln>
         <a:effectLst/>
       </dsp:spPr>
@@ -1601,7 +1777,6 @@
             </a:schemeClr>
           </a:solidFill>
           <a:prstDash val="solid"/>
-          <a:miter lim="800000"/>
         </a:ln>
         <a:effectLst/>
       </dsp:spPr>
@@ -1668,33 +1843,65 @@
             <a:buNone/>
           </a:pPr>
           <a:r>
-            <a:rPr lang="en-DK" sz="500" b="1" u="sng" kern="1200" dirty="0"/>
+            <a:rPr lang="en-DK" sz="500" b="1" u="sng" kern="1200" dirty="0">
+              <a:solidFill>
+                <a:schemeClr val="bg1"/>
+              </a:solidFill>
+            </a:rPr>
             <a:t>Easy</a:t>
           </a:r>
           <a:br>
-            <a:rPr lang="en-DK" sz="500" kern="1200" dirty="0"/>
+            <a:rPr lang="en-DK" sz="500" kern="1200" dirty="0">
+              <a:solidFill>
+                <a:schemeClr val="bg1"/>
+              </a:solidFill>
+            </a:rPr>
           </a:br>
           <a:r>
-            <a:rPr lang="en-DK" sz="500" kern="1200" dirty="0" err="1"/>
+            <a:rPr lang="en-DK" sz="500" kern="1200" dirty="0" err="1">
+              <a:solidFill>
+                <a:schemeClr val="bg1"/>
+              </a:solidFill>
+            </a:rPr>
             <a:t>Mund</a:t>
           </a:r>
           <a:r>
-            <a:rPr lang="en-DK" sz="500" kern="1200" dirty="0"/>
+            <a:rPr lang="en-DK" sz="500" kern="1200" dirty="0">
+              <a:solidFill>
+                <a:schemeClr val="bg1"/>
+              </a:solidFill>
+            </a:rPr>
             <a:t> &amp; </a:t>
           </a:r>
           <a:r>
-            <a:rPr lang="en-DK" sz="500" kern="1200" dirty="0" err="1"/>
+            <a:rPr lang="en-DK" sz="500" kern="1200" dirty="0" err="1">
+              <a:solidFill>
+                <a:schemeClr val="bg1"/>
+              </a:solidFill>
+            </a:rPr>
             <a:t>næse</a:t>
           </a:r>
           <a:r>
-            <a:rPr lang="en-DK" sz="500" kern="1200" dirty="0"/>
+            <a:rPr lang="en-DK" sz="500" kern="1200" dirty="0">
+              <a:solidFill>
+                <a:schemeClr val="bg1"/>
+              </a:solidFill>
+            </a:rPr>
             <a:t> er </a:t>
           </a:r>
           <a:r>
-            <a:rPr lang="en-DK" sz="500" kern="1200" dirty="0" err="1"/>
+            <a:rPr lang="en-DK" sz="500" kern="1200" dirty="0" err="1">
+              <a:solidFill>
+                <a:schemeClr val="bg1"/>
+              </a:solidFill>
+            </a:rPr>
             <a:t>ændret</a:t>
           </a:r>
-          <a:endParaRPr lang="en-DK" sz="500" kern="1200" dirty="0"/>
+          <a:endParaRPr lang="en-DK" sz="500" kern="1200" dirty="0">
+            <a:solidFill>
+              <a:schemeClr val="bg1"/>
+            </a:solidFill>
+          </a:endParaRPr>
         </a:p>
       </dsp:txBody>
       <dsp:txXfrm>
@@ -1724,7 +1931,7 @@
             <a:alphaOff val="0"/>
           </a:schemeClr>
         </a:solidFill>
-        <a:ln w="6350" cap="flat" cmpd="sng" algn="ctr">
+        <a:ln w="9525" cap="flat" cmpd="sng" algn="ctr">
           <a:solidFill>
             <a:schemeClr val="accent1">
               <a:hueOff val="0"/>
@@ -1734,7 +1941,6 @@
             </a:schemeClr>
           </a:solidFill>
           <a:prstDash val="solid"/>
-          <a:miter lim="800000"/>
         </a:ln>
         <a:effectLst/>
       </dsp:spPr>
@@ -1787,7 +1993,6 @@
             </a:schemeClr>
           </a:solidFill>
           <a:prstDash val="solid"/>
-          <a:miter lim="800000"/>
         </a:ln>
         <a:effectLst/>
       </dsp:spPr>
@@ -1854,49 +2059,97 @@
             <a:buNone/>
           </a:pPr>
           <a:r>
-            <a:rPr lang="en-DK" sz="500" b="1" u="sng" kern="1200" dirty="0"/>
+            <a:rPr lang="en-DK" sz="500" b="1" u="sng" kern="1200" dirty="0">
+              <a:solidFill>
+                <a:schemeClr val="bg1"/>
+              </a:solidFill>
+            </a:rPr>
             <a:t>Medium</a:t>
           </a:r>
           <a:br>
-            <a:rPr lang="en-DK" sz="500" kern="1200" dirty="0"/>
+            <a:rPr lang="en-DK" sz="500" kern="1200" dirty="0">
+              <a:solidFill>
+                <a:schemeClr val="bg1"/>
+              </a:solidFill>
+            </a:rPr>
           </a:br>
           <a:r>
-            <a:rPr lang="en-DK" sz="500" kern="1200" dirty="0" err="1"/>
+            <a:rPr lang="en-DK" sz="500" kern="1200" dirty="0" err="1">
+              <a:solidFill>
+                <a:schemeClr val="bg1"/>
+              </a:solidFill>
+            </a:rPr>
             <a:t>Begge</a:t>
           </a:r>
           <a:r>
-            <a:rPr lang="en-DK" sz="500" kern="1200" dirty="0"/>
+            <a:rPr lang="en-DK" sz="500" kern="1200" dirty="0">
+              <a:solidFill>
+                <a:schemeClr val="bg1"/>
+              </a:solidFill>
+            </a:rPr>
             <a:t> </a:t>
           </a:r>
           <a:r>
-            <a:rPr lang="en-DK" sz="500" kern="1200" dirty="0" err="1"/>
+            <a:rPr lang="en-DK" sz="500" kern="1200" dirty="0" err="1">
+              <a:solidFill>
+                <a:schemeClr val="bg1"/>
+              </a:solidFill>
+            </a:rPr>
             <a:t>øjne</a:t>
           </a:r>
           <a:r>
-            <a:rPr lang="en-DK" sz="500" kern="1200" dirty="0"/>
+            <a:rPr lang="en-DK" sz="500" kern="1200" dirty="0">
+              <a:solidFill>
+                <a:schemeClr val="bg1"/>
+              </a:solidFill>
+            </a:rPr>
             <a:t>, </a:t>
           </a:r>
           <a:r>
-            <a:rPr lang="en-DK" sz="500" kern="1200" dirty="0" err="1"/>
+            <a:rPr lang="en-DK" sz="500" kern="1200" dirty="0" err="1">
+              <a:solidFill>
+                <a:schemeClr val="bg1"/>
+              </a:solidFill>
+            </a:rPr>
             <a:t>næse</a:t>
           </a:r>
           <a:r>
-            <a:rPr lang="en-DK" sz="500" kern="1200" dirty="0"/>
+            <a:rPr lang="en-DK" sz="500" kern="1200" dirty="0">
+              <a:solidFill>
+                <a:schemeClr val="bg1"/>
+              </a:solidFill>
+            </a:rPr>
             <a:t> &amp; </a:t>
           </a:r>
           <a:r>
-            <a:rPr lang="en-DK" sz="500" kern="1200" dirty="0" err="1"/>
+            <a:rPr lang="en-DK" sz="500" kern="1200" dirty="0" err="1">
+              <a:solidFill>
+                <a:schemeClr val="bg1"/>
+              </a:solidFill>
+            </a:rPr>
             <a:t>mund</a:t>
           </a:r>
           <a:r>
-            <a:rPr lang="en-DK" sz="500" kern="1200" dirty="0"/>
+            <a:rPr lang="en-DK" sz="500" kern="1200" dirty="0">
+              <a:solidFill>
+                <a:schemeClr val="bg1"/>
+              </a:solidFill>
+            </a:rPr>
             <a:t> er </a:t>
           </a:r>
           <a:r>
-            <a:rPr lang="en-DK" sz="500" kern="1200" dirty="0" err="1"/>
+            <a:rPr lang="en-DK" sz="500" kern="1200" dirty="0" err="1">
+              <a:solidFill>
+                <a:schemeClr val="bg1"/>
+              </a:solidFill>
+            </a:rPr>
             <a:t>ændret</a:t>
           </a:r>
-          <a:endParaRPr lang="en-DK" sz="500" kern="1200" dirty="0"/>
+          <a:endParaRPr lang="en-DK" sz="500" kern="1200" dirty="0">
+            <a:solidFill>
+              <a:schemeClr val="bg1"/>
+            </a:solidFill>
+          </a:endParaRPr>
         </a:p>
       </dsp:txBody>
       <dsp:txXfrm>
@@ -1926,7 +2179,7 @@
             <a:alphaOff val="0"/>
           </a:schemeClr>
         </a:solidFill>
-        <a:ln w="6350" cap="flat" cmpd="sng" algn="ctr">
+        <a:ln w="9525" cap="flat" cmpd="sng" algn="ctr">
           <a:solidFill>
             <a:schemeClr val="accent1">
               <a:hueOff val="0"/>
@@ -1936,7 +2189,6 @@
             </a:schemeClr>
           </a:solidFill>
           <a:prstDash val="solid"/>
-          <a:miter lim="800000"/>
         </a:ln>
         <a:effectLst/>
       </dsp:spPr>
@@ -1989,7 +2241,6 @@
             </a:schemeClr>
           </a:solidFill>
           <a:prstDash val="solid"/>
-          <a:miter lim="800000"/>
         </a:ln>
         <a:effectLst/>
       </dsp:spPr>
@@ -2056,60 +2307,120 @@
             <a:buNone/>
           </a:pPr>
           <a:r>
-            <a:rPr lang="en-DK" sz="500" b="1" u="sng" kern="1200" dirty="0"/>
+            <a:rPr lang="en-DK" sz="500" b="1" u="sng" kern="1200" dirty="0">
+              <a:solidFill>
+                <a:schemeClr val="bg1"/>
+              </a:solidFill>
+            </a:rPr>
             <a:t>Hard</a:t>
           </a:r>
           <a:br>
-            <a:rPr lang="en-DK" sz="500" kern="1200" dirty="0"/>
+            <a:rPr lang="en-DK" sz="500" kern="1200" dirty="0">
+              <a:solidFill>
+                <a:schemeClr val="bg1"/>
+              </a:solidFill>
+            </a:rPr>
           </a:br>
           <a:r>
-            <a:rPr lang="en-DK" sz="500" kern="1200" dirty="0" err="1"/>
+            <a:rPr lang="en-DK" sz="500" kern="1200" dirty="0" err="1">
+              <a:solidFill>
+                <a:schemeClr val="bg1"/>
+              </a:solidFill>
+            </a:rPr>
             <a:t>Begge</a:t>
           </a:r>
           <a:r>
-            <a:rPr lang="en-DK" sz="500" kern="1200" dirty="0"/>
+            <a:rPr lang="en-DK" sz="500" kern="1200" dirty="0">
+              <a:solidFill>
+                <a:schemeClr val="bg1"/>
+              </a:solidFill>
+            </a:rPr>
             <a:t> </a:t>
           </a:r>
           <a:r>
-            <a:rPr lang="en-DK" sz="500" kern="1200" dirty="0" err="1"/>
+            <a:rPr lang="en-DK" sz="500" kern="1200" dirty="0" err="1">
+              <a:solidFill>
+                <a:schemeClr val="bg1"/>
+              </a:solidFill>
+            </a:rPr>
             <a:t>øjne</a:t>
           </a:r>
           <a:r>
-            <a:rPr lang="en-DK" sz="500" kern="1200" dirty="0"/>
+            <a:rPr lang="en-DK" sz="500" kern="1200" dirty="0">
+              <a:solidFill>
+                <a:schemeClr val="bg1"/>
+              </a:solidFill>
+            </a:rPr>
             <a:t>, </a:t>
           </a:r>
           <a:r>
-            <a:rPr lang="en-DK" sz="500" kern="1200" dirty="0" err="1"/>
+            <a:rPr lang="en-DK" sz="500" kern="1200" dirty="0" err="1">
+              <a:solidFill>
+                <a:schemeClr val="bg1"/>
+              </a:solidFill>
+            </a:rPr>
             <a:t>næse</a:t>
           </a:r>
           <a:r>
-            <a:rPr lang="en-DK" sz="500" kern="1200" dirty="0"/>
+            <a:rPr lang="en-DK" sz="500" kern="1200" dirty="0">
+              <a:solidFill>
+                <a:schemeClr val="bg1"/>
+              </a:solidFill>
+            </a:rPr>
             <a:t> </a:t>
           </a:r>
           <a:r>
-            <a:rPr lang="en-DK" sz="500" kern="1200" dirty="0" err="1"/>
+            <a:rPr lang="en-DK" sz="500" kern="1200" dirty="0" err="1">
+              <a:solidFill>
+                <a:schemeClr val="bg1"/>
+              </a:solidFill>
+            </a:rPr>
             <a:t>og</a:t>
           </a:r>
           <a:r>
-            <a:rPr lang="en-DK" sz="500" kern="1200" dirty="0"/>
+            <a:rPr lang="en-DK" sz="500" kern="1200" dirty="0">
+              <a:solidFill>
+                <a:schemeClr val="bg1"/>
+              </a:solidFill>
+            </a:rPr>
             <a:t> </a:t>
           </a:r>
           <a:r>
-            <a:rPr lang="en-DK" sz="500" kern="1200" dirty="0" err="1"/>
+            <a:rPr lang="en-DK" sz="500" kern="1200" dirty="0" err="1">
+              <a:solidFill>
+                <a:schemeClr val="bg1"/>
+              </a:solidFill>
+            </a:rPr>
             <a:t>mun</a:t>
           </a:r>
           <a:r>
-            <a:rPr lang="en-DK" sz="500" kern="1200" dirty="0"/>
+            <a:rPr lang="en-DK" sz="500" kern="1200" dirty="0">
+              <a:solidFill>
+                <a:schemeClr val="bg1"/>
+              </a:solidFill>
+            </a:rPr>
             <a:t> er </a:t>
           </a:r>
           <a:r>
-            <a:rPr lang="en-DK" sz="500" kern="1200" dirty="0" err="1"/>
+            <a:rPr lang="en-DK" sz="500" kern="1200" dirty="0" err="1">
+              <a:solidFill>
+                <a:schemeClr val="bg1"/>
+              </a:solidFill>
+            </a:rPr>
             <a:t>ændret</a:t>
           </a:r>
           <a:br>
-            <a:rPr lang="en-DK" sz="500" kern="1200" dirty="0"/>
+            <a:rPr lang="en-DK" sz="500" kern="1200" dirty="0">
+              <a:solidFill>
+                <a:schemeClr val="bg1"/>
+              </a:solidFill>
+            </a:rPr>
           </a:br>
-          <a:endParaRPr lang="en-DK" sz="500" kern="1200" dirty="0"/>
+          <a:endParaRPr lang="en-DK" sz="500" kern="1200" dirty="0">
+            <a:solidFill>
+              <a:schemeClr val="bg1"/>
+            </a:solidFill>
+          </a:endParaRPr>
         </a:p>
       </dsp:txBody>
       <dsp:txXfrm>
@@ -2139,7 +2450,7 @@
             <a:alphaOff val="0"/>
           </a:schemeClr>
         </a:solidFill>
-        <a:ln w="6350" cap="flat" cmpd="sng" algn="ctr">
+        <a:ln w="9525" cap="flat" cmpd="sng" algn="ctr">
           <a:solidFill>
             <a:schemeClr val="accent1">
               <a:hueOff val="0"/>
@@ -2149,7 +2460,6 @@
             </a:schemeClr>
           </a:solidFill>
           <a:prstDash val="solid"/>
-          <a:miter lim="800000"/>
         </a:ln>
         <a:effectLst/>
       </dsp:spPr>
@@ -2202,7 +2512,6 @@
             </a:schemeClr>
           </a:solidFill>
           <a:prstDash val="solid"/>
-          <a:miter lim="800000"/>
         </a:ln>
         <a:effectLst/>
       </dsp:spPr>
@@ -2269,33 +2578,65 @@
             <a:buNone/>
           </a:pPr>
           <a:r>
-            <a:rPr lang="en-DK" sz="500" b="1" u="sng" kern="1200" dirty="0"/>
+            <a:rPr lang="en-DK" sz="500" b="1" u="sng" kern="1200" dirty="0">
+              <a:solidFill>
+                <a:schemeClr val="bg1"/>
+              </a:solidFill>
+            </a:rPr>
             <a:t>Real</a:t>
           </a:r>
           <a:br>
-            <a:rPr lang="en-DK" sz="500" kern="1200" dirty="0"/>
+            <a:rPr lang="en-DK" sz="500" kern="1200" dirty="0">
+              <a:solidFill>
+                <a:schemeClr val="bg1"/>
+              </a:solidFill>
+            </a:rPr>
           </a:br>
           <a:r>
-            <a:rPr lang="en-DK" sz="500" kern="1200" dirty="0" err="1"/>
+            <a:rPr lang="en-DK" sz="500" kern="1200" dirty="0" err="1">
+              <a:solidFill>
+                <a:schemeClr val="bg1"/>
+              </a:solidFill>
+            </a:rPr>
             <a:t>Originalt</a:t>
           </a:r>
           <a:r>
-            <a:rPr lang="en-DK" sz="500" kern="1200" dirty="0"/>
+            <a:rPr lang="en-DK" sz="500" kern="1200" dirty="0">
+              <a:solidFill>
+                <a:schemeClr val="bg1"/>
+              </a:solidFill>
+            </a:rPr>
             <a:t> billed, der </a:t>
           </a:r>
           <a:r>
-            <a:rPr lang="en-DK" sz="500" kern="1200" dirty="0" err="1"/>
+            <a:rPr lang="en-DK" sz="500" kern="1200" dirty="0" err="1">
+              <a:solidFill>
+                <a:schemeClr val="bg1"/>
+              </a:solidFill>
+            </a:rPr>
             <a:t>ikke</a:t>
           </a:r>
           <a:r>
-            <a:rPr lang="en-DK" sz="500" kern="1200" dirty="0"/>
+            <a:rPr lang="en-DK" sz="500" kern="1200" dirty="0">
+              <a:solidFill>
+                <a:schemeClr val="bg1"/>
+              </a:solidFill>
+            </a:rPr>
             <a:t> er </a:t>
           </a:r>
           <a:r>
-            <a:rPr lang="en-DK" sz="500" kern="1200" dirty="0" err="1"/>
+            <a:rPr lang="en-DK" sz="500" kern="1200" dirty="0" err="1">
+              <a:solidFill>
+                <a:schemeClr val="bg1"/>
+              </a:solidFill>
+            </a:rPr>
             <a:t>ændret</a:t>
           </a:r>
-          <a:endParaRPr lang="en-DK" sz="500" kern="1200" dirty="0"/>
+          <a:endParaRPr lang="en-DK" sz="500" kern="1200" dirty="0">
+            <a:solidFill>
+              <a:schemeClr val="bg1"/>
+            </a:solidFill>
+          </a:endParaRPr>
         </a:p>
       </dsp:txBody>
       <dsp:txXfrm>
@@ -3661,7 +4002,248 @@
 
 <file path=ppt/slideLayouts/slideLayout1.xml><?xml version="1.0" encoding="utf-8"?>
 <p:sldLayout xmlns:a="http://schemas.openxmlformats.org/drawingml/2006/main" xmlns:r="http://schemas.openxmlformats.org/officeDocument/2006/relationships" xmlns:p="http://schemas.openxmlformats.org/presentationml/2006/main" type="title" preserve="1">
-  <p:cSld name="Titelslide">
+  <p:cSld name="Title Slide">
+    <p:spTree>
+      <p:nvGrpSpPr>
+        <p:cNvPr id="1" name=""/>
+        <p:cNvGrpSpPr/>
+        <p:nvPr/>
+      </p:nvGrpSpPr>
+      <p:grpSpPr>
+        <a:xfrm>
+          <a:off x="0" y="0"/>
+          <a:ext cx="0" cy="0"/>
+          <a:chOff x="0" y="0"/>
+          <a:chExt cx="0" cy="0"/>
+        </a:xfrm>
+      </p:grpSpPr>
+      <p:pic>
+        <p:nvPicPr>
+          <p:cNvPr id="7" name="Picture 6" descr="C0-HD-BTM.png"/>
+          <p:cNvPicPr>
+            <a:picLocks noChangeAspect="1"/>
+          </p:cNvPicPr>
+          <p:nvPr/>
+        </p:nvPicPr>
+        <p:blipFill>
+          <a:blip r:embed="rId2">
+            <a:extLst>
+              <a:ext uri="{28A0092B-C50C-407E-A947-70E740481C1C}">
+                <a14:useLocalDpi xmlns:a14="http://schemas.microsoft.com/office/drawing/2010/main" val="0"/>
+              </a:ext>
+            </a:extLst>
+          </a:blip>
+          <a:stretch>
+            <a:fillRect/>
+          </a:stretch>
+        </p:blipFill>
+        <p:spPr>
+          <a:xfrm>
+            <a:off x="0" y="4375150"/>
+            <a:ext cx="12192000" cy="2482850"/>
+          </a:xfrm>
+          <a:prstGeom prst="rect">
+            <a:avLst/>
+          </a:prstGeom>
+        </p:spPr>
+      </p:pic>
+      <p:sp>
+        <p:nvSpPr>
+          <p:cNvPr id="2" name="Title 1"/>
+          <p:cNvSpPr>
+            <a:spLocks noGrp="1"/>
+          </p:cNvSpPr>
+          <p:nvPr>
+            <p:ph type="ctrTitle"/>
+          </p:nvPr>
+        </p:nvSpPr>
+        <p:spPr>
+          <a:xfrm>
+            <a:off x="1371600" y="1803405"/>
+            <a:ext cx="9448800" cy="1825096"/>
+          </a:xfrm>
+        </p:spPr>
+        <p:txBody>
+          <a:bodyPr anchor="b">
+            <a:normAutofit/>
+          </a:bodyPr>
+          <a:lstStyle>
+            <a:lvl1pPr algn="l">
+              <a:defRPr sz="6000"/>
+            </a:lvl1pPr>
+          </a:lstStyle>
+          <a:p>
+            <a:r>
+              <a:rPr lang="en-US"/>
+              <a:t>Click to edit Master title style</a:t>
+            </a:r>
+            <a:endParaRPr lang="en-US" dirty="0"/>
+          </a:p>
+        </p:txBody>
+      </p:sp>
+      <p:sp>
+        <p:nvSpPr>
+          <p:cNvPr id="3" name="Subtitle 2"/>
+          <p:cNvSpPr>
+            <a:spLocks noGrp="1"/>
+          </p:cNvSpPr>
+          <p:nvPr>
+            <p:ph type="subTitle" idx="1"/>
+          </p:nvPr>
+        </p:nvSpPr>
+        <p:spPr>
+          <a:xfrm>
+            <a:off x="1371600" y="3632201"/>
+            <a:ext cx="9448800" cy="685800"/>
+          </a:xfrm>
+        </p:spPr>
+        <p:txBody>
+          <a:bodyPr>
+            <a:normAutofit/>
+          </a:bodyPr>
+          <a:lstStyle>
+            <a:lvl1pPr marL="0" indent="0" algn="l">
+              <a:buNone/>
+              <a:defRPr sz="2000"/>
+            </a:lvl1pPr>
+            <a:lvl2pPr marL="457200" indent="0" algn="ctr">
+              <a:buNone/>
+              <a:defRPr sz="2000"/>
+            </a:lvl2pPr>
+            <a:lvl3pPr marL="914400" indent="0" algn="ctr">
+              <a:buNone/>
+              <a:defRPr sz="1800"/>
+            </a:lvl3pPr>
+            <a:lvl4pPr marL="1371600" indent="0" algn="ctr">
+              <a:buNone/>
+              <a:defRPr sz="1600"/>
+            </a:lvl4pPr>
+            <a:lvl5pPr marL="1828800" indent="0" algn="ctr">
+              <a:buNone/>
+              <a:defRPr sz="1600"/>
+            </a:lvl5pPr>
+            <a:lvl6pPr marL="2286000" indent="0" algn="ctr">
+              <a:buNone/>
+              <a:defRPr sz="1600"/>
+            </a:lvl6pPr>
+            <a:lvl7pPr marL="2743200" indent="0" algn="ctr">
+              <a:buNone/>
+              <a:defRPr sz="1600"/>
+            </a:lvl7pPr>
+            <a:lvl8pPr marL="3200400" indent="0" algn="ctr">
+              <a:buNone/>
+              <a:defRPr sz="1600"/>
+            </a:lvl8pPr>
+            <a:lvl9pPr marL="3657600" indent="0" algn="ctr">
+              <a:buNone/>
+              <a:defRPr sz="1600"/>
+            </a:lvl9pPr>
+          </a:lstStyle>
+          <a:p>
+            <a:r>
+              <a:rPr lang="en-US"/>
+              <a:t>Click to edit Master subtitle style</a:t>
+            </a:r>
+            <a:endParaRPr lang="en-US" dirty="0"/>
+          </a:p>
+        </p:txBody>
+      </p:sp>
+      <p:sp>
+        <p:nvSpPr>
+          <p:cNvPr id="4" name="Date Placeholder 3"/>
+          <p:cNvSpPr>
+            <a:spLocks noGrp="1"/>
+          </p:cNvSpPr>
+          <p:nvPr>
+            <p:ph type="dt" sz="half" idx="10"/>
+          </p:nvPr>
+        </p:nvSpPr>
+        <p:spPr>
+          <a:xfrm>
+            <a:off x="7909561" y="4314328"/>
+            <a:ext cx="2910840" cy="374642"/>
+          </a:xfrm>
+        </p:spPr>
+        <p:txBody>
+          <a:bodyPr/>
+          <a:lstStyle/>
+          <a:p>
+            <a:fld id="{D2CDA3DE-14DF-470F-9819-26C440152B3A}" type="datetimeFigureOut">
+              <a:rPr lang="en-DK" smtClean="0"/>
+              <a:t>07/05/2022</a:t>
+            </a:fld>
+            <a:endParaRPr lang="en-DK"/>
+          </a:p>
+        </p:txBody>
+      </p:sp>
+      <p:sp>
+        <p:nvSpPr>
+          <p:cNvPr id="5" name="Footer Placeholder 4"/>
+          <p:cNvSpPr>
+            <a:spLocks noGrp="1"/>
+          </p:cNvSpPr>
+          <p:nvPr>
+            <p:ph type="ftr" sz="quarter" idx="11"/>
+          </p:nvPr>
+        </p:nvSpPr>
+        <p:spPr>
+          <a:xfrm>
+            <a:off x="1371600" y="4323845"/>
+            <a:ext cx="6400800" cy="365125"/>
+          </a:xfrm>
+        </p:spPr>
+        <p:txBody>
+          <a:bodyPr/>
+          <a:lstStyle/>
+          <a:p>
+            <a:endParaRPr lang="en-DK"/>
+          </a:p>
+        </p:txBody>
+      </p:sp>
+      <p:sp>
+        <p:nvSpPr>
+          <p:cNvPr id="6" name="Slide Number Placeholder 5"/>
+          <p:cNvSpPr>
+            <a:spLocks noGrp="1"/>
+          </p:cNvSpPr>
+          <p:nvPr>
+            <p:ph type="sldNum" sz="quarter" idx="12"/>
+          </p:nvPr>
+        </p:nvSpPr>
+        <p:spPr>
+          <a:xfrm>
+            <a:off x="8077200" y="1430866"/>
+            <a:ext cx="2743200" cy="365125"/>
+          </a:xfrm>
+        </p:spPr>
+        <p:txBody>
+          <a:bodyPr/>
+          <a:lstStyle/>
+          <a:p>
+            <a:fld id="{E6DB22D4-7540-419B-9E91-9A92006375AE}" type="slidenum">
+              <a:rPr lang="en-DK" smtClean="0"/>
+              <a:t>‹#›</a:t>
+            </a:fld>
+            <a:endParaRPr lang="en-DK"/>
+          </a:p>
+        </p:txBody>
+      </p:sp>
+    </p:spTree>
+    <p:extLst>
+      <p:ext uri="{BB962C8B-B14F-4D97-AF65-F5344CB8AC3E}">
+        <p14:creationId xmlns:p14="http://schemas.microsoft.com/office/powerpoint/2010/main" val="2447481061"/>
+      </p:ext>
+    </p:extLst>
+  </p:cSld>
+  <p:clrMapOvr>
+    <a:masterClrMapping/>
+  </p:clrMapOvr>
+</p:sldLayout>
+</file>
+
+<file path=ppt/slideLayouts/slideLayout10.xml><?xml version="1.0" encoding="utf-8"?>
+<p:sldLayout xmlns:a="http://schemas.openxmlformats.org/drawingml/2006/main" xmlns:r="http://schemas.openxmlformats.org/officeDocument/2006/relationships" xmlns:p="http://schemas.openxmlformats.org/presentationml/2006/main" preserve="1">
+  <p:cSld name="Panoramic Picture with Caption">
     <p:spTree>
       <p:nvGrpSpPr>
         <p:cNvPr id="1" name=""/>
@@ -3678,122 +4260,169 @@
       </p:grpSpPr>
       <p:sp>
         <p:nvSpPr>
-          <p:cNvPr id="2" name="Titel 1">
-            <a:extLst>
-              <a:ext uri="{FF2B5EF4-FFF2-40B4-BE49-F238E27FC236}">
-                <a16:creationId xmlns:a16="http://schemas.microsoft.com/office/drawing/2014/main" id="{77698DBD-3C2E-6CFB-DB23-5CCF01CCB3FD}"/>
-              </a:ext>
-            </a:extLst>
-          </p:cNvPr>
+          <p:cNvPr id="2" name="Title 1"/>
           <p:cNvSpPr>
             <a:spLocks noGrp="1"/>
           </p:cNvSpPr>
           <p:nvPr>
-            <p:ph type="ctrTitle"/>
+            <p:ph type="title"/>
           </p:nvPr>
         </p:nvSpPr>
         <p:spPr>
           <a:xfrm>
-            <a:off x="1524000" y="1122363"/>
-            <a:ext cx="9144000" cy="2387600"/>
+            <a:off x="685777" y="4697360"/>
+            <a:ext cx="10822034" cy="819355"/>
           </a:xfrm>
         </p:spPr>
         <p:txBody>
           <a:bodyPr anchor="b"/>
           <a:lstStyle>
-            <a:lvl1pPr algn="ctr">
-              <a:defRPr sz="6000"/>
+            <a:lvl1pPr algn="l">
+              <a:defRPr sz="3200"/>
             </a:lvl1pPr>
           </a:lstStyle>
           <a:p>
             <a:r>
-              <a:rPr lang="da-DK"/>
-              <a:t>Klik for at redigere titeltypografien i masteren</a:t>
-            </a:r>
-            <a:endParaRPr lang="en-DK"/>
+              <a:rPr lang="en-US"/>
+              <a:t>Click to edit Master title style</a:t>
+            </a:r>
+            <a:endParaRPr lang="en-US" dirty="0"/>
           </a:p>
         </p:txBody>
       </p:sp>
       <p:sp>
         <p:nvSpPr>
-          <p:cNvPr id="3" name="Undertitel 2">
-            <a:extLst>
-              <a:ext uri="{FF2B5EF4-FFF2-40B4-BE49-F238E27FC236}">
-                <a16:creationId xmlns:a16="http://schemas.microsoft.com/office/drawing/2014/main" id="{BBC0074E-0ABE-A248-FB64-78C875C94F8A}"/>
-              </a:ext>
-            </a:extLst>
-          </p:cNvPr>
+          <p:cNvPr id="3" name="Picture Placeholder 2"/>
+          <p:cNvSpPr>
+            <a:spLocks noGrp="1" noChangeAspect="1"/>
+          </p:cNvSpPr>
+          <p:nvPr>
+            <p:ph type="pic" idx="1"/>
+          </p:nvPr>
+        </p:nvSpPr>
+        <p:spPr>
+          <a:xfrm>
+            <a:off x="681727" y="941439"/>
+            <a:ext cx="10821840" cy="3478161"/>
+          </a:xfrm>
+        </p:spPr>
+        <p:txBody>
+          <a:bodyPr anchor="t"/>
+          <a:lstStyle>
+            <a:lvl1pPr marL="0" indent="0">
+              <a:buNone/>
+              <a:defRPr sz="3200"/>
+            </a:lvl1pPr>
+            <a:lvl2pPr marL="457200" indent="0">
+              <a:buNone/>
+              <a:defRPr sz="2800"/>
+            </a:lvl2pPr>
+            <a:lvl3pPr marL="914400" indent="0">
+              <a:buNone/>
+              <a:defRPr sz="2400"/>
+            </a:lvl3pPr>
+            <a:lvl4pPr marL="1371600" indent="0">
+              <a:buNone/>
+              <a:defRPr sz="2000"/>
+            </a:lvl4pPr>
+            <a:lvl5pPr marL="1828800" indent="0">
+              <a:buNone/>
+              <a:defRPr sz="2000"/>
+            </a:lvl5pPr>
+            <a:lvl6pPr marL="2286000" indent="0">
+              <a:buNone/>
+              <a:defRPr sz="2000"/>
+            </a:lvl6pPr>
+            <a:lvl7pPr marL="2743200" indent="0">
+              <a:buNone/>
+              <a:defRPr sz="2000"/>
+            </a:lvl7pPr>
+            <a:lvl8pPr marL="3200400" indent="0">
+              <a:buNone/>
+              <a:defRPr sz="2000"/>
+            </a:lvl8pPr>
+            <a:lvl9pPr marL="3657600" indent="0">
+              <a:buNone/>
+              <a:defRPr sz="2000"/>
+            </a:lvl9pPr>
+          </a:lstStyle>
+          <a:p>
+            <a:r>
+              <a:rPr lang="en-US"/>
+              <a:t>Click icon to add picture</a:t>
+            </a:r>
+            <a:endParaRPr lang="en-US" dirty="0"/>
+          </a:p>
+        </p:txBody>
+      </p:sp>
+      <p:sp>
+        <p:nvSpPr>
+          <p:cNvPr id="4" name="Text Placeholder 3"/>
           <p:cNvSpPr>
             <a:spLocks noGrp="1"/>
           </p:cNvSpPr>
           <p:nvPr>
-            <p:ph type="subTitle" idx="1"/>
+            <p:ph type="body" sz="half" idx="2"/>
           </p:nvPr>
         </p:nvSpPr>
         <p:spPr>
           <a:xfrm>
-            <a:off x="1524000" y="3602038"/>
-            <a:ext cx="9144000" cy="1655762"/>
+            <a:off x="685800" y="5516715"/>
+            <a:ext cx="10820400" cy="701969"/>
           </a:xfrm>
         </p:spPr>
         <p:txBody>
           <a:bodyPr/>
           <a:lstStyle>
-            <a:lvl1pPr marL="0" indent="0" algn="ctr">
-              <a:buNone/>
-              <a:defRPr sz="2400"/>
+            <a:lvl1pPr marL="0" indent="0" algn="l">
+              <a:buNone/>
+              <a:defRPr sz="1600"/>
             </a:lvl1pPr>
-            <a:lvl2pPr marL="457200" indent="0" algn="ctr">
-              <a:buNone/>
-              <a:defRPr sz="2000"/>
+            <a:lvl2pPr marL="457200" indent="0">
+              <a:buNone/>
+              <a:defRPr sz="1400"/>
             </a:lvl2pPr>
-            <a:lvl3pPr marL="914400" indent="0" algn="ctr">
-              <a:buNone/>
-              <a:defRPr sz="1800"/>
+            <a:lvl3pPr marL="914400" indent="0">
+              <a:buNone/>
+              <a:defRPr sz="1200"/>
             </a:lvl3pPr>
-            <a:lvl4pPr marL="1371600" indent="0" algn="ctr">
-              <a:buNone/>
-              <a:defRPr sz="1600"/>
+            <a:lvl4pPr marL="1371600" indent="0">
+              <a:buNone/>
+              <a:defRPr sz="1000"/>
             </a:lvl4pPr>
-            <a:lvl5pPr marL="1828800" indent="0" algn="ctr">
-              <a:buNone/>
-              <a:defRPr sz="1600"/>
+            <a:lvl5pPr marL="1828800" indent="0">
+              <a:buNone/>
+              <a:defRPr sz="1000"/>
             </a:lvl5pPr>
-            <a:lvl6pPr marL="2286000" indent="0" algn="ctr">
-              <a:buNone/>
-              <a:defRPr sz="1600"/>
+            <a:lvl6pPr marL="2286000" indent="0">
+              <a:buNone/>
+              <a:defRPr sz="1000"/>
             </a:lvl6pPr>
-            <a:lvl7pPr marL="2743200" indent="0" algn="ctr">
-              <a:buNone/>
-              <a:defRPr sz="1600"/>
+            <a:lvl7pPr marL="2743200" indent="0">
+              <a:buNone/>
+              <a:defRPr sz="1000"/>
             </a:lvl7pPr>
-            <a:lvl8pPr marL="3200400" indent="0" algn="ctr">
-              <a:buNone/>
-              <a:defRPr sz="1600"/>
+            <a:lvl8pPr marL="3200400" indent="0">
+              <a:buNone/>
+              <a:defRPr sz="1000"/>
             </a:lvl8pPr>
-            <a:lvl9pPr marL="3657600" indent="0" algn="ctr">
-              <a:buNone/>
-              <a:defRPr sz="1600"/>
+            <a:lvl9pPr marL="3657600" indent="0">
+              <a:buNone/>
+              <a:defRPr sz="1000"/>
             </a:lvl9pPr>
           </a:lstStyle>
           <a:p>
-            <a:r>
-              <a:rPr lang="da-DK"/>
-              <a:t>Klik for at redigere undertiteltypografien i masteren</a:t>
-            </a:r>
-            <a:endParaRPr lang="en-DK"/>
+            <a:pPr lvl="0"/>
+            <a:r>
+              <a:rPr lang="en-US"/>
+              <a:t>Click to edit Master text styles</a:t>
+            </a:r>
           </a:p>
         </p:txBody>
       </p:sp>
       <p:sp>
         <p:nvSpPr>
-          <p:cNvPr id="4" name="Pladsholder til dato 3">
-            <a:extLst>
-              <a:ext uri="{FF2B5EF4-FFF2-40B4-BE49-F238E27FC236}">
-                <a16:creationId xmlns:a16="http://schemas.microsoft.com/office/drawing/2014/main" id="{F79BC874-9506-EE7F-A356-A158CB00A3B2}"/>
-              </a:ext>
-            </a:extLst>
-          </p:cNvPr>
+          <p:cNvPr id="5" name="Date Placeholder 4"/>
           <p:cNvSpPr>
             <a:spLocks noGrp="1"/>
           </p:cNvSpPr>
@@ -3808,7 +4437,7 @@
           <a:p>
             <a:fld id="{D2CDA3DE-14DF-470F-9819-26C440152B3A}" type="datetimeFigureOut">
               <a:rPr lang="en-DK" smtClean="0"/>
-              <a:t>01/05/2022</a:t>
+              <a:t>07/05/2022</a:t>
             </a:fld>
             <a:endParaRPr lang="en-DK"/>
           </a:p>
@@ -3816,13 +4445,7 @@
       </p:sp>
       <p:sp>
         <p:nvSpPr>
-          <p:cNvPr id="5" name="Pladsholder til sidefod 4">
-            <a:extLst>
-              <a:ext uri="{FF2B5EF4-FFF2-40B4-BE49-F238E27FC236}">
-                <a16:creationId xmlns:a16="http://schemas.microsoft.com/office/drawing/2014/main" id="{B536FD7D-5DBC-09DA-8CE1-835F001B6365}"/>
-              </a:ext>
-            </a:extLst>
-          </p:cNvPr>
+          <p:cNvPr id="6" name="Footer Placeholder 5"/>
           <p:cNvSpPr>
             <a:spLocks noGrp="1"/>
           </p:cNvSpPr>
@@ -3841,13 +4464,7 @@
       </p:sp>
       <p:sp>
         <p:nvSpPr>
-          <p:cNvPr id="6" name="Pladsholder til slidenummer 5">
-            <a:extLst>
-              <a:ext uri="{FF2B5EF4-FFF2-40B4-BE49-F238E27FC236}">
-                <a16:creationId xmlns:a16="http://schemas.microsoft.com/office/drawing/2014/main" id="{47972331-FD17-FC1F-B983-355ADCB8337B}"/>
-              </a:ext>
-            </a:extLst>
-          </p:cNvPr>
+          <p:cNvPr id="7" name="Slide Number Placeholder 6"/>
           <p:cNvSpPr>
             <a:spLocks noGrp="1"/>
           </p:cNvSpPr>
@@ -3862,7 +4479,7 @@
           <a:p>
             <a:fld id="{E6DB22D4-7540-419B-9E91-9A92006375AE}" type="slidenum">
               <a:rPr lang="en-DK" smtClean="0"/>
-              <a:t>‹nr.›</a:t>
+              <a:t>‹#›</a:t>
             </a:fld>
             <a:endParaRPr lang="en-DK"/>
           </a:p>
@@ -3871,7 +4488,7 @@
     </p:spTree>
     <p:extLst>
       <p:ext uri="{BB962C8B-B14F-4D97-AF65-F5344CB8AC3E}">
-        <p14:creationId xmlns:p14="http://schemas.microsoft.com/office/powerpoint/2010/main" val="1269233128"/>
+        <p14:creationId xmlns:p14="http://schemas.microsoft.com/office/powerpoint/2010/main" val="3581061085"/>
       </p:ext>
     </p:extLst>
   </p:cSld>
@@ -3881,9 +4498,1033 @@
 </p:sldLayout>
 </file>
 
-<file path=ppt/slideLayouts/slideLayout10.xml><?xml version="1.0" encoding="utf-8"?>
-<p:sldLayout xmlns:a="http://schemas.openxmlformats.org/drawingml/2006/main" xmlns:r="http://schemas.openxmlformats.org/officeDocument/2006/relationships" xmlns:p="http://schemas.openxmlformats.org/presentationml/2006/main" type="vertTx" preserve="1">
-  <p:cSld name="Titel og lodret tekst">
+<file path=ppt/slideLayouts/slideLayout11.xml><?xml version="1.0" encoding="utf-8"?>
+<p:sldLayout xmlns:a="http://schemas.openxmlformats.org/drawingml/2006/main" xmlns:r="http://schemas.openxmlformats.org/officeDocument/2006/relationships" xmlns:p="http://schemas.openxmlformats.org/presentationml/2006/main" showMasterSp="0" preserve="1">
+  <p:cSld name="Title and Caption">
+    <p:spTree>
+      <p:nvGrpSpPr>
+        <p:cNvPr id="1" name=""/>
+        <p:cNvGrpSpPr/>
+        <p:nvPr/>
+      </p:nvGrpSpPr>
+      <p:grpSpPr>
+        <a:xfrm>
+          <a:off x="0" y="0"/>
+          <a:ext cx="0" cy="0"/>
+          <a:chOff x="0" y="0"/>
+          <a:chExt cx="0" cy="0"/>
+        </a:xfrm>
+      </p:grpSpPr>
+      <p:pic>
+        <p:nvPicPr>
+          <p:cNvPr id="8" name="Picture 7" descr="C0-HD-BTM.png"/>
+          <p:cNvPicPr>
+            <a:picLocks noChangeAspect="1"/>
+          </p:cNvPicPr>
+          <p:nvPr/>
+        </p:nvPicPr>
+        <p:blipFill>
+          <a:blip r:embed="rId2">
+            <a:extLst>
+              <a:ext uri="{28A0092B-C50C-407E-A947-70E740481C1C}">
+                <a14:useLocalDpi xmlns:a14="http://schemas.microsoft.com/office/drawing/2010/main" val="0"/>
+              </a:ext>
+            </a:extLst>
+          </a:blip>
+          <a:stretch>
+            <a:fillRect/>
+          </a:stretch>
+        </p:blipFill>
+        <p:spPr>
+          <a:xfrm>
+            <a:off x="0" y="4375150"/>
+            <a:ext cx="12192000" cy="2482850"/>
+          </a:xfrm>
+          <a:prstGeom prst="rect">
+            <a:avLst/>
+          </a:prstGeom>
+        </p:spPr>
+      </p:pic>
+      <p:sp>
+        <p:nvSpPr>
+          <p:cNvPr id="2" name="Title 1"/>
+          <p:cNvSpPr>
+            <a:spLocks noGrp="1"/>
+          </p:cNvSpPr>
+          <p:nvPr>
+            <p:ph type="title"/>
+          </p:nvPr>
+        </p:nvSpPr>
+        <p:spPr>
+          <a:xfrm>
+            <a:off x="685800" y="753532"/>
+            <a:ext cx="10820400" cy="2802467"/>
+          </a:xfrm>
+        </p:spPr>
+        <p:txBody>
+          <a:bodyPr anchor="ctr"/>
+          <a:lstStyle>
+            <a:lvl1pPr algn="l">
+              <a:defRPr sz="3200"/>
+            </a:lvl1pPr>
+          </a:lstStyle>
+          <a:p>
+            <a:r>
+              <a:rPr lang="en-US"/>
+              <a:t>Click to edit Master title style</a:t>
+            </a:r>
+            <a:endParaRPr lang="en-US" dirty="0"/>
+          </a:p>
+        </p:txBody>
+      </p:sp>
+      <p:sp>
+        <p:nvSpPr>
+          <p:cNvPr id="4" name="Text Placeholder 3"/>
+          <p:cNvSpPr>
+            <a:spLocks noGrp="1"/>
+          </p:cNvSpPr>
+          <p:nvPr>
+            <p:ph type="body" sz="half" idx="2"/>
+          </p:nvPr>
+        </p:nvSpPr>
+        <p:spPr>
+          <a:xfrm>
+            <a:off x="1024467" y="3649133"/>
+            <a:ext cx="10130516" cy="999067"/>
+          </a:xfrm>
+        </p:spPr>
+        <p:txBody>
+          <a:bodyPr anchor="ctr"/>
+          <a:lstStyle>
+            <a:lvl1pPr marL="0" indent="0">
+              <a:buNone/>
+              <a:defRPr sz="1600"/>
+            </a:lvl1pPr>
+            <a:lvl2pPr marL="457200" indent="0">
+              <a:buNone/>
+              <a:defRPr sz="1400"/>
+            </a:lvl2pPr>
+            <a:lvl3pPr marL="914400" indent="0">
+              <a:buNone/>
+              <a:defRPr sz="1200"/>
+            </a:lvl3pPr>
+            <a:lvl4pPr marL="1371600" indent="0">
+              <a:buNone/>
+              <a:defRPr sz="1000"/>
+            </a:lvl4pPr>
+            <a:lvl5pPr marL="1828800" indent="0">
+              <a:buNone/>
+              <a:defRPr sz="1000"/>
+            </a:lvl5pPr>
+            <a:lvl6pPr marL="2286000" indent="0">
+              <a:buNone/>
+              <a:defRPr sz="1000"/>
+            </a:lvl6pPr>
+            <a:lvl7pPr marL="2743200" indent="0">
+              <a:buNone/>
+              <a:defRPr sz="1000"/>
+            </a:lvl7pPr>
+            <a:lvl8pPr marL="3200400" indent="0">
+              <a:buNone/>
+              <a:defRPr sz="1000"/>
+            </a:lvl8pPr>
+            <a:lvl9pPr marL="3657600" indent="0">
+              <a:buNone/>
+              <a:defRPr sz="1000"/>
+            </a:lvl9pPr>
+          </a:lstStyle>
+          <a:p>
+            <a:pPr lvl="0"/>
+            <a:r>
+              <a:rPr lang="en-US"/>
+              <a:t>Click to edit Master text styles</a:t>
+            </a:r>
+          </a:p>
+        </p:txBody>
+      </p:sp>
+      <p:sp>
+        <p:nvSpPr>
+          <p:cNvPr id="5" name="Date Placeholder 4"/>
+          <p:cNvSpPr>
+            <a:spLocks noGrp="1"/>
+          </p:cNvSpPr>
+          <p:nvPr>
+            <p:ph type="dt" sz="half" idx="10"/>
+          </p:nvPr>
+        </p:nvSpPr>
+        <p:spPr>
+          <a:xfrm>
+            <a:off x="7814452" y="381000"/>
+            <a:ext cx="2910840" cy="365125"/>
+          </a:xfrm>
+        </p:spPr>
+        <p:txBody>
+          <a:bodyPr/>
+          <a:lstStyle>
+            <a:lvl1pPr algn="r">
+              <a:defRPr/>
+            </a:lvl1pPr>
+          </a:lstStyle>
+          <a:p>
+            <a:fld id="{D2CDA3DE-14DF-470F-9819-26C440152B3A}" type="datetimeFigureOut">
+              <a:rPr lang="en-DK" smtClean="0"/>
+              <a:t>07/05/2022</a:t>
+            </a:fld>
+            <a:endParaRPr lang="en-DK"/>
+          </a:p>
+        </p:txBody>
+      </p:sp>
+      <p:sp>
+        <p:nvSpPr>
+          <p:cNvPr id="6" name="Footer Placeholder 5"/>
+          <p:cNvSpPr>
+            <a:spLocks noGrp="1"/>
+          </p:cNvSpPr>
+          <p:nvPr>
+            <p:ph type="ftr" sz="quarter" idx="11"/>
+          </p:nvPr>
+        </p:nvSpPr>
+        <p:spPr>
+          <a:xfrm>
+            <a:off x="685800" y="379941"/>
+            <a:ext cx="6991492" cy="365125"/>
+          </a:xfrm>
+        </p:spPr>
+        <p:txBody>
+          <a:bodyPr/>
+          <a:lstStyle/>
+          <a:p>
+            <a:endParaRPr lang="en-DK"/>
+          </a:p>
+        </p:txBody>
+      </p:sp>
+      <p:sp>
+        <p:nvSpPr>
+          <p:cNvPr id="7" name="Slide Number Placeholder 6"/>
+          <p:cNvSpPr>
+            <a:spLocks noGrp="1"/>
+          </p:cNvSpPr>
+          <p:nvPr>
+            <p:ph type="sldNum" sz="quarter" idx="12"/>
+          </p:nvPr>
+        </p:nvSpPr>
+        <p:spPr>
+          <a:xfrm>
+            <a:off x="10862452" y="381000"/>
+            <a:ext cx="643748" cy="365125"/>
+          </a:xfrm>
+        </p:spPr>
+        <p:txBody>
+          <a:bodyPr/>
+          <a:lstStyle/>
+          <a:p>
+            <a:fld id="{E6DB22D4-7540-419B-9E91-9A92006375AE}" type="slidenum">
+              <a:rPr lang="en-DK" smtClean="0"/>
+              <a:t>‹#›</a:t>
+            </a:fld>
+            <a:endParaRPr lang="en-DK"/>
+          </a:p>
+        </p:txBody>
+      </p:sp>
+    </p:spTree>
+    <p:extLst>
+      <p:ext uri="{BB962C8B-B14F-4D97-AF65-F5344CB8AC3E}">
+        <p14:creationId xmlns:p14="http://schemas.microsoft.com/office/powerpoint/2010/main" val="20678227"/>
+      </p:ext>
+    </p:extLst>
+  </p:cSld>
+  <p:clrMapOvr>
+    <a:masterClrMapping/>
+  </p:clrMapOvr>
+</p:sldLayout>
+</file>
+
+<file path=ppt/slideLayouts/slideLayout12.xml><?xml version="1.0" encoding="utf-8"?>
+<p:sldLayout xmlns:a="http://schemas.openxmlformats.org/drawingml/2006/main" xmlns:r="http://schemas.openxmlformats.org/officeDocument/2006/relationships" xmlns:p="http://schemas.openxmlformats.org/presentationml/2006/main" showMasterSp="0" preserve="1">
+  <p:cSld name="Quote with Caption">
+    <p:spTree>
+      <p:nvGrpSpPr>
+        <p:cNvPr id="1" name=""/>
+        <p:cNvGrpSpPr/>
+        <p:nvPr/>
+      </p:nvGrpSpPr>
+      <p:grpSpPr>
+        <a:xfrm>
+          <a:off x="0" y="0"/>
+          <a:ext cx="0" cy="0"/>
+          <a:chOff x="0" y="0"/>
+          <a:chExt cx="0" cy="0"/>
+        </a:xfrm>
+      </p:grpSpPr>
+      <p:pic>
+        <p:nvPicPr>
+          <p:cNvPr id="13" name="Picture 12" descr="C0-HD-BTM.png"/>
+          <p:cNvPicPr>
+            <a:picLocks noChangeAspect="1"/>
+          </p:cNvPicPr>
+          <p:nvPr/>
+        </p:nvPicPr>
+        <p:blipFill>
+          <a:blip r:embed="rId2">
+            <a:extLst>
+              <a:ext uri="{28A0092B-C50C-407E-A947-70E740481C1C}">
+                <a14:useLocalDpi xmlns:a14="http://schemas.microsoft.com/office/drawing/2010/main" val="0"/>
+              </a:ext>
+            </a:extLst>
+          </a:blip>
+          <a:stretch>
+            <a:fillRect/>
+          </a:stretch>
+        </p:blipFill>
+        <p:spPr>
+          <a:xfrm>
+            <a:off x="0" y="4375150"/>
+            <a:ext cx="12192000" cy="2482850"/>
+          </a:xfrm>
+          <a:prstGeom prst="rect">
+            <a:avLst/>
+          </a:prstGeom>
+        </p:spPr>
+      </p:pic>
+      <p:sp>
+        <p:nvSpPr>
+          <p:cNvPr id="2" name="Title 1"/>
+          <p:cNvSpPr>
+            <a:spLocks noGrp="1"/>
+          </p:cNvSpPr>
+          <p:nvPr>
+            <p:ph type="title"/>
+          </p:nvPr>
+        </p:nvSpPr>
+        <p:spPr>
+          <a:xfrm>
+            <a:off x="1024467" y="753533"/>
+            <a:ext cx="10151533" cy="2604495"/>
+          </a:xfrm>
+        </p:spPr>
+        <p:txBody>
+          <a:bodyPr anchor="ctr"/>
+          <a:lstStyle>
+            <a:lvl1pPr algn="l">
+              <a:defRPr sz="3200"/>
+            </a:lvl1pPr>
+          </a:lstStyle>
+          <a:p>
+            <a:r>
+              <a:rPr lang="en-US"/>
+              <a:t>Click to edit Master title style</a:t>
+            </a:r>
+            <a:endParaRPr lang="en-US" dirty="0"/>
+          </a:p>
+        </p:txBody>
+      </p:sp>
+      <p:sp>
+        <p:nvSpPr>
+          <p:cNvPr id="12" name="Text Placeholder 3"/>
+          <p:cNvSpPr>
+            <a:spLocks noGrp="1"/>
+          </p:cNvSpPr>
+          <p:nvPr>
+            <p:ph type="body" sz="half" idx="13"/>
+          </p:nvPr>
+        </p:nvSpPr>
+        <p:spPr>
+          <a:xfrm>
+            <a:off x="1303865" y="3365556"/>
+            <a:ext cx="9592736" cy="444443"/>
+          </a:xfrm>
+        </p:spPr>
+        <p:txBody>
+          <a:bodyPr anchor="t">
+            <a:normAutofit/>
+          </a:bodyPr>
+          <a:lstStyle>
+            <a:lvl1pPr marL="0" indent="0">
+              <a:buNone/>
+              <a:defRPr sz="1400"/>
+            </a:lvl1pPr>
+            <a:lvl2pPr marL="457200" indent="0">
+              <a:buNone/>
+              <a:defRPr sz="1400"/>
+            </a:lvl2pPr>
+            <a:lvl3pPr marL="914400" indent="0">
+              <a:buNone/>
+              <a:defRPr sz="1200"/>
+            </a:lvl3pPr>
+            <a:lvl4pPr marL="1371600" indent="0">
+              <a:buNone/>
+              <a:defRPr sz="1000"/>
+            </a:lvl4pPr>
+            <a:lvl5pPr marL="1828800" indent="0">
+              <a:buNone/>
+              <a:defRPr sz="1000"/>
+            </a:lvl5pPr>
+            <a:lvl6pPr marL="2286000" indent="0">
+              <a:buNone/>
+              <a:defRPr sz="1000"/>
+            </a:lvl6pPr>
+            <a:lvl7pPr marL="2743200" indent="0">
+              <a:buNone/>
+              <a:defRPr sz="1000"/>
+            </a:lvl7pPr>
+            <a:lvl8pPr marL="3200400" indent="0">
+              <a:buNone/>
+              <a:defRPr sz="1000"/>
+            </a:lvl8pPr>
+            <a:lvl9pPr marL="3657600" indent="0">
+              <a:buNone/>
+              <a:defRPr sz="1000"/>
+            </a:lvl9pPr>
+          </a:lstStyle>
+          <a:p>
+            <a:pPr lvl="0"/>
+            <a:r>
+              <a:rPr lang="en-US"/>
+              <a:t>Click to edit Master text styles</a:t>
+            </a:r>
+          </a:p>
+        </p:txBody>
+      </p:sp>
+      <p:sp>
+        <p:nvSpPr>
+          <p:cNvPr id="4" name="Text Placeholder 3"/>
+          <p:cNvSpPr>
+            <a:spLocks noGrp="1"/>
+          </p:cNvSpPr>
+          <p:nvPr>
+            <p:ph type="body" sz="half" idx="2"/>
+          </p:nvPr>
+        </p:nvSpPr>
+        <p:spPr>
+          <a:xfrm>
+            <a:off x="1024467" y="3959862"/>
+            <a:ext cx="10151533" cy="679871"/>
+          </a:xfrm>
+        </p:spPr>
+        <p:txBody>
+          <a:bodyPr anchor="ctr">
+            <a:normAutofit/>
+          </a:bodyPr>
+          <a:lstStyle>
+            <a:lvl1pPr marL="0" indent="0">
+              <a:buNone/>
+              <a:defRPr sz="1600"/>
+            </a:lvl1pPr>
+            <a:lvl2pPr marL="457200" indent="0">
+              <a:buNone/>
+              <a:defRPr sz="1400"/>
+            </a:lvl2pPr>
+            <a:lvl3pPr marL="914400" indent="0">
+              <a:buNone/>
+              <a:defRPr sz="1200"/>
+            </a:lvl3pPr>
+            <a:lvl4pPr marL="1371600" indent="0">
+              <a:buNone/>
+              <a:defRPr sz="1000"/>
+            </a:lvl4pPr>
+            <a:lvl5pPr marL="1828800" indent="0">
+              <a:buNone/>
+              <a:defRPr sz="1000"/>
+            </a:lvl5pPr>
+            <a:lvl6pPr marL="2286000" indent="0">
+              <a:buNone/>
+              <a:defRPr sz="1000"/>
+            </a:lvl6pPr>
+            <a:lvl7pPr marL="2743200" indent="0">
+              <a:buNone/>
+              <a:defRPr sz="1000"/>
+            </a:lvl7pPr>
+            <a:lvl8pPr marL="3200400" indent="0">
+              <a:buNone/>
+              <a:defRPr sz="1000"/>
+            </a:lvl8pPr>
+            <a:lvl9pPr marL="3657600" indent="0">
+              <a:buNone/>
+              <a:defRPr sz="1000"/>
+            </a:lvl9pPr>
+          </a:lstStyle>
+          <a:p>
+            <a:pPr lvl="0"/>
+            <a:r>
+              <a:rPr lang="en-US"/>
+              <a:t>Click to edit Master text styles</a:t>
+            </a:r>
+          </a:p>
+        </p:txBody>
+      </p:sp>
+      <p:sp>
+        <p:nvSpPr>
+          <p:cNvPr id="5" name="Date Placeholder 4"/>
+          <p:cNvSpPr>
+            <a:spLocks noGrp="1"/>
+          </p:cNvSpPr>
+          <p:nvPr>
+            <p:ph type="dt" sz="half" idx="10"/>
+          </p:nvPr>
+        </p:nvSpPr>
+        <p:spPr>
+          <a:xfrm>
+            <a:off x="7814452" y="381000"/>
+            <a:ext cx="2910840" cy="365125"/>
+          </a:xfrm>
+        </p:spPr>
+        <p:txBody>
+          <a:bodyPr/>
+          <a:lstStyle>
+            <a:lvl1pPr algn="r">
+              <a:defRPr/>
+            </a:lvl1pPr>
+          </a:lstStyle>
+          <a:p>
+            <a:fld id="{D2CDA3DE-14DF-470F-9819-26C440152B3A}" type="datetimeFigureOut">
+              <a:rPr lang="en-DK" smtClean="0"/>
+              <a:t>07/05/2022</a:t>
+            </a:fld>
+            <a:endParaRPr lang="en-DK"/>
+          </a:p>
+        </p:txBody>
+      </p:sp>
+      <p:sp>
+        <p:nvSpPr>
+          <p:cNvPr id="6" name="Footer Placeholder 5"/>
+          <p:cNvSpPr>
+            <a:spLocks noGrp="1"/>
+          </p:cNvSpPr>
+          <p:nvPr>
+            <p:ph type="ftr" sz="quarter" idx="11"/>
+          </p:nvPr>
+        </p:nvSpPr>
+        <p:spPr>
+          <a:xfrm>
+            <a:off x="685800" y="379941"/>
+            <a:ext cx="6991492" cy="365125"/>
+          </a:xfrm>
+        </p:spPr>
+        <p:txBody>
+          <a:bodyPr/>
+          <a:lstStyle/>
+          <a:p>
+            <a:endParaRPr lang="en-DK"/>
+          </a:p>
+        </p:txBody>
+      </p:sp>
+      <p:sp>
+        <p:nvSpPr>
+          <p:cNvPr id="7" name="Slide Number Placeholder 6"/>
+          <p:cNvSpPr>
+            <a:spLocks noGrp="1"/>
+          </p:cNvSpPr>
+          <p:nvPr>
+            <p:ph type="sldNum" sz="quarter" idx="12"/>
+          </p:nvPr>
+        </p:nvSpPr>
+        <p:spPr>
+          <a:xfrm>
+            <a:off x="10862452" y="381000"/>
+            <a:ext cx="643748" cy="365125"/>
+          </a:xfrm>
+        </p:spPr>
+        <p:txBody>
+          <a:bodyPr/>
+          <a:lstStyle/>
+          <a:p>
+            <a:fld id="{E6DB22D4-7540-419B-9E91-9A92006375AE}" type="slidenum">
+              <a:rPr lang="en-DK" smtClean="0"/>
+              <a:t>‹#›</a:t>
+            </a:fld>
+            <a:endParaRPr lang="en-DK"/>
+          </a:p>
+        </p:txBody>
+      </p:sp>
+      <p:sp>
+        <p:nvSpPr>
+          <p:cNvPr id="9" name="TextBox 8"/>
+          <p:cNvSpPr txBox="1"/>
+          <p:nvPr/>
+        </p:nvSpPr>
+        <p:spPr>
+          <a:xfrm>
+            <a:off x="476250" y="933450"/>
+            <a:ext cx="609600" cy="584776"/>
+          </a:xfrm>
+          <a:prstGeom prst="rect">
+            <a:avLst/>
+          </a:prstGeom>
+        </p:spPr>
+        <p:txBody>
+          <a:bodyPr vert="horz" lIns="91440" tIns="45720" rIns="91440" bIns="45720" rtlCol="0" anchor="ctr">
+            <a:noAutofit/>
+          </a:bodyPr>
+          <a:lstStyle>
+            <a:lvl1pPr>
+              <a:spcBef>
+                <a:spcPct val="0"/>
+              </a:spcBef>
+              <a:buNone/>
+              <a:defRPr sz="3200" b="0" cap="all">
+                <a:ln w="3175" cmpd="sng">
+                  <a:noFill/>
+                </a:ln>
+                <a:effectLst>
+                  <a:glow rad="38100">
+                    <a:schemeClr val="bg1">
+                      <a:lumMod val="65000"/>
+                      <a:lumOff val="35000"/>
+                      <a:alpha val="40000"/>
+                    </a:schemeClr>
+                  </a:glow>
+                  <a:outerShdw blurRad="28575" dist="38100" dir="14040000" algn="tl" rotWithShape="0">
+                    <a:srgbClr val="000000">
+                      <a:alpha val="25000"/>
+                    </a:srgbClr>
+                  </a:outerShdw>
+                </a:effectLst>
+              </a:defRPr>
+            </a:lvl1pPr>
+            <a:lvl2pPr>
+              <a:defRPr>
+                <a:solidFill>
+                  <a:schemeClr val="tx2"/>
+                </a:solidFill>
+              </a:defRPr>
+            </a:lvl2pPr>
+            <a:lvl3pPr>
+              <a:defRPr>
+                <a:solidFill>
+                  <a:schemeClr val="tx2"/>
+                </a:solidFill>
+              </a:defRPr>
+            </a:lvl3pPr>
+            <a:lvl4pPr>
+              <a:defRPr>
+                <a:solidFill>
+                  <a:schemeClr val="tx2"/>
+                </a:solidFill>
+              </a:defRPr>
+            </a:lvl4pPr>
+            <a:lvl5pPr>
+              <a:defRPr>
+                <a:solidFill>
+                  <a:schemeClr val="tx2"/>
+                </a:solidFill>
+              </a:defRPr>
+            </a:lvl5pPr>
+            <a:lvl6pPr>
+              <a:defRPr>
+                <a:solidFill>
+                  <a:schemeClr val="tx2"/>
+                </a:solidFill>
+              </a:defRPr>
+            </a:lvl6pPr>
+            <a:lvl7pPr>
+              <a:defRPr>
+                <a:solidFill>
+                  <a:schemeClr val="tx2"/>
+                </a:solidFill>
+              </a:defRPr>
+            </a:lvl7pPr>
+            <a:lvl8pPr>
+              <a:defRPr>
+                <a:solidFill>
+                  <a:schemeClr val="tx2"/>
+                </a:solidFill>
+              </a:defRPr>
+            </a:lvl8pPr>
+            <a:lvl9pPr>
+              <a:defRPr>
+                <a:solidFill>
+                  <a:schemeClr val="tx2"/>
+                </a:solidFill>
+              </a:defRPr>
+            </a:lvl9pPr>
+          </a:lstStyle>
+          <a:p>
+            <a:pPr lvl="0"/>
+            <a:r>
+              <a:rPr lang="en-US" sz="8000" dirty="0">
+                <a:solidFill>
+                  <a:schemeClr val="tx1"/>
+                </a:solidFill>
+                <a:effectLst/>
+              </a:rPr>
+              <a:t>“</a:t>
+            </a:r>
+          </a:p>
+        </p:txBody>
+      </p:sp>
+      <p:sp>
+        <p:nvSpPr>
+          <p:cNvPr id="10" name="TextBox 9"/>
+          <p:cNvSpPr txBox="1"/>
+          <p:nvPr/>
+        </p:nvSpPr>
+        <p:spPr>
+          <a:xfrm>
+            <a:off x="10984230" y="2701290"/>
+            <a:ext cx="609600" cy="584776"/>
+          </a:xfrm>
+          <a:prstGeom prst="rect">
+            <a:avLst/>
+          </a:prstGeom>
+        </p:spPr>
+        <p:txBody>
+          <a:bodyPr vert="horz" lIns="91440" tIns="45720" rIns="91440" bIns="45720" rtlCol="0" anchor="ctr">
+            <a:noAutofit/>
+          </a:bodyPr>
+          <a:lstStyle>
+            <a:lvl1pPr>
+              <a:spcBef>
+                <a:spcPct val="0"/>
+              </a:spcBef>
+              <a:buNone/>
+              <a:defRPr sz="3200" b="0" cap="all">
+                <a:ln w="3175" cmpd="sng">
+                  <a:noFill/>
+                </a:ln>
+                <a:effectLst>
+                  <a:glow rad="38100">
+                    <a:schemeClr val="bg1">
+                      <a:lumMod val="65000"/>
+                      <a:lumOff val="35000"/>
+                      <a:alpha val="40000"/>
+                    </a:schemeClr>
+                  </a:glow>
+                  <a:outerShdw blurRad="28575" dist="38100" dir="14040000" algn="tl" rotWithShape="0">
+                    <a:srgbClr val="000000">
+                      <a:alpha val="25000"/>
+                    </a:srgbClr>
+                  </a:outerShdw>
+                </a:effectLst>
+              </a:defRPr>
+            </a:lvl1pPr>
+            <a:lvl2pPr>
+              <a:defRPr>
+                <a:solidFill>
+                  <a:schemeClr val="tx2"/>
+                </a:solidFill>
+              </a:defRPr>
+            </a:lvl2pPr>
+            <a:lvl3pPr>
+              <a:defRPr>
+                <a:solidFill>
+                  <a:schemeClr val="tx2"/>
+                </a:solidFill>
+              </a:defRPr>
+            </a:lvl3pPr>
+            <a:lvl4pPr>
+              <a:defRPr>
+                <a:solidFill>
+                  <a:schemeClr val="tx2"/>
+                </a:solidFill>
+              </a:defRPr>
+            </a:lvl4pPr>
+            <a:lvl5pPr>
+              <a:defRPr>
+                <a:solidFill>
+                  <a:schemeClr val="tx2"/>
+                </a:solidFill>
+              </a:defRPr>
+            </a:lvl5pPr>
+            <a:lvl6pPr>
+              <a:defRPr>
+                <a:solidFill>
+                  <a:schemeClr val="tx2"/>
+                </a:solidFill>
+              </a:defRPr>
+            </a:lvl6pPr>
+            <a:lvl7pPr>
+              <a:defRPr>
+                <a:solidFill>
+                  <a:schemeClr val="tx2"/>
+                </a:solidFill>
+              </a:defRPr>
+            </a:lvl7pPr>
+            <a:lvl8pPr>
+              <a:defRPr>
+                <a:solidFill>
+                  <a:schemeClr val="tx2"/>
+                </a:solidFill>
+              </a:defRPr>
+            </a:lvl8pPr>
+            <a:lvl9pPr>
+              <a:defRPr>
+                <a:solidFill>
+                  <a:schemeClr val="tx2"/>
+                </a:solidFill>
+              </a:defRPr>
+            </a:lvl9pPr>
+          </a:lstStyle>
+          <a:p>
+            <a:pPr lvl="0" algn="r"/>
+            <a:r>
+              <a:rPr lang="en-US" sz="8000" dirty="0">
+                <a:solidFill>
+                  <a:schemeClr val="tx1"/>
+                </a:solidFill>
+                <a:effectLst/>
+              </a:rPr>
+              <a:t>”</a:t>
+            </a:r>
+          </a:p>
+        </p:txBody>
+      </p:sp>
+    </p:spTree>
+    <p:extLst>
+      <p:ext uri="{BB962C8B-B14F-4D97-AF65-F5344CB8AC3E}">
+        <p14:creationId xmlns:p14="http://schemas.microsoft.com/office/powerpoint/2010/main" val="392728246"/>
+      </p:ext>
+    </p:extLst>
+  </p:cSld>
+  <p:clrMapOvr>
+    <a:masterClrMapping/>
+  </p:clrMapOvr>
+</p:sldLayout>
+</file>
+
+<file path=ppt/slideLayouts/slideLayout13.xml><?xml version="1.0" encoding="utf-8"?>
+<p:sldLayout xmlns:a="http://schemas.openxmlformats.org/drawingml/2006/main" xmlns:r="http://schemas.openxmlformats.org/officeDocument/2006/relationships" xmlns:p="http://schemas.openxmlformats.org/presentationml/2006/main" showMasterSp="0" preserve="1">
+  <p:cSld name="Name Card">
+    <p:spTree>
+      <p:nvGrpSpPr>
+        <p:cNvPr id="1" name=""/>
+        <p:cNvGrpSpPr/>
+        <p:nvPr/>
+      </p:nvGrpSpPr>
+      <p:grpSpPr>
+        <a:xfrm>
+          <a:off x="0" y="0"/>
+          <a:ext cx="0" cy="0"/>
+          <a:chOff x="0" y="0"/>
+          <a:chExt cx="0" cy="0"/>
+        </a:xfrm>
+      </p:grpSpPr>
+      <p:pic>
+        <p:nvPicPr>
+          <p:cNvPr id="9" name="Picture 8" descr="C0-HD-BTM.png"/>
+          <p:cNvPicPr>
+            <a:picLocks noChangeAspect="1"/>
+          </p:cNvPicPr>
+          <p:nvPr/>
+        </p:nvPicPr>
+        <p:blipFill>
+          <a:blip r:embed="rId2">
+            <a:extLst>
+              <a:ext uri="{28A0092B-C50C-407E-A947-70E740481C1C}">
+                <a14:useLocalDpi xmlns:a14="http://schemas.microsoft.com/office/drawing/2010/main" val="0"/>
+              </a:ext>
+            </a:extLst>
+          </a:blip>
+          <a:stretch>
+            <a:fillRect/>
+          </a:stretch>
+        </p:blipFill>
+        <p:spPr>
+          <a:xfrm>
+            <a:off x="0" y="4375150"/>
+            <a:ext cx="12192000" cy="2482850"/>
+          </a:xfrm>
+          <a:prstGeom prst="rect">
+            <a:avLst/>
+          </a:prstGeom>
+        </p:spPr>
+      </p:pic>
+      <p:sp>
+        <p:nvSpPr>
+          <p:cNvPr id="2" name="Title 1"/>
+          <p:cNvSpPr>
+            <a:spLocks noGrp="1"/>
+          </p:cNvSpPr>
+          <p:nvPr>
+            <p:ph type="title"/>
+          </p:nvPr>
+        </p:nvSpPr>
+        <p:spPr>
+          <a:xfrm>
+            <a:off x="1024495" y="1124701"/>
+            <a:ext cx="10146186" cy="2511835"/>
+          </a:xfrm>
+        </p:spPr>
+        <p:txBody>
+          <a:bodyPr anchor="b"/>
+          <a:lstStyle>
+            <a:lvl1pPr algn="l">
+              <a:defRPr sz="3200"/>
+            </a:lvl1pPr>
+          </a:lstStyle>
+          <a:p>
+            <a:r>
+              <a:rPr lang="en-US"/>
+              <a:t>Click to edit Master title style</a:t>
+            </a:r>
+            <a:endParaRPr lang="en-US" dirty="0"/>
+          </a:p>
+        </p:txBody>
+      </p:sp>
+      <p:sp>
+        <p:nvSpPr>
+          <p:cNvPr id="4" name="Text Placeholder 3"/>
+          <p:cNvSpPr>
+            <a:spLocks noGrp="1"/>
+          </p:cNvSpPr>
+          <p:nvPr>
+            <p:ph type="body" sz="half" idx="2"/>
+          </p:nvPr>
+        </p:nvSpPr>
+        <p:spPr>
+          <a:xfrm>
+            <a:off x="1024467" y="3648315"/>
+            <a:ext cx="10144654" cy="999885"/>
+          </a:xfrm>
+        </p:spPr>
+        <p:txBody>
+          <a:bodyPr anchor="t"/>
+          <a:lstStyle>
+            <a:lvl1pPr marL="0" indent="0">
+              <a:buNone/>
+              <a:defRPr sz="1600"/>
+            </a:lvl1pPr>
+            <a:lvl2pPr marL="457200" indent="0">
+              <a:buNone/>
+              <a:defRPr sz="1400"/>
+            </a:lvl2pPr>
+            <a:lvl3pPr marL="914400" indent="0">
+              <a:buNone/>
+              <a:defRPr sz="1200"/>
+            </a:lvl3pPr>
+            <a:lvl4pPr marL="1371600" indent="0">
+              <a:buNone/>
+              <a:defRPr sz="1000"/>
+            </a:lvl4pPr>
+            <a:lvl5pPr marL="1828800" indent="0">
+              <a:buNone/>
+              <a:defRPr sz="1000"/>
+            </a:lvl5pPr>
+            <a:lvl6pPr marL="2286000" indent="0">
+              <a:buNone/>
+              <a:defRPr sz="1000"/>
+            </a:lvl6pPr>
+            <a:lvl7pPr marL="2743200" indent="0">
+              <a:buNone/>
+              <a:defRPr sz="1000"/>
+            </a:lvl7pPr>
+            <a:lvl8pPr marL="3200400" indent="0">
+              <a:buNone/>
+              <a:defRPr sz="1000"/>
+            </a:lvl8pPr>
+            <a:lvl9pPr marL="3657600" indent="0">
+              <a:buNone/>
+              <a:defRPr sz="1000"/>
+            </a:lvl9pPr>
+          </a:lstStyle>
+          <a:p>
+            <a:pPr lvl="0"/>
+            <a:r>
+              <a:rPr lang="en-US"/>
+              <a:t>Click to edit Master text styles</a:t>
+            </a:r>
+          </a:p>
+        </p:txBody>
+      </p:sp>
+      <p:sp>
+        <p:nvSpPr>
+          <p:cNvPr id="5" name="Date Placeholder 4"/>
+          <p:cNvSpPr>
+            <a:spLocks noGrp="1"/>
+          </p:cNvSpPr>
+          <p:nvPr>
+            <p:ph type="dt" sz="half" idx="10"/>
+          </p:nvPr>
+        </p:nvSpPr>
+        <p:spPr>
+          <a:xfrm>
+            <a:off x="7814452" y="378883"/>
+            <a:ext cx="2910840" cy="365125"/>
+          </a:xfrm>
+        </p:spPr>
+        <p:txBody>
+          <a:bodyPr/>
+          <a:lstStyle>
+            <a:lvl1pPr algn="r">
+              <a:defRPr/>
+            </a:lvl1pPr>
+          </a:lstStyle>
+          <a:p>
+            <a:fld id="{D2CDA3DE-14DF-470F-9819-26C440152B3A}" type="datetimeFigureOut">
+              <a:rPr lang="en-DK" smtClean="0"/>
+              <a:t>07/05/2022</a:t>
+            </a:fld>
+            <a:endParaRPr lang="en-DK"/>
+          </a:p>
+        </p:txBody>
+      </p:sp>
+      <p:sp>
+        <p:nvSpPr>
+          <p:cNvPr id="6" name="Footer Placeholder 5"/>
+          <p:cNvSpPr>
+            <a:spLocks noGrp="1"/>
+          </p:cNvSpPr>
+          <p:nvPr>
+            <p:ph type="ftr" sz="quarter" idx="11"/>
+          </p:nvPr>
+        </p:nvSpPr>
+        <p:spPr>
+          <a:xfrm>
+            <a:off x="685800" y="378883"/>
+            <a:ext cx="6991492" cy="365125"/>
+          </a:xfrm>
+        </p:spPr>
+        <p:txBody>
+          <a:bodyPr/>
+          <a:lstStyle/>
+          <a:p>
+            <a:endParaRPr lang="en-DK"/>
+          </a:p>
+        </p:txBody>
+      </p:sp>
+      <p:sp>
+        <p:nvSpPr>
+          <p:cNvPr id="7" name="Slide Number Placeholder 6"/>
+          <p:cNvSpPr>
+            <a:spLocks noGrp="1"/>
+          </p:cNvSpPr>
+          <p:nvPr>
+            <p:ph type="sldNum" sz="quarter" idx="12"/>
+          </p:nvPr>
+        </p:nvSpPr>
+        <p:spPr>
+          <a:xfrm>
+            <a:off x="10862452" y="381000"/>
+            <a:ext cx="643748" cy="365125"/>
+          </a:xfrm>
+        </p:spPr>
+        <p:txBody>
+          <a:bodyPr/>
+          <a:lstStyle/>
+          <a:p>
+            <a:fld id="{E6DB22D4-7540-419B-9E91-9A92006375AE}" type="slidenum">
+              <a:rPr lang="en-DK" smtClean="0"/>
+              <a:t>‹#›</a:t>
+            </a:fld>
+            <a:endParaRPr lang="en-DK"/>
+          </a:p>
+        </p:txBody>
+      </p:sp>
+    </p:spTree>
+    <p:extLst>
+      <p:ext uri="{BB962C8B-B14F-4D97-AF65-F5344CB8AC3E}">
+        <p14:creationId xmlns:p14="http://schemas.microsoft.com/office/powerpoint/2010/main" val="3327934201"/>
+      </p:ext>
+    </p:extLst>
+  </p:cSld>
+  <p:clrMapOvr>
+    <a:masterClrMapping/>
+  </p:clrMapOvr>
+</p:sldLayout>
+</file>
+
+<file path=ppt/slideLayouts/slideLayout14.xml><?xml version="1.0" encoding="utf-8"?>
+<p:sldLayout xmlns:a="http://schemas.openxmlformats.org/drawingml/2006/main" xmlns:r="http://schemas.openxmlformats.org/officeDocument/2006/relationships" xmlns:p="http://schemas.openxmlformats.org/presentationml/2006/main" preserve="1">
+  <p:cSld name="3 Column">
     <p:spTree>
       <p:nvGrpSpPr>
         <p:cNvPr id="1" name=""/>
@@ -3900,13 +5541,7 @@
       </p:grpSpPr>
       <p:sp>
         <p:nvSpPr>
-          <p:cNvPr id="2" name="Titel 1">
-            <a:extLst>
-              <a:ext uri="{FF2B5EF4-FFF2-40B4-BE49-F238E27FC236}">
-                <a16:creationId xmlns:a16="http://schemas.microsoft.com/office/drawing/2014/main" id="{4F9AFB17-9B3E-C69F-A5B1-D3AD43FDF855}"/>
-              </a:ext>
-            </a:extLst>
-          </p:cNvPr>
+          <p:cNvPr id="15" name="Title 1"/>
           <p:cNvSpPr>
             <a:spLocks noGrp="1"/>
           </p:cNvSpPr>
@@ -3914,86 +5549,441 @@
             <p:ph type="title"/>
           </p:nvPr>
         </p:nvSpPr>
-        <p:spPr/>
+        <p:spPr>
+          <a:xfrm>
+            <a:off x="2895600" y="761999"/>
+            <a:ext cx="8610599" cy="1303867"/>
+          </a:xfrm>
+        </p:spPr>
         <p:txBody>
           <a:bodyPr/>
           <a:lstStyle/>
           <a:p>
             <a:r>
-              <a:rPr lang="da-DK"/>
-              <a:t>Klik for at redigere titeltypografien i masteren</a:t>
-            </a:r>
-            <a:endParaRPr lang="en-DK"/>
+              <a:rPr lang="en-US"/>
+              <a:t>Click to edit Master title style</a:t>
+            </a:r>
+            <a:endParaRPr lang="en-US" dirty="0"/>
           </a:p>
         </p:txBody>
       </p:sp>
       <p:sp>
         <p:nvSpPr>
-          <p:cNvPr id="3" name="Pladsholder til lodret titel 2">
-            <a:extLst>
-              <a:ext uri="{FF2B5EF4-FFF2-40B4-BE49-F238E27FC236}">
-                <a16:creationId xmlns:a16="http://schemas.microsoft.com/office/drawing/2014/main" id="{0CBC9E22-21E3-8E51-6B41-07C898F5E376}"/>
-              </a:ext>
-            </a:extLst>
-          </p:cNvPr>
+          <p:cNvPr id="7" name="Text Placeholder 2"/>
           <p:cNvSpPr>
             <a:spLocks noGrp="1"/>
           </p:cNvSpPr>
           <p:nvPr>
-            <p:ph type="body" orient="vert" idx="1"/>
+            <p:ph type="body" idx="1"/>
           </p:nvPr>
         </p:nvSpPr>
-        <p:spPr/>
+        <p:spPr>
+          <a:xfrm>
+            <a:off x="685800" y="2202080"/>
+            <a:ext cx="3456432" cy="617320"/>
+          </a:xfrm>
+        </p:spPr>
         <p:txBody>
-          <a:bodyPr vert="eaVert"/>
-          <a:lstStyle/>
+          <a:bodyPr anchor="b">
+            <a:noAutofit/>
+          </a:bodyPr>
+          <a:lstStyle>
+            <a:lvl1pPr marL="0" indent="0">
+              <a:buNone/>
+              <a:defRPr sz="2400" b="0">
+                <a:solidFill>
+                  <a:schemeClr val="tx1"/>
+                </a:solidFill>
+              </a:defRPr>
+            </a:lvl1pPr>
+            <a:lvl2pPr marL="457200" indent="0">
+              <a:buNone/>
+              <a:defRPr sz="2000" b="1"/>
+            </a:lvl2pPr>
+            <a:lvl3pPr marL="914400" indent="0">
+              <a:buNone/>
+              <a:defRPr sz="1800" b="1"/>
+            </a:lvl3pPr>
+            <a:lvl4pPr marL="1371600" indent="0">
+              <a:buNone/>
+              <a:defRPr sz="1600" b="1"/>
+            </a:lvl4pPr>
+            <a:lvl5pPr marL="1828800" indent="0">
+              <a:buNone/>
+              <a:defRPr sz="1600" b="1"/>
+            </a:lvl5pPr>
+            <a:lvl6pPr marL="2286000" indent="0">
+              <a:buNone/>
+              <a:defRPr sz="1600" b="1"/>
+            </a:lvl6pPr>
+            <a:lvl7pPr marL="2743200" indent="0">
+              <a:buNone/>
+              <a:defRPr sz="1600" b="1"/>
+            </a:lvl7pPr>
+            <a:lvl8pPr marL="3200400" indent="0">
+              <a:buNone/>
+              <a:defRPr sz="1600" b="1"/>
+            </a:lvl8pPr>
+            <a:lvl9pPr marL="3657600" indent="0">
+              <a:buNone/>
+              <a:defRPr sz="1600" b="1"/>
+            </a:lvl9pPr>
+          </a:lstStyle>
           <a:p>
             <a:pPr lvl="0"/>
             <a:r>
-              <a:rPr lang="da-DK"/>
-              <a:t>Klik for at redigere teksttypografierne i masteren</a:t>
-            </a:r>
-          </a:p>
-          <a:p>
-            <a:pPr lvl="1"/>
-            <a:r>
-              <a:rPr lang="da-DK"/>
-              <a:t>Andet niveau</a:t>
-            </a:r>
-          </a:p>
-          <a:p>
-            <a:pPr lvl="2"/>
-            <a:r>
-              <a:rPr lang="da-DK"/>
-              <a:t>Tredje niveau</a:t>
-            </a:r>
-          </a:p>
-          <a:p>
-            <a:pPr lvl="3"/>
-            <a:r>
-              <a:rPr lang="da-DK"/>
-              <a:t>Fjerde niveau</a:t>
-            </a:r>
-          </a:p>
-          <a:p>
-            <a:pPr lvl="4"/>
-            <a:r>
-              <a:rPr lang="da-DK"/>
-              <a:t>Femte niveau</a:t>
-            </a:r>
-            <a:endParaRPr lang="en-DK"/>
+              <a:rPr lang="en-US"/>
+              <a:t>Click to edit Master text styles</a:t>
+            </a:r>
           </a:p>
         </p:txBody>
       </p:sp>
       <p:sp>
         <p:nvSpPr>
-          <p:cNvPr id="4" name="Pladsholder til dato 3">
-            <a:extLst>
-              <a:ext uri="{FF2B5EF4-FFF2-40B4-BE49-F238E27FC236}">
-                <a16:creationId xmlns:a16="http://schemas.microsoft.com/office/drawing/2014/main" id="{50580E0D-308F-A985-CF7A-FF22188255BE}"/>
-              </a:ext>
-            </a:extLst>
-          </p:cNvPr>
+          <p:cNvPr id="8" name="Text Placeholder 3"/>
+          <p:cNvSpPr>
+            <a:spLocks noGrp="1"/>
+          </p:cNvSpPr>
+          <p:nvPr>
+            <p:ph type="body" sz="half" idx="15"/>
+          </p:nvPr>
+        </p:nvSpPr>
+        <p:spPr>
+          <a:xfrm>
+            <a:off x="685799" y="2904565"/>
+            <a:ext cx="3456432" cy="3314132"/>
+          </a:xfrm>
+        </p:spPr>
+        <p:txBody>
+          <a:bodyPr anchor="t">
+            <a:normAutofit/>
+          </a:bodyPr>
+          <a:lstStyle>
+            <a:lvl1pPr marL="0" indent="0">
+              <a:buNone/>
+              <a:defRPr sz="1400"/>
+            </a:lvl1pPr>
+            <a:lvl2pPr marL="457200" indent="0">
+              <a:buNone/>
+              <a:defRPr sz="1200"/>
+            </a:lvl2pPr>
+            <a:lvl3pPr marL="914400" indent="0">
+              <a:buNone/>
+              <a:defRPr sz="1000"/>
+            </a:lvl3pPr>
+            <a:lvl4pPr marL="1371600" indent="0">
+              <a:buNone/>
+              <a:defRPr sz="900"/>
+            </a:lvl4pPr>
+            <a:lvl5pPr marL="1828800" indent="0">
+              <a:buNone/>
+              <a:defRPr sz="900"/>
+            </a:lvl5pPr>
+            <a:lvl6pPr marL="2286000" indent="0">
+              <a:buNone/>
+              <a:defRPr sz="900"/>
+            </a:lvl6pPr>
+            <a:lvl7pPr marL="2743200" indent="0">
+              <a:buNone/>
+              <a:defRPr sz="900"/>
+            </a:lvl7pPr>
+            <a:lvl8pPr marL="3200400" indent="0">
+              <a:buNone/>
+              <a:defRPr sz="900"/>
+            </a:lvl8pPr>
+            <a:lvl9pPr marL="3657600" indent="0">
+              <a:buNone/>
+              <a:defRPr sz="900"/>
+            </a:lvl9pPr>
+          </a:lstStyle>
+          <a:p>
+            <a:pPr lvl="0"/>
+            <a:r>
+              <a:rPr lang="en-US"/>
+              <a:t>Click to edit Master text styles</a:t>
+            </a:r>
+          </a:p>
+        </p:txBody>
+      </p:sp>
+      <p:sp>
+        <p:nvSpPr>
+          <p:cNvPr id="9" name="Text Placeholder 4"/>
+          <p:cNvSpPr>
+            <a:spLocks noGrp="1"/>
+          </p:cNvSpPr>
+          <p:nvPr>
+            <p:ph type="body" sz="quarter" idx="3"/>
+          </p:nvPr>
+        </p:nvSpPr>
+        <p:spPr>
+          <a:xfrm>
+            <a:off x="4368800" y="2201333"/>
+            <a:ext cx="3456432" cy="626534"/>
+          </a:xfrm>
+        </p:spPr>
+        <p:txBody>
+          <a:bodyPr anchor="b">
+            <a:noAutofit/>
+          </a:bodyPr>
+          <a:lstStyle>
+            <a:lvl1pPr marL="0" indent="0">
+              <a:buNone/>
+              <a:defRPr sz="2400" b="0">
+                <a:solidFill>
+                  <a:schemeClr val="tx1"/>
+                </a:solidFill>
+              </a:defRPr>
+            </a:lvl1pPr>
+            <a:lvl2pPr marL="457200" indent="0">
+              <a:buNone/>
+              <a:defRPr sz="2000" b="1"/>
+            </a:lvl2pPr>
+            <a:lvl3pPr marL="914400" indent="0">
+              <a:buNone/>
+              <a:defRPr sz="1800" b="1"/>
+            </a:lvl3pPr>
+            <a:lvl4pPr marL="1371600" indent="0">
+              <a:buNone/>
+              <a:defRPr sz="1600" b="1"/>
+            </a:lvl4pPr>
+            <a:lvl5pPr marL="1828800" indent="0">
+              <a:buNone/>
+              <a:defRPr sz="1600" b="1"/>
+            </a:lvl5pPr>
+            <a:lvl6pPr marL="2286000" indent="0">
+              <a:buNone/>
+              <a:defRPr sz="1600" b="1"/>
+            </a:lvl6pPr>
+            <a:lvl7pPr marL="2743200" indent="0">
+              <a:buNone/>
+              <a:defRPr sz="1600" b="1"/>
+            </a:lvl7pPr>
+            <a:lvl8pPr marL="3200400" indent="0">
+              <a:buNone/>
+              <a:defRPr sz="1600" b="1"/>
+            </a:lvl8pPr>
+            <a:lvl9pPr marL="3657600" indent="0">
+              <a:buNone/>
+              <a:defRPr sz="1600" b="1"/>
+            </a:lvl9pPr>
+          </a:lstStyle>
+          <a:p>
+            <a:pPr lvl="0"/>
+            <a:r>
+              <a:rPr lang="en-US"/>
+              <a:t>Click to edit Master text styles</a:t>
+            </a:r>
+          </a:p>
+        </p:txBody>
+      </p:sp>
+      <p:sp>
+        <p:nvSpPr>
+          <p:cNvPr id="10" name="Text Placeholder 3"/>
+          <p:cNvSpPr>
+            <a:spLocks noGrp="1"/>
+          </p:cNvSpPr>
+          <p:nvPr>
+            <p:ph type="body" sz="half" idx="16"/>
+          </p:nvPr>
+        </p:nvSpPr>
+        <p:spPr>
+          <a:xfrm>
+            <a:off x="4366858" y="2904067"/>
+            <a:ext cx="3456432" cy="3314618"/>
+          </a:xfrm>
+        </p:spPr>
+        <p:txBody>
+          <a:bodyPr anchor="t">
+            <a:normAutofit/>
+          </a:bodyPr>
+          <a:lstStyle>
+            <a:lvl1pPr marL="0" indent="0">
+              <a:buNone/>
+              <a:defRPr sz="1400"/>
+            </a:lvl1pPr>
+            <a:lvl2pPr marL="457200" indent="0">
+              <a:buNone/>
+              <a:defRPr sz="1200"/>
+            </a:lvl2pPr>
+            <a:lvl3pPr marL="914400" indent="0">
+              <a:buNone/>
+              <a:defRPr sz="1000"/>
+            </a:lvl3pPr>
+            <a:lvl4pPr marL="1371600" indent="0">
+              <a:buNone/>
+              <a:defRPr sz="900"/>
+            </a:lvl4pPr>
+            <a:lvl5pPr marL="1828800" indent="0">
+              <a:buNone/>
+              <a:defRPr sz="900"/>
+            </a:lvl5pPr>
+            <a:lvl6pPr marL="2286000" indent="0">
+              <a:buNone/>
+              <a:defRPr sz="900"/>
+            </a:lvl6pPr>
+            <a:lvl7pPr marL="2743200" indent="0">
+              <a:buNone/>
+              <a:defRPr sz="900"/>
+            </a:lvl7pPr>
+            <a:lvl8pPr marL="3200400" indent="0">
+              <a:buNone/>
+              <a:defRPr sz="900"/>
+            </a:lvl8pPr>
+            <a:lvl9pPr marL="3657600" indent="0">
+              <a:buNone/>
+              <a:defRPr sz="900"/>
+            </a:lvl9pPr>
+          </a:lstStyle>
+          <a:p>
+            <a:pPr lvl="0"/>
+            <a:r>
+              <a:rPr lang="en-US"/>
+              <a:t>Click to edit Master text styles</a:t>
+            </a:r>
+          </a:p>
+        </p:txBody>
+      </p:sp>
+      <p:sp>
+        <p:nvSpPr>
+          <p:cNvPr id="11" name="Text Placeholder 4"/>
+          <p:cNvSpPr>
+            <a:spLocks noGrp="1"/>
+          </p:cNvSpPr>
+          <p:nvPr>
+            <p:ph type="body" sz="quarter" idx="13"/>
+          </p:nvPr>
+        </p:nvSpPr>
+        <p:spPr>
+          <a:xfrm>
+            <a:off x="8051800" y="2192866"/>
+            <a:ext cx="3456432" cy="626534"/>
+          </a:xfrm>
+        </p:spPr>
+        <p:txBody>
+          <a:bodyPr anchor="b">
+            <a:noAutofit/>
+          </a:bodyPr>
+          <a:lstStyle>
+            <a:lvl1pPr marL="0" indent="0">
+              <a:buNone/>
+              <a:defRPr sz="2400" b="0">
+                <a:solidFill>
+                  <a:schemeClr val="tx1"/>
+                </a:solidFill>
+              </a:defRPr>
+            </a:lvl1pPr>
+            <a:lvl2pPr marL="457200" indent="0">
+              <a:buNone/>
+              <a:defRPr sz="2000" b="1"/>
+            </a:lvl2pPr>
+            <a:lvl3pPr marL="914400" indent="0">
+              <a:buNone/>
+              <a:defRPr sz="1800" b="1"/>
+            </a:lvl3pPr>
+            <a:lvl4pPr marL="1371600" indent="0">
+              <a:buNone/>
+              <a:defRPr sz="1600" b="1"/>
+            </a:lvl4pPr>
+            <a:lvl5pPr marL="1828800" indent="0">
+              <a:buNone/>
+              <a:defRPr sz="1600" b="1"/>
+            </a:lvl5pPr>
+            <a:lvl6pPr marL="2286000" indent="0">
+              <a:buNone/>
+              <a:defRPr sz="1600" b="1"/>
+            </a:lvl6pPr>
+            <a:lvl7pPr marL="2743200" indent="0">
+              <a:buNone/>
+              <a:defRPr sz="1600" b="1"/>
+            </a:lvl7pPr>
+            <a:lvl8pPr marL="3200400" indent="0">
+              <a:buNone/>
+              <a:defRPr sz="1600" b="1"/>
+            </a:lvl8pPr>
+            <a:lvl9pPr marL="3657600" indent="0">
+              <a:buNone/>
+              <a:defRPr sz="1600" b="1"/>
+            </a:lvl9pPr>
+          </a:lstStyle>
+          <a:p>
+            <a:pPr lvl="0"/>
+            <a:r>
+              <a:rPr lang="en-US"/>
+              <a:t>Click to edit Master text styles</a:t>
+            </a:r>
+          </a:p>
+        </p:txBody>
+      </p:sp>
+      <p:sp>
+        <p:nvSpPr>
+          <p:cNvPr id="12" name="Text Placeholder 3"/>
+          <p:cNvSpPr>
+            <a:spLocks noGrp="1"/>
+          </p:cNvSpPr>
+          <p:nvPr>
+            <p:ph type="body" sz="half" idx="17"/>
+          </p:nvPr>
+        </p:nvSpPr>
+        <p:spPr>
+          <a:xfrm>
+            <a:off x="8051801" y="2904565"/>
+            <a:ext cx="3456432" cy="3314132"/>
+          </a:xfrm>
+        </p:spPr>
+        <p:txBody>
+          <a:bodyPr anchor="t">
+            <a:normAutofit/>
+          </a:bodyPr>
+          <a:lstStyle>
+            <a:lvl1pPr marL="0" indent="0">
+              <a:buNone/>
+              <a:defRPr sz="1400"/>
+            </a:lvl1pPr>
+            <a:lvl2pPr marL="457200" indent="0">
+              <a:buNone/>
+              <a:defRPr sz="1200"/>
+            </a:lvl2pPr>
+            <a:lvl3pPr marL="914400" indent="0">
+              <a:buNone/>
+              <a:defRPr sz="1000"/>
+            </a:lvl3pPr>
+            <a:lvl4pPr marL="1371600" indent="0">
+              <a:buNone/>
+              <a:defRPr sz="900"/>
+            </a:lvl4pPr>
+            <a:lvl5pPr marL="1828800" indent="0">
+              <a:buNone/>
+              <a:defRPr sz="900"/>
+            </a:lvl5pPr>
+            <a:lvl6pPr marL="2286000" indent="0">
+              <a:buNone/>
+              <a:defRPr sz="900"/>
+            </a:lvl6pPr>
+            <a:lvl7pPr marL="2743200" indent="0">
+              <a:buNone/>
+              <a:defRPr sz="900"/>
+            </a:lvl7pPr>
+            <a:lvl8pPr marL="3200400" indent="0">
+              <a:buNone/>
+              <a:defRPr sz="900"/>
+            </a:lvl8pPr>
+            <a:lvl9pPr marL="3657600" indent="0">
+              <a:buNone/>
+              <a:defRPr sz="900"/>
+            </a:lvl9pPr>
+          </a:lstStyle>
+          <a:p>
+            <a:pPr lvl="0"/>
+            <a:r>
+              <a:rPr lang="en-US"/>
+              <a:t>Click to edit Master text styles</a:t>
+            </a:r>
+          </a:p>
+        </p:txBody>
+      </p:sp>
+      <p:sp>
+        <p:nvSpPr>
+          <p:cNvPr id="3" name="Date Placeholder 2"/>
           <p:cNvSpPr>
             <a:spLocks noGrp="1"/>
           </p:cNvSpPr>
@@ -4008,7 +5998,7 @@
           <a:p>
             <a:fld id="{D2CDA3DE-14DF-470F-9819-26C440152B3A}" type="datetimeFigureOut">
               <a:rPr lang="en-DK" smtClean="0"/>
-              <a:t>01/05/2022</a:t>
+              <a:t>07/05/2022</a:t>
             </a:fld>
             <a:endParaRPr lang="en-DK"/>
           </a:p>
@@ -4016,13 +6006,7 @@
       </p:sp>
       <p:sp>
         <p:nvSpPr>
-          <p:cNvPr id="5" name="Pladsholder til sidefod 4">
-            <a:extLst>
-              <a:ext uri="{FF2B5EF4-FFF2-40B4-BE49-F238E27FC236}">
-                <a16:creationId xmlns:a16="http://schemas.microsoft.com/office/drawing/2014/main" id="{3AC64571-63C7-5BB6-665E-CEE36989ADA4}"/>
-              </a:ext>
-            </a:extLst>
-          </p:cNvPr>
+          <p:cNvPr id="4" name="Footer Placeholder 3"/>
           <p:cNvSpPr>
             <a:spLocks noGrp="1"/>
           </p:cNvSpPr>
@@ -4041,13 +6025,7 @@
       </p:sp>
       <p:sp>
         <p:nvSpPr>
-          <p:cNvPr id="6" name="Pladsholder til slidenummer 5">
-            <a:extLst>
-              <a:ext uri="{FF2B5EF4-FFF2-40B4-BE49-F238E27FC236}">
-                <a16:creationId xmlns:a16="http://schemas.microsoft.com/office/drawing/2014/main" id="{0749BF7C-5335-02C9-92C5-7C01AA254124}"/>
-              </a:ext>
-            </a:extLst>
-          </p:cNvPr>
+          <p:cNvPr id="5" name="Slide Number Placeholder 4"/>
           <p:cNvSpPr>
             <a:spLocks noGrp="1"/>
           </p:cNvSpPr>
@@ -4062,7 +6040,7 @@
           <a:p>
             <a:fld id="{E6DB22D4-7540-419B-9E91-9A92006375AE}" type="slidenum">
               <a:rPr lang="en-DK" smtClean="0"/>
-              <a:t>‹nr.›</a:t>
+              <a:t>‹#›</a:t>
             </a:fld>
             <a:endParaRPr lang="en-DK"/>
           </a:p>
@@ -4071,7 +6049,7 @@
     </p:spTree>
     <p:extLst>
       <p:ext uri="{BB962C8B-B14F-4D97-AF65-F5344CB8AC3E}">
-        <p14:creationId xmlns:p14="http://schemas.microsoft.com/office/powerpoint/2010/main" val="478449251"/>
+        <p14:creationId xmlns:p14="http://schemas.microsoft.com/office/powerpoint/2010/main" val="2772010936"/>
       </p:ext>
     </p:extLst>
   </p:cSld>
@@ -4081,9 +6059,9 @@
 </p:sldLayout>
 </file>
 
-<file path=ppt/slideLayouts/slideLayout11.xml><?xml version="1.0" encoding="utf-8"?>
-<p:sldLayout xmlns:a="http://schemas.openxmlformats.org/drawingml/2006/main" xmlns:r="http://schemas.openxmlformats.org/officeDocument/2006/relationships" xmlns:p="http://schemas.openxmlformats.org/presentationml/2006/main" type="vertTitleAndTx" preserve="1">
-  <p:cSld name="Lodret titel og tekst">
+<file path=ppt/slideLayouts/slideLayout15.xml><?xml version="1.0" encoding="utf-8"?>
+<p:sldLayout xmlns:a="http://schemas.openxmlformats.org/drawingml/2006/main" xmlns:r="http://schemas.openxmlformats.org/officeDocument/2006/relationships" xmlns:p="http://schemas.openxmlformats.org/presentationml/2006/main" preserve="1">
+  <p:cSld name="3 Picture Column">
     <p:spTree>
       <p:nvGrpSpPr>
         <p:cNvPr id="1" name=""/>
@@ -4100,110 +6078,686 @@
       </p:grpSpPr>
       <p:sp>
         <p:nvSpPr>
-          <p:cNvPr id="2" name="Lodret titel 1">
-            <a:extLst>
-              <a:ext uri="{FF2B5EF4-FFF2-40B4-BE49-F238E27FC236}">
-                <a16:creationId xmlns:a16="http://schemas.microsoft.com/office/drawing/2014/main" id="{2AE8D48A-516F-9505-5FDA-23ECF8D4C4E1}"/>
-              </a:ext>
-            </a:extLst>
-          </p:cNvPr>
+          <p:cNvPr id="30" name="Title 1"/>
           <p:cNvSpPr>
             <a:spLocks noGrp="1"/>
           </p:cNvSpPr>
           <p:nvPr>
-            <p:ph type="title" orient="vert"/>
+            <p:ph type="title"/>
           </p:nvPr>
         </p:nvSpPr>
         <p:spPr>
           <a:xfrm>
-            <a:off x="8724900" y="365125"/>
-            <a:ext cx="2628900" cy="5811838"/>
+            <a:off x="2895600" y="762000"/>
+            <a:ext cx="8610599" cy="1295400"/>
           </a:xfrm>
         </p:spPr>
         <p:txBody>
-          <a:bodyPr vert="eaVert"/>
+          <a:bodyPr/>
           <a:lstStyle/>
           <a:p>
             <a:r>
-              <a:rPr lang="da-DK"/>
-              <a:t>Klik for at redigere titeltypografien i masteren</a:t>
-            </a:r>
-            <a:endParaRPr lang="en-DK"/>
+              <a:rPr lang="en-US"/>
+              <a:t>Click to edit Master title style</a:t>
+            </a:r>
+            <a:endParaRPr lang="en-US" dirty="0"/>
           </a:p>
         </p:txBody>
       </p:sp>
       <p:sp>
         <p:nvSpPr>
-          <p:cNvPr id="3" name="Pladsholder til lodret titel 2">
-            <a:extLst>
-              <a:ext uri="{FF2B5EF4-FFF2-40B4-BE49-F238E27FC236}">
-                <a16:creationId xmlns:a16="http://schemas.microsoft.com/office/drawing/2014/main" id="{E7CCCD45-11E7-F135-3860-796B4B2FB992}"/>
-              </a:ext>
-            </a:extLst>
-          </p:cNvPr>
+          <p:cNvPr id="19" name="Text Placeholder 2"/>
           <p:cNvSpPr>
             <a:spLocks noGrp="1"/>
           </p:cNvSpPr>
           <p:nvPr>
-            <p:ph type="body" orient="vert" idx="1"/>
+            <p:ph type="body" idx="1"/>
           </p:nvPr>
         </p:nvSpPr>
         <p:spPr>
           <a:xfrm>
-            <a:off x="838200" y="365125"/>
-            <a:ext cx="7734300" cy="5811838"/>
+            <a:off x="688618" y="4191000"/>
+            <a:ext cx="3451582" cy="682765"/>
           </a:xfrm>
         </p:spPr>
         <p:txBody>
-          <a:bodyPr vert="eaVert"/>
-          <a:lstStyle/>
+          <a:bodyPr anchor="b">
+            <a:noAutofit/>
+          </a:bodyPr>
+          <a:lstStyle>
+            <a:lvl1pPr marL="0" indent="0">
+              <a:buNone/>
+              <a:defRPr sz="2400" b="0">
+                <a:solidFill>
+                  <a:schemeClr val="tx1"/>
+                </a:solidFill>
+              </a:defRPr>
+            </a:lvl1pPr>
+            <a:lvl2pPr marL="457200" indent="0">
+              <a:buNone/>
+              <a:defRPr sz="2000" b="1"/>
+            </a:lvl2pPr>
+            <a:lvl3pPr marL="914400" indent="0">
+              <a:buNone/>
+              <a:defRPr sz="1800" b="1"/>
+            </a:lvl3pPr>
+            <a:lvl4pPr marL="1371600" indent="0">
+              <a:buNone/>
+              <a:defRPr sz="1600" b="1"/>
+            </a:lvl4pPr>
+            <a:lvl5pPr marL="1828800" indent="0">
+              <a:buNone/>
+              <a:defRPr sz="1600" b="1"/>
+            </a:lvl5pPr>
+            <a:lvl6pPr marL="2286000" indent="0">
+              <a:buNone/>
+              <a:defRPr sz="1600" b="1"/>
+            </a:lvl6pPr>
+            <a:lvl7pPr marL="2743200" indent="0">
+              <a:buNone/>
+              <a:defRPr sz="1600" b="1"/>
+            </a:lvl7pPr>
+            <a:lvl8pPr marL="3200400" indent="0">
+              <a:buNone/>
+              <a:defRPr sz="1600" b="1"/>
+            </a:lvl8pPr>
+            <a:lvl9pPr marL="3657600" indent="0">
+              <a:buNone/>
+              <a:defRPr sz="1600" b="1"/>
+            </a:lvl9pPr>
+          </a:lstStyle>
           <a:p>
             <a:pPr lvl="0"/>
             <a:r>
-              <a:rPr lang="da-DK"/>
-              <a:t>Klik for at redigere teksttypografierne i masteren</a:t>
-            </a:r>
-          </a:p>
-          <a:p>
-            <a:pPr lvl="1"/>
-            <a:r>
-              <a:rPr lang="da-DK"/>
-              <a:t>Andet niveau</a:t>
-            </a:r>
-          </a:p>
-          <a:p>
-            <a:pPr lvl="2"/>
-            <a:r>
-              <a:rPr lang="da-DK"/>
-              <a:t>Tredje niveau</a:t>
-            </a:r>
-          </a:p>
-          <a:p>
-            <a:pPr lvl="3"/>
-            <a:r>
-              <a:rPr lang="da-DK"/>
-              <a:t>Fjerde niveau</a:t>
-            </a:r>
-          </a:p>
-          <a:p>
-            <a:pPr lvl="4"/>
-            <a:r>
-              <a:rPr lang="da-DK"/>
-              <a:t>Femte niveau</a:t>
-            </a:r>
-            <a:endParaRPr lang="en-DK"/>
+              <a:rPr lang="en-US"/>
+              <a:t>Click to edit Master text styles</a:t>
+            </a:r>
           </a:p>
         </p:txBody>
       </p:sp>
       <p:sp>
         <p:nvSpPr>
-          <p:cNvPr id="4" name="Pladsholder til dato 3">
-            <a:extLst>
-              <a:ext uri="{FF2B5EF4-FFF2-40B4-BE49-F238E27FC236}">
-                <a16:creationId xmlns:a16="http://schemas.microsoft.com/office/drawing/2014/main" id="{1C9F011E-A933-E758-0622-CF68775BBBEB}"/>
-              </a:ext>
-            </a:extLst>
-          </p:cNvPr>
+          <p:cNvPr id="20" name="Picture Placeholder 2"/>
+          <p:cNvSpPr>
+            <a:spLocks noGrp="1" noChangeAspect="1"/>
+          </p:cNvSpPr>
+          <p:nvPr>
+            <p:ph type="pic" idx="15"/>
+          </p:nvPr>
+        </p:nvSpPr>
+        <p:spPr>
+          <a:xfrm>
+            <a:off x="688618" y="2362200"/>
+            <a:ext cx="3451582" cy="1524000"/>
+          </a:xfrm>
+          <a:prstGeom prst="roundRect">
+            <a:avLst>
+              <a:gd name="adj" fmla="val 0"/>
+            </a:avLst>
+          </a:prstGeom>
+          <a:effectLst>
+            <a:outerShdw blurRad="50800" dist="50800" dir="5400000" algn="tl" rotWithShape="0">
+              <a:srgbClr val="000000">
+                <a:alpha val="43000"/>
+              </a:srgbClr>
+            </a:outerShdw>
+          </a:effectLst>
+        </p:spPr>
+        <p:txBody>
+          <a:bodyPr anchor="t">
+            <a:normAutofit/>
+          </a:bodyPr>
+          <a:lstStyle>
+            <a:lvl1pPr marL="0" indent="0" algn="ctr">
+              <a:buNone/>
+              <a:defRPr sz="1600"/>
+            </a:lvl1pPr>
+            <a:lvl2pPr marL="457200" indent="0">
+              <a:buNone/>
+              <a:defRPr sz="1600"/>
+            </a:lvl2pPr>
+            <a:lvl3pPr marL="914400" indent="0">
+              <a:buNone/>
+              <a:defRPr sz="1600"/>
+            </a:lvl3pPr>
+            <a:lvl4pPr marL="1371600" indent="0">
+              <a:buNone/>
+              <a:defRPr sz="1600"/>
+            </a:lvl4pPr>
+            <a:lvl5pPr marL="1828800" indent="0">
+              <a:buNone/>
+              <a:defRPr sz="1600"/>
+            </a:lvl5pPr>
+            <a:lvl6pPr marL="2286000" indent="0">
+              <a:buNone/>
+              <a:defRPr sz="1600"/>
+            </a:lvl6pPr>
+            <a:lvl7pPr marL="2743200" indent="0">
+              <a:buNone/>
+              <a:defRPr sz="1600"/>
+            </a:lvl7pPr>
+            <a:lvl8pPr marL="3200400" indent="0">
+              <a:buNone/>
+              <a:defRPr sz="1600"/>
+            </a:lvl8pPr>
+            <a:lvl9pPr marL="3657600" indent="0">
+              <a:buNone/>
+              <a:defRPr sz="1600"/>
+            </a:lvl9pPr>
+          </a:lstStyle>
+          <a:p>
+            <a:r>
+              <a:rPr lang="en-US"/>
+              <a:t>Click icon to add picture</a:t>
+            </a:r>
+            <a:endParaRPr lang="en-US" dirty="0"/>
+          </a:p>
+        </p:txBody>
+      </p:sp>
+      <p:sp>
+        <p:nvSpPr>
+          <p:cNvPr id="21" name="Text Placeholder 3"/>
+          <p:cNvSpPr>
+            <a:spLocks noGrp="1"/>
+          </p:cNvSpPr>
+          <p:nvPr>
+            <p:ph type="body" sz="half" idx="18"/>
+          </p:nvPr>
+        </p:nvSpPr>
+        <p:spPr>
+          <a:xfrm>
+            <a:off x="688618" y="4873764"/>
+            <a:ext cx="3451582" cy="1344921"/>
+          </a:xfrm>
+        </p:spPr>
+        <p:txBody>
+          <a:bodyPr anchor="t">
+            <a:normAutofit/>
+          </a:bodyPr>
+          <a:lstStyle>
+            <a:lvl1pPr marL="0" indent="0">
+              <a:buNone/>
+              <a:defRPr sz="1400"/>
+            </a:lvl1pPr>
+            <a:lvl2pPr marL="457200" indent="0">
+              <a:buNone/>
+              <a:defRPr sz="1200"/>
+            </a:lvl2pPr>
+            <a:lvl3pPr marL="914400" indent="0">
+              <a:buNone/>
+              <a:defRPr sz="1000"/>
+            </a:lvl3pPr>
+            <a:lvl4pPr marL="1371600" indent="0">
+              <a:buNone/>
+              <a:defRPr sz="900"/>
+            </a:lvl4pPr>
+            <a:lvl5pPr marL="1828800" indent="0">
+              <a:buNone/>
+              <a:defRPr sz="900"/>
+            </a:lvl5pPr>
+            <a:lvl6pPr marL="2286000" indent="0">
+              <a:buNone/>
+              <a:defRPr sz="900"/>
+            </a:lvl6pPr>
+            <a:lvl7pPr marL="2743200" indent="0">
+              <a:buNone/>
+              <a:defRPr sz="900"/>
+            </a:lvl7pPr>
+            <a:lvl8pPr marL="3200400" indent="0">
+              <a:buNone/>
+              <a:defRPr sz="900"/>
+            </a:lvl8pPr>
+            <a:lvl9pPr marL="3657600" indent="0">
+              <a:buNone/>
+              <a:defRPr sz="900"/>
+            </a:lvl9pPr>
+          </a:lstStyle>
+          <a:p>
+            <a:pPr lvl="0"/>
+            <a:r>
+              <a:rPr lang="en-US"/>
+              <a:t>Click to edit Master text styles</a:t>
+            </a:r>
+          </a:p>
+        </p:txBody>
+      </p:sp>
+      <p:sp>
+        <p:nvSpPr>
+          <p:cNvPr id="22" name="Text Placeholder 4"/>
+          <p:cNvSpPr>
+            <a:spLocks noGrp="1"/>
+          </p:cNvSpPr>
+          <p:nvPr>
+            <p:ph type="body" sz="quarter" idx="3"/>
+          </p:nvPr>
+        </p:nvSpPr>
+        <p:spPr>
+          <a:xfrm>
+            <a:off x="4374263" y="4191000"/>
+            <a:ext cx="3448935" cy="682765"/>
+          </a:xfrm>
+        </p:spPr>
+        <p:txBody>
+          <a:bodyPr anchor="b">
+            <a:noAutofit/>
+          </a:bodyPr>
+          <a:lstStyle>
+            <a:lvl1pPr marL="0" indent="0">
+              <a:buNone/>
+              <a:defRPr sz="2400" b="0">
+                <a:solidFill>
+                  <a:schemeClr val="tx1"/>
+                </a:solidFill>
+              </a:defRPr>
+            </a:lvl1pPr>
+            <a:lvl2pPr marL="457200" indent="0">
+              <a:buNone/>
+              <a:defRPr sz="2000" b="1"/>
+            </a:lvl2pPr>
+            <a:lvl3pPr marL="914400" indent="0">
+              <a:buNone/>
+              <a:defRPr sz="1800" b="1"/>
+            </a:lvl3pPr>
+            <a:lvl4pPr marL="1371600" indent="0">
+              <a:buNone/>
+              <a:defRPr sz="1600" b="1"/>
+            </a:lvl4pPr>
+            <a:lvl5pPr marL="1828800" indent="0">
+              <a:buNone/>
+              <a:defRPr sz="1600" b="1"/>
+            </a:lvl5pPr>
+            <a:lvl6pPr marL="2286000" indent="0">
+              <a:buNone/>
+              <a:defRPr sz="1600" b="1"/>
+            </a:lvl6pPr>
+            <a:lvl7pPr marL="2743200" indent="0">
+              <a:buNone/>
+              <a:defRPr sz="1600" b="1"/>
+            </a:lvl7pPr>
+            <a:lvl8pPr marL="3200400" indent="0">
+              <a:buNone/>
+              <a:defRPr sz="1600" b="1"/>
+            </a:lvl8pPr>
+            <a:lvl9pPr marL="3657600" indent="0">
+              <a:buNone/>
+              <a:defRPr sz="1600" b="1"/>
+            </a:lvl9pPr>
+          </a:lstStyle>
+          <a:p>
+            <a:pPr lvl="0"/>
+            <a:r>
+              <a:rPr lang="en-US"/>
+              <a:t>Click to edit Master text styles</a:t>
+            </a:r>
+          </a:p>
+        </p:txBody>
+      </p:sp>
+      <p:sp>
+        <p:nvSpPr>
+          <p:cNvPr id="23" name="Picture Placeholder 2"/>
+          <p:cNvSpPr>
+            <a:spLocks noGrp="1" noChangeAspect="1"/>
+          </p:cNvSpPr>
+          <p:nvPr>
+            <p:ph type="pic" idx="21"/>
+          </p:nvPr>
+        </p:nvSpPr>
+        <p:spPr>
+          <a:xfrm>
+            <a:off x="4374263" y="2362200"/>
+            <a:ext cx="3448936" cy="1524000"/>
+          </a:xfrm>
+          <a:prstGeom prst="roundRect">
+            <a:avLst>
+              <a:gd name="adj" fmla="val 0"/>
+            </a:avLst>
+          </a:prstGeom>
+          <a:effectLst>
+            <a:outerShdw blurRad="50800" dist="50800" dir="5400000" algn="tl" rotWithShape="0">
+              <a:srgbClr val="000000">
+                <a:alpha val="43000"/>
+              </a:srgbClr>
+            </a:outerShdw>
+          </a:effectLst>
+        </p:spPr>
+        <p:txBody>
+          <a:bodyPr anchor="t">
+            <a:normAutofit/>
+          </a:bodyPr>
+          <a:lstStyle>
+            <a:lvl1pPr marL="0" indent="0" algn="ctr">
+              <a:buNone/>
+              <a:defRPr sz="1600"/>
+            </a:lvl1pPr>
+            <a:lvl2pPr marL="457200" indent="0">
+              <a:buNone/>
+              <a:defRPr sz="1600"/>
+            </a:lvl2pPr>
+            <a:lvl3pPr marL="914400" indent="0">
+              <a:buNone/>
+              <a:defRPr sz="1600"/>
+            </a:lvl3pPr>
+            <a:lvl4pPr marL="1371600" indent="0">
+              <a:buNone/>
+              <a:defRPr sz="1600"/>
+            </a:lvl4pPr>
+            <a:lvl5pPr marL="1828800" indent="0">
+              <a:buNone/>
+              <a:defRPr sz="1600"/>
+            </a:lvl5pPr>
+            <a:lvl6pPr marL="2286000" indent="0">
+              <a:buNone/>
+              <a:defRPr sz="1600"/>
+            </a:lvl6pPr>
+            <a:lvl7pPr marL="2743200" indent="0">
+              <a:buNone/>
+              <a:defRPr sz="1600"/>
+            </a:lvl7pPr>
+            <a:lvl8pPr marL="3200400" indent="0">
+              <a:buNone/>
+              <a:defRPr sz="1600"/>
+            </a:lvl8pPr>
+            <a:lvl9pPr marL="3657600" indent="0">
+              <a:buNone/>
+              <a:defRPr sz="1600"/>
+            </a:lvl9pPr>
+          </a:lstStyle>
+          <a:p>
+            <a:r>
+              <a:rPr lang="en-US"/>
+              <a:t>Click icon to add picture</a:t>
+            </a:r>
+            <a:endParaRPr lang="en-US" dirty="0"/>
+          </a:p>
+        </p:txBody>
+      </p:sp>
+      <p:sp>
+        <p:nvSpPr>
+          <p:cNvPr id="24" name="Text Placeholder 3"/>
+          <p:cNvSpPr>
+            <a:spLocks noGrp="1"/>
+          </p:cNvSpPr>
+          <p:nvPr>
+            <p:ph type="body" sz="half" idx="19"/>
+          </p:nvPr>
+        </p:nvSpPr>
+        <p:spPr>
+          <a:xfrm>
+            <a:off x="4374264" y="4873763"/>
+            <a:ext cx="3448935" cy="1344921"/>
+          </a:xfrm>
+        </p:spPr>
+        <p:txBody>
+          <a:bodyPr anchor="t">
+            <a:normAutofit/>
+          </a:bodyPr>
+          <a:lstStyle>
+            <a:lvl1pPr marL="0" indent="0">
+              <a:buNone/>
+              <a:defRPr sz="1400"/>
+            </a:lvl1pPr>
+            <a:lvl2pPr marL="457200" indent="0">
+              <a:buNone/>
+              <a:defRPr sz="1200"/>
+            </a:lvl2pPr>
+            <a:lvl3pPr marL="914400" indent="0">
+              <a:buNone/>
+              <a:defRPr sz="1000"/>
+            </a:lvl3pPr>
+            <a:lvl4pPr marL="1371600" indent="0">
+              <a:buNone/>
+              <a:defRPr sz="900"/>
+            </a:lvl4pPr>
+            <a:lvl5pPr marL="1828800" indent="0">
+              <a:buNone/>
+              <a:defRPr sz="900"/>
+            </a:lvl5pPr>
+            <a:lvl6pPr marL="2286000" indent="0">
+              <a:buNone/>
+              <a:defRPr sz="900"/>
+            </a:lvl6pPr>
+            <a:lvl7pPr marL="2743200" indent="0">
+              <a:buNone/>
+              <a:defRPr sz="900"/>
+            </a:lvl7pPr>
+            <a:lvl8pPr marL="3200400" indent="0">
+              <a:buNone/>
+              <a:defRPr sz="900"/>
+            </a:lvl8pPr>
+            <a:lvl9pPr marL="3657600" indent="0">
+              <a:buNone/>
+              <a:defRPr sz="900"/>
+            </a:lvl9pPr>
+          </a:lstStyle>
+          <a:p>
+            <a:pPr lvl="0"/>
+            <a:r>
+              <a:rPr lang="en-US"/>
+              <a:t>Click to edit Master text styles</a:t>
+            </a:r>
+          </a:p>
+        </p:txBody>
+      </p:sp>
+      <p:sp>
+        <p:nvSpPr>
+          <p:cNvPr id="25" name="Text Placeholder 4"/>
+          <p:cNvSpPr>
+            <a:spLocks noGrp="1"/>
+          </p:cNvSpPr>
+          <p:nvPr>
+            <p:ph type="body" sz="quarter" idx="13"/>
+          </p:nvPr>
+        </p:nvSpPr>
+        <p:spPr>
+          <a:xfrm>
+            <a:off x="8049731" y="4191000"/>
+            <a:ext cx="3456469" cy="682765"/>
+          </a:xfrm>
+        </p:spPr>
+        <p:txBody>
+          <a:bodyPr anchor="b">
+            <a:noAutofit/>
+          </a:bodyPr>
+          <a:lstStyle>
+            <a:lvl1pPr marL="0" indent="0">
+              <a:buNone/>
+              <a:defRPr sz="2400" b="0">
+                <a:solidFill>
+                  <a:schemeClr val="tx1"/>
+                </a:solidFill>
+              </a:defRPr>
+            </a:lvl1pPr>
+            <a:lvl2pPr marL="457200" indent="0">
+              <a:buNone/>
+              <a:defRPr sz="2000" b="1"/>
+            </a:lvl2pPr>
+            <a:lvl3pPr marL="914400" indent="0">
+              <a:buNone/>
+              <a:defRPr sz="1800" b="1"/>
+            </a:lvl3pPr>
+            <a:lvl4pPr marL="1371600" indent="0">
+              <a:buNone/>
+              <a:defRPr sz="1600" b="1"/>
+            </a:lvl4pPr>
+            <a:lvl5pPr marL="1828800" indent="0">
+              <a:buNone/>
+              <a:defRPr sz="1600" b="1"/>
+            </a:lvl5pPr>
+            <a:lvl6pPr marL="2286000" indent="0">
+              <a:buNone/>
+              <a:defRPr sz="1600" b="1"/>
+            </a:lvl6pPr>
+            <a:lvl7pPr marL="2743200" indent="0">
+              <a:buNone/>
+              <a:defRPr sz="1600" b="1"/>
+            </a:lvl7pPr>
+            <a:lvl8pPr marL="3200400" indent="0">
+              <a:buNone/>
+              <a:defRPr sz="1600" b="1"/>
+            </a:lvl8pPr>
+            <a:lvl9pPr marL="3657600" indent="0">
+              <a:buNone/>
+              <a:defRPr sz="1600" b="1"/>
+            </a:lvl9pPr>
+          </a:lstStyle>
+          <a:p>
+            <a:pPr lvl="0"/>
+            <a:r>
+              <a:rPr lang="en-US"/>
+              <a:t>Click to edit Master text styles</a:t>
+            </a:r>
+          </a:p>
+        </p:txBody>
+      </p:sp>
+      <p:sp>
+        <p:nvSpPr>
+          <p:cNvPr id="26" name="Picture Placeholder 2"/>
+          <p:cNvSpPr>
+            <a:spLocks noGrp="1" noChangeAspect="1"/>
+          </p:cNvSpPr>
+          <p:nvPr>
+            <p:ph type="pic" idx="22"/>
+          </p:nvPr>
+        </p:nvSpPr>
+        <p:spPr>
+          <a:xfrm>
+            <a:off x="8049855" y="2362200"/>
+            <a:ext cx="3447878" cy="1524000"/>
+          </a:xfrm>
+          <a:prstGeom prst="roundRect">
+            <a:avLst>
+              <a:gd name="adj" fmla="val 0"/>
+            </a:avLst>
+          </a:prstGeom>
+          <a:effectLst>
+            <a:outerShdw blurRad="50800" dist="50800" dir="5400000" algn="tl" rotWithShape="0">
+              <a:srgbClr val="000000">
+                <a:alpha val="43000"/>
+              </a:srgbClr>
+            </a:outerShdw>
+          </a:effectLst>
+        </p:spPr>
+        <p:txBody>
+          <a:bodyPr anchor="t">
+            <a:normAutofit/>
+          </a:bodyPr>
+          <a:lstStyle>
+            <a:lvl1pPr marL="0" indent="0" algn="ctr">
+              <a:buNone/>
+              <a:defRPr sz="1600"/>
+            </a:lvl1pPr>
+            <a:lvl2pPr marL="457200" indent="0">
+              <a:buNone/>
+              <a:defRPr sz="1600"/>
+            </a:lvl2pPr>
+            <a:lvl3pPr marL="914400" indent="0">
+              <a:buNone/>
+              <a:defRPr sz="1600"/>
+            </a:lvl3pPr>
+            <a:lvl4pPr marL="1371600" indent="0">
+              <a:buNone/>
+              <a:defRPr sz="1600"/>
+            </a:lvl4pPr>
+            <a:lvl5pPr marL="1828800" indent="0">
+              <a:buNone/>
+              <a:defRPr sz="1600"/>
+            </a:lvl5pPr>
+            <a:lvl6pPr marL="2286000" indent="0">
+              <a:buNone/>
+              <a:defRPr sz="1600"/>
+            </a:lvl6pPr>
+            <a:lvl7pPr marL="2743200" indent="0">
+              <a:buNone/>
+              <a:defRPr sz="1600"/>
+            </a:lvl7pPr>
+            <a:lvl8pPr marL="3200400" indent="0">
+              <a:buNone/>
+              <a:defRPr sz="1600"/>
+            </a:lvl8pPr>
+            <a:lvl9pPr marL="3657600" indent="0">
+              <a:buNone/>
+              <a:defRPr sz="1600"/>
+            </a:lvl9pPr>
+          </a:lstStyle>
+          <a:p>
+            <a:r>
+              <a:rPr lang="en-US"/>
+              <a:t>Click icon to add picture</a:t>
+            </a:r>
+            <a:endParaRPr lang="en-US" dirty="0"/>
+          </a:p>
+        </p:txBody>
+      </p:sp>
+      <p:sp>
+        <p:nvSpPr>
+          <p:cNvPr id="27" name="Text Placeholder 3"/>
+          <p:cNvSpPr>
+            <a:spLocks noGrp="1"/>
+          </p:cNvSpPr>
+          <p:nvPr>
+            <p:ph type="body" sz="half" idx="20"/>
+          </p:nvPr>
+        </p:nvSpPr>
+        <p:spPr>
+          <a:xfrm>
+            <a:off x="8049731" y="4873761"/>
+            <a:ext cx="3452445" cy="1344921"/>
+          </a:xfrm>
+        </p:spPr>
+        <p:txBody>
+          <a:bodyPr anchor="t">
+            <a:normAutofit/>
+          </a:bodyPr>
+          <a:lstStyle>
+            <a:lvl1pPr marL="0" indent="0">
+              <a:buNone/>
+              <a:defRPr sz="1400"/>
+            </a:lvl1pPr>
+            <a:lvl2pPr marL="457200" indent="0">
+              <a:buNone/>
+              <a:defRPr sz="1200"/>
+            </a:lvl2pPr>
+            <a:lvl3pPr marL="914400" indent="0">
+              <a:buNone/>
+              <a:defRPr sz="1000"/>
+            </a:lvl3pPr>
+            <a:lvl4pPr marL="1371600" indent="0">
+              <a:buNone/>
+              <a:defRPr sz="900"/>
+            </a:lvl4pPr>
+            <a:lvl5pPr marL="1828800" indent="0">
+              <a:buNone/>
+              <a:defRPr sz="900"/>
+            </a:lvl5pPr>
+            <a:lvl6pPr marL="2286000" indent="0">
+              <a:buNone/>
+              <a:defRPr sz="900"/>
+            </a:lvl6pPr>
+            <a:lvl7pPr marL="2743200" indent="0">
+              <a:buNone/>
+              <a:defRPr sz="900"/>
+            </a:lvl7pPr>
+            <a:lvl8pPr marL="3200400" indent="0">
+              <a:buNone/>
+              <a:defRPr sz="900"/>
+            </a:lvl8pPr>
+            <a:lvl9pPr marL="3657600" indent="0">
+              <a:buNone/>
+              <a:defRPr sz="900"/>
+            </a:lvl9pPr>
+          </a:lstStyle>
+          <a:p>
+            <a:pPr lvl="0"/>
+            <a:r>
+              <a:rPr lang="en-US"/>
+              <a:t>Click to edit Master text styles</a:t>
+            </a:r>
+          </a:p>
+        </p:txBody>
+      </p:sp>
+      <p:sp>
+        <p:nvSpPr>
+          <p:cNvPr id="3" name="Date Placeholder 2"/>
           <p:cNvSpPr>
             <a:spLocks noGrp="1"/>
           </p:cNvSpPr>
@@ -4218,7 +6772,7 @@
           <a:p>
             <a:fld id="{D2CDA3DE-14DF-470F-9819-26C440152B3A}" type="datetimeFigureOut">
               <a:rPr lang="en-DK" smtClean="0"/>
-              <a:t>01/05/2022</a:t>
+              <a:t>07/05/2022</a:t>
             </a:fld>
             <a:endParaRPr lang="en-DK"/>
           </a:p>
@@ -4226,13 +6780,7 @@
       </p:sp>
       <p:sp>
         <p:nvSpPr>
-          <p:cNvPr id="5" name="Pladsholder til sidefod 4">
-            <a:extLst>
-              <a:ext uri="{FF2B5EF4-FFF2-40B4-BE49-F238E27FC236}">
-                <a16:creationId xmlns:a16="http://schemas.microsoft.com/office/drawing/2014/main" id="{AA3DBF9A-8A36-6696-28CC-7745677EB86E}"/>
-              </a:ext>
-            </a:extLst>
-          </p:cNvPr>
+          <p:cNvPr id="4" name="Footer Placeholder 3"/>
           <p:cNvSpPr>
             <a:spLocks noGrp="1"/>
           </p:cNvSpPr>
@@ -4251,13 +6799,7 @@
       </p:sp>
       <p:sp>
         <p:nvSpPr>
-          <p:cNvPr id="6" name="Pladsholder til slidenummer 5">
-            <a:extLst>
-              <a:ext uri="{FF2B5EF4-FFF2-40B4-BE49-F238E27FC236}">
-                <a16:creationId xmlns:a16="http://schemas.microsoft.com/office/drawing/2014/main" id="{608EF200-42B3-9721-DA69-2EAF9781BF7F}"/>
-              </a:ext>
-            </a:extLst>
-          </p:cNvPr>
+          <p:cNvPr id="5" name="Slide Number Placeholder 4"/>
           <p:cNvSpPr>
             <a:spLocks noGrp="1"/>
           </p:cNvSpPr>
@@ -4272,7 +6814,7 @@
           <a:p>
             <a:fld id="{E6DB22D4-7540-419B-9E91-9A92006375AE}" type="slidenum">
               <a:rPr lang="en-DK" smtClean="0"/>
-              <a:t>‹nr.›</a:t>
+              <a:t>‹#›</a:t>
             </a:fld>
             <a:endParaRPr lang="en-DK"/>
           </a:p>
@@ -4281,7 +6823,7 @@
     </p:spTree>
     <p:extLst>
       <p:ext uri="{BB962C8B-B14F-4D97-AF65-F5344CB8AC3E}">
-        <p14:creationId xmlns:p14="http://schemas.microsoft.com/office/powerpoint/2010/main" val="1089580858"/>
+        <p14:creationId xmlns:p14="http://schemas.microsoft.com/office/powerpoint/2010/main" val="4217935483"/>
       </p:ext>
     </p:extLst>
   </p:cSld>
@@ -4291,9 +6833,9 @@
 </p:sldLayout>
 </file>
 
-<file path=ppt/slideLayouts/slideLayout2.xml><?xml version="1.0" encoding="utf-8"?>
-<p:sldLayout xmlns:a="http://schemas.openxmlformats.org/drawingml/2006/main" xmlns:r="http://schemas.openxmlformats.org/officeDocument/2006/relationships" xmlns:p="http://schemas.openxmlformats.org/presentationml/2006/main" type="obj" preserve="1">
-  <p:cSld name="Titel og indholdsobjekt">
+<file path=ppt/slideLayouts/slideLayout16.xml><?xml version="1.0" encoding="utf-8"?>
+<p:sldLayout xmlns:a="http://schemas.openxmlformats.org/drawingml/2006/main" xmlns:r="http://schemas.openxmlformats.org/officeDocument/2006/relationships" xmlns:p="http://schemas.openxmlformats.org/presentationml/2006/main" type="vertTx" preserve="1">
+  <p:cSld name="Title and Vertical Text">
     <p:spTree>
       <p:nvGrpSpPr>
         <p:cNvPr id="1" name=""/>
@@ -4310,13 +6852,7 @@
       </p:grpSpPr>
       <p:sp>
         <p:nvSpPr>
-          <p:cNvPr id="2" name="Titel 1">
-            <a:extLst>
-              <a:ext uri="{FF2B5EF4-FFF2-40B4-BE49-F238E27FC236}">
-                <a16:creationId xmlns:a16="http://schemas.microsoft.com/office/drawing/2014/main" id="{6C13FA2E-0152-E189-1BC9-866CF41D85ED}"/>
-              </a:ext>
-            </a:extLst>
-          </p:cNvPr>
+          <p:cNvPr id="2" name="Title 1"/>
           <p:cNvSpPr>
             <a:spLocks noGrp="1"/>
           </p:cNvSpPr>
@@ -4330,80 +6866,73 @@
           <a:lstStyle/>
           <a:p>
             <a:r>
-              <a:rPr lang="da-DK"/>
-              <a:t>Klik for at redigere titeltypografien i masteren</a:t>
-            </a:r>
-            <a:endParaRPr lang="en-DK"/>
+              <a:rPr lang="en-US"/>
+              <a:t>Click to edit Master title style</a:t>
+            </a:r>
+            <a:endParaRPr lang="en-US" dirty="0"/>
           </a:p>
         </p:txBody>
       </p:sp>
       <p:sp>
         <p:nvSpPr>
-          <p:cNvPr id="3" name="Pladsholder til indhold 2">
-            <a:extLst>
-              <a:ext uri="{FF2B5EF4-FFF2-40B4-BE49-F238E27FC236}">
-                <a16:creationId xmlns:a16="http://schemas.microsoft.com/office/drawing/2014/main" id="{668AA01F-38DB-2F38-251A-5106DF4DA102}"/>
-              </a:ext>
-            </a:extLst>
-          </p:cNvPr>
+          <p:cNvPr id="3" name="Vertical Text Placeholder 2"/>
           <p:cNvSpPr>
             <a:spLocks noGrp="1"/>
           </p:cNvSpPr>
           <p:nvPr>
-            <p:ph idx="1"/>
+            <p:ph type="body" orient="vert" idx="1"/>
           </p:nvPr>
         </p:nvSpPr>
-        <p:spPr/>
+        <p:spPr>
+          <a:xfrm>
+            <a:off x="685800" y="2194559"/>
+            <a:ext cx="10820400" cy="4024125"/>
+          </a:xfrm>
+        </p:spPr>
         <p:txBody>
-          <a:bodyPr/>
+          <a:bodyPr vert="eaVert"/>
           <a:lstStyle/>
           <a:p>
             <a:pPr lvl="0"/>
             <a:r>
-              <a:rPr lang="da-DK"/>
-              <a:t>Klik for at redigere teksttypografierne i masteren</a:t>
+              <a:rPr lang="en-US"/>
+              <a:t>Click to edit Master text styles</a:t>
             </a:r>
           </a:p>
           <a:p>
             <a:pPr lvl="1"/>
             <a:r>
-              <a:rPr lang="da-DK"/>
-              <a:t>Andet niveau</a:t>
+              <a:rPr lang="en-US"/>
+              <a:t>Second level</a:t>
             </a:r>
           </a:p>
           <a:p>
             <a:pPr lvl="2"/>
             <a:r>
-              <a:rPr lang="da-DK"/>
-              <a:t>Tredje niveau</a:t>
+              <a:rPr lang="en-US"/>
+              <a:t>Third level</a:t>
             </a:r>
           </a:p>
           <a:p>
             <a:pPr lvl="3"/>
             <a:r>
-              <a:rPr lang="da-DK"/>
-              <a:t>Fjerde niveau</a:t>
+              <a:rPr lang="en-US"/>
+              <a:t>Fourth level</a:t>
             </a:r>
           </a:p>
           <a:p>
             <a:pPr lvl="4"/>
             <a:r>
-              <a:rPr lang="da-DK"/>
-              <a:t>Femte niveau</a:t>
-            </a:r>
-            <a:endParaRPr lang="en-DK"/>
+              <a:rPr lang="en-US"/>
+              <a:t>Fifth level</a:t>
+            </a:r>
+            <a:endParaRPr lang="en-US" dirty="0"/>
           </a:p>
         </p:txBody>
       </p:sp>
       <p:sp>
         <p:nvSpPr>
-          <p:cNvPr id="4" name="Pladsholder til dato 3">
-            <a:extLst>
-              <a:ext uri="{FF2B5EF4-FFF2-40B4-BE49-F238E27FC236}">
-                <a16:creationId xmlns:a16="http://schemas.microsoft.com/office/drawing/2014/main" id="{64DFADAE-2D56-B1DC-0512-F3D7C3A22EEB}"/>
-              </a:ext>
-            </a:extLst>
-          </p:cNvPr>
+          <p:cNvPr id="4" name="Date Placeholder 3"/>
           <p:cNvSpPr>
             <a:spLocks noGrp="1"/>
           </p:cNvSpPr>
@@ -4418,7 +6947,7 @@
           <a:p>
             <a:fld id="{D2CDA3DE-14DF-470F-9819-26C440152B3A}" type="datetimeFigureOut">
               <a:rPr lang="en-DK" smtClean="0"/>
-              <a:t>01/05/2022</a:t>
+              <a:t>07/05/2022</a:t>
             </a:fld>
             <a:endParaRPr lang="en-DK"/>
           </a:p>
@@ -4426,13 +6955,7 @@
       </p:sp>
       <p:sp>
         <p:nvSpPr>
-          <p:cNvPr id="5" name="Pladsholder til sidefod 4">
-            <a:extLst>
-              <a:ext uri="{FF2B5EF4-FFF2-40B4-BE49-F238E27FC236}">
-                <a16:creationId xmlns:a16="http://schemas.microsoft.com/office/drawing/2014/main" id="{812BE225-3E32-4EA9-AED7-9827A3BB5C77}"/>
-              </a:ext>
-            </a:extLst>
-          </p:cNvPr>
+          <p:cNvPr id="5" name="Footer Placeholder 4"/>
           <p:cNvSpPr>
             <a:spLocks noGrp="1"/>
           </p:cNvSpPr>
@@ -4451,13 +6974,7 @@
       </p:sp>
       <p:sp>
         <p:nvSpPr>
-          <p:cNvPr id="6" name="Pladsholder til slidenummer 5">
-            <a:extLst>
-              <a:ext uri="{FF2B5EF4-FFF2-40B4-BE49-F238E27FC236}">
-                <a16:creationId xmlns:a16="http://schemas.microsoft.com/office/drawing/2014/main" id="{95C38DF6-4A3C-D4B2-7D3B-89F92C2D1B9F}"/>
-              </a:ext>
-            </a:extLst>
-          </p:cNvPr>
+          <p:cNvPr id="6" name="Slide Number Placeholder 5"/>
           <p:cNvSpPr>
             <a:spLocks noGrp="1"/>
           </p:cNvSpPr>
@@ -4472,7 +6989,7 @@
           <a:p>
             <a:fld id="{E6DB22D4-7540-419B-9E91-9A92006375AE}" type="slidenum">
               <a:rPr lang="en-DK" smtClean="0"/>
-              <a:t>‹nr.›</a:t>
+              <a:t>‹#›</a:t>
             </a:fld>
             <a:endParaRPr lang="en-DK"/>
           </a:p>
@@ -4481,7 +6998,7 @@
     </p:spTree>
     <p:extLst>
       <p:ext uri="{BB962C8B-B14F-4D97-AF65-F5344CB8AC3E}">
-        <p14:creationId xmlns:p14="http://schemas.microsoft.com/office/powerpoint/2010/main" val="1421144120"/>
+        <p14:creationId xmlns:p14="http://schemas.microsoft.com/office/powerpoint/2010/main" val="3537912545"/>
       </p:ext>
     </p:extLst>
   </p:cSld>
@@ -4491,9 +7008,242 @@
 </p:sldLayout>
 </file>
 
-<file path=ppt/slideLayouts/slideLayout3.xml><?xml version="1.0" encoding="utf-8"?>
-<p:sldLayout xmlns:a="http://schemas.openxmlformats.org/drawingml/2006/main" xmlns:r="http://schemas.openxmlformats.org/officeDocument/2006/relationships" xmlns:p="http://schemas.openxmlformats.org/presentationml/2006/main" type="secHead" preserve="1">
-  <p:cSld name="Afsnitsoverskrift">
+<file path=ppt/slideLayouts/slideLayout17.xml><?xml version="1.0" encoding="utf-8"?>
+<p:sldLayout xmlns:a="http://schemas.openxmlformats.org/drawingml/2006/main" xmlns:r="http://schemas.openxmlformats.org/officeDocument/2006/relationships" xmlns:p="http://schemas.openxmlformats.org/presentationml/2006/main" showMasterSp="0" type="vertTitleAndTx" preserve="1">
+  <p:cSld name="Vertical Title and Text">
+    <p:spTree>
+      <p:nvGrpSpPr>
+        <p:cNvPr id="1" name=""/>
+        <p:cNvGrpSpPr/>
+        <p:nvPr/>
+      </p:nvGrpSpPr>
+      <p:grpSpPr>
+        <a:xfrm>
+          <a:off x="0" y="0"/>
+          <a:ext cx="0" cy="0"/>
+          <a:chOff x="0" y="0"/>
+          <a:chExt cx="0" cy="0"/>
+        </a:xfrm>
+      </p:grpSpPr>
+      <p:pic>
+        <p:nvPicPr>
+          <p:cNvPr id="8" name="Picture 7" descr="C0-HD-BTM.png"/>
+          <p:cNvPicPr>
+            <a:picLocks noChangeAspect="1"/>
+          </p:cNvPicPr>
+          <p:nvPr/>
+        </p:nvPicPr>
+        <p:blipFill>
+          <a:blip r:embed="rId2">
+            <a:extLst>
+              <a:ext uri="{28A0092B-C50C-407E-A947-70E740481C1C}">
+                <a14:useLocalDpi xmlns:a14="http://schemas.microsoft.com/office/drawing/2010/main" val="0"/>
+              </a:ext>
+            </a:extLst>
+          </a:blip>
+          <a:stretch>
+            <a:fillRect/>
+          </a:stretch>
+        </p:blipFill>
+        <p:spPr>
+          <a:xfrm>
+            <a:off x="0" y="4375150"/>
+            <a:ext cx="12192000" cy="2482850"/>
+          </a:xfrm>
+          <a:prstGeom prst="rect">
+            <a:avLst/>
+          </a:prstGeom>
+        </p:spPr>
+      </p:pic>
+      <p:sp>
+        <p:nvSpPr>
+          <p:cNvPr id="2" name="Vertical Title 1"/>
+          <p:cNvSpPr>
+            <a:spLocks noGrp="1"/>
+          </p:cNvSpPr>
+          <p:nvPr>
+            <p:ph type="title" orient="vert"/>
+          </p:nvPr>
+        </p:nvSpPr>
+        <p:spPr>
+          <a:xfrm>
+            <a:off x="9448800" y="745066"/>
+            <a:ext cx="2057400" cy="3903133"/>
+          </a:xfrm>
+        </p:spPr>
+        <p:txBody>
+          <a:bodyPr vert="eaVert"/>
+          <a:lstStyle>
+            <a:lvl1pPr algn="l">
+              <a:defRPr/>
+            </a:lvl1pPr>
+          </a:lstStyle>
+          <a:p>
+            <a:r>
+              <a:rPr lang="en-US"/>
+              <a:t>Click to edit Master title style</a:t>
+            </a:r>
+            <a:endParaRPr lang="en-US" dirty="0"/>
+          </a:p>
+        </p:txBody>
+      </p:sp>
+      <p:sp>
+        <p:nvSpPr>
+          <p:cNvPr id="3" name="Vertical Text Placeholder 2"/>
+          <p:cNvSpPr>
+            <a:spLocks noGrp="1"/>
+          </p:cNvSpPr>
+          <p:nvPr>
+            <p:ph type="body" orient="vert" idx="1"/>
+          </p:nvPr>
+        </p:nvSpPr>
+        <p:spPr>
+          <a:xfrm>
+            <a:off x="1024466" y="745067"/>
+            <a:ext cx="8204201" cy="3903133"/>
+          </a:xfrm>
+        </p:spPr>
+        <p:txBody>
+          <a:bodyPr vert="eaVert"/>
+          <a:lstStyle/>
+          <a:p>
+            <a:pPr lvl="0"/>
+            <a:r>
+              <a:rPr lang="en-US"/>
+              <a:t>Click to edit Master text styles</a:t>
+            </a:r>
+          </a:p>
+          <a:p>
+            <a:pPr lvl="1"/>
+            <a:r>
+              <a:rPr lang="en-US"/>
+              <a:t>Second level</a:t>
+            </a:r>
+          </a:p>
+          <a:p>
+            <a:pPr lvl="2"/>
+            <a:r>
+              <a:rPr lang="en-US"/>
+              <a:t>Third level</a:t>
+            </a:r>
+          </a:p>
+          <a:p>
+            <a:pPr lvl="3"/>
+            <a:r>
+              <a:rPr lang="en-US"/>
+              <a:t>Fourth level</a:t>
+            </a:r>
+          </a:p>
+          <a:p>
+            <a:pPr lvl="4"/>
+            <a:r>
+              <a:rPr lang="en-US"/>
+              <a:t>Fifth level</a:t>
+            </a:r>
+            <a:endParaRPr lang="en-US" dirty="0"/>
+          </a:p>
+        </p:txBody>
+      </p:sp>
+      <p:sp>
+        <p:nvSpPr>
+          <p:cNvPr id="4" name="Date Placeholder 3"/>
+          <p:cNvSpPr>
+            <a:spLocks noGrp="1"/>
+          </p:cNvSpPr>
+          <p:nvPr>
+            <p:ph type="dt" sz="half" idx="10"/>
+          </p:nvPr>
+        </p:nvSpPr>
+        <p:spPr>
+          <a:xfrm>
+            <a:off x="7814452" y="379941"/>
+            <a:ext cx="2910840" cy="365125"/>
+          </a:xfrm>
+        </p:spPr>
+        <p:txBody>
+          <a:bodyPr/>
+          <a:lstStyle>
+            <a:lvl1pPr algn="r">
+              <a:defRPr/>
+            </a:lvl1pPr>
+          </a:lstStyle>
+          <a:p>
+            <a:fld id="{D2CDA3DE-14DF-470F-9819-26C440152B3A}" type="datetimeFigureOut">
+              <a:rPr lang="en-DK" smtClean="0"/>
+              <a:t>07/05/2022</a:t>
+            </a:fld>
+            <a:endParaRPr lang="en-DK"/>
+          </a:p>
+        </p:txBody>
+      </p:sp>
+      <p:sp>
+        <p:nvSpPr>
+          <p:cNvPr id="5" name="Footer Placeholder 4"/>
+          <p:cNvSpPr>
+            <a:spLocks noGrp="1"/>
+          </p:cNvSpPr>
+          <p:nvPr>
+            <p:ph type="ftr" sz="quarter" idx="11"/>
+          </p:nvPr>
+        </p:nvSpPr>
+        <p:spPr>
+          <a:xfrm>
+            <a:off x="685800" y="381000"/>
+            <a:ext cx="6991492" cy="365125"/>
+          </a:xfrm>
+        </p:spPr>
+        <p:txBody>
+          <a:bodyPr/>
+          <a:lstStyle/>
+          <a:p>
+            <a:endParaRPr lang="en-DK"/>
+          </a:p>
+        </p:txBody>
+      </p:sp>
+      <p:sp>
+        <p:nvSpPr>
+          <p:cNvPr id="6" name="Slide Number Placeholder 5"/>
+          <p:cNvSpPr>
+            <a:spLocks noGrp="1"/>
+          </p:cNvSpPr>
+          <p:nvPr>
+            <p:ph type="sldNum" sz="quarter" idx="12"/>
+          </p:nvPr>
+        </p:nvSpPr>
+        <p:spPr>
+          <a:xfrm>
+            <a:off x="10862452" y="381000"/>
+            <a:ext cx="643748" cy="365125"/>
+          </a:xfrm>
+        </p:spPr>
+        <p:txBody>
+          <a:bodyPr/>
+          <a:lstStyle/>
+          <a:p>
+            <a:fld id="{E6DB22D4-7540-419B-9E91-9A92006375AE}" type="slidenum">
+              <a:rPr lang="en-DK" smtClean="0"/>
+              <a:t>‹#›</a:t>
+            </a:fld>
+            <a:endParaRPr lang="en-DK"/>
+          </a:p>
+        </p:txBody>
+      </p:sp>
+    </p:spTree>
+    <p:extLst>
+      <p:ext uri="{BB962C8B-B14F-4D97-AF65-F5344CB8AC3E}">
+        <p14:creationId xmlns:p14="http://schemas.microsoft.com/office/powerpoint/2010/main" val="2076135503"/>
+      </p:ext>
+    </p:extLst>
+  </p:cSld>
+  <p:clrMapOvr>
+    <a:masterClrMapping/>
+  </p:clrMapOvr>
+</p:sldLayout>
+</file>
+
+<file path=ppt/slideLayouts/slideLayout2.xml><?xml version="1.0" encoding="utf-8"?>
+<p:sldLayout xmlns:a="http://schemas.openxmlformats.org/drawingml/2006/main" xmlns:r="http://schemas.openxmlformats.org/officeDocument/2006/relationships" xmlns:p="http://schemas.openxmlformats.org/presentationml/2006/main" type="obj" preserve="1">
+  <p:cSld name="Title and Content">
     <p:spTree>
       <p:nvGrpSpPr>
         <p:cNvPr id="1" name=""/>
@@ -4510,13 +7260,7 @@
       </p:grpSpPr>
       <p:sp>
         <p:nvSpPr>
-          <p:cNvPr id="2" name="Titel 1">
-            <a:extLst>
-              <a:ext uri="{FF2B5EF4-FFF2-40B4-BE49-F238E27FC236}">
-                <a16:creationId xmlns:a16="http://schemas.microsoft.com/office/drawing/2014/main" id="{EA1868C5-AC41-C377-485C-7EF8544B383A}"/>
-              </a:ext>
-            </a:extLst>
-          </p:cNvPr>
+          <p:cNvPr id="2" name="Title 1"/>
           <p:cNvSpPr>
             <a:spLocks noGrp="1"/>
           </p:cNvSpPr>
@@ -4524,162 +7268,74 @@
             <p:ph type="title"/>
           </p:nvPr>
         </p:nvSpPr>
-        <p:spPr>
-          <a:xfrm>
-            <a:off x="831850" y="1709738"/>
-            <a:ext cx="10515600" cy="2852737"/>
-          </a:xfrm>
-        </p:spPr>
+        <p:spPr/>
         <p:txBody>
-          <a:bodyPr anchor="b"/>
-          <a:lstStyle>
-            <a:lvl1pPr>
-              <a:defRPr sz="6000"/>
-            </a:lvl1pPr>
-          </a:lstStyle>
-          <a:p>
-            <a:r>
-              <a:rPr lang="da-DK"/>
-              <a:t>Klik for at redigere titeltypografien i masteren</a:t>
-            </a:r>
-            <a:endParaRPr lang="en-DK"/>
+          <a:bodyPr/>
+          <a:lstStyle/>
+          <a:p>
+            <a:r>
+              <a:rPr lang="en-US"/>
+              <a:t>Click to edit Master title style</a:t>
+            </a:r>
+            <a:endParaRPr lang="en-US" dirty="0"/>
           </a:p>
         </p:txBody>
       </p:sp>
       <p:sp>
         <p:nvSpPr>
-          <p:cNvPr id="3" name="Pladsholder til tekst 2">
-            <a:extLst>
-              <a:ext uri="{FF2B5EF4-FFF2-40B4-BE49-F238E27FC236}">
-                <a16:creationId xmlns:a16="http://schemas.microsoft.com/office/drawing/2014/main" id="{2CCC49A1-BA32-E878-FDE9-34C605675E80}"/>
-              </a:ext>
-            </a:extLst>
-          </p:cNvPr>
+          <p:cNvPr id="3" name="Content Placeholder 2"/>
           <p:cNvSpPr>
             <a:spLocks noGrp="1"/>
           </p:cNvSpPr>
           <p:nvPr>
-            <p:ph type="body" idx="1"/>
+            <p:ph idx="1"/>
           </p:nvPr>
         </p:nvSpPr>
-        <p:spPr>
-          <a:xfrm>
-            <a:off x="831850" y="4589463"/>
-            <a:ext cx="10515600" cy="1500187"/>
-          </a:xfrm>
-        </p:spPr>
+        <p:spPr/>
         <p:txBody>
           <a:bodyPr/>
-          <a:lstStyle>
-            <a:lvl1pPr marL="0" indent="0">
-              <a:buNone/>
-              <a:defRPr sz="2400">
-                <a:solidFill>
-                  <a:schemeClr val="tx1">
-                    <a:tint val="75000"/>
-                  </a:schemeClr>
-                </a:solidFill>
-              </a:defRPr>
-            </a:lvl1pPr>
-            <a:lvl2pPr marL="457200" indent="0">
-              <a:buNone/>
-              <a:defRPr sz="2000">
-                <a:solidFill>
-                  <a:schemeClr val="tx1">
-                    <a:tint val="75000"/>
-                  </a:schemeClr>
-                </a:solidFill>
-              </a:defRPr>
-            </a:lvl2pPr>
-            <a:lvl3pPr marL="914400" indent="0">
-              <a:buNone/>
-              <a:defRPr sz="1800">
-                <a:solidFill>
-                  <a:schemeClr val="tx1">
-                    <a:tint val="75000"/>
-                  </a:schemeClr>
-                </a:solidFill>
-              </a:defRPr>
-            </a:lvl3pPr>
-            <a:lvl4pPr marL="1371600" indent="0">
-              <a:buNone/>
-              <a:defRPr sz="1600">
-                <a:solidFill>
-                  <a:schemeClr val="tx1">
-                    <a:tint val="75000"/>
-                  </a:schemeClr>
-                </a:solidFill>
-              </a:defRPr>
-            </a:lvl4pPr>
-            <a:lvl5pPr marL="1828800" indent="0">
-              <a:buNone/>
-              <a:defRPr sz="1600">
-                <a:solidFill>
-                  <a:schemeClr val="tx1">
-                    <a:tint val="75000"/>
-                  </a:schemeClr>
-                </a:solidFill>
-              </a:defRPr>
-            </a:lvl5pPr>
-            <a:lvl6pPr marL="2286000" indent="0">
-              <a:buNone/>
-              <a:defRPr sz="1600">
-                <a:solidFill>
-                  <a:schemeClr val="tx1">
-                    <a:tint val="75000"/>
-                  </a:schemeClr>
-                </a:solidFill>
-              </a:defRPr>
-            </a:lvl6pPr>
-            <a:lvl7pPr marL="2743200" indent="0">
-              <a:buNone/>
-              <a:defRPr sz="1600">
-                <a:solidFill>
-                  <a:schemeClr val="tx1">
-                    <a:tint val="75000"/>
-                  </a:schemeClr>
-                </a:solidFill>
-              </a:defRPr>
-            </a:lvl7pPr>
-            <a:lvl8pPr marL="3200400" indent="0">
-              <a:buNone/>
-              <a:defRPr sz="1600">
-                <a:solidFill>
-                  <a:schemeClr val="tx1">
-                    <a:tint val="75000"/>
-                  </a:schemeClr>
-                </a:solidFill>
-              </a:defRPr>
-            </a:lvl8pPr>
-            <a:lvl9pPr marL="3657600" indent="0">
-              <a:buNone/>
-              <a:defRPr sz="1600">
-                <a:solidFill>
-                  <a:schemeClr val="tx1">
-                    <a:tint val="75000"/>
-                  </a:schemeClr>
-                </a:solidFill>
-              </a:defRPr>
-            </a:lvl9pPr>
-          </a:lstStyle>
+          <a:lstStyle/>
           <a:p>
             <a:pPr lvl="0"/>
             <a:r>
-              <a:rPr lang="da-DK"/>
-              <a:t>Klik for at redigere teksttypografierne i masteren</a:t>
-            </a:r>
+              <a:rPr lang="en-US"/>
+              <a:t>Click to edit Master text styles</a:t>
+            </a:r>
+          </a:p>
+          <a:p>
+            <a:pPr lvl="1"/>
+            <a:r>
+              <a:rPr lang="en-US"/>
+              <a:t>Second level</a:t>
+            </a:r>
+          </a:p>
+          <a:p>
+            <a:pPr lvl="2"/>
+            <a:r>
+              <a:rPr lang="en-US"/>
+              <a:t>Third level</a:t>
+            </a:r>
+          </a:p>
+          <a:p>
+            <a:pPr lvl="3"/>
+            <a:r>
+              <a:rPr lang="en-US"/>
+              <a:t>Fourth level</a:t>
+            </a:r>
+          </a:p>
+          <a:p>
+            <a:pPr lvl="4"/>
+            <a:r>
+              <a:rPr lang="en-US"/>
+              <a:t>Fifth level</a:t>
+            </a:r>
+            <a:endParaRPr lang="en-US" dirty="0"/>
           </a:p>
         </p:txBody>
       </p:sp>
       <p:sp>
         <p:nvSpPr>
-          <p:cNvPr id="4" name="Pladsholder til dato 3">
-            <a:extLst>
-              <a:ext uri="{FF2B5EF4-FFF2-40B4-BE49-F238E27FC236}">
-                <a16:creationId xmlns:a16="http://schemas.microsoft.com/office/drawing/2014/main" id="{B653448E-05D9-D778-E85C-EE940A632249}"/>
-              </a:ext>
-            </a:extLst>
-          </p:cNvPr>
+          <p:cNvPr id="4" name="Date Placeholder 3"/>
           <p:cNvSpPr>
             <a:spLocks noGrp="1"/>
           </p:cNvSpPr>
@@ -4694,7 +7350,7 @@
           <a:p>
             <a:fld id="{D2CDA3DE-14DF-470F-9819-26C440152B3A}" type="datetimeFigureOut">
               <a:rPr lang="en-DK" smtClean="0"/>
-              <a:t>01/05/2022</a:t>
+              <a:t>07/05/2022</a:t>
             </a:fld>
             <a:endParaRPr lang="en-DK"/>
           </a:p>
@@ -4702,13 +7358,7 @@
       </p:sp>
       <p:sp>
         <p:nvSpPr>
-          <p:cNvPr id="5" name="Pladsholder til sidefod 4">
-            <a:extLst>
-              <a:ext uri="{FF2B5EF4-FFF2-40B4-BE49-F238E27FC236}">
-                <a16:creationId xmlns:a16="http://schemas.microsoft.com/office/drawing/2014/main" id="{8C04F9BE-7519-2146-0892-495C61740085}"/>
-              </a:ext>
-            </a:extLst>
-          </p:cNvPr>
+          <p:cNvPr id="5" name="Footer Placeholder 4"/>
           <p:cNvSpPr>
             <a:spLocks noGrp="1"/>
           </p:cNvSpPr>
@@ -4727,13 +7377,7 @@
       </p:sp>
       <p:sp>
         <p:nvSpPr>
-          <p:cNvPr id="6" name="Pladsholder til slidenummer 5">
-            <a:extLst>
-              <a:ext uri="{FF2B5EF4-FFF2-40B4-BE49-F238E27FC236}">
-                <a16:creationId xmlns:a16="http://schemas.microsoft.com/office/drawing/2014/main" id="{94EE938C-DE1B-94CB-BBE0-5C1455CB5344}"/>
-              </a:ext>
-            </a:extLst>
-          </p:cNvPr>
+          <p:cNvPr id="6" name="Slide Number Placeholder 5"/>
           <p:cNvSpPr>
             <a:spLocks noGrp="1"/>
           </p:cNvSpPr>
@@ -4748,7 +7392,7 @@
           <a:p>
             <a:fld id="{E6DB22D4-7540-419B-9E91-9A92006375AE}" type="slidenum">
               <a:rPr lang="en-DK" smtClean="0"/>
-              <a:t>‹nr.›</a:t>
+              <a:t>‹#›</a:t>
             </a:fld>
             <a:endParaRPr lang="en-DK"/>
           </a:p>
@@ -4757,7 +7401,306 @@
     </p:spTree>
     <p:extLst>
       <p:ext uri="{BB962C8B-B14F-4D97-AF65-F5344CB8AC3E}">
-        <p14:creationId xmlns:p14="http://schemas.microsoft.com/office/powerpoint/2010/main" val="1820741503"/>
+        <p14:creationId xmlns:p14="http://schemas.microsoft.com/office/powerpoint/2010/main" val="25473255"/>
+      </p:ext>
+    </p:extLst>
+  </p:cSld>
+  <p:clrMapOvr>
+    <a:masterClrMapping/>
+  </p:clrMapOvr>
+</p:sldLayout>
+</file>
+
+<file path=ppt/slideLayouts/slideLayout3.xml><?xml version="1.0" encoding="utf-8"?>
+<p:sldLayout xmlns:a="http://schemas.openxmlformats.org/drawingml/2006/main" xmlns:r="http://schemas.openxmlformats.org/officeDocument/2006/relationships" xmlns:p="http://schemas.openxmlformats.org/presentationml/2006/main" showMasterSp="0" type="secHead" preserve="1">
+  <p:cSld name="Section Header">
+    <p:spTree>
+      <p:nvGrpSpPr>
+        <p:cNvPr id="1" name=""/>
+        <p:cNvGrpSpPr/>
+        <p:nvPr/>
+      </p:nvGrpSpPr>
+      <p:grpSpPr>
+        <a:xfrm>
+          <a:off x="0" y="0"/>
+          <a:ext cx="0" cy="0"/>
+          <a:chOff x="0" y="0"/>
+          <a:chExt cx="0" cy="0"/>
+        </a:xfrm>
+      </p:grpSpPr>
+      <p:pic>
+        <p:nvPicPr>
+          <p:cNvPr id="9" name="Picture 8" descr="C0-HD-BTM.png"/>
+          <p:cNvPicPr>
+            <a:picLocks noChangeAspect="1"/>
+          </p:cNvPicPr>
+          <p:nvPr/>
+        </p:nvPicPr>
+        <p:blipFill>
+          <a:blip r:embed="rId2">
+            <a:extLst>
+              <a:ext uri="{28A0092B-C50C-407E-A947-70E740481C1C}">
+                <a14:useLocalDpi xmlns:a14="http://schemas.microsoft.com/office/drawing/2010/main" val="0"/>
+              </a:ext>
+            </a:extLst>
+          </a:blip>
+          <a:stretch>
+            <a:fillRect/>
+          </a:stretch>
+        </p:blipFill>
+        <p:spPr>
+          <a:xfrm>
+            <a:off x="0" y="4375150"/>
+            <a:ext cx="12192000" cy="2482850"/>
+          </a:xfrm>
+          <a:prstGeom prst="rect">
+            <a:avLst/>
+          </a:prstGeom>
+        </p:spPr>
+      </p:pic>
+      <p:sp>
+        <p:nvSpPr>
+          <p:cNvPr id="2" name="Title 1"/>
+          <p:cNvSpPr>
+            <a:spLocks noGrp="1"/>
+          </p:cNvSpPr>
+          <p:nvPr>
+            <p:ph type="title"/>
+          </p:nvPr>
+        </p:nvSpPr>
+        <p:spPr>
+          <a:xfrm>
+            <a:off x="685800" y="753533"/>
+            <a:ext cx="10820399" cy="2801935"/>
+          </a:xfrm>
+        </p:spPr>
+        <p:txBody>
+          <a:bodyPr anchor="b">
+            <a:normAutofit/>
+          </a:bodyPr>
+          <a:lstStyle>
+            <a:lvl1pPr algn="r">
+              <a:defRPr sz="4000"/>
+            </a:lvl1pPr>
+          </a:lstStyle>
+          <a:p>
+            <a:r>
+              <a:rPr lang="en-US"/>
+              <a:t>Click to edit Master title style</a:t>
+            </a:r>
+            <a:endParaRPr lang="en-US" dirty="0"/>
+          </a:p>
+        </p:txBody>
+      </p:sp>
+      <p:sp>
+        <p:nvSpPr>
+          <p:cNvPr id="3" name="Text Placeholder 2"/>
+          <p:cNvSpPr>
+            <a:spLocks noGrp="1"/>
+          </p:cNvSpPr>
+          <p:nvPr>
+            <p:ph type="body" idx="1"/>
+          </p:nvPr>
+        </p:nvSpPr>
+        <p:spPr>
+          <a:xfrm>
+            <a:off x="1024467" y="3641725"/>
+            <a:ext cx="10490200" cy="955675"/>
+          </a:xfrm>
+        </p:spPr>
+        <p:txBody>
+          <a:bodyPr>
+            <a:normAutofit/>
+          </a:bodyPr>
+          <a:lstStyle>
+            <a:lvl1pPr marL="0" indent="0" algn="r">
+              <a:buNone/>
+              <a:defRPr sz="2200">
+                <a:solidFill>
+                  <a:schemeClr val="tx1">
+                    <a:tint val="75000"/>
+                  </a:schemeClr>
+                </a:solidFill>
+              </a:defRPr>
+            </a:lvl1pPr>
+            <a:lvl2pPr marL="457200" indent="0">
+              <a:buNone/>
+              <a:defRPr sz="2000">
+                <a:solidFill>
+                  <a:schemeClr val="tx1">
+                    <a:tint val="75000"/>
+                  </a:schemeClr>
+                </a:solidFill>
+              </a:defRPr>
+            </a:lvl2pPr>
+            <a:lvl3pPr marL="914400" indent="0">
+              <a:buNone/>
+              <a:defRPr sz="1800">
+                <a:solidFill>
+                  <a:schemeClr val="tx1">
+                    <a:tint val="75000"/>
+                  </a:schemeClr>
+                </a:solidFill>
+              </a:defRPr>
+            </a:lvl3pPr>
+            <a:lvl4pPr marL="1371600" indent="0">
+              <a:buNone/>
+              <a:defRPr sz="1600">
+                <a:solidFill>
+                  <a:schemeClr val="tx1">
+                    <a:tint val="75000"/>
+                  </a:schemeClr>
+                </a:solidFill>
+              </a:defRPr>
+            </a:lvl4pPr>
+            <a:lvl5pPr marL="1828800" indent="0">
+              <a:buNone/>
+              <a:defRPr sz="1600">
+                <a:solidFill>
+                  <a:schemeClr val="tx1">
+                    <a:tint val="75000"/>
+                  </a:schemeClr>
+                </a:solidFill>
+              </a:defRPr>
+            </a:lvl5pPr>
+            <a:lvl6pPr marL="2286000" indent="0">
+              <a:buNone/>
+              <a:defRPr sz="1600">
+                <a:solidFill>
+                  <a:schemeClr val="tx1">
+                    <a:tint val="75000"/>
+                  </a:schemeClr>
+                </a:solidFill>
+              </a:defRPr>
+            </a:lvl6pPr>
+            <a:lvl7pPr marL="2743200" indent="0">
+              <a:buNone/>
+              <a:defRPr sz="1600">
+                <a:solidFill>
+                  <a:schemeClr val="tx1">
+                    <a:tint val="75000"/>
+                  </a:schemeClr>
+                </a:solidFill>
+              </a:defRPr>
+            </a:lvl7pPr>
+            <a:lvl8pPr marL="3200400" indent="0">
+              <a:buNone/>
+              <a:defRPr sz="1600">
+                <a:solidFill>
+                  <a:schemeClr val="tx1">
+                    <a:tint val="75000"/>
+                  </a:schemeClr>
+                </a:solidFill>
+              </a:defRPr>
+            </a:lvl8pPr>
+            <a:lvl9pPr marL="3657600" indent="0">
+              <a:buNone/>
+              <a:defRPr sz="1600">
+                <a:solidFill>
+                  <a:schemeClr val="tx1">
+                    <a:tint val="75000"/>
+                  </a:schemeClr>
+                </a:solidFill>
+              </a:defRPr>
+            </a:lvl9pPr>
+          </a:lstStyle>
+          <a:p>
+            <a:pPr lvl="0"/>
+            <a:r>
+              <a:rPr lang="en-US"/>
+              <a:t>Click to edit Master text styles</a:t>
+            </a:r>
+          </a:p>
+        </p:txBody>
+      </p:sp>
+      <p:sp>
+        <p:nvSpPr>
+          <p:cNvPr id="4" name="Date Placeholder 3"/>
+          <p:cNvSpPr>
+            <a:spLocks noGrp="1"/>
+          </p:cNvSpPr>
+          <p:nvPr>
+            <p:ph type="dt" sz="half" idx="10"/>
+          </p:nvPr>
+        </p:nvSpPr>
+        <p:spPr>
+          <a:xfrm>
+            <a:off x="7814452" y="381000"/>
+            <a:ext cx="2910840" cy="365125"/>
+          </a:xfrm>
+        </p:spPr>
+        <p:txBody>
+          <a:bodyPr/>
+          <a:lstStyle>
+            <a:lvl1pPr algn="r">
+              <a:defRPr/>
+            </a:lvl1pPr>
+          </a:lstStyle>
+          <a:p>
+            <a:fld id="{D2CDA3DE-14DF-470F-9819-26C440152B3A}" type="datetimeFigureOut">
+              <a:rPr lang="en-DK" smtClean="0"/>
+              <a:t>07/05/2022</a:t>
+            </a:fld>
+            <a:endParaRPr lang="en-DK"/>
+          </a:p>
+        </p:txBody>
+      </p:sp>
+      <p:sp>
+        <p:nvSpPr>
+          <p:cNvPr id="5" name="Footer Placeholder 4"/>
+          <p:cNvSpPr>
+            <a:spLocks noGrp="1"/>
+          </p:cNvSpPr>
+          <p:nvPr>
+            <p:ph type="ftr" sz="quarter" idx="11"/>
+          </p:nvPr>
+        </p:nvSpPr>
+        <p:spPr>
+          <a:xfrm>
+            <a:off x="685800" y="381001"/>
+            <a:ext cx="6991492" cy="364065"/>
+          </a:xfrm>
+        </p:spPr>
+        <p:txBody>
+          <a:bodyPr/>
+          <a:lstStyle/>
+          <a:p>
+            <a:endParaRPr lang="en-DK"/>
+          </a:p>
+        </p:txBody>
+      </p:sp>
+      <p:sp>
+        <p:nvSpPr>
+          <p:cNvPr id="6" name="Slide Number Placeholder 5"/>
+          <p:cNvSpPr>
+            <a:spLocks noGrp="1"/>
+          </p:cNvSpPr>
+          <p:nvPr>
+            <p:ph type="sldNum" sz="quarter" idx="12"/>
+          </p:nvPr>
+        </p:nvSpPr>
+        <p:spPr>
+          <a:xfrm>
+            <a:off x="10862452" y="381000"/>
+            <a:ext cx="643748" cy="365125"/>
+          </a:xfrm>
+        </p:spPr>
+        <p:txBody>
+          <a:bodyPr/>
+          <a:lstStyle/>
+          <a:p>
+            <a:fld id="{E6DB22D4-7540-419B-9E91-9A92006375AE}" type="slidenum">
+              <a:rPr lang="en-DK" smtClean="0"/>
+              <a:t>‹#›</a:t>
+            </a:fld>
+            <a:endParaRPr lang="en-DK"/>
+          </a:p>
+        </p:txBody>
+      </p:sp>
+    </p:spTree>
+    <p:extLst>
+      <p:ext uri="{BB962C8B-B14F-4D97-AF65-F5344CB8AC3E}">
+        <p14:creationId xmlns:p14="http://schemas.microsoft.com/office/powerpoint/2010/main" val="3348746415"/>
       </p:ext>
     </p:extLst>
   </p:cSld>
@@ -4769,7 +7712,7 @@
 
 <file path=ppt/slideLayouts/slideLayout4.xml><?xml version="1.0" encoding="utf-8"?>
 <p:sldLayout xmlns:a="http://schemas.openxmlformats.org/drawingml/2006/main" xmlns:r="http://schemas.openxmlformats.org/officeDocument/2006/relationships" xmlns:p="http://schemas.openxmlformats.org/presentationml/2006/main" type="twoObj" preserve="1">
-  <p:cSld name="To indholdsobjekter">
+  <p:cSld name="Two Content">
     <p:spTree>
       <p:nvGrpSpPr>
         <p:cNvPr id="1" name=""/>
@@ -4786,13 +7729,7 @@
       </p:grpSpPr>
       <p:sp>
         <p:nvSpPr>
-          <p:cNvPr id="2" name="Titel 1">
-            <a:extLst>
-              <a:ext uri="{FF2B5EF4-FFF2-40B4-BE49-F238E27FC236}">
-                <a16:creationId xmlns:a16="http://schemas.microsoft.com/office/drawing/2014/main" id="{0E7D0674-1852-FA95-979C-39DE86405539}"/>
-              </a:ext>
-            </a:extLst>
-          </p:cNvPr>
+          <p:cNvPr id="2" name="Title 1"/>
           <p:cNvSpPr>
             <a:spLocks noGrp="1"/>
           </p:cNvSpPr>
@@ -4806,22 +7743,16 @@
           <a:lstStyle/>
           <a:p>
             <a:r>
-              <a:rPr lang="da-DK"/>
-              <a:t>Klik for at redigere titeltypografien i masteren</a:t>
-            </a:r>
-            <a:endParaRPr lang="en-DK"/>
+              <a:rPr lang="en-US"/>
+              <a:t>Click to edit Master title style</a:t>
+            </a:r>
+            <a:endParaRPr lang="en-US" dirty="0"/>
           </a:p>
         </p:txBody>
       </p:sp>
       <p:sp>
         <p:nvSpPr>
-          <p:cNvPr id="3" name="Pladsholder til indhold 2">
-            <a:extLst>
-              <a:ext uri="{FF2B5EF4-FFF2-40B4-BE49-F238E27FC236}">
-                <a16:creationId xmlns:a16="http://schemas.microsoft.com/office/drawing/2014/main" id="{0D530330-1885-0941-1256-127FE76287F3}"/>
-              </a:ext>
-            </a:extLst>
-          </p:cNvPr>
+          <p:cNvPr id="3" name="Content Placeholder 2"/>
           <p:cNvSpPr>
             <a:spLocks noGrp="1"/>
           </p:cNvSpPr>
@@ -4831,8 +7762,8 @@
         </p:nvSpPr>
         <p:spPr>
           <a:xfrm>
-            <a:off x="838200" y="1825625"/>
-            <a:ext cx="5181600" cy="4351338"/>
+            <a:off x="685800" y="2194559"/>
+            <a:ext cx="5334000" cy="4024125"/>
           </a:xfrm>
         </p:spPr>
         <p:txBody>
@@ -4841,50 +7772,44 @@
           <a:p>
             <a:pPr lvl="0"/>
             <a:r>
-              <a:rPr lang="da-DK"/>
-              <a:t>Klik for at redigere teksttypografierne i masteren</a:t>
+              <a:rPr lang="en-US"/>
+              <a:t>Click to edit Master text styles</a:t>
             </a:r>
           </a:p>
           <a:p>
             <a:pPr lvl="1"/>
             <a:r>
-              <a:rPr lang="da-DK"/>
-              <a:t>Andet niveau</a:t>
+              <a:rPr lang="en-US"/>
+              <a:t>Second level</a:t>
             </a:r>
           </a:p>
           <a:p>
             <a:pPr lvl="2"/>
             <a:r>
-              <a:rPr lang="da-DK"/>
-              <a:t>Tredje niveau</a:t>
+              <a:rPr lang="en-US"/>
+              <a:t>Third level</a:t>
             </a:r>
           </a:p>
           <a:p>
             <a:pPr lvl="3"/>
             <a:r>
-              <a:rPr lang="da-DK"/>
-              <a:t>Fjerde niveau</a:t>
+              <a:rPr lang="en-US"/>
+              <a:t>Fourth level</a:t>
             </a:r>
           </a:p>
           <a:p>
             <a:pPr lvl="4"/>
             <a:r>
-              <a:rPr lang="da-DK"/>
-              <a:t>Femte niveau</a:t>
-            </a:r>
-            <a:endParaRPr lang="en-DK"/>
+              <a:rPr lang="en-US"/>
+              <a:t>Fifth level</a:t>
+            </a:r>
+            <a:endParaRPr lang="en-US" dirty="0"/>
           </a:p>
         </p:txBody>
       </p:sp>
       <p:sp>
         <p:nvSpPr>
-          <p:cNvPr id="4" name="Pladsholder til indhold 3">
-            <a:extLst>
-              <a:ext uri="{FF2B5EF4-FFF2-40B4-BE49-F238E27FC236}">
-                <a16:creationId xmlns:a16="http://schemas.microsoft.com/office/drawing/2014/main" id="{B3A39D98-E5A9-42A0-2900-425EA6F530AF}"/>
-              </a:ext>
-            </a:extLst>
-          </p:cNvPr>
+          <p:cNvPr id="4" name="Content Placeholder 3"/>
           <p:cNvSpPr>
             <a:spLocks noGrp="1"/>
           </p:cNvSpPr>
@@ -4894,8 +7819,8 @@
         </p:nvSpPr>
         <p:spPr>
           <a:xfrm>
-            <a:off x="6172200" y="1825625"/>
-            <a:ext cx="5181600" cy="4351338"/>
+            <a:off x="6172200" y="2194559"/>
+            <a:ext cx="5334000" cy="4024125"/>
           </a:xfrm>
         </p:spPr>
         <p:txBody>
@@ -4904,50 +7829,44 @@
           <a:p>
             <a:pPr lvl="0"/>
             <a:r>
-              <a:rPr lang="da-DK"/>
-              <a:t>Klik for at redigere teksttypografierne i masteren</a:t>
+              <a:rPr lang="en-US"/>
+              <a:t>Click to edit Master text styles</a:t>
             </a:r>
           </a:p>
           <a:p>
             <a:pPr lvl="1"/>
             <a:r>
-              <a:rPr lang="da-DK"/>
-              <a:t>Andet niveau</a:t>
+              <a:rPr lang="en-US"/>
+              <a:t>Second level</a:t>
             </a:r>
           </a:p>
           <a:p>
             <a:pPr lvl="2"/>
             <a:r>
-              <a:rPr lang="da-DK"/>
-              <a:t>Tredje niveau</a:t>
+              <a:rPr lang="en-US"/>
+              <a:t>Third level</a:t>
             </a:r>
           </a:p>
           <a:p>
             <a:pPr lvl="3"/>
             <a:r>
-              <a:rPr lang="da-DK"/>
-              <a:t>Fjerde niveau</a:t>
+              <a:rPr lang="en-US"/>
+              <a:t>Fourth level</a:t>
             </a:r>
           </a:p>
           <a:p>
             <a:pPr lvl="4"/>
             <a:r>
-              <a:rPr lang="da-DK"/>
-              <a:t>Femte niveau</a:t>
-            </a:r>
-            <a:endParaRPr lang="en-DK"/>
+              <a:rPr lang="en-US"/>
+              <a:t>Fifth level</a:t>
+            </a:r>
+            <a:endParaRPr lang="en-US" dirty="0"/>
           </a:p>
         </p:txBody>
       </p:sp>
       <p:sp>
         <p:nvSpPr>
-          <p:cNvPr id="5" name="Pladsholder til dato 4">
-            <a:extLst>
-              <a:ext uri="{FF2B5EF4-FFF2-40B4-BE49-F238E27FC236}">
-                <a16:creationId xmlns:a16="http://schemas.microsoft.com/office/drawing/2014/main" id="{2F548D19-6A38-CC27-61DA-2C89445B1854}"/>
-              </a:ext>
-            </a:extLst>
-          </p:cNvPr>
+          <p:cNvPr id="5" name="Date Placeholder 4"/>
           <p:cNvSpPr>
             <a:spLocks noGrp="1"/>
           </p:cNvSpPr>
@@ -4962,7 +7881,7 @@
           <a:p>
             <a:fld id="{D2CDA3DE-14DF-470F-9819-26C440152B3A}" type="datetimeFigureOut">
               <a:rPr lang="en-DK" smtClean="0"/>
-              <a:t>01/05/2022</a:t>
+              <a:t>07/05/2022</a:t>
             </a:fld>
             <a:endParaRPr lang="en-DK"/>
           </a:p>
@@ -4970,13 +7889,7 @@
       </p:sp>
       <p:sp>
         <p:nvSpPr>
-          <p:cNvPr id="6" name="Pladsholder til sidefod 5">
-            <a:extLst>
-              <a:ext uri="{FF2B5EF4-FFF2-40B4-BE49-F238E27FC236}">
-                <a16:creationId xmlns:a16="http://schemas.microsoft.com/office/drawing/2014/main" id="{9CA51698-9C95-69EC-4468-CE8167BA598D}"/>
-              </a:ext>
-            </a:extLst>
-          </p:cNvPr>
+          <p:cNvPr id="6" name="Footer Placeholder 5"/>
           <p:cNvSpPr>
             <a:spLocks noGrp="1"/>
           </p:cNvSpPr>
@@ -4995,13 +7908,7 @@
       </p:sp>
       <p:sp>
         <p:nvSpPr>
-          <p:cNvPr id="7" name="Pladsholder til slidenummer 6">
-            <a:extLst>
-              <a:ext uri="{FF2B5EF4-FFF2-40B4-BE49-F238E27FC236}">
-                <a16:creationId xmlns:a16="http://schemas.microsoft.com/office/drawing/2014/main" id="{E98416E4-F1C6-3B23-A4EC-405F53DF2F21}"/>
-              </a:ext>
-            </a:extLst>
-          </p:cNvPr>
+          <p:cNvPr id="7" name="Slide Number Placeholder 6"/>
           <p:cNvSpPr>
             <a:spLocks noGrp="1"/>
           </p:cNvSpPr>
@@ -5016,7 +7923,7 @@
           <a:p>
             <a:fld id="{E6DB22D4-7540-419B-9E91-9A92006375AE}" type="slidenum">
               <a:rPr lang="en-DK" smtClean="0"/>
-              <a:t>‹nr.›</a:t>
+              <a:t>‹#›</a:t>
             </a:fld>
             <a:endParaRPr lang="en-DK"/>
           </a:p>
@@ -5025,7 +7932,7 @@
     </p:spTree>
     <p:extLst>
       <p:ext uri="{BB962C8B-B14F-4D97-AF65-F5344CB8AC3E}">
-        <p14:creationId xmlns:p14="http://schemas.microsoft.com/office/powerpoint/2010/main" val="1329289681"/>
+        <p14:creationId xmlns:p14="http://schemas.microsoft.com/office/powerpoint/2010/main" val="4210579807"/>
       </p:ext>
     </p:extLst>
   </p:cSld>
@@ -5037,7 +7944,7 @@
 
 <file path=ppt/slideLayouts/slideLayout5.xml><?xml version="1.0" encoding="utf-8"?>
 <p:sldLayout xmlns:a="http://schemas.openxmlformats.org/drawingml/2006/main" xmlns:r="http://schemas.openxmlformats.org/officeDocument/2006/relationships" xmlns:p="http://schemas.openxmlformats.org/presentationml/2006/main" type="twoTxTwoObj" preserve="1">
-  <p:cSld name="Sammenligning">
+  <p:cSld name="Comparison">
     <p:spTree>
       <p:nvGrpSpPr>
         <p:cNvPr id="1" name=""/>
@@ -5054,13 +7961,7 @@
       </p:grpSpPr>
       <p:sp>
         <p:nvSpPr>
-          <p:cNvPr id="2" name="Titel 1">
-            <a:extLst>
-              <a:ext uri="{FF2B5EF4-FFF2-40B4-BE49-F238E27FC236}">
-                <a16:creationId xmlns:a16="http://schemas.microsoft.com/office/drawing/2014/main" id="{FB4A8B57-5FF2-888B-3BEA-877178DC1D88}"/>
-              </a:ext>
-            </a:extLst>
-          </p:cNvPr>
+          <p:cNvPr id="2" name="Title 1"/>
           <p:cNvSpPr>
             <a:spLocks noGrp="1"/>
           </p:cNvSpPr>
@@ -5070,8 +7971,8 @@
         </p:nvSpPr>
         <p:spPr>
           <a:xfrm>
-            <a:off x="839788" y="365125"/>
-            <a:ext cx="10515600" cy="1325563"/>
+            <a:off x="2895600" y="762000"/>
+            <a:ext cx="8610600" cy="1295400"/>
           </a:xfrm>
         </p:spPr>
         <p:txBody>
@@ -5079,22 +7980,16 @@
           <a:lstStyle/>
           <a:p>
             <a:r>
-              <a:rPr lang="da-DK"/>
-              <a:t>Klik for at redigere titeltypografien i masteren</a:t>
-            </a:r>
-            <a:endParaRPr lang="en-DK"/>
+              <a:rPr lang="en-US"/>
+              <a:t>Click to edit Master title style</a:t>
+            </a:r>
+            <a:endParaRPr lang="en-US" dirty="0"/>
           </a:p>
         </p:txBody>
       </p:sp>
       <p:sp>
         <p:nvSpPr>
-          <p:cNvPr id="3" name="Pladsholder til tekst 2">
-            <a:extLst>
-              <a:ext uri="{FF2B5EF4-FFF2-40B4-BE49-F238E27FC236}">
-                <a16:creationId xmlns:a16="http://schemas.microsoft.com/office/drawing/2014/main" id="{240551E4-64F9-6A70-B7EF-58A0A35B2158}"/>
-              </a:ext>
-            </a:extLst>
-          </p:cNvPr>
+          <p:cNvPr id="3" name="Text Placeholder 2"/>
           <p:cNvSpPr>
             <a:spLocks noGrp="1"/>
           </p:cNvSpPr>
@@ -5104,16 +7999,22 @@
         </p:nvSpPr>
         <p:spPr>
           <a:xfrm>
-            <a:off x="839788" y="1681163"/>
-            <a:ext cx="5157787" cy="823912"/>
+            <a:off x="914409" y="2183802"/>
+            <a:ext cx="5079991" cy="823912"/>
           </a:xfrm>
         </p:spPr>
         <p:txBody>
-          <a:bodyPr anchor="b"/>
+          <a:bodyPr anchor="b">
+            <a:normAutofit/>
+          </a:bodyPr>
           <a:lstStyle>
             <a:lvl1pPr marL="0" indent="0">
               <a:buNone/>
-              <a:defRPr sz="2400" b="1"/>
+              <a:defRPr sz="2800" b="0">
+                <a:solidFill>
+                  <a:schemeClr val="tx1"/>
+                </a:solidFill>
+              </a:defRPr>
             </a:lvl1pPr>
             <a:lvl2pPr marL="457200" indent="0">
               <a:buNone/>
@@ -5151,21 +8052,15 @@
           <a:p>
             <a:pPr lvl="0"/>
             <a:r>
-              <a:rPr lang="da-DK"/>
-              <a:t>Klik for at redigere teksttypografierne i masteren</a:t>
+              <a:rPr lang="en-US"/>
+              <a:t>Click to edit Master text styles</a:t>
             </a:r>
           </a:p>
         </p:txBody>
       </p:sp>
       <p:sp>
         <p:nvSpPr>
-          <p:cNvPr id="4" name="Pladsholder til indhold 3">
-            <a:extLst>
-              <a:ext uri="{FF2B5EF4-FFF2-40B4-BE49-F238E27FC236}">
-                <a16:creationId xmlns:a16="http://schemas.microsoft.com/office/drawing/2014/main" id="{12BB2386-EE17-AB63-48CC-4A5008822797}"/>
-              </a:ext>
-            </a:extLst>
-          </p:cNvPr>
+          <p:cNvPr id="4" name="Content Placeholder 3"/>
           <p:cNvSpPr>
             <a:spLocks noGrp="1"/>
           </p:cNvSpPr>
@@ -5175,8 +8070,8 @@
         </p:nvSpPr>
         <p:spPr>
           <a:xfrm>
-            <a:off x="839788" y="2505075"/>
-            <a:ext cx="5157787" cy="3684588"/>
+            <a:off x="685800" y="3132666"/>
+            <a:ext cx="5311775" cy="3086019"/>
           </a:xfrm>
         </p:spPr>
         <p:txBody>
@@ -5185,50 +8080,44 @@
           <a:p>
             <a:pPr lvl="0"/>
             <a:r>
-              <a:rPr lang="da-DK"/>
-              <a:t>Klik for at redigere teksttypografierne i masteren</a:t>
+              <a:rPr lang="en-US"/>
+              <a:t>Click to edit Master text styles</a:t>
             </a:r>
           </a:p>
           <a:p>
             <a:pPr lvl="1"/>
             <a:r>
-              <a:rPr lang="da-DK"/>
-              <a:t>Andet niveau</a:t>
+              <a:rPr lang="en-US"/>
+              <a:t>Second level</a:t>
             </a:r>
           </a:p>
           <a:p>
             <a:pPr lvl="2"/>
             <a:r>
-              <a:rPr lang="da-DK"/>
-              <a:t>Tredje niveau</a:t>
+              <a:rPr lang="en-US"/>
+              <a:t>Third level</a:t>
             </a:r>
           </a:p>
           <a:p>
             <a:pPr lvl="3"/>
             <a:r>
-              <a:rPr lang="da-DK"/>
-              <a:t>Fjerde niveau</a:t>
+              <a:rPr lang="en-US"/>
+              <a:t>Fourth level</a:t>
             </a:r>
           </a:p>
           <a:p>
             <a:pPr lvl="4"/>
             <a:r>
-              <a:rPr lang="da-DK"/>
-              <a:t>Femte niveau</a:t>
-            </a:r>
-            <a:endParaRPr lang="en-DK"/>
+              <a:rPr lang="en-US"/>
+              <a:t>Fifth level</a:t>
+            </a:r>
+            <a:endParaRPr lang="en-US" dirty="0"/>
           </a:p>
         </p:txBody>
       </p:sp>
       <p:sp>
         <p:nvSpPr>
-          <p:cNvPr id="5" name="Pladsholder til tekst 4">
-            <a:extLst>
-              <a:ext uri="{FF2B5EF4-FFF2-40B4-BE49-F238E27FC236}">
-                <a16:creationId xmlns:a16="http://schemas.microsoft.com/office/drawing/2014/main" id="{E1536D06-2663-B39F-C06F-979BA8532377}"/>
-              </a:ext>
-            </a:extLst>
-          </p:cNvPr>
+          <p:cNvPr id="5" name="Text Placeholder 4"/>
           <p:cNvSpPr>
             <a:spLocks noGrp="1"/>
           </p:cNvSpPr>
@@ -5238,16 +8127,22 @@
         </p:nvSpPr>
         <p:spPr>
           <a:xfrm>
-            <a:off x="6172200" y="1681163"/>
-            <a:ext cx="5183188" cy="823912"/>
+            <a:off x="6400800" y="2183802"/>
+            <a:ext cx="5105400" cy="823912"/>
           </a:xfrm>
         </p:spPr>
         <p:txBody>
-          <a:bodyPr anchor="b"/>
+          <a:bodyPr anchor="b">
+            <a:normAutofit/>
+          </a:bodyPr>
           <a:lstStyle>
             <a:lvl1pPr marL="0" indent="0">
               <a:buNone/>
-              <a:defRPr sz="2400" b="1"/>
+              <a:defRPr sz="2800" b="0">
+                <a:solidFill>
+                  <a:schemeClr val="tx1"/>
+                </a:solidFill>
+              </a:defRPr>
             </a:lvl1pPr>
             <a:lvl2pPr marL="457200" indent="0">
               <a:buNone/>
@@ -5285,21 +8180,15 @@
           <a:p>
             <a:pPr lvl="0"/>
             <a:r>
-              <a:rPr lang="da-DK"/>
-              <a:t>Klik for at redigere teksttypografierne i masteren</a:t>
+              <a:rPr lang="en-US"/>
+              <a:t>Click to edit Master text styles</a:t>
             </a:r>
           </a:p>
         </p:txBody>
       </p:sp>
       <p:sp>
         <p:nvSpPr>
-          <p:cNvPr id="6" name="Pladsholder til indhold 5">
-            <a:extLst>
-              <a:ext uri="{FF2B5EF4-FFF2-40B4-BE49-F238E27FC236}">
-                <a16:creationId xmlns:a16="http://schemas.microsoft.com/office/drawing/2014/main" id="{5FC166E0-3393-270A-9983-BEF9204E287A}"/>
-              </a:ext>
-            </a:extLst>
-          </p:cNvPr>
+          <p:cNvPr id="6" name="Content Placeholder 5"/>
           <p:cNvSpPr>
             <a:spLocks noGrp="1"/>
           </p:cNvSpPr>
@@ -5309,8 +8198,8 @@
         </p:nvSpPr>
         <p:spPr>
           <a:xfrm>
-            <a:off x="6172200" y="2505075"/>
-            <a:ext cx="5183188" cy="3684588"/>
+            <a:off x="6172200" y="3132666"/>
+            <a:ext cx="5334000" cy="3086019"/>
           </a:xfrm>
         </p:spPr>
         <p:txBody>
@@ -5319,50 +8208,44 @@
           <a:p>
             <a:pPr lvl="0"/>
             <a:r>
-              <a:rPr lang="da-DK"/>
-              <a:t>Klik for at redigere teksttypografierne i masteren</a:t>
+              <a:rPr lang="en-US"/>
+              <a:t>Click to edit Master text styles</a:t>
             </a:r>
           </a:p>
           <a:p>
             <a:pPr lvl="1"/>
             <a:r>
-              <a:rPr lang="da-DK"/>
-              <a:t>Andet niveau</a:t>
+              <a:rPr lang="en-US"/>
+              <a:t>Second level</a:t>
             </a:r>
           </a:p>
           <a:p>
             <a:pPr lvl="2"/>
             <a:r>
-              <a:rPr lang="da-DK"/>
-              <a:t>Tredje niveau</a:t>
+              <a:rPr lang="en-US"/>
+              <a:t>Third level</a:t>
             </a:r>
           </a:p>
           <a:p>
             <a:pPr lvl="3"/>
             <a:r>
-              <a:rPr lang="da-DK"/>
-              <a:t>Fjerde niveau</a:t>
+              <a:rPr lang="en-US"/>
+              <a:t>Fourth level</a:t>
             </a:r>
           </a:p>
           <a:p>
             <a:pPr lvl="4"/>
             <a:r>
-              <a:rPr lang="da-DK"/>
-              <a:t>Femte niveau</a:t>
-            </a:r>
-            <a:endParaRPr lang="en-DK"/>
+              <a:rPr lang="en-US"/>
+              <a:t>Fifth level</a:t>
+            </a:r>
+            <a:endParaRPr lang="en-US" dirty="0"/>
           </a:p>
         </p:txBody>
       </p:sp>
       <p:sp>
         <p:nvSpPr>
-          <p:cNvPr id="7" name="Pladsholder til dato 6">
-            <a:extLst>
-              <a:ext uri="{FF2B5EF4-FFF2-40B4-BE49-F238E27FC236}">
-                <a16:creationId xmlns:a16="http://schemas.microsoft.com/office/drawing/2014/main" id="{2C57428C-5F15-9C39-AC4F-D3286E3401BB}"/>
-              </a:ext>
-            </a:extLst>
-          </p:cNvPr>
+          <p:cNvPr id="7" name="Date Placeholder 6"/>
           <p:cNvSpPr>
             <a:spLocks noGrp="1"/>
           </p:cNvSpPr>
@@ -5377,7 +8260,7 @@
           <a:p>
             <a:fld id="{D2CDA3DE-14DF-470F-9819-26C440152B3A}" type="datetimeFigureOut">
               <a:rPr lang="en-DK" smtClean="0"/>
-              <a:t>01/05/2022</a:t>
+              <a:t>07/05/2022</a:t>
             </a:fld>
             <a:endParaRPr lang="en-DK"/>
           </a:p>
@@ -5385,13 +8268,7 @@
       </p:sp>
       <p:sp>
         <p:nvSpPr>
-          <p:cNvPr id="8" name="Pladsholder til sidefod 7">
-            <a:extLst>
-              <a:ext uri="{FF2B5EF4-FFF2-40B4-BE49-F238E27FC236}">
-                <a16:creationId xmlns:a16="http://schemas.microsoft.com/office/drawing/2014/main" id="{A129E0BC-DBDE-6B39-08A0-E1B914D717E5}"/>
-              </a:ext>
-            </a:extLst>
-          </p:cNvPr>
+          <p:cNvPr id="8" name="Footer Placeholder 7"/>
           <p:cNvSpPr>
             <a:spLocks noGrp="1"/>
           </p:cNvSpPr>
@@ -5410,13 +8287,7 @@
       </p:sp>
       <p:sp>
         <p:nvSpPr>
-          <p:cNvPr id="9" name="Pladsholder til slidenummer 8">
-            <a:extLst>
-              <a:ext uri="{FF2B5EF4-FFF2-40B4-BE49-F238E27FC236}">
-                <a16:creationId xmlns:a16="http://schemas.microsoft.com/office/drawing/2014/main" id="{8D463F6C-8EE8-CE6C-E4B5-9C3F899FD210}"/>
-              </a:ext>
-            </a:extLst>
-          </p:cNvPr>
+          <p:cNvPr id="9" name="Slide Number Placeholder 8"/>
           <p:cNvSpPr>
             <a:spLocks noGrp="1"/>
           </p:cNvSpPr>
@@ -5431,7 +8302,7 @@
           <a:p>
             <a:fld id="{E6DB22D4-7540-419B-9E91-9A92006375AE}" type="slidenum">
               <a:rPr lang="en-DK" smtClean="0"/>
-              <a:t>‹nr.›</a:t>
+              <a:t>‹#›</a:t>
             </a:fld>
             <a:endParaRPr lang="en-DK"/>
           </a:p>
@@ -5440,7 +8311,7 @@
     </p:spTree>
     <p:extLst>
       <p:ext uri="{BB962C8B-B14F-4D97-AF65-F5344CB8AC3E}">
-        <p14:creationId xmlns:p14="http://schemas.microsoft.com/office/powerpoint/2010/main" val="1916767872"/>
+        <p14:creationId xmlns:p14="http://schemas.microsoft.com/office/powerpoint/2010/main" val="52186299"/>
       </p:ext>
     </p:extLst>
   </p:cSld>
@@ -5452,7 +8323,7 @@
 
 <file path=ppt/slideLayouts/slideLayout6.xml><?xml version="1.0" encoding="utf-8"?>
 <p:sldLayout xmlns:a="http://schemas.openxmlformats.org/drawingml/2006/main" xmlns:r="http://schemas.openxmlformats.org/officeDocument/2006/relationships" xmlns:p="http://schemas.openxmlformats.org/presentationml/2006/main" type="titleOnly" preserve="1">
-  <p:cSld name="Kun titel">
+  <p:cSld name="Title Only">
     <p:spTree>
       <p:nvGrpSpPr>
         <p:cNvPr id="1" name=""/>
@@ -5469,13 +8340,7 @@
       </p:grpSpPr>
       <p:sp>
         <p:nvSpPr>
-          <p:cNvPr id="2" name="Titel 1">
-            <a:extLst>
-              <a:ext uri="{FF2B5EF4-FFF2-40B4-BE49-F238E27FC236}">
-                <a16:creationId xmlns:a16="http://schemas.microsoft.com/office/drawing/2014/main" id="{82C772ED-3023-5399-907E-CF8AD198073D}"/>
-              </a:ext>
-            </a:extLst>
-          </p:cNvPr>
+          <p:cNvPr id="2" name="Title 1"/>
           <p:cNvSpPr>
             <a:spLocks noGrp="1"/>
           </p:cNvSpPr>
@@ -5489,22 +8354,16 @@
           <a:lstStyle/>
           <a:p>
             <a:r>
-              <a:rPr lang="da-DK"/>
-              <a:t>Klik for at redigere titeltypografien i masteren</a:t>
-            </a:r>
-            <a:endParaRPr lang="en-DK"/>
+              <a:rPr lang="en-US"/>
+              <a:t>Click to edit Master title style</a:t>
+            </a:r>
+            <a:endParaRPr lang="en-US" dirty="0"/>
           </a:p>
         </p:txBody>
       </p:sp>
       <p:sp>
         <p:nvSpPr>
-          <p:cNvPr id="3" name="Pladsholder til dato 2">
-            <a:extLst>
-              <a:ext uri="{FF2B5EF4-FFF2-40B4-BE49-F238E27FC236}">
-                <a16:creationId xmlns:a16="http://schemas.microsoft.com/office/drawing/2014/main" id="{4BA8EBB1-7E53-A1CC-C783-47315E10D69B}"/>
-              </a:ext>
-            </a:extLst>
-          </p:cNvPr>
+          <p:cNvPr id="3" name="Date Placeholder 2"/>
           <p:cNvSpPr>
             <a:spLocks noGrp="1"/>
           </p:cNvSpPr>
@@ -5519,7 +8378,7 @@
           <a:p>
             <a:fld id="{D2CDA3DE-14DF-470F-9819-26C440152B3A}" type="datetimeFigureOut">
               <a:rPr lang="en-DK" smtClean="0"/>
-              <a:t>01/05/2022</a:t>
+              <a:t>07/05/2022</a:t>
             </a:fld>
             <a:endParaRPr lang="en-DK"/>
           </a:p>
@@ -5527,13 +8386,7 @@
       </p:sp>
       <p:sp>
         <p:nvSpPr>
-          <p:cNvPr id="4" name="Pladsholder til sidefod 3">
-            <a:extLst>
-              <a:ext uri="{FF2B5EF4-FFF2-40B4-BE49-F238E27FC236}">
-                <a16:creationId xmlns:a16="http://schemas.microsoft.com/office/drawing/2014/main" id="{A4FF2530-E30B-12B2-CCCE-026C0596BE63}"/>
-              </a:ext>
-            </a:extLst>
-          </p:cNvPr>
+          <p:cNvPr id="4" name="Footer Placeholder 3"/>
           <p:cNvSpPr>
             <a:spLocks noGrp="1"/>
           </p:cNvSpPr>
@@ -5552,13 +8405,7 @@
       </p:sp>
       <p:sp>
         <p:nvSpPr>
-          <p:cNvPr id="5" name="Pladsholder til slidenummer 4">
-            <a:extLst>
-              <a:ext uri="{FF2B5EF4-FFF2-40B4-BE49-F238E27FC236}">
-                <a16:creationId xmlns:a16="http://schemas.microsoft.com/office/drawing/2014/main" id="{A524A124-4FC4-1DE8-7A58-5341C57556C7}"/>
-              </a:ext>
-            </a:extLst>
-          </p:cNvPr>
+          <p:cNvPr id="5" name="Slide Number Placeholder 4"/>
           <p:cNvSpPr>
             <a:spLocks noGrp="1"/>
           </p:cNvSpPr>
@@ -5573,7 +8420,7 @@
           <a:p>
             <a:fld id="{E6DB22D4-7540-419B-9E91-9A92006375AE}" type="slidenum">
               <a:rPr lang="en-DK" smtClean="0"/>
-              <a:t>‹nr.›</a:t>
+              <a:t>‹#›</a:t>
             </a:fld>
             <a:endParaRPr lang="en-DK"/>
           </a:p>
@@ -5582,7 +8429,7 @@
     </p:spTree>
     <p:extLst>
       <p:ext uri="{BB962C8B-B14F-4D97-AF65-F5344CB8AC3E}">
-        <p14:creationId xmlns:p14="http://schemas.microsoft.com/office/powerpoint/2010/main" val="1000267046"/>
+        <p14:creationId xmlns:p14="http://schemas.microsoft.com/office/powerpoint/2010/main" val="3005568443"/>
       </p:ext>
     </p:extLst>
   </p:cSld>
@@ -5594,7 +8441,7 @@
 
 <file path=ppt/slideLayouts/slideLayout7.xml><?xml version="1.0" encoding="utf-8"?>
 <p:sldLayout xmlns:a="http://schemas.openxmlformats.org/drawingml/2006/main" xmlns:r="http://schemas.openxmlformats.org/officeDocument/2006/relationships" xmlns:p="http://schemas.openxmlformats.org/presentationml/2006/main" type="blank" preserve="1">
-  <p:cSld name="Tom">
+  <p:cSld name="Blank">
     <p:spTree>
       <p:nvGrpSpPr>
         <p:cNvPr id="1" name=""/>
@@ -5611,13 +8458,7 @@
       </p:grpSpPr>
       <p:sp>
         <p:nvSpPr>
-          <p:cNvPr id="2" name="Pladsholder til dato 1">
-            <a:extLst>
-              <a:ext uri="{FF2B5EF4-FFF2-40B4-BE49-F238E27FC236}">
-                <a16:creationId xmlns:a16="http://schemas.microsoft.com/office/drawing/2014/main" id="{58A7FFA9-1EAF-D221-3FE3-D8BCB547BF2F}"/>
-              </a:ext>
-            </a:extLst>
-          </p:cNvPr>
+          <p:cNvPr id="2" name="Date Placeholder 1"/>
           <p:cNvSpPr>
             <a:spLocks noGrp="1"/>
           </p:cNvSpPr>
@@ -5632,7 +8473,7 @@
           <a:p>
             <a:fld id="{D2CDA3DE-14DF-470F-9819-26C440152B3A}" type="datetimeFigureOut">
               <a:rPr lang="en-DK" smtClean="0"/>
-              <a:t>01/05/2022</a:t>
+              <a:t>07/05/2022</a:t>
             </a:fld>
             <a:endParaRPr lang="en-DK"/>
           </a:p>
@@ -5640,13 +8481,7 @@
       </p:sp>
       <p:sp>
         <p:nvSpPr>
-          <p:cNvPr id="3" name="Pladsholder til sidefod 2">
-            <a:extLst>
-              <a:ext uri="{FF2B5EF4-FFF2-40B4-BE49-F238E27FC236}">
-                <a16:creationId xmlns:a16="http://schemas.microsoft.com/office/drawing/2014/main" id="{6547D5FB-7C02-215F-8B05-96E209891F91}"/>
-              </a:ext>
-            </a:extLst>
-          </p:cNvPr>
+          <p:cNvPr id="3" name="Footer Placeholder 2"/>
           <p:cNvSpPr>
             <a:spLocks noGrp="1"/>
           </p:cNvSpPr>
@@ -5665,13 +8500,7 @@
       </p:sp>
       <p:sp>
         <p:nvSpPr>
-          <p:cNvPr id="4" name="Pladsholder til slidenummer 3">
-            <a:extLst>
-              <a:ext uri="{FF2B5EF4-FFF2-40B4-BE49-F238E27FC236}">
-                <a16:creationId xmlns:a16="http://schemas.microsoft.com/office/drawing/2014/main" id="{93FA7D7E-BEF0-42B9-167B-C3741781851E}"/>
-              </a:ext>
-            </a:extLst>
-          </p:cNvPr>
+          <p:cNvPr id="4" name="Slide Number Placeholder 3"/>
           <p:cNvSpPr>
             <a:spLocks noGrp="1"/>
           </p:cNvSpPr>
@@ -5686,7 +8515,7 @@
           <a:p>
             <a:fld id="{E6DB22D4-7540-419B-9E91-9A92006375AE}" type="slidenum">
               <a:rPr lang="en-DK" smtClean="0"/>
-              <a:t>‹nr.›</a:t>
+              <a:t>‹#›</a:t>
             </a:fld>
             <a:endParaRPr lang="en-DK"/>
           </a:p>
@@ -5695,7 +8524,7 @@
     </p:spTree>
     <p:extLst>
       <p:ext uri="{BB962C8B-B14F-4D97-AF65-F5344CB8AC3E}">
-        <p14:creationId xmlns:p14="http://schemas.microsoft.com/office/powerpoint/2010/main" val="3681235287"/>
+        <p14:creationId xmlns:p14="http://schemas.microsoft.com/office/powerpoint/2010/main" val="2312205223"/>
       </p:ext>
     </p:extLst>
   </p:cSld>
@@ -5707,7 +8536,7 @@
 
 <file path=ppt/slideLayouts/slideLayout8.xml><?xml version="1.0" encoding="utf-8"?>
 <p:sldLayout xmlns:a="http://schemas.openxmlformats.org/drawingml/2006/main" xmlns:r="http://schemas.openxmlformats.org/officeDocument/2006/relationships" xmlns:p="http://schemas.openxmlformats.org/presentationml/2006/main" type="objTx" preserve="1">
-  <p:cSld name="Indhold med billedtekst">
+  <p:cSld name="Content with Caption">
     <p:spTree>
       <p:nvGrpSpPr>
         <p:cNvPr id="1" name=""/>
@@ -5724,13 +8553,7 @@
       </p:grpSpPr>
       <p:sp>
         <p:nvSpPr>
-          <p:cNvPr id="2" name="Titel 1">
-            <a:extLst>
-              <a:ext uri="{FF2B5EF4-FFF2-40B4-BE49-F238E27FC236}">
-                <a16:creationId xmlns:a16="http://schemas.microsoft.com/office/drawing/2014/main" id="{97C51BC4-8134-7FC6-1AAC-FF3A6890E3B9}"/>
-              </a:ext>
-            </a:extLst>
-          </p:cNvPr>
+          <p:cNvPr id="2" name="Title 1"/>
           <p:cNvSpPr>
             <a:spLocks noGrp="1"/>
           </p:cNvSpPr>
@@ -5740,35 +8563,29 @@
         </p:nvSpPr>
         <p:spPr>
           <a:xfrm>
-            <a:off x="839788" y="457200"/>
-            <a:ext cx="3932237" cy="1600200"/>
+            <a:off x="685800" y="1524000"/>
+            <a:ext cx="4114800" cy="1600200"/>
           </a:xfrm>
         </p:spPr>
         <p:txBody>
           <a:bodyPr anchor="b"/>
           <a:lstStyle>
-            <a:lvl1pPr>
+            <a:lvl1pPr algn="l">
               <a:defRPr sz="3200"/>
             </a:lvl1pPr>
           </a:lstStyle>
           <a:p>
             <a:r>
-              <a:rPr lang="da-DK"/>
-              <a:t>Klik for at redigere titeltypografien i masteren</a:t>
-            </a:r>
-            <a:endParaRPr lang="en-DK"/>
+              <a:rPr lang="en-US"/>
+              <a:t>Click to edit Master title style</a:t>
+            </a:r>
+            <a:endParaRPr lang="en-US" dirty="0"/>
           </a:p>
         </p:txBody>
       </p:sp>
       <p:sp>
         <p:nvSpPr>
-          <p:cNvPr id="3" name="Pladsholder til indhold 2">
-            <a:extLst>
-              <a:ext uri="{FF2B5EF4-FFF2-40B4-BE49-F238E27FC236}">
-                <a16:creationId xmlns:a16="http://schemas.microsoft.com/office/drawing/2014/main" id="{131090D4-80FE-B74D-FCEB-76F34E18AD7D}"/>
-              </a:ext>
-            </a:extLst>
-          </p:cNvPr>
+          <p:cNvPr id="3" name="Content Placeholder 2"/>
           <p:cNvSpPr>
             <a:spLocks noGrp="1"/>
           </p:cNvSpPr>
@@ -5778,88 +8595,54 @@
         </p:nvSpPr>
         <p:spPr>
           <a:xfrm>
-            <a:off x="5183188" y="987425"/>
-            <a:ext cx="6172200" cy="4873625"/>
+            <a:off x="4995582" y="746759"/>
+            <a:ext cx="6510618" cy="5471925"/>
           </a:xfrm>
         </p:spPr>
         <p:txBody>
-          <a:bodyPr/>
-          <a:lstStyle>
-            <a:lvl1pPr>
-              <a:defRPr sz="3200"/>
-            </a:lvl1pPr>
-            <a:lvl2pPr>
-              <a:defRPr sz="2800"/>
-            </a:lvl2pPr>
-            <a:lvl3pPr>
-              <a:defRPr sz="2400"/>
-            </a:lvl3pPr>
-            <a:lvl4pPr>
-              <a:defRPr sz="2000"/>
-            </a:lvl4pPr>
-            <a:lvl5pPr>
-              <a:defRPr sz="2000"/>
-            </a:lvl5pPr>
-            <a:lvl6pPr>
-              <a:defRPr sz="2000"/>
-            </a:lvl6pPr>
-            <a:lvl7pPr>
-              <a:defRPr sz="2000"/>
-            </a:lvl7pPr>
-            <a:lvl8pPr>
-              <a:defRPr sz="2000"/>
-            </a:lvl8pPr>
-            <a:lvl9pPr>
-              <a:defRPr sz="2000"/>
-            </a:lvl9pPr>
-          </a:lstStyle>
+          <a:bodyPr anchor="ctr"/>
+          <a:lstStyle/>
           <a:p>
             <a:pPr lvl="0"/>
             <a:r>
-              <a:rPr lang="da-DK"/>
-              <a:t>Klik for at redigere teksttypografierne i masteren</a:t>
+              <a:rPr lang="en-US"/>
+              <a:t>Click to edit Master text styles</a:t>
             </a:r>
           </a:p>
           <a:p>
             <a:pPr lvl="1"/>
             <a:r>
-              <a:rPr lang="da-DK"/>
-              <a:t>Andet niveau</a:t>
+              <a:rPr lang="en-US"/>
+              <a:t>Second level</a:t>
             </a:r>
           </a:p>
           <a:p>
             <a:pPr lvl="2"/>
             <a:r>
-              <a:rPr lang="da-DK"/>
-              <a:t>Tredje niveau</a:t>
+              <a:rPr lang="en-US"/>
+              <a:t>Third level</a:t>
             </a:r>
           </a:p>
           <a:p>
             <a:pPr lvl="3"/>
             <a:r>
-              <a:rPr lang="da-DK"/>
-              <a:t>Fjerde niveau</a:t>
+              <a:rPr lang="en-US"/>
+              <a:t>Fourth level</a:t>
             </a:r>
           </a:p>
           <a:p>
             <a:pPr lvl="4"/>
             <a:r>
-              <a:rPr lang="da-DK"/>
-              <a:t>Femte niveau</a:t>
-            </a:r>
-            <a:endParaRPr lang="en-DK"/>
+              <a:rPr lang="en-US"/>
+              <a:t>Fifth level</a:t>
+            </a:r>
+            <a:endParaRPr lang="en-US" dirty="0"/>
           </a:p>
         </p:txBody>
       </p:sp>
       <p:sp>
         <p:nvSpPr>
-          <p:cNvPr id="4" name="Pladsholder til tekst 3">
-            <a:extLst>
-              <a:ext uri="{FF2B5EF4-FFF2-40B4-BE49-F238E27FC236}">
-                <a16:creationId xmlns:a16="http://schemas.microsoft.com/office/drawing/2014/main" id="{55A904C6-9221-6777-03ED-ADF3685726C0}"/>
-              </a:ext>
-            </a:extLst>
-          </p:cNvPr>
+          <p:cNvPr id="4" name="Text Placeholder 3"/>
           <p:cNvSpPr>
             <a:spLocks noGrp="1"/>
           </p:cNvSpPr>
@@ -5869,8 +8652,8 @@
         </p:nvSpPr>
         <p:spPr>
           <a:xfrm>
-            <a:off x="839788" y="2057400"/>
-            <a:ext cx="3932237" cy="3811588"/>
+            <a:off x="685800" y="3124199"/>
+            <a:ext cx="4114800" cy="3094485"/>
           </a:xfrm>
         </p:spPr>
         <p:txBody>
@@ -5916,21 +8699,15 @@
           <a:p>
             <a:pPr lvl="0"/>
             <a:r>
-              <a:rPr lang="da-DK"/>
-              <a:t>Klik for at redigere teksttypografierne i masteren</a:t>
+              <a:rPr lang="en-US"/>
+              <a:t>Click to edit Master text styles</a:t>
             </a:r>
           </a:p>
         </p:txBody>
       </p:sp>
       <p:sp>
         <p:nvSpPr>
-          <p:cNvPr id="5" name="Pladsholder til dato 4">
-            <a:extLst>
-              <a:ext uri="{FF2B5EF4-FFF2-40B4-BE49-F238E27FC236}">
-                <a16:creationId xmlns:a16="http://schemas.microsoft.com/office/drawing/2014/main" id="{F401A6EB-9571-0A8D-D737-5A11CE91EB73}"/>
-              </a:ext>
-            </a:extLst>
-          </p:cNvPr>
+          <p:cNvPr id="5" name="Date Placeholder 4"/>
           <p:cNvSpPr>
             <a:spLocks noGrp="1"/>
           </p:cNvSpPr>
@@ -5945,7 +8722,7 @@
           <a:p>
             <a:fld id="{D2CDA3DE-14DF-470F-9819-26C440152B3A}" type="datetimeFigureOut">
               <a:rPr lang="en-DK" smtClean="0"/>
-              <a:t>01/05/2022</a:t>
+              <a:t>07/05/2022</a:t>
             </a:fld>
             <a:endParaRPr lang="en-DK"/>
           </a:p>
@@ -5953,13 +8730,7 @@
       </p:sp>
       <p:sp>
         <p:nvSpPr>
-          <p:cNvPr id="6" name="Pladsholder til sidefod 5">
-            <a:extLst>
-              <a:ext uri="{FF2B5EF4-FFF2-40B4-BE49-F238E27FC236}">
-                <a16:creationId xmlns:a16="http://schemas.microsoft.com/office/drawing/2014/main" id="{775F1942-3CF5-0724-3790-86A84B044B33}"/>
-              </a:ext>
-            </a:extLst>
-          </p:cNvPr>
+          <p:cNvPr id="6" name="Footer Placeholder 5"/>
           <p:cNvSpPr>
             <a:spLocks noGrp="1"/>
           </p:cNvSpPr>
@@ -5978,13 +8749,7 @@
       </p:sp>
       <p:sp>
         <p:nvSpPr>
-          <p:cNvPr id="7" name="Pladsholder til slidenummer 6">
-            <a:extLst>
-              <a:ext uri="{FF2B5EF4-FFF2-40B4-BE49-F238E27FC236}">
-                <a16:creationId xmlns:a16="http://schemas.microsoft.com/office/drawing/2014/main" id="{F6DDF77D-3850-48D0-7AFC-1831BCE8E1DD}"/>
-              </a:ext>
-            </a:extLst>
-          </p:cNvPr>
+          <p:cNvPr id="7" name="Slide Number Placeholder 6"/>
           <p:cNvSpPr>
             <a:spLocks noGrp="1"/>
           </p:cNvSpPr>
@@ -5999,7 +8764,7 @@
           <a:p>
             <a:fld id="{E6DB22D4-7540-419B-9E91-9A92006375AE}" type="slidenum">
               <a:rPr lang="en-DK" smtClean="0"/>
-              <a:t>‹nr.›</a:t>
+              <a:t>‹#›</a:t>
             </a:fld>
             <a:endParaRPr lang="en-DK"/>
           </a:p>
@@ -6008,7 +8773,7 @@
     </p:spTree>
     <p:extLst>
       <p:ext uri="{BB962C8B-B14F-4D97-AF65-F5344CB8AC3E}">
-        <p14:creationId xmlns:p14="http://schemas.microsoft.com/office/powerpoint/2010/main" val="2570499916"/>
+        <p14:creationId xmlns:p14="http://schemas.microsoft.com/office/powerpoint/2010/main" val="3189853288"/>
       </p:ext>
     </p:extLst>
   </p:cSld>
@@ -6020,7 +8785,7 @@
 
 <file path=ppt/slideLayouts/slideLayout9.xml><?xml version="1.0" encoding="utf-8"?>
 <p:sldLayout xmlns:a="http://schemas.openxmlformats.org/drawingml/2006/main" xmlns:r="http://schemas.openxmlformats.org/officeDocument/2006/relationships" xmlns:p="http://schemas.openxmlformats.org/presentationml/2006/main" type="picTx" preserve="1">
-  <p:cSld name="Billede med billedtekst">
+  <p:cSld name="Picture with Caption">
     <p:spTree>
       <p:nvGrpSpPr>
         <p:cNvPr id="1" name=""/>
@@ -6037,13 +8802,7 @@
       </p:grpSpPr>
       <p:sp>
         <p:nvSpPr>
-          <p:cNvPr id="2" name="Titel 1">
-            <a:extLst>
-              <a:ext uri="{FF2B5EF4-FFF2-40B4-BE49-F238E27FC236}">
-                <a16:creationId xmlns:a16="http://schemas.microsoft.com/office/drawing/2014/main" id="{66280152-6FB2-211B-3F5A-72406D4A571B}"/>
-              </a:ext>
-            </a:extLst>
-          </p:cNvPr>
+          <p:cNvPr id="2" name="Title 1"/>
           <p:cNvSpPr>
             <a:spLocks noGrp="1"/>
           </p:cNvSpPr>
@@ -6053,37 +8812,31 @@
         </p:nvSpPr>
         <p:spPr>
           <a:xfrm>
-            <a:off x="839788" y="457200"/>
-            <a:ext cx="3932237" cy="1600200"/>
+            <a:off x="685800" y="1524000"/>
+            <a:ext cx="6873240" cy="1600200"/>
           </a:xfrm>
         </p:spPr>
         <p:txBody>
           <a:bodyPr anchor="b"/>
           <a:lstStyle>
-            <a:lvl1pPr>
+            <a:lvl1pPr algn="l">
               <a:defRPr sz="3200"/>
             </a:lvl1pPr>
           </a:lstStyle>
           <a:p>
             <a:r>
-              <a:rPr lang="da-DK"/>
-              <a:t>Klik for at redigere titeltypografien i masteren</a:t>
-            </a:r>
-            <a:endParaRPr lang="en-DK"/>
+              <a:rPr lang="en-US"/>
+              <a:t>Click to edit Master title style</a:t>
+            </a:r>
+            <a:endParaRPr lang="en-US" dirty="0"/>
           </a:p>
         </p:txBody>
       </p:sp>
       <p:sp>
         <p:nvSpPr>
-          <p:cNvPr id="3" name="Pladsholder til billede 2">
-            <a:extLst>
-              <a:ext uri="{FF2B5EF4-FFF2-40B4-BE49-F238E27FC236}">
-                <a16:creationId xmlns:a16="http://schemas.microsoft.com/office/drawing/2014/main" id="{F886E47A-DAF5-032B-2EB2-3B7CC28F4E09}"/>
-              </a:ext>
-            </a:extLst>
-          </p:cNvPr>
+          <p:cNvPr id="3" name="Picture Placeholder 2"/>
           <p:cNvSpPr>
-            <a:spLocks noGrp="1"/>
+            <a:spLocks noGrp="1" noChangeAspect="1"/>
           </p:cNvSpPr>
           <p:nvPr>
             <p:ph type="pic" idx="1"/>
@@ -6091,12 +8844,12 @@
         </p:nvSpPr>
         <p:spPr>
           <a:xfrm>
-            <a:off x="5183188" y="987425"/>
-            <a:ext cx="6172200" cy="4873625"/>
+            <a:off x="7861238" y="751241"/>
+            <a:ext cx="3644962" cy="5467443"/>
           </a:xfrm>
         </p:spPr>
         <p:txBody>
-          <a:bodyPr/>
+          <a:bodyPr anchor="t"/>
           <a:lstStyle>
             <a:lvl1pPr marL="0" indent="0">
               <a:buNone/>
@@ -6136,19 +8889,17 @@
             </a:lvl9pPr>
           </a:lstStyle>
           <a:p>
-            <a:endParaRPr lang="en-DK"/>
+            <a:r>
+              <a:rPr lang="en-US"/>
+              <a:t>Click icon to add picture</a:t>
+            </a:r>
+            <a:endParaRPr lang="en-US" dirty="0"/>
           </a:p>
         </p:txBody>
       </p:sp>
       <p:sp>
         <p:nvSpPr>
-          <p:cNvPr id="4" name="Pladsholder til tekst 3">
-            <a:extLst>
-              <a:ext uri="{FF2B5EF4-FFF2-40B4-BE49-F238E27FC236}">
-                <a16:creationId xmlns:a16="http://schemas.microsoft.com/office/drawing/2014/main" id="{322F06C9-AD80-C308-4AC2-73FD25CC7611}"/>
-              </a:ext>
-            </a:extLst>
-          </p:cNvPr>
+          <p:cNvPr id="4" name="Text Placeholder 3"/>
           <p:cNvSpPr>
             <a:spLocks noGrp="1"/>
           </p:cNvSpPr>
@@ -6158,8 +8909,8 @@
         </p:nvSpPr>
         <p:spPr>
           <a:xfrm>
-            <a:off x="839788" y="2057400"/>
-            <a:ext cx="3932237" cy="3811588"/>
+            <a:off x="685800" y="3124199"/>
+            <a:ext cx="6873240" cy="3094485"/>
           </a:xfrm>
         </p:spPr>
         <p:txBody>
@@ -6205,21 +8956,15 @@
           <a:p>
             <a:pPr lvl="0"/>
             <a:r>
-              <a:rPr lang="da-DK"/>
-              <a:t>Klik for at redigere teksttypografierne i masteren</a:t>
+              <a:rPr lang="en-US"/>
+              <a:t>Click to edit Master text styles</a:t>
             </a:r>
           </a:p>
         </p:txBody>
       </p:sp>
       <p:sp>
         <p:nvSpPr>
-          <p:cNvPr id="5" name="Pladsholder til dato 4">
-            <a:extLst>
-              <a:ext uri="{FF2B5EF4-FFF2-40B4-BE49-F238E27FC236}">
-                <a16:creationId xmlns:a16="http://schemas.microsoft.com/office/drawing/2014/main" id="{26BF1EC5-11CB-EAB9-6036-66F3115C23CA}"/>
-              </a:ext>
-            </a:extLst>
-          </p:cNvPr>
+          <p:cNvPr id="5" name="Date Placeholder 4"/>
           <p:cNvSpPr>
             <a:spLocks noGrp="1"/>
           </p:cNvSpPr>
@@ -6234,7 +8979,7 @@
           <a:p>
             <a:fld id="{D2CDA3DE-14DF-470F-9819-26C440152B3A}" type="datetimeFigureOut">
               <a:rPr lang="en-DK" smtClean="0"/>
-              <a:t>01/05/2022</a:t>
+              <a:t>07/05/2022</a:t>
             </a:fld>
             <a:endParaRPr lang="en-DK"/>
           </a:p>
@@ -6242,13 +8987,7 @@
       </p:sp>
       <p:sp>
         <p:nvSpPr>
-          <p:cNvPr id="6" name="Pladsholder til sidefod 5">
-            <a:extLst>
-              <a:ext uri="{FF2B5EF4-FFF2-40B4-BE49-F238E27FC236}">
-                <a16:creationId xmlns:a16="http://schemas.microsoft.com/office/drawing/2014/main" id="{2EB74165-9F39-1A2A-57CB-8F6B51280AE7}"/>
-              </a:ext>
-            </a:extLst>
-          </p:cNvPr>
+          <p:cNvPr id="6" name="Footer Placeholder 5"/>
           <p:cNvSpPr>
             <a:spLocks noGrp="1"/>
           </p:cNvSpPr>
@@ -6267,13 +9006,7 @@
       </p:sp>
       <p:sp>
         <p:nvSpPr>
-          <p:cNvPr id="7" name="Pladsholder til slidenummer 6">
-            <a:extLst>
-              <a:ext uri="{FF2B5EF4-FFF2-40B4-BE49-F238E27FC236}">
-                <a16:creationId xmlns:a16="http://schemas.microsoft.com/office/drawing/2014/main" id="{58449705-367D-8DC3-FE72-D9649C324411}"/>
-              </a:ext>
-            </a:extLst>
-          </p:cNvPr>
+          <p:cNvPr id="7" name="Slide Number Placeholder 6"/>
           <p:cNvSpPr>
             <a:spLocks noGrp="1"/>
           </p:cNvSpPr>
@@ -6288,7 +9021,7 @@
           <a:p>
             <a:fld id="{E6DB22D4-7540-419B-9E91-9A92006375AE}" type="slidenum">
               <a:rPr lang="en-DK" smtClean="0"/>
-              <a:t>‹nr.›</a:t>
+              <a:t>‹#›</a:t>
             </a:fld>
             <a:endParaRPr lang="en-DK"/>
           </a:p>
@@ -6297,7 +9030,7 @@
     </p:spTree>
     <p:extLst>
       <p:ext uri="{BB962C8B-B14F-4D97-AF65-F5344CB8AC3E}">
-        <p14:creationId xmlns:p14="http://schemas.microsoft.com/office/powerpoint/2010/main" val="2468866146"/>
+        <p14:creationId xmlns:p14="http://schemas.microsoft.com/office/powerpoint/2010/main" val="2761796224"/>
       </p:ext>
     </p:extLst>
   </p:cSld>
@@ -6329,15 +9062,39 @@
           <a:chExt cx="0" cy="0"/>
         </a:xfrm>
       </p:grpSpPr>
+      <p:pic>
+        <p:nvPicPr>
+          <p:cNvPr id="7" name="Picture 6" descr="C0-HD-TOP.png"/>
+          <p:cNvPicPr>
+            <a:picLocks noChangeAspect="1"/>
+          </p:cNvPicPr>
+          <p:nvPr/>
+        </p:nvPicPr>
+        <p:blipFill>
+          <a:blip r:embed="rId19">
+            <a:extLst>
+              <a:ext uri="{28A0092B-C50C-407E-A947-70E740481C1C}">
+                <a14:useLocalDpi xmlns:a14="http://schemas.microsoft.com/office/drawing/2010/main" val="0"/>
+              </a:ext>
+            </a:extLst>
+          </a:blip>
+          <a:stretch>
+            <a:fillRect/>
+          </a:stretch>
+        </p:blipFill>
+        <p:spPr>
+          <a:xfrm>
+            <a:off x="0" y="0"/>
+            <a:ext cx="12192000" cy="1441450"/>
+          </a:xfrm>
+          <a:prstGeom prst="rect">
+            <a:avLst/>
+          </a:prstGeom>
+        </p:spPr>
+      </p:pic>
       <p:sp>
         <p:nvSpPr>
-          <p:cNvPr id="2" name="Pladsholder til titel 1">
-            <a:extLst>
-              <a:ext uri="{FF2B5EF4-FFF2-40B4-BE49-F238E27FC236}">
-                <a16:creationId xmlns:a16="http://schemas.microsoft.com/office/drawing/2014/main" id="{53EAA72B-21CF-FC57-18D1-D6C4F21190DD}"/>
-              </a:ext>
-            </a:extLst>
-          </p:cNvPr>
+          <p:cNvPr id="2" name="Title Placeholder 1"/>
           <p:cNvSpPr>
             <a:spLocks noGrp="1"/>
           </p:cNvSpPr>
@@ -6347,8 +9104,8 @@
         </p:nvSpPr>
         <p:spPr>
           <a:xfrm>
-            <a:off x="838200" y="365125"/>
-            <a:ext cx="10515600" cy="1325563"/>
+            <a:off x="2895600" y="764373"/>
+            <a:ext cx="8610600" cy="1293028"/>
           </a:xfrm>
           <a:prstGeom prst="rect">
             <a:avLst/>
@@ -6361,22 +9118,16 @@
           <a:lstStyle/>
           <a:p>
             <a:r>
-              <a:rPr lang="da-DK"/>
-              <a:t>Klik for at redigere titeltypografien i masteren</a:t>
-            </a:r>
-            <a:endParaRPr lang="en-DK"/>
+              <a:rPr lang="en-US"/>
+              <a:t>Click to edit Master title style</a:t>
+            </a:r>
+            <a:endParaRPr lang="en-US" dirty="0"/>
           </a:p>
         </p:txBody>
       </p:sp>
       <p:sp>
         <p:nvSpPr>
-          <p:cNvPr id="3" name="Pladsholder til tekst 2">
-            <a:extLst>
-              <a:ext uri="{FF2B5EF4-FFF2-40B4-BE49-F238E27FC236}">
-                <a16:creationId xmlns:a16="http://schemas.microsoft.com/office/drawing/2014/main" id="{D9DA82E4-981A-0053-669D-8FF45C6230E0}"/>
-              </a:ext>
-            </a:extLst>
-          </p:cNvPr>
+          <p:cNvPr id="3" name="Text Placeholder 2"/>
           <p:cNvSpPr>
             <a:spLocks noGrp="1"/>
           </p:cNvSpPr>
@@ -6386,8 +9137,8 @@
         </p:nvSpPr>
         <p:spPr>
           <a:xfrm>
-            <a:off x="838200" y="1825625"/>
-            <a:ext cx="10515600" cy="4351338"/>
+            <a:off x="685800" y="2194560"/>
+            <a:ext cx="10820400" cy="4024125"/>
           </a:xfrm>
           <a:prstGeom prst="rect">
             <a:avLst/>
@@ -6401,50 +9152,44 @@
           <a:p>
             <a:pPr lvl="0"/>
             <a:r>
-              <a:rPr lang="da-DK"/>
-              <a:t>Klik for at redigere teksttypografierne i masteren</a:t>
+              <a:rPr lang="en-US"/>
+              <a:t>Click to edit Master text styles</a:t>
             </a:r>
           </a:p>
           <a:p>
             <a:pPr lvl="1"/>
             <a:r>
-              <a:rPr lang="da-DK"/>
-              <a:t>Andet niveau</a:t>
+              <a:rPr lang="en-US"/>
+              <a:t>Second level</a:t>
             </a:r>
           </a:p>
           <a:p>
             <a:pPr lvl="2"/>
             <a:r>
-              <a:rPr lang="da-DK"/>
-              <a:t>Tredje niveau</a:t>
+              <a:rPr lang="en-US"/>
+              <a:t>Third level</a:t>
             </a:r>
           </a:p>
           <a:p>
             <a:pPr lvl="3"/>
             <a:r>
-              <a:rPr lang="da-DK"/>
-              <a:t>Fjerde niveau</a:t>
+              <a:rPr lang="en-US"/>
+              <a:t>Fourth level</a:t>
             </a:r>
           </a:p>
           <a:p>
             <a:pPr lvl="4"/>
             <a:r>
-              <a:rPr lang="da-DK"/>
-              <a:t>Femte niveau</a:t>
-            </a:r>
-            <a:endParaRPr lang="en-DK"/>
+              <a:rPr lang="en-US"/>
+              <a:t>Fifth level</a:t>
+            </a:r>
+            <a:endParaRPr lang="en-US" dirty="0"/>
           </a:p>
         </p:txBody>
       </p:sp>
       <p:sp>
         <p:nvSpPr>
-          <p:cNvPr id="4" name="Pladsholder til dato 3">
-            <a:extLst>
-              <a:ext uri="{FF2B5EF4-FFF2-40B4-BE49-F238E27FC236}">
-                <a16:creationId xmlns:a16="http://schemas.microsoft.com/office/drawing/2014/main" id="{2217B675-FE3B-4ED6-5BF2-7681FD15A6DF}"/>
-              </a:ext>
-            </a:extLst>
-          </p:cNvPr>
+          <p:cNvPr id="4" name="Date Placeholder 3"/>
           <p:cNvSpPr>
             <a:spLocks noGrp="1"/>
           </p:cNvSpPr>
@@ -6454,8 +9199,49 @@
         </p:nvSpPr>
         <p:spPr>
           <a:xfrm>
-            <a:off x="838200" y="6356350"/>
-            <a:ext cx="2743200" cy="365125"/>
+            <a:off x="8595360" y="6356350"/>
+            <a:ext cx="2910840" cy="365125"/>
+          </a:xfrm>
+          <a:prstGeom prst="rect">
+            <a:avLst/>
+          </a:prstGeom>
+        </p:spPr>
+        <p:txBody>
+          <a:bodyPr vert="horz" lIns="91440" tIns="45720" rIns="91440" bIns="45720" rtlCol="0" anchor="ctr"/>
+          <a:lstStyle>
+            <a:lvl1pPr algn="r">
+              <a:defRPr sz="1050">
+                <a:solidFill>
+                  <a:schemeClr val="tx1">
+                    <a:tint val="75000"/>
+                  </a:schemeClr>
+                </a:solidFill>
+              </a:defRPr>
+            </a:lvl1pPr>
+          </a:lstStyle>
+          <a:p>
+            <a:fld id="{D2CDA3DE-14DF-470F-9819-26C440152B3A}" type="datetimeFigureOut">
+              <a:rPr lang="en-DK" smtClean="0"/>
+              <a:t>07/05/2022</a:t>
+            </a:fld>
+            <a:endParaRPr lang="en-DK"/>
+          </a:p>
+        </p:txBody>
+      </p:sp>
+      <p:sp>
+        <p:nvSpPr>
+          <p:cNvPr id="5" name="Footer Placeholder 4"/>
+          <p:cNvSpPr>
+            <a:spLocks noGrp="1"/>
+          </p:cNvSpPr>
+          <p:nvPr>
+            <p:ph type="ftr" sz="quarter" idx="3"/>
+          </p:nvPr>
+        </p:nvSpPr>
+        <p:spPr>
+          <a:xfrm>
+            <a:off x="685800" y="6355845"/>
+            <a:ext cx="7772400" cy="365125"/>
           </a:xfrm>
           <a:prstGeom prst="rect">
             <a:avLst/>
@@ -6465,7 +9251,7 @@
           <a:bodyPr vert="horz" lIns="91440" tIns="45720" rIns="91440" bIns="45720" rtlCol="0" anchor="ctr"/>
           <a:lstStyle>
             <a:lvl1pPr algn="l">
-              <a:defRPr sz="1200">
+              <a:defRPr sz="1050">
                 <a:solidFill>
                   <a:schemeClr val="tx1">
                     <a:tint val="75000"/>
@@ -6475,66 +9261,13 @@
             </a:lvl1pPr>
           </a:lstStyle>
           <a:p>
-            <a:fld id="{D2CDA3DE-14DF-470F-9819-26C440152B3A}" type="datetimeFigureOut">
-              <a:rPr lang="en-DK" smtClean="0"/>
-              <a:t>01/05/2022</a:t>
-            </a:fld>
             <a:endParaRPr lang="en-DK"/>
           </a:p>
         </p:txBody>
       </p:sp>
       <p:sp>
         <p:nvSpPr>
-          <p:cNvPr id="5" name="Pladsholder til sidefod 4">
-            <a:extLst>
-              <a:ext uri="{FF2B5EF4-FFF2-40B4-BE49-F238E27FC236}">
-                <a16:creationId xmlns:a16="http://schemas.microsoft.com/office/drawing/2014/main" id="{DCB08D4C-2EFC-1C26-C576-53B66EBFF7F8}"/>
-              </a:ext>
-            </a:extLst>
-          </p:cNvPr>
-          <p:cNvSpPr>
-            <a:spLocks noGrp="1"/>
-          </p:cNvSpPr>
-          <p:nvPr>
-            <p:ph type="ftr" sz="quarter" idx="3"/>
-          </p:nvPr>
-        </p:nvSpPr>
-        <p:spPr>
-          <a:xfrm>
-            <a:off x="4038600" y="6356350"/>
-            <a:ext cx="4114800" cy="365125"/>
-          </a:xfrm>
-          <a:prstGeom prst="rect">
-            <a:avLst/>
-          </a:prstGeom>
-        </p:spPr>
-        <p:txBody>
-          <a:bodyPr vert="horz" lIns="91440" tIns="45720" rIns="91440" bIns="45720" rtlCol="0" anchor="ctr"/>
-          <a:lstStyle>
-            <a:lvl1pPr algn="ctr">
-              <a:defRPr sz="1200">
-                <a:solidFill>
-                  <a:schemeClr val="tx1">
-                    <a:tint val="75000"/>
-                  </a:schemeClr>
-                </a:solidFill>
-              </a:defRPr>
-            </a:lvl1pPr>
-          </a:lstStyle>
-          <a:p>
-            <a:endParaRPr lang="en-DK"/>
-          </a:p>
-        </p:txBody>
-      </p:sp>
-      <p:sp>
-        <p:nvSpPr>
-          <p:cNvPr id="6" name="Pladsholder til slidenummer 5">
-            <a:extLst>
-              <a:ext uri="{FF2B5EF4-FFF2-40B4-BE49-F238E27FC236}">
-                <a16:creationId xmlns:a16="http://schemas.microsoft.com/office/drawing/2014/main" id="{E55D6800-D355-B768-5A5E-8426374513E6}"/>
-              </a:ext>
-            </a:extLst>
-          </p:cNvPr>
+          <p:cNvPr id="6" name="Slide Number Placeholder 5"/>
           <p:cNvSpPr>
             <a:spLocks noGrp="1"/>
           </p:cNvSpPr>
@@ -6544,7 +9277,7 @@
         </p:nvSpPr>
         <p:spPr>
           <a:xfrm>
-            <a:off x="8610600" y="6356350"/>
+            <a:off x="8763000" y="381000"/>
             <a:ext cx="2743200" cy="365125"/>
           </a:xfrm>
           <a:prstGeom prst="rect">
@@ -6555,7 +9288,7 @@
           <a:bodyPr vert="horz" lIns="91440" tIns="45720" rIns="91440" bIns="45720" rtlCol="0" anchor="ctr"/>
           <a:lstStyle>
             <a:lvl1pPr algn="r">
-              <a:defRPr sz="1200">
+              <a:defRPr sz="1050">
                 <a:solidFill>
                   <a:schemeClr val="tx1">
                     <a:tint val="75000"/>
@@ -6567,7 +9300,7 @@
           <a:p>
             <a:fld id="{E6DB22D4-7540-419B-9E91-9A92006375AE}" type="slidenum">
               <a:rPr lang="en-DK" smtClean="0"/>
-              <a:t>‹nr.›</a:t>
+              <a:t>‹#›</a:t>
             </a:fld>
             <a:endParaRPr lang="en-DK"/>
           </a:p>
@@ -6576,27 +9309,33 @@
     </p:spTree>
     <p:extLst>
       <p:ext uri="{BB962C8B-B14F-4D97-AF65-F5344CB8AC3E}">
-        <p14:creationId xmlns:p14="http://schemas.microsoft.com/office/powerpoint/2010/main" val="4031800246"/>
+        <p14:creationId xmlns:p14="http://schemas.microsoft.com/office/powerpoint/2010/main" val="787069616"/>
       </p:ext>
     </p:extLst>
   </p:cSld>
-  <p:clrMap bg1="lt1" tx1="dk1" bg2="lt2" tx2="dk2" accent1="accent1" accent2="accent2" accent3="accent3" accent4="accent4" accent5="accent5" accent6="accent6" hlink="hlink" folHlink="folHlink"/>
+  <p:clrMap bg1="dk1" tx1="lt1" bg2="dk2" tx2="lt2" accent1="accent1" accent2="accent2" accent3="accent3" accent4="accent4" accent5="accent5" accent6="accent6" hlink="hlink" folHlink="folHlink"/>
   <p:sldLayoutIdLst>
-    <p:sldLayoutId id="2147483649" r:id="rId1"/>
-    <p:sldLayoutId id="2147483650" r:id="rId2"/>
-    <p:sldLayoutId id="2147483651" r:id="rId3"/>
-    <p:sldLayoutId id="2147483652" r:id="rId4"/>
-    <p:sldLayoutId id="2147483653" r:id="rId5"/>
-    <p:sldLayoutId id="2147483654" r:id="rId6"/>
-    <p:sldLayoutId id="2147483655" r:id="rId7"/>
-    <p:sldLayoutId id="2147483656" r:id="rId8"/>
-    <p:sldLayoutId id="2147483657" r:id="rId9"/>
-    <p:sldLayoutId id="2147483658" r:id="rId10"/>
-    <p:sldLayoutId id="2147483659" r:id="rId11"/>
+    <p:sldLayoutId id="2147483661" r:id="rId1"/>
+    <p:sldLayoutId id="2147483662" r:id="rId2"/>
+    <p:sldLayoutId id="2147483663" r:id="rId3"/>
+    <p:sldLayoutId id="2147483664" r:id="rId4"/>
+    <p:sldLayoutId id="2147483665" r:id="rId5"/>
+    <p:sldLayoutId id="2147483666" r:id="rId6"/>
+    <p:sldLayoutId id="2147483667" r:id="rId7"/>
+    <p:sldLayoutId id="2147483668" r:id="rId8"/>
+    <p:sldLayoutId id="2147483669" r:id="rId9"/>
+    <p:sldLayoutId id="2147483670" r:id="rId10"/>
+    <p:sldLayoutId id="2147483671" r:id="rId11"/>
+    <p:sldLayoutId id="2147483672" r:id="rId12"/>
+    <p:sldLayoutId id="2147483673" r:id="rId13"/>
+    <p:sldLayoutId id="2147483674" r:id="rId14"/>
+    <p:sldLayoutId id="2147483675" r:id="rId15"/>
+    <p:sldLayoutId id="2147483676" r:id="rId16"/>
+    <p:sldLayoutId id="2147483677" r:id="rId17"/>
   </p:sldLayoutIdLst>
   <p:txStyles>
     <p:titleStyle>
-      <a:lvl1pPr algn="l" defTabSz="914400" rtl="0" eaLnBrk="1" latinLnBrk="0" hangingPunct="1">
+      <a:lvl1pPr algn="r" defTabSz="914400" rtl="0" eaLnBrk="1" latinLnBrk="0" hangingPunct="1">
         <a:lnSpc>
           <a:spcPct val="90000"/>
         </a:lnSpc>
@@ -6604,7 +9343,7 @@
           <a:spcPct val="0"/>
         </a:spcBef>
         <a:buNone/>
-        <a:defRPr sz="4400" kern="1200">
+        <a:defRPr sz="4000" kern="1200" cap="all" baseline="0">
           <a:solidFill>
             <a:schemeClr val="tx1"/>
           </a:solidFill>
@@ -6624,7 +9363,7 @@
         </a:spcBef>
         <a:buFont typeface="Arial" panose="020B0604020202020204" pitchFamily="34" charset="0"/>
         <a:buChar char="•"/>
-        <a:defRPr sz="2800" kern="1200">
+        <a:defRPr sz="2200" kern="1200">
           <a:solidFill>
             <a:schemeClr val="tx1"/>
           </a:solidFill>
@@ -6642,7 +9381,7 @@
         </a:spcBef>
         <a:buFont typeface="Arial" panose="020B0604020202020204" pitchFamily="34" charset="0"/>
         <a:buChar char="•"/>
-        <a:defRPr sz="2400" kern="1200">
+        <a:defRPr sz="2000" kern="1200">
           <a:solidFill>
             <a:schemeClr val="tx1"/>
           </a:solidFill>
@@ -6660,7 +9399,7 @@
         </a:spcBef>
         <a:buFont typeface="Arial" panose="020B0604020202020204" pitchFamily="34" charset="0"/>
         <a:buChar char="•"/>
-        <a:defRPr sz="2000" kern="1200">
+        <a:defRPr sz="1800" kern="1200">
           <a:solidFill>
             <a:schemeClr val="tx1"/>
           </a:solidFill>
@@ -6678,7 +9417,7 @@
         </a:spcBef>
         <a:buFont typeface="Arial" panose="020B0604020202020204" pitchFamily="34" charset="0"/>
         <a:buChar char="•"/>
-        <a:defRPr sz="1800" kern="1200">
+        <a:defRPr sz="1600" kern="1200">
           <a:solidFill>
             <a:schemeClr val="tx1"/>
           </a:solidFill>
@@ -6696,7 +9435,7 @@
         </a:spcBef>
         <a:buFont typeface="Arial" panose="020B0604020202020204" pitchFamily="34" charset="0"/>
         <a:buChar char="•"/>
-        <a:defRPr sz="1800" kern="1200">
+        <a:defRPr sz="1600" kern="1200">
           <a:solidFill>
             <a:schemeClr val="tx1"/>
           </a:solidFill>
@@ -6714,7 +9453,7 @@
         </a:spcBef>
         <a:buFont typeface="Arial" panose="020B0604020202020204" pitchFamily="34" charset="0"/>
         <a:buChar char="•"/>
-        <a:defRPr sz="1800" kern="1200">
+        <a:defRPr sz="1600" kern="1200">
           <a:solidFill>
             <a:schemeClr val="tx1"/>
           </a:solidFill>
@@ -6732,7 +9471,7 @@
         </a:spcBef>
         <a:buFont typeface="Arial" panose="020B0604020202020204" pitchFamily="34" charset="0"/>
         <a:buChar char="•"/>
-        <a:defRPr sz="1800" kern="1200">
+        <a:defRPr sz="1600" kern="1200">
           <a:solidFill>
             <a:schemeClr val="tx1"/>
           </a:solidFill>
@@ -6750,7 +9489,7 @@
         </a:spcBef>
         <a:buFont typeface="Arial" panose="020B0604020202020204" pitchFamily="34" charset="0"/>
         <a:buChar char="•"/>
-        <a:defRPr sz="1800" kern="1200">
+        <a:defRPr sz="1600" kern="1200">
           <a:solidFill>
             <a:schemeClr val="tx1"/>
           </a:solidFill>
@@ -6768,7 +9507,7 @@
         </a:spcBef>
         <a:buFont typeface="Arial" panose="020B0604020202020204" pitchFamily="34" charset="0"/>
         <a:buChar char="•"/>
-        <a:defRPr sz="1800" kern="1200">
+        <a:defRPr sz="1600" kern="1200">
           <a:solidFill>
             <a:schemeClr val="tx1"/>
           </a:solidFill>
@@ -6780,7 +9519,7 @@
     </p:bodyStyle>
     <p:otherStyle>
       <a:defPPr>
-        <a:defRPr lang="en-DK"/>
+        <a:defRPr lang="en-US"/>
       </a:defPPr>
       <a:lvl1pPr marL="0" algn="l" defTabSz="914400" rtl="0" eaLnBrk="1" latinLnBrk="0" hangingPunct="1">
         <a:defRPr sz="1800" kern="1200">
@@ -6912,7 +9651,7 @@
         </p:nvSpPr>
         <p:spPr>
           <a:xfrm>
-            <a:off x="401651" y="188007"/>
+            <a:off x="549779" y="-239283"/>
             <a:ext cx="11092441" cy="854580"/>
           </a:xfrm>
         </p:spPr>
@@ -6923,43 +9662,43 @@
           <a:lstStyle/>
           <a:p>
             <a:r>
-              <a:rPr lang="en-DK" sz="4000" dirty="0" err="1"/>
+              <a:rPr lang="en-DK" sz="3200" dirty="0" err="1"/>
               <a:t>Genkendelse</a:t>
             </a:r>
             <a:r>
-              <a:rPr lang="en-DK" sz="4000" dirty="0"/>
+              <a:rPr lang="en-DK" sz="3200" dirty="0"/>
               <a:t> </a:t>
             </a:r>
             <a:r>
-              <a:rPr lang="en-DK" sz="4000" dirty="0" err="1"/>
+              <a:rPr lang="en-DK" sz="3200" dirty="0" err="1"/>
               <a:t>af</a:t>
             </a:r>
             <a:r>
-              <a:rPr lang="en-DK" sz="4000" dirty="0"/>
+              <a:rPr lang="en-DK" sz="3200" dirty="0"/>
               <a:t> </a:t>
             </a:r>
             <a:r>
-              <a:rPr lang="en-DK" sz="4000" dirty="0" err="1"/>
+              <a:rPr lang="en-DK" sz="3200" dirty="0" err="1"/>
               <a:t>grafisk</a:t>
             </a:r>
             <a:r>
-              <a:rPr lang="en-DK" sz="4000" dirty="0"/>
+              <a:rPr lang="en-DK" sz="3200" dirty="0"/>
               <a:t> </a:t>
             </a:r>
             <a:r>
-              <a:rPr lang="en-DK" sz="4000" dirty="0" err="1"/>
+              <a:rPr lang="en-DK" sz="3200" dirty="0" err="1"/>
               <a:t>ændrede</a:t>
             </a:r>
             <a:r>
-              <a:rPr lang="en-DK" sz="4000" dirty="0"/>
+              <a:rPr lang="en-DK" sz="3200" dirty="0"/>
               <a:t> </a:t>
             </a:r>
             <a:r>
-              <a:rPr lang="en-DK" sz="4000" dirty="0" err="1"/>
+              <a:rPr lang="en-DK" sz="3200" dirty="0" err="1"/>
               <a:t>billeder</a:t>
             </a:r>
             <a:r>
-              <a:rPr lang="en-DK" sz="4000" dirty="0"/>
+              <a:rPr lang="en-DK" sz="3200" dirty="0"/>
               <a:t> via ML</a:t>
             </a:r>
           </a:p>
@@ -6983,8 +9722,8 @@
         </p:nvSpPr>
         <p:spPr>
           <a:xfrm>
-            <a:off x="203200" y="1289702"/>
-            <a:ext cx="3340455" cy="2307364"/>
+            <a:off x="203200" y="704675"/>
+            <a:ext cx="3340455" cy="2892391"/>
           </a:xfrm>
         </p:spPr>
         <p:style>
@@ -7013,7 +9752,7 @@
               </a:spcBef>
             </a:pPr>
             <a:r>
-              <a:rPr lang="en-DK" sz="1000" b="1" u="sng" dirty="0" err="1">
+              <a:rPr lang="en-DK" sz="1700" b="1" dirty="0" err="1">
                 <a:effectLst/>
                 <a:latin typeface="Arial" panose="020B0604020202020204" pitchFamily="34" charset="0"/>
               </a:rPr>
@@ -7038,7 +9777,21 @@
                 <a:effectLst/>
                 <a:latin typeface="Arial" panose="020B0604020202020204" pitchFamily="34" charset="0"/>
               </a:rPr>
-              <a:t>Vores ide til O4 projekt omhandler genkendelse af falske ansigter. Datasættet stammer fra </a:t>
+              <a:t>I dagens Danmark er det populært at ‘poste’ billeder af sig selv på internettet. Men disse billeder er ofte redigerede, og det kan være svært at vide hvordan en person faktisk ser ud. Vores ide til O4 projektet vil omhandle en model, der kan genkende falske eller redigerede ansigter, så man nemmere kan se hvordan folk faktisk ser ud.</a:t>
+            </a:r>
+          </a:p>
+          <a:p>
+            <a:pPr algn="l">
+              <a:spcBef>
+                <a:spcPts val="600"/>
+              </a:spcBef>
+            </a:pPr>
+            <a:r>
+              <a:rPr lang="da-DK" sz="900" dirty="0">
+                <a:effectLst/>
+                <a:latin typeface="Arial" panose="020B0604020202020204" pitchFamily="34" charset="0"/>
+              </a:rPr>
+              <a:t>Datasættet stammer fra </a:t>
             </a:r>
             <a:r>
               <a:rPr lang="da-DK" sz="900" dirty="0" err="1">
@@ -7052,17 +9805,7 @@
                 <a:effectLst/>
                 <a:latin typeface="Arial" panose="020B0604020202020204" pitchFamily="34" charset="0"/>
               </a:rPr>
-              <a:t>: Real and</a:t>
-            </a:r>
-            <a:br>
-              <a:rPr lang="da-DK" sz="900" dirty="0"/>
-            </a:br>
-            <a:r>
-              <a:rPr lang="da-DK" sz="900" dirty="0">
-                <a:effectLst/>
-                <a:latin typeface="Arial" panose="020B0604020202020204" pitchFamily="34" charset="0"/>
-              </a:rPr>
-              <a:t>Fake Face </a:t>
+              <a:t>: Real and Fake Face </a:t>
             </a:r>
             <a:r>
               <a:rPr lang="da-DK" sz="900" dirty="0" err="1">
@@ -7090,11 +9833,8 @@
                 <a:effectLst/>
                 <a:latin typeface="Arial" panose="020B0604020202020204" pitchFamily="34" charset="0"/>
               </a:rPr>
-              <a:t> ansigter,</a:t>
-            </a:r>
-            <a:br>
-              <a:rPr lang="da-DK" sz="900" dirty="0"/>
-            </a:br>
+              <a:t> ansigter, </a:t>
+            </a:r>
             <a:r>
               <a:rPr lang="da-DK" sz="900" dirty="0" err="1">
                 <a:effectLst/>
@@ -7117,57 +9857,8 @@
                 <a:effectLst/>
                 <a:latin typeface="Arial" panose="020B0604020202020204" pitchFamily="34" charset="0"/>
               </a:rPr>
-              <a:t>mund fra andre billeder og indsætte dem, således der blive lavet et ny ansigt. </a:t>
-            </a:r>
-            <a:endParaRPr lang="en-DK" sz="900" dirty="0">
-              <a:effectLst/>
-              <a:latin typeface="Arial" panose="020B0604020202020204" pitchFamily="34" charset="0"/>
-            </a:endParaRPr>
-          </a:p>
-          <a:p>
-            <a:pPr algn="l">
-              <a:spcBef>
-                <a:spcPts val="200"/>
-              </a:spcBef>
-            </a:pPr>
-            <a:r>
-              <a:rPr lang="en-DK" sz="900" dirty="0">
-                <a:effectLst/>
-                <a:latin typeface="Arial" panose="020B0604020202020204" pitchFamily="34" charset="0"/>
-              </a:rPr>
-              <a:t>  </a:t>
-            </a:r>
-            <a:r>
-              <a:rPr lang="da-DK" sz="900" dirty="0">
-                <a:effectLst/>
-                <a:latin typeface="Arial" panose="020B0604020202020204" pitchFamily="34" charset="0"/>
-              </a:rPr>
-              <a:t>Datasættet er delt op i 3 dele.</a:t>
-            </a:r>
-            <a:br>
-              <a:rPr lang="da-DK" sz="900" dirty="0"/>
-            </a:br>
-            <a:r>
-              <a:rPr lang="da-DK" sz="900" dirty="0">
-                <a:effectLst/>
-                <a:latin typeface="Arial" panose="020B0604020202020204" pitchFamily="34" charset="0"/>
-              </a:rPr>
-              <a:t>Et sæt med ægte billeder af ansigter, et sæt med ansigter der er nemme at genkende som ændret og et sæt</a:t>
-            </a:r>
-            <a:br>
-              <a:rPr lang="da-DK" sz="900" dirty="0"/>
-            </a:br>
-            <a:r>
-              <a:rPr lang="da-DK" sz="900" dirty="0">
-                <a:effectLst/>
-                <a:latin typeface="Arial" panose="020B0604020202020204" pitchFamily="34" charset="0"/>
-              </a:rPr>
-              <a:t>der er svær at genkende. Målet med vores model vil derfor være at kunne klassificere de falske billeder fra de rigtige billeder. </a:t>
-            </a:r>
-            <a:endParaRPr lang="en-DK" sz="900" dirty="0">
-              <a:effectLst/>
-              <a:latin typeface="Arial" panose="020B0604020202020204" pitchFamily="34" charset="0"/>
-            </a:endParaRPr>
+              <a:t>mund fra andre billeder og indsætte dem, således der blive lavet et nyt ansigt.</a:t>
+            </a:r>
           </a:p>
           <a:p>
             <a:pPr algn="l">
@@ -7176,12 +9867,36 @@
               </a:spcBef>
             </a:pPr>
             <a:r>
-              <a:rPr lang="en-DK" sz="900" dirty="0">
+              <a:rPr lang="da-DK" sz="900" dirty="0">
                 <a:effectLst/>
                 <a:latin typeface="Arial" panose="020B0604020202020204" pitchFamily="34" charset="0"/>
               </a:rPr>
-              <a:t>  </a:t>
-            </a:r>
+              <a:t>Datasættet er delt op i 3 dele. </a:t>
+            </a:r>
+            <a:r>
+              <a:rPr lang="da-DK" sz="900" dirty="0">
+                <a:latin typeface="Arial" panose="020B0604020202020204" pitchFamily="34" charset="0"/>
+              </a:rPr>
+              <a:t>É</a:t>
+            </a:r>
+            <a:r>
+              <a:rPr lang="da-DK" sz="900" dirty="0">
+                <a:effectLst/>
+                <a:latin typeface="Arial" panose="020B0604020202020204" pitchFamily="34" charset="0"/>
+              </a:rPr>
+              <a:t>t sæt med ægte billeder af ansigter, ét sæt med ansigter der er nemme at genkende som ændret og et sæt der er svært at genkende. Målet med vores model vil derfor være at kunne klassificere de falske billeder fra de rigtige billeder. </a:t>
+            </a:r>
+            <a:endParaRPr lang="en-DK" sz="900" dirty="0">
+              <a:effectLst/>
+              <a:latin typeface="Arial" panose="020B0604020202020204" pitchFamily="34" charset="0"/>
+            </a:endParaRPr>
+          </a:p>
+          <a:p>
+            <a:pPr algn="l">
+              <a:spcBef>
+                <a:spcPts val="600"/>
+              </a:spcBef>
+            </a:pPr>
             <a:r>
               <a:rPr lang="da-DK" sz="900" dirty="0">
                 <a:effectLst/>
@@ -7433,8 +10148,604 @@
         </p:nvSpPr>
         <p:spPr>
           <a:xfrm>
-            <a:off x="3658079" y="1289702"/>
-            <a:ext cx="4644637" cy="5434948"/>
+            <a:off x="3658079" y="704675"/>
+            <a:ext cx="4644637" cy="6019975"/>
+          </a:xfrm>
+          <a:prstGeom prst="rect">
+            <a:avLst/>
+          </a:prstGeom>
+        </p:spPr>
+        <p:style>
+          <a:lnRef idx="2">
+            <a:schemeClr val="dk1"/>
+          </a:lnRef>
+          <a:fillRef idx="1">
+            <a:schemeClr val="lt1"/>
+          </a:fillRef>
+          <a:effectRef idx="0">
+            <a:schemeClr val="dk1"/>
+          </a:effectRef>
+          <a:fontRef idx="minor">
+            <a:schemeClr val="dk1"/>
+          </a:fontRef>
+        </p:style>
+        <p:txBody>
+          <a:bodyPr vert="horz" lIns="91440" tIns="45720" rIns="91440" bIns="45720" rtlCol="0">
+            <a:noAutofit/>
+          </a:bodyPr>
+          <a:lstStyle>
+            <a:lvl1pPr marL="0" indent="0" algn="ctr" defTabSz="914400" rtl="0" eaLnBrk="1" latinLnBrk="0" hangingPunct="1">
+              <a:lnSpc>
+                <a:spcPct val="90000"/>
+              </a:lnSpc>
+              <a:spcBef>
+                <a:spcPts val="1000"/>
+              </a:spcBef>
+              <a:buFont typeface="Arial" panose="020B0604020202020204" pitchFamily="34" charset="0"/>
+              <a:buNone/>
+              <a:defRPr sz="2400" kern="1200">
+                <a:solidFill>
+                  <a:schemeClr val="tx1"/>
+                </a:solidFill>
+                <a:latin typeface="+mn-lt"/>
+                <a:ea typeface="+mn-ea"/>
+                <a:cs typeface="+mn-cs"/>
+              </a:defRPr>
+            </a:lvl1pPr>
+            <a:lvl2pPr marL="457200" indent="0" algn="ctr" defTabSz="914400" rtl="0" eaLnBrk="1" latinLnBrk="0" hangingPunct="1">
+              <a:lnSpc>
+                <a:spcPct val="90000"/>
+              </a:lnSpc>
+              <a:spcBef>
+                <a:spcPts val="500"/>
+              </a:spcBef>
+              <a:buFont typeface="Arial" panose="020B0604020202020204" pitchFamily="34" charset="0"/>
+              <a:buNone/>
+              <a:defRPr sz="2000" kern="1200">
+                <a:solidFill>
+                  <a:schemeClr val="tx1"/>
+                </a:solidFill>
+                <a:latin typeface="+mn-lt"/>
+                <a:ea typeface="+mn-ea"/>
+                <a:cs typeface="+mn-cs"/>
+              </a:defRPr>
+            </a:lvl2pPr>
+            <a:lvl3pPr marL="914400" indent="0" algn="ctr" defTabSz="914400" rtl="0" eaLnBrk="1" latinLnBrk="0" hangingPunct="1">
+              <a:lnSpc>
+                <a:spcPct val="90000"/>
+              </a:lnSpc>
+              <a:spcBef>
+                <a:spcPts val="500"/>
+              </a:spcBef>
+              <a:buFont typeface="Arial" panose="020B0604020202020204" pitchFamily="34" charset="0"/>
+              <a:buNone/>
+              <a:defRPr sz="1800" kern="1200">
+                <a:solidFill>
+                  <a:schemeClr val="tx1"/>
+                </a:solidFill>
+                <a:latin typeface="+mn-lt"/>
+                <a:ea typeface="+mn-ea"/>
+                <a:cs typeface="+mn-cs"/>
+              </a:defRPr>
+            </a:lvl3pPr>
+            <a:lvl4pPr marL="1371600" indent="0" algn="ctr" defTabSz="914400" rtl="0" eaLnBrk="1" latinLnBrk="0" hangingPunct="1">
+              <a:lnSpc>
+                <a:spcPct val="90000"/>
+              </a:lnSpc>
+              <a:spcBef>
+                <a:spcPts val="500"/>
+              </a:spcBef>
+              <a:buFont typeface="Arial" panose="020B0604020202020204" pitchFamily="34" charset="0"/>
+              <a:buNone/>
+              <a:defRPr sz="1600" kern="1200">
+                <a:solidFill>
+                  <a:schemeClr val="tx1"/>
+                </a:solidFill>
+                <a:latin typeface="+mn-lt"/>
+                <a:ea typeface="+mn-ea"/>
+                <a:cs typeface="+mn-cs"/>
+              </a:defRPr>
+            </a:lvl4pPr>
+            <a:lvl5pPr marL="1828800" indent="0" algn="ctr" defTabSz="914400" rtl="0" eaLnBrk="1" latinLnBrk="0" hangingPunct="1">
+              <a:lnSpc>
+                <a:spcPct val="90000"/>
+              </a:lnSpc>
+              <a:spcBef>
+                <a:spcPts val="500"/>
+              </a:spcBef>
+              <a:buFont typeface="Arial" panose="020B0604020202020204" pitchFamily="34" charset="0"/>
+              <a:buNone/>
+              <a:defRPr sz="1600" kern="1200">
+                <a:solidFill>
+                  <a:schemeClr val="tx1"/>
+                </a:solidFill>
+                <a:latin typeface="+mn-lt"/>
+                <a:ea typeface="+mn-ea"/>
+                <a:cs typeface="+mn-cs"/>
+              </a:defRPr>
+            </a:lvl5pPr>
+            <a:lvl6pPr marL="2286000" indent="0" algn="ctr" defTabSz="914400" rtl="0" eaLnBrk="1" latinLnBrk="0" hangingPunct="1">
+              <a:lnSpc>
+                <a:spcPct val="90000"/>
+              </a:lnSpc>
+              <a:spcBef>
+                <a:spcPts val="500"/>
+              </a:spcBef>
+              <a:buFont typeface="Arial" panose="020B0604020202020204" pitchFamily="34" charset="0"/>
+              <a:buNone/>
+              <a:defRPr sz="1600" kern="1200">
+                <a:solidFill>
+                  <a:schemeClr val="tx1"/>
+                </a:solidFill>
+                <a:latin typeface="+mn-lt"/>
+                <a:ea typeface="+mn-ea"/>
+                <a:cs typeface="+mn-cs"/>
+              </a:defRPr>
+            </a:lvl6pPr>
+            <a:lvl7pPr marL="2743200" indent="0" algn="ctr" defTabSz="914400" rtl="0" eaLnBrk="1" latinLnBrk="0" hangingPunct="1">
+              <a:lnSpc>
+                <a:spcPct val="90000"/>
+              </a:lnSpc>
+              <a:spcBef>
+                <a:spcPts val="500"/>
+              </a:spcBef>
+              <a:buFont typeface="Arial" panose="020B0604020202020204" pitchFamily="34" charset="0"/>
+              <a:buNone/>
+              <a:defRPr sz="1600" kern="1200">
+                <a:solidFill>
+                  <a:schemeClr val="tx1"/>
+                </a:solidFill>
+                <a:latin typeface="+mn-lt"/>
+                <a:ea typeface="+mn-ea"/>
+                <a:cs typeface="+mn-cs"/>
+              </a:defRPr>
+            </a:lvl7pPr>
+            <a:lvl8pPr marL="3200400" indent="0" algn="ctr" defTabSz="914400" rtl="0" eaLnBrk="1" latinLnBrk="0" hangingPunct="1">
+              <a:lnSpc>
+                <a:spcPct val="90000"/>
+              </a:lnSpc>
+              <a:spcBef>
+                <a:spcPts val="500"/>
+              </a:spcBef>
+              <a:buFont typeface="Arial" panose="020B0604020202020204" pitchFamily="34" charset="0"/>
+              <a:buNone/>
+              <a:defRPr sz="1600" kern="1200">
+                <a:solidFill>
+                  <a:schemeClr val="tx1"/>
+                </a:solidFill>
+                <a:latin typeface="+mn-lt"/>
+                <a:ea typeface="+mn-ea"/>
+                <a:cs typeface="+mn-cs"/>
+              </a:defRPr>
+            </a:lvl8pPr>
+            <a:lvl9pPr marL="3657600" indent="0" algn="ctr" defTabSz="914400" rtl="0" eaLnBrk="1" latinLnBrk="0" hangingPunct="1">
+              <a:lnSpc>
+                <a:spcPct val="90000"/>
+              </a:lnSpc>
+              <a:spcBef>
+                <a:spcPts val="500"/>
+              </a:spcBef>
+              <a:buFont typeface="Arial" panose="020B0604020202020204" pitchFamily="34" charset="0"/>
+              <a:buNone/>
+              <a:defRPr sz="1600" kern="1200">
+                <a:solidFill>
+                  <a:schemeClr val="tx1"/>
+                </a:solidFill>
+                <a:latin typeface="+mn-lt"/>
+                <a:ea typeface="+mn-ea"/>
+                <a:cs typeface="+mn-cs"/>
+              </a:defRPr>
+            </a:lvl9pPr>
+          </a:lstStyle>
+          <a:p>
+            <a:r>
+              <a:rPr lang="da-DK" sz="1600" b="1" dirty="0">
+                <a:solidFill>
+                  <a:schemeClr val="bg1"/>
+                </a:solidFill>
+              </a:rPr>
+              <a:t>Metoder</a:t>
+            </a:r>
+            <a:endParaRPr lang="da-DK" sz="800" dirty="0">
+              <a:solidFill>
+                <a:schemeClr val="bg1"/>
+              </a:solidFill>
+            </a:endParaRPr>
+          </a:p>
+          <a:p>
+            <a:r>
+              <a:rPr lang="da-DK" sz="800" b="1" dirty="0">
+                <a:solidFill>
+                  <a:schemeClr val="bg1"/>
+                </a:solidFill>
+              </a:rPr>
+              <a:t>Hvilke features arbejder vi med?</a:t>
+            </a:r>
+          </a:p>
+          <a:p>
+            <a:pPr algn="l"/>
+            <a:r>
+              <a:rPr lang="da-DK" sz="800" dirty="0">
+                <a:solidFill>
+                  <a:schemeClr val="bg1"/>
+                </a:solidFill>
+              </a:rPr>
+              <a:t>Da vores datasæt består af billeder, vil hvert pixel være en </a:t>
+            </a:r>
+            <a:r>
+              <a:rPr lang="da-DK" sz="800" dirty="0" err="1">
+                <a:solidFill>
+                  <a:schemeClr val="bg1"/>
+                </a:solidFill>
+              </a:rPr>
+              <a:t>attribute</a:t>
+            </a:r>
+            <a:r>
+              <a:rPr lang="da-DK" sz="800" dirty="0">
+                <a:solidFill>
+                  <a:schemeClr val="bg1"/>
+                </a:solidFill>
+              </a:rPr>
+              <a:t> i sig selv. Heraf har vi RGB data for hvert pixel, som vil være hvert pixels features.</a:t>
+            </a:r>
+          </a:p>
+          <a:p>
+            <a:r>
+              <a:rPr lang="da-DK" sz="800" b="1" dirty="0">
+                <a:solidFill>
+                  <a:schemeClr val="bg1"/>
+                </a:solidFill>
+              </a:rPr>
+              <a:t>Hvilken algoritmeklasse bruger vi?</a:t>
+            </a:r>
+            <a:endParaRPr lang="da-DK" sz="800" dirty="0">
+              <a:solidFill>
+                <a:schemeClr val="bg1"/>
+              </a:solidFill>
+            </a:endParaRPr>
+          </a:p>
+          <a:p>
+            <a:pPr algn="l"/>
+            <a:r>
+              <a:rPr lang="da-DK" sz="800" dirty="0">
+                <a:solidFill>
+                  <a:schemeClr val="bg1"/>
+                </a:solidFill>
+              </a:rPr>
+              <a:t>Som en del af vores datasæt er vi givet en række information for hvert billede. Dette inkludere hvorvidt billedet er redigeret, og hvis ja, hvilke dele af det er redigeret. Det er derfor oplagt at vi benytter en </a:t>
+            </a:r>
+            <a:r>
+              <a:rPr lang="da-DK" sz="800" dirty="0" err="1">
+                <a:solidFill>
+                  <a:schemeClr val="bg1"/>
+                </a:solidFill>
+              </a:rPr>
+              <a:t>supervised</a:t>
+            </a:r>
+            <a:r>
+              <a:rPr lang="da-DK" sz="800" dirty="0">
+                <a:solidFill>
+                  <a:schemeClr val="bg1"/>
+                </a:solidFill>
+              </a:rPr>
+              <a:t> model. Det kommer også naturligt af datasættets natur at det det vil være en klassificerings model, da datasættet er diskret.  </a:t>
+            </a:r>
+          </a:p>
+          <a:p>
+            <a:r>
+              <a:rPr lang="da-DK" sz="800" b="1" dirty="0">
+                <a:solidFill>
+                  <a:schemeClr val="bg1"/>
+                </a:solidFill>
+              </a:rPr>
+              <a:t>Hvorfor passer vores valgte algoritme til vores datasæt?</a:t>
+            </a:r>
+            <a:endParaRPr lang="da-DK" sz="800" dirty="0">
+              <a:solidFill>
+                <a:schemeClr val="bg1"/>
+              </a:solidFill>
+            </a:endParaRPr>
+          </a:p>
+          <a:p>
+            <a:pPr algn="l"/>
+            <a:r>
+              <a:rPr lang="da-DK" sz="800" dirty="0" err="1">
+                <a:solidFill>
+                  <a:schemeClr val="bg1"/>
+                </a:solidFill>
+              </a:rPr>
+              <a:t>Convolutional</a:t>
+            </a:r>
+            <a:r>
+              <a:rPr lang="da-DK" sz="800" dirty="0">
+                <a:solidFill>
+                  <a:schemeClr val="bg1"/>
+                </a:solidFill>
+              </a:rPr>
+              <a:t> Neural </a:t>
+            </a:r>
+            <a:r>
+              <a:rPr lang="da-DK" sz="800" dirty="0" err="1">
+                <a:solidFill>
+                  <a:schemeClr val="bg1"/>
+                </a:solidFill>
+              </a:rPr>
+              <a:t>Network's</a:t>
+            </a:r>
+            <a:r>
+              <a:rPr lang="da-DK" sz="800" dirty="0">
+                <a:solidFill>
+                  <a:schemeClr val="bg1"/>
+                </a:solidFill>
+              </a:rPr>
+              <a:t> (CNN's) er den hyppigst brugte type af model til billedklassificering. Dette kommer af, at CNN modeller tager input i form af matricer, og det er derfor nemt at repræsentere et billede som input. Ellers ville data for hvert pixel blive fladet ud, så billedets dimensioner bliver tabt. Der er derfor blevet valgt en CNN model.</a:t>
+            </a:r>
+          </a:p>
+          <a:p>
+            <a:r>
+              <a:rPr lang="da-DK" sz="800" b="1" dirty="0">
+                <a:solidFill>
+                  <a:schemeClr val="bg1"/>
+                </a:solidFill>
+              </a:rPr>
+              <a:t>Hvordan opsætter vi validerings –og træningssæt?</a:t>
+            </a:r>
+            <a:endParaRPr lang="da-DK" sz="800" dirty="0">
+              <a:solidFill>
+                <a:schemeClr val="bg1"/>
+              </a:solidFill>
+            </a:endParaRPr>
+          </a:p>
+          <a:p>
+            <a:pPr algn="l"/>
+            <a:r>
+              <a:rPr lang="da-DK" sz="800" dirty="0">
+                <a:solidFill>
+                  <a:schemeClr val="bg1"/>
+                </a:solidFill>
+              </a:rPr>
+              <a:t>Vores datasæt er relativt lille, specielt når man tager forhold for at billederne er delt op i '</a:t>
+            </a:r>
+            <a:r>
+              <a:rPr lang="da-DK" sz="800" dirty="0" err="1">
+                <a:solidFill>
+                  <a:schemeClr val="bg1"/>
+                </a:solidFill>
+              </a:rPr>
+              <a:t>easy</a:t>
+            </a:r>
+            <a:r>
+              <a:rPr lang="da-DK" sz="800" dirty="0">
+                <a:solidFill>
+                  <a:schemeClr val="bg1"/>
+                </a:solidFill>
+              </a:rPr>
+              <a:t>', 'normal', '</a:t>
+            </a:r>
+            <a:r>
+              <a:rPr lang="da-DK" sz="800" dirty="0" err="1">
+                <a:solidFill>
+                  <a:schemeClr val="bg1"/>
+                </a:solidFill>
+              </a:rPr>
+              <a:t>hard</a:t>
+            </a:r>
+            <a:r>
+              <a:rPr lang="da-DK" sz="800" dirty="0">
+                <a:solidFill>
+                  <a:schemeClr val="bg1"/>
+                </a:solidFill>
+              </a:rPr>
+              <a:t>' og 'real'. Der vil derfor blive benyttet K-fold Cross </a:t>
+            </a:r>
+            <a:r>
+              <a:rPr lang="da-DK" sz="800" dirty="0" err="1">
+                <a:solidFill>
+                  <a:schemeClr val="bg1"/>
+                </a:solidFill>
+              </a:rPr>
+              <a:t>Validation</a:t>
+            </a:r>
+            <a:r>
+              <a:rPr lang="da-DK" sz="800" dirty="0">
+                <a:solidFill>
+                  <a:schemeClr val="bg1"/>
+                </a:solidFill>
+              </a:rPr>
+              <a:t> til at summere validerings -og trænings-sæt i samme datasæt.</a:t>
+            </a:r>
+          </a:p>
+          <a:p>
+            <a:r>
+              <a:rPr lang="da-DK" sz="800" b="1" dirty="0">
+                <a:solidFill>
+                  <a:schemeClr val="bg1"/>
+                </a:solidFill>
+              </a:rPr>
+              <a:t>Hvordan vil vi måle effektiviteten af vores model?</a:t>
+            </a:r>
+            <a:endParaRPr lang="da-DK" sz="800" dirty="0">
+              <a:solidFill>
+                <a:schemeClr val="bg1"/>
+              </a:solidFill>
+            </a:endParaRPr>
+          </a:p>
+          <a:p>
+            <a:pPr algn="l"/>
+            <a:r>
+              <a:rPr lang="da-DK" sz="800" dirty="0">
+                <a:solidFill>
+                  <a:schemeClr val="bg1"/>
+                </a:solidFill>
+              </a:rPr>
+              <a:t>Vi vil optimalt have en model der kan fortælle os hvilke dele af billedet der er blevet redigeret. Her ville performance bliver bestemt ud fra XXX. Vi har dog en forventning om at det bliver svært at opnå en tilfredsstillende model med tidligere nævnte metrik. Derfor overvejer vi også at måle modellen efter om den kan kende redigerede billeder fra uredigerede billeder. Her ville performance blive målt ud fra en 'Performance Matrice', med FN, TN, FP og TP.</a:t>
+            </a:r>
+          </a:p>
+          <a:p>
+            <a:r>
+              <a:rPr lang="da-DK" sz="800" b="1" dirty="0">
+                <a:solidFill>
+                  <a:schemeClr val="bg1"/>
+                </a:solidFill>
+              </a:rPr>
+              <a:t>Hvordan har vi optimeret vores system?</a:t>
+            </a:r>
+          </a:p>
+          <a:p>
+            <a:pPr algn="l"/>
+            <a:r>
+              <a:rPr lang="da-DK" sz="800" dirty="0">
+                <a:solidFill>
+                  <a:schemeClr val="bg1"/>
+                </a:solidFill>
+              </a:rPr>
+              <a:t>Til at optimere har vi benyttet en række optimerings tekniker:</a:t>
+            </a:r>
+          </a:p>
+          <a:p>
+            <a:pPr marL="171450" indent="-171450" algn="l">
+              <a:buFont typeface="Arial" panose="020B0604020202020204" pitchFamily="34" charset="0"/>
+              <a:buChar char="•"/>
+            </a:pPr>
+            <a:r>
+              <a:rPr lang="da-DK" sz="800" dirty="0">
+                <a:solidFill>
+                  <a:schemeClr val="bg1"/>
+                </a:solidFill>
+              </a:rPr>
+              <a:t>Vi bruger </a:t>
+            </a:r>
+            <a:r>
+              <a:rPr lang="da-DK" sz="800" dirty="0" err="1">
+                <a:solidFill>
+                  <a:schemeClr val="bg1"/>
+                </a:solidFill>
+              </a:rPr>
+              <a:t>adam</a:t>
+            </a:r>
+            <a:r>
+              <a:rPr lang="da-DK" sz="800" dirty="0">
+                <a:solidFill>
+                  <a:schemeClr val="bg1"/>
+                </a:solidFill>
+              </a:rPr>
+              <a:t> optimerings algoritmen, som er en kombination af </a:t>
+            </a:r>
+            <a:r>
+              <a:rPr lang="da-DK" sz="800" dirty="0" err="1">
+                <a:solidFill>
+                  <a:schemeClr val="bg1"/>
+                </a:solidFill>
+              </a:rPr>
+              <a:t>AdaGrad</a:t>
+            </a:r>
+            <a:r>
+              <a:rPr lang="da-DK" sz="800" dirty="0">
+                <a:solidFill>
+                  <a:schemeClr val="bg1"/>
+                </a:solidFill>
+              </a:rPr>
+              <a:t> og </a:t>
+            </a:r>
+            <a:r>
+              <a:rPr lang="da-DK" sz="800" dirty="0" err="1">
+                <a:solidFill>
+                  <a:schemeClr val="bg1"/>
+                </a:solidFill>
+              </a:rPr>
+              <a:t>RMSProp</a:t>
+            </a:r>
+            <a:r>
+              <a:rPr lang="da-DK" sz="800" dirty="0">
+                <a:solidFill>
+                  <a:schemeClr val="bg1"/>
+                </a:solidFill>
+              </a:rPr>
+              <a:t>. Der benyttes derfor både Momentum og RMS </a:t>
+            </a:r>
+            <a:r>
+              <a:rPr lang="da-DK" sz="800" dirty="0" err="1">
+                <a:solidFill>
+                  <a:schemeClr val="bg1"/>
+                </a:solidFill>
+              </a:rPr>
+              <a:t>Propegation</a:t>
+            </a:r>
+            <a:r>
+              <a:rPr lang="da-DK" sz="800" dirty="0">
+                <a:solidFill>
+                  <a:schemeClr val="bg1"/>
+                </a:solidFill>
+              </a:rPr>
+              <a:t> optimering.</a:t>
+            </a:r>
+          </a:p>
+          <a:p>
+            <a:pPr marL="171450" indent="-171450" algn="l">
+              <a:buFont typeface="Arial" panose="020B0604020202020204" pitchFamily="34" charset="0"/>
+              <a:buChar char="•"/>
+            </a:pPr>
+            <a:r>
+              <a:rPr lang="da-DK" sz="800" dirty="0">
+                <a:solidFill>
+                  <a:schemeClr val="bg1"/>
+                </a:solidFill>
+              </a:rPr>
+              <a:t>Grid Search bliver benyttet for at finde optimale </a:t>
+            </a:r>
+            <a:r>
+              <a:rPr lang="da-DK" sz="800" dirty="0" err="1">
+                <a:solidFill>
+                  <a:schemeClr val="bg1"/>
+                </a:solidFill>
+              </a:rPr>
+              <a:t>hyperparametre</a:t>
+            </a:r>
+            <a:r>
+              <a:rPr lang="da-DK" sz="800" dirty="0">
+                <a:solidFill>
+                  <a:schemeClr val="bg1"/>
+                </a:solidFill>
+              </a:rPr>
+              <a:t>, vi har valgt at benytte Grid Search, da vores datasæt er relativt lille, og GS derfor ikke kommer til at tage for lang tid, og kan give bedre </a:t>
+            </a:r>
+            <a:r>
+              <a:rPr lang="da-DK" sz="800" dirty="0" err="1">
+                <a:solidFill>
+                  <a:schemeClr val="bg1"/>
+                </a:solidFill>
+              </a:rPr>
+              <a:t>hyperparametre</a:t>
+            </a:r>
+            <a:r>
+              <a:rPr lang="da-DK" sz="800" dirty="0">
+                <a:solidFill>
+                  <a:schemeClr val="bg1"/>
+                </a:solidFill>
+              </a:rPr>
+              <a:t>.</a:t>
+            </a:r>
+          </a:p>
+        </p:txBody>
+      </p:sp>
+      <p:sp>
+        <p:nvSpPr>
+          <p:cNvPr id="6" name="Undertitel 2">
+            <a:extLst>
+              <a:ext uri="{FF2B5EF4-FFF2-40B4-BE49-F238E27FC236}">
+                <a16:creationId xmlns:a16="http://schemas.microsoft.com/office/drawing/2014/main" id="{0B25390A-4190-DB48-DA89-47CDCB11640D}"/>
+              </a:ext>
+            </a:extLst>
+          </p:cNvPr>
+          <p:cNvSpPr txBox="1">
+            <a:spLocks/>
+          </p:cNvSpPr>
+          <p:nvPr/>
+        </p:nvSpPr>
+        <p:spPr>
+          <a:xfrm>
+            <a:off x="8417140" y="2664595"/>
+            <a:ext cx="3378619" cy="3020579"/>
           </a:xfrm>
           <a:prstGeom prst="rect">
             <a:avLst/>
@@ -7624,76 +10935,32 @@
           </a:lstStyle>
           <a:p>
             <a:r>
-              <a:rPr lang="en-DK" sz="1400" dirty="0" err="1"/>
+              <a:rPr lang="da-DK" sz="1600" b="1" dirty="0">
+                <a:solidFill>
+                  <a:schemeClr val="bg1"/>
+                </a:solidFill>
+              </a:rPr>
               <a:t>Resultater</a:t>
             </a:r>
-            <a:endParaRPr lang="en-DK" sz="1400" dirty="0"/>
-          </a:p>
-          <a:p>
-            <a:r>
-              <a:rPr lang="da-DK" sz="1400" dirty="0"/>
-              <a:t>S</a:t>
-            </a:r>
-            <a:r>
-              <a:rPr lang="en-DK" sz="1400" dirty="0"/>
-              <a:t>tuff</a:t>
-            </a:r>
-          </a:p>
-          <a:p>
-            <a:r>
-              <a:rPr lang="da-DK" sz="1400" dirty="0"/>
-              <a:t>S</a:t>
-            </a:r>
-            <a:r>
-              <a:rPr lang="en-DK" sz="1400" dirty="0"/>
-              <a:t>tuff</a:t>
-            </a:r>
-          </a:p>
-          <a:p>
-            <a:r>
-              <a:rPr lang="da-DK" sz="1400" dirty="0"/>
-              <a:t>S</a:t>
-            </a:r>
-            <a:r>
-              <a:rPr lang="en-DK" sz="1400" dirty="0"/>
-              <a:t>tuff</a:t>
-            </a:r>
-          </a:p>
-          <a:p>
-            <a:r>
-              <a:rPr lang="da-DK" sz="1400" dirty="0"/>
-              <a:t>S</a:t>
-            </a:r>
-            <a:r>
-              <a:rPr lang="en-DK" sz="1400" dirty="0"/>
-              <a:t>tuff</a:t>
-            </a:r>
-          </a:p>
-          <a:p>
-            <a:r>
-              <a:rPr lang="da-DK" sz="1400" dirty="0"/>
-              <a:t>S</a:t>
-            </a:r>
-            <a:r>
-              <a:rPr lang="en-DK" sz="1400" dirty="0"/>
-              <a:t>tuff</a:t>
-            </a:r>
-          </a:p>
-          <a:p>
-            <a:r>
-              <a:rPr lang="en-DK" sz="1400" dirty="0"/>
-              <a:t>stuff</a:t>
-            </a:r>
-            <a:endParaRPr lang="en-DK" dirty="0"/>
+          </a:p>
+          <a:p>
+            <a:r>
+              <a:rPr lang="da-DK" sz="800" dirty="0">
+                <a:solidFill>
+                  <a:schemeClr val="bg1"/>
+                </a:solidFill>
+              </a:rPr>
+              <a:t>Hvad har vi fundet ud af? Ingenting, giv mig høj karakter, tak.</a:t>
+            </a:r>
           </a:p>
         </p:txBody>
       </p:sp>
       <p:sp>
         <p:nvSpPr>
-          <p:cNvPr id="6" name="Undertitel 2">
+          <p:cNvPr id="7" name="Undertitel 2">
             <a:extLst>
               <a:ext uri="{FF2B5EF4-FFF2-40B4-BE49-F238E27FC236}">
-                <a16:creationId xmlns:a16="http://schemas.microsoft.com/office/drawing/2014/main" id="{0B25390A-4190-DB48-DA89-47CDCB11640D}"/>
+                <a16:creationId xmlns:a16="http://schemas.microsoft.com/office/drawing/2014/main" id="{1B668D32-4C2B-3B87-3CEC-89A2F4A9609B}"/>
               </a:ext>
             </a:extLst>
           </p:cNvPr>
@@ -7704,8 +10971,8 @@
         </p:nvSpPr>
         <p:spPr>
           <a:xfrm>
-            <a:off x="8417140" y="1289702"/>
-            <a:ext cx="3378619" cy="2435552"/>
+            <a:off x="8417140" y="5796793"/>
+            <a:ext cx="3378619" cy="927856"/>
           </a:xfrm>
           <a:prstGeom prst="rect">
             <a:avLst/>
@@ -7895,231 +11162,25 @@
           </a:lstStyle>
           <a:p>
             <a:r>
-              <a:rPr lang="en-DK" sz="1600" dirty="0" err="1"/>
-              <a:t>Konklusion</a:t>
-            </a:r>
-            <a:endParaRPr lang="en-DK" dirty="0"/>
-          </a:p>
-        </p:txBody>
-      </p:sp>
-      <p:sp>
-        <p:nvSpPr>
-          <p:cNvPr id="7" name="Undertitel 2">
-            <a:extLst>
-              <a:ext uri="{FF2B5EF4-FFF2-40B4-BE49-F238E27FC236}">
-                <a16:creationId xmlns:a16="http://schemas.microsoft.com/office/drawing/2014/main" id="{1B668D32-4C2B-3B87-3CEC-89A2F4A9609B}"/>
-              </a:ext>
-            </a:extLst>
-          </p:cNvPr>
-          <p:cNvSpPr txBox="1">
-            <a:spLocks/>
-          </p:cNvSpPr>
-          <p:nvPr/>
-        </p:nvSpPr>
-        <p:spPr>
-          <a:xfrm>
-            <a:off x="8417140" y="3803712"/>
-            <a:ext cx="3378619" cy="2920937"/>
-          </a:xfrm>
-          <a:prstGeom prst="rect">
-            <a:avLst/>
-          </a:prstGeom>
-        </p:spPr>
-        <p:style>
-          <a:lnRef idx="2">
-            <a:schemeClr val="dk1"/>
-          </a:lnRef>
-          <a:fillRef idx="1">
-            <a:schemeClr val="lt1"/>
-          </a:fillRef>
-          <a:effectRef idx="0">
-            <a:schemeClr val="dk1"/>
-          </a:effectRef>
-          <a:fontRef idx="minor">
-            <a:schemeClr val="dk1"/>
-          </a:fontRef>
-        </p:style>
-        <p:txBody>
-          <a:bodyPr vert="horz" lIns="91440" tIns="45720" rIns="91440" bIns="45720" rtlCol="0">
-            <a:normAutofit/>
-          </a:bodyPr>
-          <a:lstStyle>
-            <a:lvl1pPr marL="0" indent="0" algn="ctr" defTabSz="914400" rtl="0" eaLnBrk="1" latinLnBrk="0" hangingPunct="1">
-              <a:lnSpc>
-                <a:spcPct val="90000"/>
-              </a:lnSpc>
-              <a:spcBef>
-                <a:spcPts val="1000"/>
-              </a:spcBef>
-              <a:buFont typeface="Arial" panose="020B0604020202020204" pitchFamily="34" charset="0"/>
-              <a:buNone/>
-              <a:defRPr sz="2400" kern="1200">
-                <a:solidFill>
-                  <a:schemeClr val="tx1"/>
-                </a:solidFill>
-                <a:latin typeface="+mn-lt"/>
-                <a:ea typeface="+mn-ea"/>
-                <a:cs typeface="+mn-cs"/>
-              </a:defRPr>
-            </a:lvl1pPr>
-            <a:lvl2pPr marL="457200" indent="0" algn="ctr" defTabSz="914400" rtl="0" eaLnBrk="1" latinLnBrk="0" hangingPunct="1">
-              <a:lnSpc>
-                <a:spcPct val="90000"/>
-              </a:lnSpc>
-              <a:spcBef>
-                <a:spcPts val="500"/>
-              </a:spcBef>
-              <a:buFont typeface="Arial" panose="020B0604020202020204" pitchFamily="34" charset="0"/>
-              <a:buNone/>
-              <a:defRPr sz="2000" kern="1200">
-                <a:solidFill>
-                  <a:schemeClr val="tx1"/>
-                </a:solidFill>
-                <a:latin typeface="+mn-lt"/>
-                <a:ea typeface="+mn-ea"/>
-                <a:cs typeface="+mn-cs"/>
-              </a:defRPr>
-            </a:lvl2pPr>
-            <a:lvl3pPr marL="914400" indent="0" algn="ctr" defTabSz="914400" rtl="0" eaLnBrk="1" latinLnBrk="0" hangingPunct="1">
-              <a:lnSpc>
-                <a:spcPct val="90000"/>
-              </a:lnSpc>
-              <a:spcBef>
-                <a:spcPts val="500"/>
-              </a:spcBef>
-              <a:buFont typeface="Arial" panose="020B0604020202020204" pitchFamily="34" charset="0"/>
-              <a:buNone/>
-              <a:defRPr sz="1800" kern="1200">
-                <a:solidFill>
-                  <a:schemeClr val="tx1"/>
-                </a:solidFill>
-                <a:latin typeface="+mn-lt"/>
-                <a:ea typeface="+mn-ea"/>
-                <a:cs typeface="+mn-cs"/>
-              </a:defRPr>
-            </a:lvl3pPr>
-            <a:lvl4pPr marL="1371600" indent="0" algn="ctr" defTabSz="914400" rtl="0" eaLnBrk="1" latinLnBrk="0" hangingPunct="1">
-              <a:lnSpc>
-                <a:spcPct val="90000"/>
-              </a:lnSpc>
-              <a:spcBef>
-                <a:spcPts val="500"/>
-              </a:spcBef>
-              <a:buFont typeface="Arial" panose="020B0604020202020204" pitchFamily="34" charset="0"/>
-              <a:buNone/>
-              <a:defRPr sz="1600" kern="1200">
-                <a:solidFill>
-                  <a:schemeClr val="tx1"/>
-                </a:solidFill>
-                <a:latin typeface="+mn-lt"/>
-                <a:ea typeface="+mn-ea"/>
-                <a:cs typeface="+mn-cs"/>
-              </a:defRPr>
-            </a:lvl4pPr>
-            <a:lvl5pPr marL="1828800" indent="0" algn="ctr" defTabSz="914400" rtl="0" eaLnBrk="1" latinLnBrk="0" hangingPunct="1">
-              <a:lnSpc>
-                <a:spcPct val="90000"/>
-              </a:lnSpc>
-              <a:spcBef>
-                <a:spcPts val="500"/>
-              </a:spcBef>
-              <a:buFont typeface="Arial" panose="020B0604020202020204" pitchFamily="34" charset="0"/>
-              <a:buNone/>
-              <a:defRPr sz="1600" kern="1200">
-                <a:solidFill>
-                  <a:schemeClr val="tx1"/>
-                </a:solidFill>
-                <a:latin typeface="+mn-lt"/>
-                <a:ea typeface="+mn-ea"/>
-                <a:cs typeface="+mn-cs"/>
-              </a:defRPr>
-            </a:lvl5pPr>
-            <a:lvl6pPr marL="2286000" indent="0" algn="ctr" defTabSz="914400" rtl="0" eaLnBrk="1" latinLnBrk="0" hangingPunct="1">
-              <a:lnSpc>
-                <a:spcPct val="90000"/>
-              </a:lnSpc>
-              <a:spcBef>
-                <a:spcPts val="500"/>
-              </a:spcBef>
-              <a:buFont typeface="Arial" panose="020B0604020202020204" pitchFamily="34" charset="0"/>
-              <a:buNone/>
-              <a:defRPr sz="1600" kern="1200">
-                <a:solidFill>
-                  <a:schemeClr val="tx1"/>
-                </a:solidFill>
-                <a:latin typeface="+mn-lt"/>
-                <a:ea typeface="+mn-ea"/>
-                <a:cs typeface="+mn-cs"/>
-              </a:defRPr>
-            </a:lvl6pPr>
-            <a:lvl7pPr marL="2743200" indent="0" algn="ctr" defTabSz="914400" rtl="0" eaLnBrk="1" latinLnBrk="0" hangingPunct="1">
-              <a:lnSpc>
-                <a:spcPct val="90000"/>
-              </a:lnSpc>
-              <a:spcBef>
-                <a:spcPts val="500"/>
-              </a:spcBef>
-              <a:buFont typeface="Arial" panose="020B0604020202020204" pitchFamily="34" charset="0"/>
-              <a:buNone/>
-              <a:defRPr sz="1600" kern="1200">
-                <a:solidFill>
-                  <a:schemeClr val="tx1"/>
-                </a:solidFill>
-                <a:latin typeface="+mn-lt"/>
-                <a:ea typeface="+mn-ea"/>
-                <a:cs typeface="+mn-cs"/>
-              </a:defRPr>
-            </a:lvl7pPr>
-            <a:lvl8pPr marL="3200400" indent="0" algn="ctr" defTabSz="914400" rtl="0" eaLnBrk="1" latinLnBrk="0" hangingPunct="1">
-              <a:lnSpc>
-                <a:spcPct val="90000"/>
-              </a:lnSpc>
-              <a:spcBef>
-                <a:spcPts val="500"/>
-              </a:spcBef>
-              <a:buFont typeface="Arial" panose="020B0604020202020204" pitchFamily="34" charset="0"/>
-              <a:buNone/>
-              <a:defRPr sz="1600" kern="1200">
-                <a:solidFill>
-                  <a:schemeClr val="tx1"/>
-                </a:solidFill>
-                <a:latin typeface="+mn-lt"/>
-                <a:ea typeface="+mn-ea"/>
-                <a:cs typeface="+mn-cs"/>
-              </a:defRPr>
-            </a:lvl8pPr>
-            <a:lvl9pPr marL="3657600" indent="0" algn="ctr" defTabSz="914400" rtl="0" eaLnBrk="1" latinLnBrk="0" hangingPunct="1">
-              <a:lnSpc>
-                <a:spcPct val="90000"/>
-              </a:lnSpc>
-              <a:spcBef>
-                <a:spcPts val="500"/>
-              </a:spcBef>
-              <a:buFont typeface="Arial" panose="020B0604020202020204" pitchFamily="34" charset="0"/>
-              <a:buNone/>
-              <a:defRPr sz="1600" kern="1200">
-                <a:solidFill>
-                  <a:schemeClr val="tx1"/>
-                </a:solidFill>
-                <a:latin typeface="+mn-lt"/>
-                <a:ea typeface="+mn-ea"/>
-                <a:cs typeface="+mn-cs"/>
-              </a:defRPr>
-            </a:lvl9pPr>
-          </a:lstStyle>
-          <a:p>
-            <a:r>
-              <a:rPr lang="en-DK" sz="1600" dirty="0" err="1"/>
+              <a:rPr lang="en-DK" sz="1600" b="1" dirty="0" err="1">
+                <a:solidFill>
+                  <a:schemeClr val="bg1"/>
+                </a:solidFill>
+              </a:rPr>
               <a:t>Referencer</a:t>
             </a:r>
-            <a:endParaRPr lang="en-DK" sz="1600" dirty="0"/>
-          </a:p>
-          <a:p>
-            <a:endParaRPr lang="en-DK" dirty="0"/>
+            <a:endParaRPr lang="en-DK" dirty="0">
+              <a:solidFill>
+                <a:schemeClr val="bg1"/>
+              </a:solidFill>
+            </a:endParaRPr>
           </a:p>
           <a:p>
             <a:r>
               <a:rPr lang="en-US" sz="900" dirty="0">
+                <a:solidFill>
+                  <a:schemeClr val="bg1"/>
+                </a:solidFill>
                 <a:effectLst/>
                 <a:latin typeface="Arial" panose="020B0604020202020204" pitchFamily="34" charset="0"/>
               </a:rPr>
@@ -8127,16 +11188,26 @@
             </a:r>
             <a:r>
               <a:rPr lang="en-US" sz="900" dirty="0">
+                <a:solidFill>
+                  <a:schemeClr val="bg1"/>
+                </a:solidFill>
                 <a:effectLst/>
                 <a:latin typeface="Courier New" panose="02070309020205020404" pitchFamily="49" charset="0"/>
               </a:rPr>
               <a:t>https://www.kaggle.</a:t>
             </a:r>
             <a:br>
-              <a:rPr lang="en-US" sz="900" dirty="0"/>
+              <a:rPr lang="en-US" sz="900" dirty="0">
+                <a:solidFill>
+                  <a:schemeClr val="bg1"/>
+                </a:solidFill>
+              </a:rPr>
             </a:br>
             <a:r>
               <a:rPr lang="en-US" sz="900" dirty="0">
+                <a:solidFill>
+                  <a:schemeClr val="bg1"/>
+                </a:solidFill>
                 <a:effectLst/>
                 <a:latin typeface="Courier New" panose="02070309020205020404" pitchFamily="49" charset="0"/>
               </a:rPr>
@@ -8144,6 +11215,9 @@
             </a:r>
             <a:r>
               <a:rPr lang="en-US" sz="900" dirty="0" err="1">
+                <a:solidFill>
+                  <a:schemeClr val="bg1"/>
+                </a:solidFill>
                 <a:effectLst/>
                 <a:latin typeface="Courier New" panose="02070309020205020404" pitchFamily="49" charset="0"/>
               </a:rPr>
@@ -8151,6 +11225,9 @@
             </a:r>
             <a:r>
               <a:rPr lang="en-US" sz="900" dirty="0">
+                <a:solidFill>
+                  <a:schemeClr val="bg1"/>
+                </a:solidFill>
                 <a:effectLst/>
                 <a:latin typeface="Courier New" panose="02070309020205020404" pitchFamily="49" charset="0"/>
               </a:rPr>
@@ -8158,6 +11235,9 @@
             </a:r>
             <a:r>
               <a:rPr lang="en-US" sz="900" dirty="0" err="1">
+                <a:solidFill>
+                  <a:schemeClr val="bg1"/>
+                </a:solidFill>
                 <a:effectLst/>
                 <a:latin typeface="Courier New" panose="02070309020205020404" pitchFamily="49" charset="0"/>
               </a:rPr>
@@ -8165,12 +11245,29 @@
             </a:r>
             <a:r>
               <a:rPr lang="en-DK" sz="900" dirty="0">
+                <a:solidFill>
+                  <a:schemeClr val="bg1"/>
+                </a:solidFill>
                 <a:effectLst/>
                 <a:latin typeface="Courier New" panose="02070309020205020404" pitchFamily="49" charset="0"/>
               </a:rPr>
               <a:t>n</a:t>
             </a:r>
-            <a:endParaRPr lang="en-DK" sz="900" dirty="0"/>
+            <a:endParaRPr lang="da-DK" sz="900" dirty="0">
+              <a:solidFill>
+                <a:schemeClr val="bg1"/>
+              </a:solidFill>
+              <a:effectLst/>
+              <a:latin typeface="Courier New" panose="02070309020205020404" pitchFamily="49" charset="0"/>
+            </a:endParaRPr>
+          </a:p>
+          <a:p>
+            <a:pPr algn="l"/>
+            <a:endParaRPr lang="en-DK" sz="900" dirty="0">
+              <a:solidFill>
+                <a:schemeClr val="bg1"/>
+              </a:solidFill>
+            </a:endParaRPr>
           </a:p>
         </p:txBody>
       </p:sp>
@@ -8187,7 +11284,7 @@
           <p:nvPr>
             <p:extLst>
               <p:ext uri="{D42A27DB-BD31-4B8C-83A1-F6EECF244321}">
-                <p14:modId xmlns:p14="http://schemas.microsoft.com/office/powerpoint/2010/main" val="1212093233"/>
+                <p14:modId xmlns:p14="http://schemas.microsoft.com/office/powerpoint/2010/main" val="1953319955"/>
               </p:ext>
             </p:extLst>
           </p:nvPr>
@@ -8218,8 +11315,8 @@
         </p:nvSpPr>
         <p:spPr>
           <a:xfrm>
-            <a:off x="874085" y="3725254"/>
-            <a:ext cx="1981222" cy="449631"/>
+            <a:off x="203200" y="3725254"/>
+            <a:ext cx="3340455" cy="449631"/>
           </a:xfrm>
           <a:prstGeom prst="rect">
             <a:avLst/>
@@ -8413,22 +11510,347 @@
           </a:lstStyle>
           <a:p>
             <a:r>
-              <a:rPr lang="en-DK" sz="1600" dirty="0"/>
+              <a:rPr lang="en-DK" sz="1200" b="1" dirty="0">
+                <a:solidFill>
+                  <a:schemeClr val="bg1"/>
+                </a:solidFill>
+              </a:rPr>
               <a:t>Eksempel </a:t>
             </a:r>
             <a:r>
-              <a:rPr lang="en-DK" sz="1600" dirty="0" err="1"/>
+              <a:rPr lang="en-DK" sz="1200" b="1" dirty="0" err="1">
+                <a:solidFill>
+                  <a:schemeClr val="bg1"/>
+                </a:solidFill>
+              </a:rPr>
               <a:t>fra</a:t>
             </a:r>
             <a:r>
-              <a:rPr lang="en-DK" sz="1600" dirty="0"/>
+              <a:rPr lang="en-DK" sz="1200" b="1" dirty="0">
+                <a:solidFill>
+                  <a:schemeClr val="bg1"/>
+                </a:solidFill>
+              </a:rPr>
               <a:t> </a:t>
             </a:r>
             <a:r>
-              <a:rPr lang="en-DK" sz="1600" dirty="0" err="1"/>
+              <a:rPr lang="en-DK" sz="1200" b="1" dirty="0" err="1">
+                <a:solidFill>
+                  <a:schemeClr val="bg1"/>
+                </a:solidFill>
+              </a:rPr>
               <a:t>datasæt</a:t>
             </a:r>
-            <a:endParaRPr lang="en-DK" sz="1600" dirty="0"/>
+            <a:r>
+              <a:rPr lang="da-DK" sz="1200" b="1" dirty="0">
+                <a:solidFill>
+                  <a:schemeClr val="bg1"/>
+                </a:solidFill>
+              </a:rPr>
+              <a:t> – Kan du kende forskel?</a:t>
+            </a:r>
+            <a:endParaRPr lang="en-DK" sz="1200" b="1" dirty="0">
+              <a:solidFill>
+                <a:schemeClr val="bg1"/>
+              </a:solidFill>
+            </a:endParaRPr>
+          </a:p>
+        </p:txBody>
+      </p:sp>
+      <p:sp>
+        <p:nvSpPr>
+          <p:cNvPr id="10" name="Undertitel 2">
+            <a:extLst>
+              <a:ext uri="{FF2B5EF4-FFF2-40B4-BE49-F238E27FC236}">
+                <a16:creationId xmlns:a16="http://schemas.microsoft.com/office/drawing/2014/main" id="{DB1B99AF-1144-76CE-1A7B-92C80372F1DC}"/>
+              </a:ext>
+            </a:extLst>
+          </p:cNvPr>
+          <p:cNvSpPr txBox="1">
+            <a:spLocks/>
+          </p:cNvSpPr>
+          <p:nvPr/>
+        </p:nvSpPr>
+        <p:spPr>
+          <a:xfrm>
+            <a:off x="8417140" y="726917"/>
+            <a:ext cx="3378619" cy="1826060"/>
+          </a:xfrm>
+          <a:prstGeom prst="rect">
+            <a:avLst/>
+          </a:prstGeom>
+        </p:spPr>
+        <p:style>
+          <a:lnRef idx="2">
+            <a:schemeClr val="dk1"/>
+          </a:lnRef>
+          <a:fillRef idx="1">
+            <a:schemeClr val="lt1"/>
+          </a:fillRef>
+          <a:effectRef idx="0">
+            <a:schemeClr val="dk1"/>
+          </a:effectRef>
+          <a:fontRef idx="minor">
+            <a:schemeClr val="dk1"/>
+          </a:fontRef>
+        </p:style>
+        <p:txBody>
+          <a:bodyPr vert="horz" lIns="91440" tIns="45720" rIns="91440" bIns="45720" rtlCol="0">
+            <a:normAutofit/>
+          </a:bodyPr>
+          <a:lstStyle>
+            <a:lvl1pPr marL="0" indent="0" algn="ctr" defTabSz="914400" rtl="0" eaLnBrk="1" latinLnBrk="0" hangingPunct="1">
+              <a:lnSpc>
+                <a:spcPct val="90000"/>
+              </a:lnSpc>
+              <a:spcBef>
+                <a:spcPts val="1000"/>
+              </a:spcBef>
+              <a:buFont typeface="Arial" panose="020B0604020202020204" pitchFamily="34" charset="0"/>
+              <a:buNone/>
+              <a:defRPr sz="2400" kern="1200">
+                <a:solidFill>
+                  <a:schemeClr val="tx1"/>
+                </a:solidFill>
+                <a:latin typeface="+mn-lt"/>
+                <a:ea typeface="+mn-ea"/>
+                <a:cs typeface="+mn-cs"/>
+              </a:defRPr>
+            </a:lvl1pPr>
+            <a:lvl2pPr marL="457200" indent="0" algn="ctr" defTabSz="914400" rtl="0" eaLnBrk="1" latinLnBrk="0" hangingPunct="1">
+              <a:lnSpc>
+                <a:spcPct val="90000"/>
+              </a:lnSpc>
+              <a:spcBef>
+                <a:spcPts val="500"/>
+              </a:spcBef>
+              <a:buFont typeface="Arial" panose="020B0604020202020204" pitchFamily="34" charset="0"/>
+              <a:buNone/>
+              <a:defRPr sz="2000" kern="1200">
+                <a:solidFill>
+                  <a:schemeClr val="tx1"/>
+                </a:solidFill>
+                <a:latin typeface="+mn-lt"/>
+                <a:ea typeface="+mn-ea"/>
+                <a:cs typeface="+mn-cs"/>
+              </a:defRPr>
+            </a:lvl2pPr>
+            <a:lvl3pPr marL="914400" indent="0" algn="ctr" defTabSz="914400" rtl="0" eaLnBrk="1" latinLnBrk="0" hangingPunct="1">
+              <a:lnSpc>
+                <a:spcPct val="90000"/>
+              </a:lnSpc>
+              <a:spcBef>
+                <a:spcPts val="500"/>
+              </a:spcBef>
+              <a:buFont typeface="Arial" panose="020B0604020202020204" pitchFamily="34" charset="0"/>
+              <a:buNone/>
+              <a:defRPr sz="1800" kern="1200">
+                <a:solidFill>
+                  <a:schemeClr val="tx1"/>
+                </a:solidFill>
+                <a:latin typeface="+mn-lt"/>
+                <a:ea typeface="+mn-ea"/>
+                <a:cs typeface="+mn-cs"/>
+              </a:defRPr>
+            </a:lvl3pPr>
+            <a:lvl4pPr marL="1371600" indent="0" algn="ctr" defTabSz="914400" rtl="0" eaLnBrk="1" latinLnBrk="0" hangingPunct="1">
+              <a:lnSpc>
+                <a:spcPct val="90000"/>
+              </a:lnSpc>
+              <a:spcBef>
+                <a:spcPts val="500"/>
+              </a:spcBef>
+              <a:buFont typeface="Arial" panose="020B0604020202020204" pitchFamily="34" charset="0"/>
+              <a:buNone/>
+              <a:defRPr sz="1600" kern="1200">
+                <a:solidFill>
+                  <a:schemeClr val="tx1"/>
+                </a:solidFill>
+                <a:latin typeface="+mn-lt"/>
+                <a:ea typeface="+mn-ea"/>
+                <a:cs typeface="+mn-cs"/>
+              </a:defRPr>
+            </a:lvl4pPr>
+            <a:lvl5pPr marL="1828800" indent="0" algn="ctr" defTabSz="914400" rtl="0" eaLnBrk="1" latinLnBrk="0" hangingPunct="1">
+              <a:lnSpc>
+                <a:spcPct val="90000"/>
+              </a:lnSpc>
+              <a:spcBef>
+                <a:spcPts val="500"/>
+              </a:spcBef>
+              <a:buFont typeface="Arial" panose="020B0604020202020204" pitchFamily="34" charset="0"/>
+              <a:buNone/>
+              <a:defRPr sz="1600" kern="1200">
+                <a:solidFill>
+                  <a:schemeClr val="tx1"/>
+                </a:solidFill>
+                <a:latin typeface="+mn-lt"/>
+                <a:ea typeface="+mn-ea"/>
+                <a:cs typeface="+mn-cs"/>
+              </a:defRPr>
+            </a:lvl5pPr>
+            <a:lvl6pPr marL="2286000" indent="0" algn="ctr" defTabSz="914400" rtl="0" eaLnBrk="1" latinLnBrk="0" hangingPunct="1">
+              <a:lnSpc>
+                <a:spcPct val="90000"/>
+              </a:lnSpc>
+              <a:spcBef>
+                <a:spcPts val="500"/>
+              </a:spcBef>
+              <a:buFont typeface="Arial" panose="020B0604020202020204" pitchFamily="34" charset="0"/>
+              <a:buNone/>
+              <a:defRPr sz="1600" kern="1200">
+                <a:solidFill>
+                  <a:schemeClr val="tx1"/>
+                </a:solidFill>
+                <a:latin typeface="+mn-lt"/>
+                <a:ea typeface="+mn-ea"/>
+                <a:cs typeface="+mn-cs"/>
+              </a:defRPr>
+            </a:lvl6pPr>
+            <a:lvl7pPr marL="2743200" indent="0" algn="ctr" defTabSz="914400" rtl="0" eaLnBrk="1" latinLnBrk="0" hangingPunct="1">
+              <a:lnSpc>
+                <a:spcPct val="90000"/>
+              </a:lnSpc>
+              <a:spcBef>
+                <a:spcPts val="500"/>
+              </a:spcBef>
+              <a:buFont typeface="Arial" panose="020B0604020202020204" pitchFamily="34" charset="0"/>
+              <a:buNone/>
+              <a:defRPr sz="1600" kern="1200">
+                <a:solidFill>
+                  <a:schemeClr val="tx1"/>
+                </a:solidFill>
+                <a:latin typeface="+mn-lt"/>
+                <a:ea typeface="+mn-ea"/>
+                <a:cs typeface="+mn-cs"/>
+              </a:defRPr>
+            </a:lvl7pPr>
+            <a:lvl8pPr marL="3200400" indent="0" algn="ctr" defTabSz="914400" rtl="0" eaLnBrk="1" latinLnBrk="0" hangingPunct="1">
+              <a:lnSpc>
+                <a:spcPct val="90000"/>
+              </a:lnSpc>
+              <a:spcBef>
+                <a:spcPts val="500"/>
+              </a:spcBef>
+              <a:buFont typeface="Arial" panose="020B0604020202020204" pitchFamily="34" charset="0"/>
+              <a:buNone/>
+              <a:defRPr sz="1600" kern="1200">
+                <a:solidFill>
+                  <a:schemeClr val="tx1"/>
+                </a:solidFill>
+                <a:latin typeface="+mn-lt"/>
+                <a:ea typeface="+mn-ea"/>
+                <a:cs typeface="+mn-cs"/>
+              </a:defRPr>
+            </a:lvl8pPr>
+            <a:lvl9pPr marL="3657600" indent="0" algn="ctr" defTabSz="914400" rtl="0" eaLnBrk="1" latinLnBrk="0" hangingPunct="1">
+              <a:lnSpc>
+                <a:spcPct val="90000"/>
+              </a:lnSpc>
+              <a:spcBef>
+                <a:spcPts val="500"/>
+              </a:spcBef>
+              <a:buFont typeface="Arial" panose="020B0604020202020204" pitchFamily="34" charset="0"/>
+              <a:buNone/>
+              <a:defRPr sz="1600" kern="1200">
+                <a:solidFill>
+                  <a:schemeClr val="tx1"/>
+                </a:solidFill>
+                <a:latin typeface="+mn-lt"/>
+                <a:ea typeface="+mn-ea"/>
+                <a:cs typeface="+mn-cs"/>
+              </a:defRPr>
+            </a:lvl9pPr>
+          </a:lstStyle>
+          <a:p>
+            <a:r>
+              <a:rPr lang="da-DK" sz="1600" b="1" dirty="0">
+                <a:solidFill>
+                  <a:schemeClr val="bg1"/>
+                </a:solidFill>
+              </a:rPr>
+              <a:t>Metoder – Fortsat</a:t>
+            </a:r>
+          </a:p>
+          <a:p>
+            <a:r>
+              <a:rPr lang="da-DK" sz="800" b="1" dirty="0">
+                <a:solidFill>
+                  <a:schemeClr val="bg1"/>
+                </a:solidFill>
+              </a:rPr>
+              <a:t>Hvordan undgår vi under –og/eller overfitting?</a:t>
+            </a:r>
+          </a:p>
+          <a:p>
+            <a:pPr algn="l"/>
+            <a:r>
+              <a:rPr lang="da-DK" sz="800" dirty="0">
+                <a:solidFill>
+                  <a:schemeClr val="bg1"/>
+                </a:solidFill>
+              </a:rPr>
+              <a:t>L2 </a:t>
+            </a:r>
+            <a:r>
+              <a:rPr lang="da-DK" sz="800" dirty="0" err="1">
+                <a:solidFill>
+                  <a:schemeClr val="bg1"/>
+                </a:solidFill>
+              </a:rPr>
+              <a:t>Regularization</a:t>
+            </a:r>
+            <a:r>
+              <a:rPr lang="da-DK" sz="800" dirty="0">
+                <a:solidFill>
+                  <a:schemeClr val="bg1"/>
+                </a:solidFill>
+              </a:rPr>
+              <a:t> benyttes til at undgå overfitting, ved at reducere vægtninger ud fra den kvadrerede sum. Derved kan der ikke komme for store fluktuationerne på </a:t>
+            </a:r>
+            <a:r>
+              <a:rPr lang="da-DK" sz="800" dirty="0" err="1">
+                <a:solidFill>
+                  <a:schemeClr val="bg1"/>
+                </a:solidFill>
+              </a:rPr>
+              <a:t>vægtningene</a:t>
+            </a:r>
+            <a:r>
+              <a:rPr lang="da-DK" sz="800" dirty="0">
+                <a:solidFill>
+                  <a:schemeClr val="bg1"/>
+                </a:solidFill>
+              </a:rPr>
+              <a:t>. </a:t>
+            </a:r>
+          </a:p>
+          <a:p>
+            <a:pPr algn="l"/>
+            <a:r>
+              <a:rPr lang="da-DK" sz="800" dirty="0">
+                <a:solidFill>
+                  <a:schemeClr val="bg1"/>
+                </a:solidFill>
+              </a:rPr>
+              <a:t>Derudover benyttes der også Data Augmentation, for at sikre der ikke findes uhensigtsmæssige mønstre. Dette er specielt vigtigt, da vores datasæt er relativt lille. Til sidst benytter vi dropout </a:t>
+            </a:r>
+            <a:r>
+              <a:rPr lang="da-DK" sz="800" dirty="0" err="1">
+                <a:solidFill>
+                  <a:schemeClr val="bg1"/>
+                </a:solidFill>
+              </a:rPr>
+              <a:t>regularization</a:t>
+            </a:r>
+            <a:r>
+              <a:rPr lang="da-DK" sz="800" dirty="0">
+                <a:solidFill>
+                  <a:schemeClr val="bg1"/>
+                </a:solidFill>
+              </a:rPr>
+              <a:t>, af samme grund.</a:t>
+            </a:r>
           </a:p>
         </p:txBody>
       </p:sp>
@@ -8446,9 +11868,9 @@
 </file>
 
 <file path=ppt/theme/theme1.xml><?xml version="1.0" encoding="utf-8"?>
-<a:theme xmlns:a="http://schemas.openxmlformats.org/drawingml/2006/main" name="Office-tema">
+<a:theme xmlns:a="http://schemas.openxmlformats.org/drawingml/2006/main" name="Vapor Trail">
   <a:themeElements>
-    <a:clrScheme name="Office">
+    <a:clrScheme name="Vapor Trail">
       <a:dk1>
         <a:sysClr val="windowText" lastClr="000000"/>
       </a:dk1>
@@ -8456,44 +11878,44 @@
         <a:sysClr val="window" lastClr="FFFFFF"/>
       </a:lt1>
       <a:dk2>
-        <a:srgbClr val="44546A"/>
+        <a:srgbClr val="454545"/>
       </a:dk2>
       <a:lt2>
-        <a:srgbClr val="E7E6E6"/>
+        <a:srgbClr val="DADADA"/>
       </a:lt2>
       <a:accent1>
-        <a:srgbClr val="4472C4"/>
+        <a:srgbClr val="DF2E28"/>
       </a:accent1>
       <a:accent2>
-        <a:srgbClr val="ED7D31"/>
+        <a:srgbClr val="FE801A"/>
       </a:accent2>
       <a:accent3>
-        <a:srgbClr val="A5A5A5"/>
+        <a:srgbClr val="E9BF35"/>
       </a:accent3>
       <a:accent4>
-        <a:srgbClr val="FFC000"/>
+        <a:srgbClr val="81BB42"/>
       </a:accent4>
       <a:accent5>
-        <a:srgbClr val="5B9BD5"/>
+        <a:srgbClr val="32C7A9"/>
       </a:accent5>
       <a:accent6>
-        <a:srgbClr val="70AD47"/>
+        <a:srgbClr val="4A9BDC"/>
       </a:accent6>
       <a:hlink>
-        <a:srgbClr val="0563C1"/>
+        <a:srgbClr val="F0532B"/>
       </a:hlink>
       <a:folHlink>
-        <a:srgbClr val="954F72"/>
+        <a:srgbClr val="F38B53"/>
       </a:folHlink>
     </a:clrScheme>
-    <a:fontScheme name="Office">
+    <a:fontScheme name="Vapor Trail">
       <a:majorFont>
-        <a:latin typeface="Calibri Light" panose="020F0302020204030204"/>
+        <a:latin typeface="Century Gothic" panose="020B0502020202020204"/>
         <a:ea typeface=""/>
         <a:cs typeface=""/>
-        <a:font script="Jpan" typeface="游ゴシック Light"/>
+        <a:font script="Jpan" typeface="ＭＳ Ｐゴシック"/>
         <a:font script="Hang" typeface="맑은 고딕"/>
-        <a:font script="Hans" typeface="等线 Light"/>
+        <a:font script="Hans" typeface="宋体"/>
         <a:font script="Hant" typeface="新細明體"/>
         <a:font script="Arab" typeface="Times New Roman"/>
         <a:font script="Hebr" typeface="Times New Roman"/>
@@ -8521,31 +11943,14 @@
         <a:font script="Viet" typeface="Times New Roman"/>
         <a:font script="Uigh" typeface="Microsoft Uighur"/>
         <a:font script="Geor" typeface="Sylfaen"/>
-        <a:font script="Armn" typeface="Arial"/>
-        <a:font script="Bugi" typeface="Leelawadee UI"/>
-        <a:font script="Bopo" typeface="Microsoft JhengHei"/>
-        <a:font script="Java" typeface="Javanese Text"/>
-        <a:font script="Lisu" typeface="Segoe UI"/>
-        <a:font script="Mymr" typeface="Myanmar Text"/>
-        <a:font script="Nkoo" typeface="Ebrima"/>
-        <a:font script="Olck" typeface="Nirmala UI"/>
-        <a:font script="Osma" typeface="Ebrima"/>
-        <a:font script="Phag" typeface="Phagspa"/>
-        <a:font script="Syrn" typeface="Estrangelo Edessa"/>
-        <a:font script="Syrj" typeface="Estrangelo Edessa"/>
-        <a:font script="Syre" typeface="Estrangelo Edessa"/>
-        <a:font script="Sora" typeface="Nirmala UI"/>
-        <a:font script="Tale" typeface="Microsoft Tai Le"/>
-        <a:font script="Talu" typeface="Microsoft New Tai Lue"/>
-        <a:font script="Tfng" typeface="Ebrima"/>
       </a:majorFont>
       <a:minorFont>
-        <a:latin typeface="Calibri" panose="020F0502020204030204"/>
+        <a:latin typeface="Century Gothic" panose="020B0502020202020204"/>
         <a:ea typeface=""/>
         <a:cs typeface=""/>
-        <a:font script="Jpan" typeface="游ゴシック"/>
+        <a:font script="Jpan" typeface="ＭＳ Ｐゴシック"/>
         <a:font script="Hang" typeface="맑은 고딕"/>
-        <a:font script="Hans" typeface="等线"/>
+        <a:font script="Hans" typeface="宋体"/>
         <a:font script="Hant" typeface="新細明體"/>
         <a:font script="Arab" typeface="Arial"/>
         <a:font script="Hebr" typeface="Arial"/>
@@ -8573,26 +11978,9 @@
         <a:font script="Viet" typeface="Arial"/>
         <a:font script="Uigh" typeface="Microsoft Uighur"/>
         <a:font script="Geor" typeface="Sylfaen"/>
-        <a:font script="Armn" typeface="Arial"/>
-        <a:font script="Bugi" typeface="Leelawadee UI"/>
-        <a:font script="Bopo" typeface="Microsoft JhengHei"/>
-        <a:font script="Java" typeface="Javanese Text"/>
-        <a:font script="Lisu" typeface="Segoe UI"/>
-        <a:font script="Mymr" typeface="Myanmar Text"/>
-        <a:font script="Nkoo" typeface="Ebrima"/>
-        <a:font script="Olck" typeface="Nirmala UI"/>
-        <a:font script="Osma" typeface="Ebrima"/>
-        <a:font script="Phag" typeface="Phagspa"/>
-        <a:font script="Syrn" typeface="Estrangelo Edessa"/>
-        <a:font script="Syrj" typeface="Estrangelo Edessa"/>
-        <a:font script="Syre" typeface="Estrangelo Edessa"/>
-        <a:font script="Sora" typeface="Nirmala UI"/>
-        <a:font script="Tale" typeface="Microsoft Tai Le"/>
-        <a:font script="Talu" typeface="Microsoft New Tai Lue"/>
-        <a:font script="Tfng" typeface="Ebrima"/>
       </a:minorFont>
     </a:fontScheme>
-    <a:fmtScheme name="Office">
+    <a:fmtScheme name="Vapor Trail">
       <a:fillStyleLst>
         <a:solidFill>
           <a:schemeClr val="phClr"/>
@@ -8601,23 +11989,24 @@
           <a:gsLst>
             <a:gs pos="0">
               <a:schemeClr val="phClr">
+                <a:tint val="69000"/>
+                <a:alpha val="100000"/>
+                <a:satMod val="109000"/>
                 <a:lumMod val="110000"/>
-                <a:satMod val="105000"/>
-                <a:tint val="67000"/>
               </a:schemeClr>
             </a:gs>
-            <a:gs pos="50000">
+            <a:gs pos="52000">
               <a:schemeClr val="phClr">
-                <a:lumMod val="105000"/>
-                <a:satMod val="103000"/>
-                <a:tint val="73000"/>
+                <a:tint val="74000"/>
+                <a:satMod val="100000"/>
+                <a:lumMod val="104000"/>
               </a:schemeClr>
             </a:gs>
             <a:gs pos="100000">
               <a:schemeClr val="phClr">
-                <a:lumMod val="105000"/>
-                <a:satMod val="109000"/>
-                <a:tint val="81000"/>
+                <a:tint val="78000"/>
+                <a:satMod val="100000"/>
+                <a:lumMod val="100000"/>
               </a:schemeClr>
             </a:gs>
           </a:gsLst>
@@ -8627,23 +12016,16 @@
           <a:gsLst>
             <a:gs pos="0">
               <a:schemeClr val="phClr">
-                <a:satMod val="103000"/>
-                <a:lumMod val="102000"/>
-                <a:tint val="94000"/>
+                <a:tint val="96000"/>
+                <a:satMod val="100000"/>
+                <a:lumMod val="104000"/>
               </a:schemeClr>
             </a:gs>
-            <a:gs pos="50000">
+            <a:gs pos="78000">
               <a:schemeClr val="phClr">
+                <a:shade val="100000"/>
                 <a:satMod val="110000"/>
                 <a:lumMod val="100000"/>
-                <a:shade val="100000"/>
-              </a:schemeClr>
-            </a:gs>
-            <a:gs pos="100000">
-              <a:schemeClr val="phClr">
-                <a:lumMod val="99000"/>
-                <a:satMod val="120000"/>
-                <a:shade val="78000"/>
               </a:schemeClr>
             </a:gs>
           </a:gsLst>
@@ -8651,26 +12033,23 @@
         </a:gradFill>
       </a:fillStyleLst>
       <a:lnStyleLst>
-        <a:ln w="6350" cap="flat" cmpd="sng" algn="ctr">
+        <a:ln w="9525" cap="flat" cmpd="sng" algn="ctr">
           <a:solidFill>
             <a:schemeClr val="phClr"/>
           </a:solidFill>
           <a:prstDash val="solid"/>
-          <a:miter lim="800000"/>
         </a:ln>
         <a:ln w="12700" cap="flat" cmpd="sng" algn="ctr">
           <a:solidFill>
             <a:schemeClr val="phClr"/>
           </a:solidFill>
           <a:prstDash val="solid"/>
-          <a:miter lim="800000"/>
         </a:ln>
         <a:ln w="19050" cap="flat" cmpd="sng" algn="ctr">
           <a:solidFill>
             <a:schemeClr val="phClr"/>
           </a:solidFill>
           <a:prstDash val="solid"/>
-          <a:miter lim="800000"/>
         </a:ln>
       </a:lnStyleLst>
       <a:effectStyleLst>
@@ -8679,15 +12058,33 @@
         </a:effectStyle>
         <a:effectStyle>
           <a:effectLst/>
+          <a:scene3d>
+            <a:camera prst="orthographicFront">
+              <a:rot lat="0" lon="0" rev="0"/>
+            </a:camera>
+            <a:lightRig rig="threePt" dir="t"/>
+          </a:scene3d>
+          <a:sp3d>
+            <a:bevelT w="25400" h="12700"/>
+          </a:sp3d>
         </a:effectStyle>
         <a:effectStyle>
           <a:effectLst>
             <a:outerShdw blurRad="57150" dist="19050" dir="5400000" algn="ctr" rotWithShape="0">
               <a:srgbClr val="000000">
-                <a:alpha val="63000"/>
+                <a:alpha val="48000"/>
               </a:srgbClr>
             </a:outerShdw>
           </a:effectLst>
+          <a:scene3d>
+            <a:camera prst="orthographicFront">
+              <a:rot lat="0" lon="0" rev="0"/>
+            </a:camera>
+            <a:lightRig rig="threePt" dir="t"/>
+          </a:scene3d>
+          <a:sp3d>
+            <a:bevelT w="50800" h="25400"/>
+          </a:sp3d>
         </a:effectStyle>
       </a:effectStyleLst>
       <a:bgFillStyleLst>
@@ -8705,16 +12102,16 @@
             <a:gs pos="0">
               <a:schemeClr val="phClr">
                 <a:tint val="93000"/>
+                <a:shade val="98000"/>
                 <a:satMod val="150000"/>
-                <a:shade val="98000"/>
                 <a:lumMod val="102000"/>
               </a:schemeClr>
             </a:gs>
             <a:gs pos="50000">
               <a:schemeClr val="phClr">
                 <a:tint val="98000"/>
+                <a:shade val="90000"/>
                 <a:satMod val="130000"/>
-                <a:shade val="90000"/>
                 <a:lumMod val="103000"/>
               </a:schemeClr>
             </a:gs>
@@ -8734,7 +12131,7 @@
   <a:extraClrSchemeLst/>
   <a:extLst>
     <a:ext uri="{05A4C25C-085E-4340-85A3-A5531E510DB2}">
-      <thm15:themeFamily xmlns:thm15="http://schemas.microsoft.com/office/thememl/2012/main" name="Office Theme" id="{62F939B6-93AF-4DB8-9C6B-D6C7DFDC589F}" vid="{4A3C46E8-61CC-4603-A589-7422A47A8E4A}"/>
+      <thm15:themeFamily xmlns:thm15="http://schemas.microsoft.com/office/thememl/2012/main" name="Vapor Trail" id="{4FDF2955-7D9C-493C-B9F9-C205151B46CD}" vid="{8F31A783-2159-4870-BC29-2BA7D038EA44}"/>
     </a:ext>
   </a:extLst>
 </a:theme>

--- a/SWMAL/O4 poster.pptx
+++ b/SWMAL/O4 poster.pptx
@@ -112,3894 +112,6 @@
 </p:presentation>
 </file>
 
-<file path=ppt/diagrams/colors1.xml><?xml version="1.0" encoding="utf-8"?>
-<dgm:colorsDef xmlns:dgm="http://schemas.openxmlformats.org/drawingml/2006/diagram" xmlns:a="http://schemas.openxmlformats.org/drawingml/2006/main" uniqueId="urn:microsoft.com/office/officeart/2005/8/colors/accent1_2">
-  <dgm:title val=""/>
-  <dgm:desc val=""/>
-  <dgm:catLst>
-    <dgm:cat type="accent1" pri="11200"/>
-  </dgm:catLst>
-  <dgm:styleLbl name="node0">
-    <dgm:fillClrLst meth="repeat">
-      <a:schemeClr val="accent1"/>
-    </dgm:fillClrLst>
-    <dgm:linClrLst meth="repeat">
-      <a:schemeClr val="lt1"/>
-    </dgm:linClrLst>
-    <dgm:effectClrLst/>
-    <dgm:txLinClrLst/>
-    <dgm:txFillClrLst/>
-    <dgm:txEffectClrLst/>
-  </dgm:styleLbl>
-  <dgm:styleLbl name="alignNode1">
-    <dgm:fillClrLst meth="repeat">
-      <a:schemeClr val="accent1"/>
-    </dgm:fillClrLst>
-    <dgm:linClrLst meth="repeat">
-      <a:schemeClr val="accent1"/>
-    </dgm:linClrLst>
-    <dgm:effectClrLst/>
-    <dgm:txLinClrLst/>
-    <dgm:txFillClrLst/>
-    <dgm:txEffectClrLst/>
-  </dgm:styleLbl>
-  <dgm:styleLbl name="node1">
-    <dgm:fillClrLst meth="repeat">
-      <a:schemeClr val="accent1"/>
-    </dgm:fillClrLst>
-    <dgm:linClrLst meth="repeat">
-      <a:schemeClr val="lt1"/>
-    </dgm:linClrLst>
-    <dgm:effectClrLst/>
-    <dgm:txLinClrLst/>
-    <dgm:txFillClrLst/>
-    <dgm:txEffectClrLst/>
-  </dgm:styleLbl>
-  <dgm:styleLbl name="lnNode1">
-    <dgm:fillClrLst meth="repeat">
-      <a:schemeClr val="accent1"/>
-    </dgm:fillClrLst>
-    <dgm:linClrLst meth="repeat">
-      <a:schemeClr val="lt1"/>
-    </dgm:linClrLst>
-    <dgm:effectClrLst/>
-    <dgm:txLinClrLst/>
-    <dgm:txFillClrLst/>
-    <dgm:txEffectClrLst/>
-  </dgm:styleLbl>
-  <dgm:styleLbl name="vennNode1">
-    <dgm:fillClrLst meth="repeat">
-      <a:schemeClr val="accent1">
-        <a:alpha val="50000"/>
-      </a:schemeClr>
-    </dgm:fillClrLst>
-    <dgm:linClrLst meth="repeat">
-      <a:schemeClr val="lt1"/>
-    </dgm:linClrLst>
-    <dgm:effectClrLst/>
-    <dgm:txLinClrLst/>
-    <dgm:txFillClrLst/>
-    <dgm:txEffectClrLst/>
-  </dgm:styleLbl>
-  <dgm:styleLbl name="node2">
-    <dgm:fillClrLst meth="repeat">
-      <a:schemeClr val="accent1"/>
-    </dgm:fillClrLst>
-    <dgm:linClrLst meth="repeat">
-      <a:schemeClr val="lt1"/>
-    </dgm:linClrLst>
-    <dgm:effectClrLst/>
-    <dgm:txLinClrLst/>
-    <dgm:txFillClrLst/>
-    <dgm:txEffectClrLst/>
-  </dgm:styleLbl>
-  <dgm:styleLbl name="node3">
-    <dgm:fillClrLst meth="repeat">
-      <a:schemeClr val="accent1"/>
-    </dgm:fillClrLst>
-    <dgm:linClrLst meth="repeat">
-      <a:schemeClr val="lt1"/>
-    </dgm:linClrLst>
-    <dgm:effectClrLst/>
-    <dgm:txLinClrLst/>
-    <dgm:txFillClrLst/>
-    <dgm:txEffectClrLst/>
-  </dgm:styleLbl>
-  <dgm:styleLbl name="node4">
-    <dgm:fillClrLst meth="repeat">
-      <a:schemeClr val="accent1"/>
-    </dgm:fillClrLst>
-    <dgm:linClrLst meth="repeat">
-      <a:schemeClr val="lt1"/>
-    </dgm:linClrLst>
-    <dgm:effectClrLst/>
-    <dgm:txLinClrLst/>
-    <dgm:txFillClrLst/>
-    <dgm:txEffectClrLst/>
-  </dgm:styleLbl>
-  <dgm:styleLbl name="fgImgPlace1">
-    <dgm:fillClrLst meth="repeat">
-      <a:schemeClr val="accent1">
-        <a:tint val="50000"/>
-      </a:schemeClr>
-    </dgm:fillClrLst>
-    <dgm:linClrLst meth="repeat">
-      <a:schemeClr val="lt1"/>
-    </dgm:linClrLst>
-    <dgm:effectClrLst/>
-    <dgm:txLinClrLst/>
-    <dgm:txFillClrLst meth="repeat">
-      <a:schemeClr val="lt1"/>
-    </dgm:txFillClrLst>
-    <dgm:txEffectClrLst/>
-  </dgm:styleLbl>
-  <dgm:styleLbl name="alignImgPlace1">
-    <dgm:fillClrLst meth="repeat">
-      <a:schemeClr val="accent1">
-        <a:tint val="50000"/>
-      </a:schemeClr>
-    </dgm:fillClrLst>
-    <dgm:linClrLst meth="repeat">
-      <a:schemeClr val="lt1"/>
-    </dgm:linClrLst>
-    <dgm:effectClrLst/>
-    <dgm:txLinClrLst/>
-    <dgm:txFillClrLst meth="repeat">
-      <a:schemeClr val="lt1"/>
-    </dgm:txFillClrLst>
-    <dgm:txEffectClrLst/>
-  </dgm:styleLbl>
-  <dgm:styleLbl name="bgImgPlace1">
-    <dgm:fillClrLst meth="repeat">
-      <a:schemeClr val="accent1">
-        <a:tint val="50000"/>
-      </a:schemeClr>
-    </dgm:fillClrLst>
-    <dgm:linClrLst meth="repeat">
-      <a:schemeClr val="lt1"/>
-    </dgm:linClrLst>
-    <dgm:effectClrLst/>
-    <dgm:txLinClrLst/>
-    <dgm:txFillClrLst meth="repeat">
-      <a:schemeClr val="lt1"/>
-    </dgm:txFillClrLst>
-    <dgm:txEffectClrLst/>
-  </dgm:styleLbl>
-  <dgm:styleLbl name="sibTrans2D1">
-    <dgm:fillClrLst meth="repeat">
-      <a:schemeClr val="accent1">
-        <a:tint val="60000"/>
-      </a:schemeClr>
-    </dgm:fillClrLst>
-    <dgm:linClrLst meth="repeat">
-      <a:schemeClr val="accent1">
-        <a:tint val="60000"/>
-      </a:schemeClr>
-    </dgm:linClrLst>
-    <dgm:effectClrLst/>
-    <dgm:txLinClrLst/>
-    <dgm:txFillClrLst/>
-    <dgm:txEffectClrLst/>
-  </dgm:styleLbl>
-  <dgm:styleLbl name="fgSibTrans2D1">
-    <dgm:fillClrLst meth="repeat">
-      <a:schemeClr val="accent1">
-        <a:tint val="60000"/>
-      </a:schemeClr>
-    </dgm:fillClrLst>
-    <dgm:linClrLst meth="repeat">
-      <a:schemeClr val="accent1">
-        <a:tint val="60000"/>
-      </a:schemeClr>
-    </dgm:linClrLst>
-    <dgm:effectClrLst/>
-    <dgm:txLinClrLst/>
-    <dgm:txFillClrLst/>
-    <dgm:txEffectClrLst/>
-  </dgm:styleLbl>
-  <dgm:styleLbl name="bgSibTrans2D1">
-    <dgm:fillClrLst meth="repeat">
-      <a:schemeClr val="accent1">
-        <a:tint val="60000"/>
-      </a:schemeClr>
-    </dgm:fillClrLst>
-    <dgm:linClrLst meth="repeat">
-      <a:schemeClr val="accent1">
-        <a:tint val="60000"/>
-      </a:schemeClr>
-    </dgm:linClrLst>
-    <dgm:effectClrLst/>
-    <dgm:txLinClrLst/>
-    <dgm:txFillClrLst/>
-    <dgm:txEffectClrLst/>
-  </dgm:styleLbl>
-  <dgm:styleLbl name="sibTrans1D1">
-    <dgm:fillClrLst meth="repeat">
-      <a:schemeClr val="accent1"/>
-    </dgm:fillClrLst>
-    <dgm:linClrLst meth="repeat">
-      <a:schemeClr val="accent1"/>
-    </dgm:linClrLst>
-    <dgm:effectClrLst/>
-    <dgm:txLinClrLst/>
-    <dgm:txFillClrLst meth="repeat">
-      <a:schemeClr val="tx1"/>
-    </dgm:txFillClrLst>
-    <dgm:txEffectClrLst/>
-  </dgm:styleLbl>
-  <dgm:styleLbl name="callout">
-    <dgm:fillClrLst meth="repeat">
-      <a:schemeClr val="accent1"/>
-    </dgm:fillClrLst>
-    <dgm:linClrLst meth="repeat">
-      <a:schemeClr val="accent1">
-        <a:tint val="50000"/>
-      </a:schemeClr>
-    </dgm:linClrLst>
-    <dgm:effectClrLst/>
-    <dgm:txLinClrLst/>
-    <dgm:txFillClrLst meth="repeat">
-      <a:schemeClr val="tx1"/>
-    </dgm:txFillClrLst>
-    <dgm:txEffectClrLst/>
-  </dgm:styleLbl>
-  <dgm:styleLbl name="asst0">
-    <dgm:fillClrLst meth="repeat">
-      <a:schemeClr val="accent1"/>
-    </dgm:fillClrLst>
-    <dgm:linClrLst meth="repeat">
-      <a:schemeClr val="lt1"/>
-    </dgm:linClrLst>
-    <dgm:effectClrLst/>
-    <dgm:txLinClrLst/>
-    <dgm:txFillClrLst/>
-    <dgm:txEffectClrLst/>
-  </dgm:styleLbl>
-  <dgm:styleLbl name="asst1">
-    <dgm:fillClrLst meth="repeat">
-      <a:schemeClr val="accent1"/>
-    </dgm:fillClrLst>
-    <dgm:linClrLst meth="repeat">
-      <a:schemeClr val="lt1"/>
-    </dgm:linClrLst>
-    <dgm:effectClrLst/>
-    <dgm:txLinClrLst/>
-    <dgm:txFillClrLst/>
-    <dgm:txEffectClrLst/>
-  </dgm:styleLbl>
-  <dgm:styleLbl name="asst2">
-    <dgm:fillClrLst meth="repeat">
-      <a:schemeClr val="accent1"/>
-    </dgm:fillClrLst>
-    <dgm:linClrLst meth="repeat">
-      <a:schemeClr val="lt1"/>
-    </dgm:linClrLst>
-    <dgm:effectClrLst/>
-    <dgm:txLinClrLst/>
-    <dgm:txFillClrLst/>
-    <dgm:txEffectClrLst/>
-  </dgm:styleLbl>
-  <dgm:styleLbl name="asst3">
-    <dgm:fillClrLst meth="repeat">
-      <a:schemeClr val="accent1"/>
-    </dgm:fillClrLst>
-    <dgm:linClrLst meth="repeat">
-      <a:schemeClr val="lt1"/>
-    </dgm:linClrLst>
-    <dgm:effectClrLst/>
-    <dgm:txLinClrLst/>
-    <dgm:txFillClrLst/>
-    <dgm:txEffectClrLst/>
-  </dgm:styleLbl>
-  <dgm:styleLbl name="asst4">
-    <dgm:fillClrLst meth="repeat">
-      <a:schemeClr val="accent1"/>
-    </dgm:fillClrLst>
-    <dgm:linClrLst meth="repeat">
-      <a:schemeClr val="lt1"/>
-    </dgm:linClrLst>
-    <dgm:effectClrLst/>
-    <dgm:txLinClrLst/>
-    <dgm:txFillClrLst/>
-    <dgm:txEffectClrLst/>
-  </dgm:styleLbl>
-  <dgm:styleLbl name="parChTrans2D1">
-    <dgm:fillClrLst meth="repeat">
-      <a:schemeClr val="accent1">
-        <a:tint val="60000"/>
-      </a:schemeClr>
-    </dgm:fillClrLst>
-    <dgm:linClrLst meth="repeat">
-      <a:schemeClr val="accent1">
-        <a:tint val="60000"/>
-      </a:schemeClr>
-    </dgm:linClrLst>
-    <dgm:effectClrLst/>
-    <dgm:txLinClrLst/>
-    <dgm:txFillClrLst meth="repeat">
-      <a:schemeClr val="lt1"/>
-    </dgm:txFillClrLst>
-    <dgm:txEffectClrLst/>
-  </dgm:styleLbl>
-  <dgm:styleLbl name="parChTrans2D2">
-    <dgm:fillClrLst meth="repeat">
-      <a:schemeClr val="accent1"/>
-    </dgm:fillClrLst>
-    <dgm:linClrLst meth="repeat">
-      <a:schemeClr val="accent1"/>
-    </dgm:linClrLst>
-    <dgm:effectClrLst/>
-    <dgm:txLinClrLst/>
-    <dgm:txFillClrLst meth="repeat">
-      <a:schemeClr val="lt1"/>
-    </dgm:txFillClrLst>
-    <dgm:txEffectClrLst/>
-  </dgm:styleLbl>
-  <dgm:styleLbl name="parChTrans2D3">
-    <dgm:fillClrLst meth="repeat">
-      <a:schemeClr val="accent1"/>
-    </dgm:fillClrLst>
-    <dgm:linClrLst meth="repeat">
-      <a:schemeClr val="accent1"/>
-    </dgm:linClrLst>
-    <dgm:effectClrLst/>
-    <dgm:txLinClrLst/>
-    <dgm:txFillClrLst meth="repeat">
-      <a:schemeClr val="lt1"/>
-    </dgm:txFillClrLst>
-    <dgm:txEffectClrLst/>
-  </dgm:styleLbl>
-  <dgm:styleLbl name="parChTrans2D4">
-    <dgm:fillClrLst meth="repeat">
-      <a:schemeClr val="accent1"/>
-    </dgm:fillClrLst>
-    <dgm:linClrLst meth="repeat">
-      <a:schemeClr val="accent1"/>
-    </dgm:linClrLst>
-    <dgm:effectClrLst/>
-    <dgm:txLinClrLst/>
-    <dgm:txFillClrLst meth="repeat">
-      <a:schemeClr val="lt1"/>
-    </dgm:txFillClrLst>
-    <dgm:txEffectClrLst/>
-  </dgm:styleLbl>
-  <dgm:styleLbl name="parChTrans1D1">
-    <dgm:fillClrLst meth="repeat">
-      <a:schemeClr val="accent1"/>
-    </dgm:fillClrLst>
-    <dgm:linClrLst meth="repeat">
-      <a:schemeClr val="accent1">
-        <a:shade val="60000"/>
-      </a:schemeClr>
-    </dgm:linClrLst>
-    <dgm:effectClrLst/>
-    <dgm:txLinClrLst/>
-    <dgm:txFillClrLst meth="repeat">
-      <a:schemeClr val="tx1"/>
-    </dgm:txFillClrLst>
-    <dgm:txEffectClrLst/>
-  </dgm:styleLbl>
-  <dgm:styleLbl name="parChTrans1D2">
-    <dgm:fillClrLst meth="repeat">
-      <a:schemeClr val="accent1"/>
-    </dgm:fillClrLst>
-    <dgm:linClrLst meth="repeat">
-      <a:schemeClr val="accent1">
-        <a:shade val="60000"/>
-      </a:schemeClr>
-    </dgm:linClrLst>
-    <dgm:effectClrLst/>
-    <dgm:txLinClrLst/>
-    <dgm:txFillClrLst meth="repeat">
-      <a:schemeClr val="tx1"/>
-    </dgm:txFillClrLst>
-    <dgm:txEffectClrLst/>
-  </dgm:styleLbl>
-  <dgm:styleLbl name="parChTrans1D3">
-    <dgm:fillClrLst meth="repeat">
-      <a:schemeClr val="accent1"/>
-    </dgm:fillClrLst>
-    <dgm:linClrLst meth="repeat">
-      <a:schemeClr val="accent1">
-        <a:shade val="80000"/>
-      </a:schemeClr>
-    </dgm:linClrLst>
-    <dgm:effectClrLst/>
-    <dgm:txLinClrLst/>
-    <dgm:txFillClrLst meth="repeat">
-      <a:schemeClr val="tx1"/>
-    </dgm:txFillClrLst>
-    <dgm:txEffectClrLst/>
-  </dgm:styleLbl>
-  <dgm:styleLbl name="parChTrans1D4">
-    <dgm:fillClrLst meth="repeat">
-      <a:schemeClr val="accent1"/>
-    </dgm:fillClrLst>
-    <dgm:linClrLst meth="repeat">
-      <a:schemeClr val="accent1">
-        <a:shade val="80000"/>
-      </a:schemeClr>
-    </dgm:linClrLst>
-    <dgm:effectClrLst/>
-    <dgm:txLinClrLst/>
-    <dgm:txFillClrLst meth="repeat">
-      <a:schemeClr val="tx1"/>
-    </dgm:txFillClrLst>
-    <dgm:txEffectClrLst/>
-  </dgm:styleLbl>
-  <dgm:styleLbl name="fgAcc1">
-    <dgm:fillClrLst meth="repeat">
-      <a:schemeClr val="lt1">
-        <a:alpha val="90000"/>
-      </a:schemeClr>
-    </dgm:fillClrLst>
-    <dgm:linClrLst meth="repeat">
-      <a:schemeClr val="accent1"/>
-    </dgm:linClrLst>
-    <dgm:effectClrLst/>
-    <dgm:txLinClrLst/>
-    <dgm:txFillClrLst meth="repeat">
-      <a:schemeClr val="dk1"/>
-    </dgm:txFillClrLst>
-    <dgm:txEffectClrLst/>
-  </dgm:styleLbl>
-  <dgm:styleLbl name="conFgAcc1">
-    <dgm:fillClrLst meth="repeat">
-      <a:schemeClr val="lt1">
-        <a:alpha val="90000"/>
-      </a:schemeClr>
-    </dgm:fillClrLst>
-    <dgm:linClrLst meth="repeat">
-      <a:schemeClr val="accent1"/>
-    </dgm:linClrLst>
-    <dgm:effectClrLst/>
-    <dgm:txLinClrLst/>
-    <dgm:txFillClrLst meth="repeat">
-      <a:schemeClr val="dk1"/>
-    </dgm:txFillClrLst>
-    <dgm:txEffectClrLst/>
-  </dgm:styleLbl>
-  <dgm:styleLbl name="alignAcc1">
-    <dgm:fillClrLst meth="repeat">
-      <a:schemeClr val="lt1">
-        <a:alpha val="90000"/>
-      </a:schemeClr>
-    </dgm:fillClrLst>
-    <dgm:linClrLst meth="repeat">
-      <a:schemeClr val="accent1"/>
-    </dgm:linClrLst>
-    <dgm:effectClrLst/>
-    <dgm:txLinClrLst/>
-    <dgm:txFillClrLst meth="repeat">
-      <a:schemeClr val="dk1"/>
-    </dgm:txFillClrLst>
-    <dgm:txEffectClrLst/>
-  </dgm:styleLbl>
-  <dgm:styleLbl name="trAlignAcc1">
-    <dgm:fillClrLst meth="repeat">
-      <a:schemeClr val="lt1">
-        <a:alpha val="40000"/>
-      </a:schemeClr>
-    </dgm:fillClrLst>
-    <dgm:linClrLst meth="repeat">
-      <a:schemeClr val="accent1"/>
-    </dgm:linClrLst>
-    <dgm:effectClrLst/>
-    <dgm:txLinClrLst/>
-    <dgm:txFillClrLst meth="repeat">
-      <a:schemeClr val="dk1"/>
-    </dgm:txFillClrLst>
-    <dgm:txEffectClrLst/>
-  </dgm:styleLbl>
-  <dgm:styleLbl name="bgAcc1">
-    <dgm:fillClrLst meth="repeat">
-      <a:schemeClr val="lt1">
-        <a:alpha val="90000"/>
-      </a:schemeClr>
-    </dgm:fillClrLst>
-    <dgm:linClrLst meth="repeat">
-      <a:schemeClr val="accent1"/>
-    </dgm:linClrLst>
-    <dgm:effectClrLst/>
-    <dgm:txLinClrLst/>
-    <dgm:txFillClrLst meth="repeat">
-      <a:schemeClr val="dk1"/>
-    </dgm:txFillClrLst>
-    <dgm:txEffectClrLst/>
-  </dgm:styleLbl>
-  <dgm:styleLbl name="solidFgAcc1">
-    <dgm:fillClrLst meth="repeat">
-      <a:schemeClr val="lt1"/>
-    </dgm:fillClrLst>
-    <dgm:linClrLst meth="repeat">
-      <a:schemeClr val="accent1"/>
-    </dgm:linClrLst>
-    <dgm:effectClrLst/>
-    <dgm:txLinClrLst/>
-    <dgm:txFillClrLst meth="repeat">
-      <a:schemeClr val="dk1"/>
-    </dgm:txFillClrLst>
-    <dgm:txEffectClrLst/>
-  </dgm:styleLbl>
-  <dgm:styleLbl name="solidAlignAcc1">
-    <dgm:fillClrLst meth="repeat">
-      <a:schemeClr val="lt1"/>
-    </dgm:fillClrLst>
-    <dgm:linClrLst meth="repeat">
-      <a:schemeClr val="accent1"/>
-    </dgm:linClrLst>
-    <dgm:effectClrLst/>
-    <dgm:txLinClrLst/>
-    <dgm:txFillClrLst meth="repeat">
-      <a:schemeClr val="dk1"/>
-    </dgm:txFillClrLst>
-    <dgm:txEffectClrLst/>
-  </dgm:styleLbl>
-  <dgm:styleLbl name="solidBgAcc1">
-    <dgm:fillClrLst meth="repeat">
-      <a:schemeClr val="lt1"/>
-    </dgm:fillClrLst>
-    <dgm:linClrLst meth="repeat">
-      <a:schemeClr val="accent1"/>
-    </dgm:linClrLst>
-    <dgm:effectClrLst/>
-    <dgm:txLinClrLst/>
-    <dgm:txFillClrLst meth="repeat">
-      <a:schemeClr val="dk1"/>
-    </dgm:txFillClrLst>
-    <dgm:txEffectClrLst/>
-  </dgm:styleLbl>
-  <dgm:styleLbl name="fgAccFollowNode1">
-    <dgm:fillClrLst meth="repeat">
-      <a:schemeClr val="accent1">
-        <a:alpha val="90000"/>
-        <a:tint val="40000"/>
-      </a:schemeClr>
-    </dgm:fillClrLst>
-    <dgm:linClrLst meth="repeat">
-      <a:schemeClr val="accent1">
-        <a:alpha val="90000"/>
-        <a:tint val="40000"/>
-      </a:schemeClr>
-    </dgm:linClrLst>
-    <dgm:effectClrLst/>
-    <dgm:txLinClrLst/>
-    <dgm:txFillClrLst meth="repeat">
-      <a:schemeClr val="dk1"/>
-    </dgm:txFillClrLst>
-    <dgm:txEffectClrLst/>
-  </dgm:styleLbl>
-  <dgm:styleLbl name="alignAccFollowNode1">
-    <dgm:fillClrLst meth="repeat">
-      <a:schemeClr val="accent1">
-        <a:alpha val="90000"/>
-        <a:tint val="40000"/>
-      </a:schemeClr>
-    </dgm:fillClrLst>
-    <dgm:linClrLst meth="repeat">
-      <a:schemeClr val="accent1">
-        <a:alpha val="90000"/>
-        <a:tint val="40000"/>
-      </a:schemeClr>
-    </dgm:linClrLst>
-    <dgm:effectClrLst/>
-    <dgm:txLinClrLst/>
-    <dgm:txFillClrLst meth="repeat">
-      <a:schemeClr val="dk1"/>
-    </dgm:txFillClrLst>
-    <dgm:txEffectClrLst/>
-  </dgm:styleLbl>
-  <dgm:styleLbl name="bgAccFollowNode1">
-    <dgm:fillClrLst meth="repeat">
-      <a:schemeClr val="accent1">
-        <a:alpha val="90000"/>
-        <a:tint val="40000"/>
-      </a:schemeClr>
-    </dgm:fillClrLst>
-    <dgm:linClrLst meth="repeat">
-      <a:schemeClr val="accent1">
-        <a:alpha val="90000"/>
-        <a:tint val="40000"/>
-      </a:schemeClr>
-    </dgm:linClrLst>
-    <dgm:effectClrLst/>
-    <dgm:txLinClrLst/>
-    <dgm:txFillClrLst meth="repeat">
-      <a:schemeClr val="dk1"/>
-    </dgm:txFillClrLst>
-    <dgm:txEffectClrLst/>
-  </dgm:styleLbl>
-  <dgm:styleLbl name="fgAcc0">
-    <dgm:fillClrLst meth="repeat">
-      <a:schemeClr val="lt1">
-        <a:alpha val="90000"/>
-      </a:schemeClr>
-    </dgm:fillClrLst>
-    <dgm:linClrLst meth="repeat">
-      <a:schemeClr val="accent1"/>
-    </dgm:linClrLst>
-    <dgm:effectClrLst/>
-    <dgm:txLinClrLst/>
-    <dgm:txFillClrLst meth="repeat">
-      <a:schemeClr val="dk1"/>
-    </dgm:txFillClrLst>
-    <dgm:txEffectClrLst/>
-  </dgm:styleLbl>
-  <dgm:styleLbl name="fgAcc2">
-    <dgm:fillClrLst meth="repeat">
-      <a:schemeClr val="lt1">
-        <a:alpha val="90000"/>
-      </a:schemeClr>
-    </dgm:fillClrLst>
-    <dgm:linClrLst meth="repeat">
-      <a:schemeClr val="accent1"/>
-    </dgm:linClrLst>
-    <dgm:effectClrLst/>
-    <dgm:txLinClrLst/>
-    <dgm:txFillClrLst meth="repeat">
-      <a:schemeClr val="dk1"/>
-    </dgm:txFillClrLst>
-    <dgm:txEffectClrLst/>
-  </dgm:styleLbl>
-  <dgm:styleLbl name="fgAcc3">
-    <dgm:fillClrLst meth="repeat">
-      <a:schemeClr val="lt1">
-        <a:alpha val="90000"/>
-      </a:schemeClr>
-    </dgm:fillClrLst>
-    <dgm:linClrLst meth="repeat">
-      <a:schemeClr val="accent1"/>
-    </dgm:linClrLst>
-    <dgm:effectClrLst/>
-    <dgm:txLinClrLst/>
-    <dgm:txFillClrLst meth="repeat">
-      <a:schemeClr val="dk1"/>
-    </dgm:txFillClrLst>
-    <dgm:txEffectClrLst/>
-  </dgm:styleLbl>
-  <dgm:styleLbl name="fgAcc4">
-    <dgm:fillClrLst meth="repeat">
-      <a:schemeClr val="lt1">
-        <a:alpha val="90000"/>
-      </a:schemeClr>
-    </dgm:fillClrLst>
-    <dgm:linClrLst meth="repeat">
-      <a:schemeClr val="accent1"/>
-    </dgm:linClrLst>
-    <dgm:effectClrLst/>
-    <dgm:txLinClrLst/>
-    <dgm:txFillClrLst meth="repeat">
-      <a:schemeClr val="dk1"/>
-    </dgm:txFillClrLst>
-    <dgm:txEffectClrLst/>
-  </dgm:styleLbl>
-  <dgm:styleLbl name="bgShp">
-    <dgm:fillClrLst meth="repeat">
-      <a:schemeClr val="accent1">
-        <a:tint val="40000"/>
-      </a:schemeClr>
-    </dgm:fillClrLst>
-    <dgm:linClrLst meth="repeat">
-      <a:schemeClr val="accent1"/>
-    </dgm:linClrLst>
-    <dgm:effectClrLst/>
-    <dgm:txLinClrLst/>
-    <dgm:txFillClrLst meth="repeat">
-      <a:schemeClr val="dk1"/>
-    </dgm:txFillClrLst>
-    <dgm:txEffectClrLst/>
-  </dgm:styleLbl>
-  <dgm:styleLbl name="dkBgShp">
-    <dgm:fillClrLst meth="repeat">
-      <a:schemeClr val="accent1">
-        <a:shade val="80000"/>
-      </a:schemeClr>
-    </dgm:fillClrLst>
-    <dgm:linClrLst meth="repeat">
-      <a:schemeClr val="accent1"/>
-    </dgm:linClrLst>
-    <dgm:effectClrLst/>
-    <dgm:txLinClrLst/>
-    <dgm:txFillClrLst meth="repeat">
-      <a:schemeClr val="lt1"/>
-    </dgm:txFillClrLst>
-    <dgm:txEffectClrLst/>
-  </dgm:styleLbl>
-  <dgm:styleLbl name="trBgShp">
-    <dgm:fillClrLst meth="repeat">
-      <a:schemeClr val="accent1">
-        <a:tint val="50000"/>
-        <a:alpha val="40000"/>
-      </a:schemeClr>
-    </dgm:fillClrLst>
-    <dgm:linClrLst meth="repeat">
-      <a:schemeClr val="accent1"/>
-    </dgm:linClrLst>
-    <dgm:effectClrLst/>
-    <dgm:txLinClrLst/>
-    <dgm:txFillClrLst meth="repeat">
-      <a:schemeClr val="lt1"/>
-    </dgm:txFillClrLst>
-    <dgm:txEffectClrLst/>
-  </dgm:styleLbl>
-  <dgm:styleLbl name="fgShp">
-    <dgm:fillClrLst meth="repeat">
-      <a:schemeClr val="accent1">
-        <a:tint val="60000"/>
-      </a:schemeClr>
-    </dgm:fillClrLst>
-    <dgm:linClrLst meth="repeat">
-      <a:schemeClr val="lt1"/>
-    </dgm:linClrLst>
-    <dgm:effectClrLst/>
-    <dgm:txLinClrLst/>
-    <dgm:txFillClrLst meth="repeat">
-      <a:schemeClr val="dk1"/>
-    </dgm:txFillClrLst>
-    <dgm:txEffectClrLst/>
-  </dgm:styleLbl>
-  <dgm:styleLbl name="revTx">
-    <dgm:fillClrLst meth="repeat">
-      <a:schemeClr val="lt1">
-        <a:alpha val="0"/>
-      </a:schemeClr>
-    </dgm:fillClrLst>
-    <dgm:linClrLst meth="repeat">
-      <a:schemeClr val="dk1">
-        <a:alpha val="0"/>
-      </a:schemeClr>
-    </dgm:linClrLst>
-    <dgm:effectClrLst/>
-    <dgm:txLinClrLst/>
-    <dgm:txFillClrLst meth="repeat">
-      <a:schemeClr val="tx1"/>
-    </dgm:txFillClrLst>
-    <dgm:txEffectClrLst/>
-  </dgm:styleLbl>
-</dgm:colorsDef>
-</file>
-
-<file path=ppt/diagrams/data1.xml><?xml version="1.0" encoding="utf-8"?>
-<dgm:dataModel xmlns:dgm="http://schemas.openxmlformats.org/drawingml/2006/diagram" xmlns:a="http://schemas.openxmlformats.org/drawingml/2006/main">
-  <dgm:ptLst>
-    <dgm:pt modelId="{07C43D22-0FF9-429F-92BE-E5ED320CBE6B}" type="doc">
-      <dgm:prSet loTypeId="urn:microsoft.com/office/officeart/2008/layout/CaptionedPictures" loCatId="picture" qsTypeId="urn:microsoft.com/office/officeart/2005/8/quickstyle/simple1" qsCatId="simple" csTypeId="urn:microsoft.com/office/officeart/2005/8/colors/accent1_2" csCatId="accent1" phldr="1"/>
-      <dgm:spPr/>
-    </dgm:pt>
-    <dgm:pt modelId="{BE984E3C-AE80-471C-A64E-549D1518AC32}">
-      <dgm:prSet phldrT="[Tekst]"/>
-      <dgm:spPr/>
-      <dgm:t>
-        <a:bodyPr/>
-        <a:lstStyle/>
-        <a:p>
-          <a:r>
-            <a:rPr lang="en-DK" b="1" u="sng" dirty="0">
-              <a:solidFill>
-                <a:schemeClr val="bg1"/>
-              </a:solidFill>
-            </a:rPr>
-            <a:t>Easy</a:t>
-          </a:r>
-          <a:br>
-            <a:rPr lang="en-DK" dirty="0">
-              <a:solidFill>
-                <a:schemeClr val="bg1"/>
-              </a:solidFill>
-            </a:rPr>
-          </a:br>
-          <a:r>
-            <a:rPr lang="en-DK" dirty="0" err="1">
-              <a:solidFill>
-                <a:schemeClr val="bg1"/>
-              </a:solidFill>
-            </a:rPr>
-            <a:t>Mund</a:t>
-          </a:r>
-          <a:r>
-            <a:rPr lang="en-DK" dirty="0">
-              <a:solidFill>
-                <a:schemeClr val="bg1"/>
-              </a:solidFill>
-            </a:rPr>
-            <a:t> &amp; </a:t>
-          </a:r>
-          <a:r>
-            <a:rPr lang="en-DK" dirty="0" err="1">
-              <a:solidFill>
-                <a:schemeClr val="bg1"/>
-              </a:solidFill>
-            </a:rPr>
-            <a:t>næse</a:t>
-          </a:r>
-          <a:r>
-            <a:rPr lang="en-DK" dirty="0">
-              <a:solidFill>
-                <a:schemeClr val="bg1"/>
-              </a:solidFill>
-            </a:rPr>
-            <a:t> er </a:t>
-          </a:r>
-          <a:r>
-            <a:rPr lang="en-DK" dirty="0" err="1">
-              <a:solidFill>
-                <a:schemeClr val="bg1"/>
-              </a:solidFill>
-            </a:rPr>
-            <a:t>ændret</a:t>
-          </a:r>
-          <a:endParaRPr lang="en-DK" dirty="0">
-            <a:solidFill>
-              <a:schemeClr val="bg1"/>
-            </a:solidFill>
-          </a:endParaRPr>
-        </a:p>
-      </dgm:t>
-    </dgm:pt>
-    <dgm:pt modelId="{530ED6D2-D8A5-4C50-A879-F132FDA87106}" type="parTrans" cxnId="{AE07C165-F4CA-4B1A-AF5D-349FC8DB0DD4}">
-      <dgm:prSet/>
-      <dgm:spPr/>
-      <dgm:t>
-        <a:bodyPr/>
-        <a:lstStyle/>
-        <a:p>
-          <a:endParaRPr lang="en-DK"/>
-        </a:p>
-      </dgm:t>
-    </dgm:pt>
-    <dgm:pt modelId="{E44F3856-7D97-4A5D-B9DF-9B20F0F7B4A2}" type="sibTrans" cxnId="{AE07C165-F4CA-4B1A-AF5D-349FC8DB0DD4}">
-      <dgm:prSet/>
-      <dgm:spPr/>
-      <dgm:t>
-        <a:bodyPr/>
-        <a:lstStyle/>
-        <a:p>
-          <a:endParaRPr lang="en-DK"/>
-        </a:p>
-      </dgm:t>
-    </dgm:pt>
-    <dgm:pt modelId="{49D1E06F-88C8-415B-B2FE-00DCD7A275E6}">
-      <dgm:prSet phldrT="[Tekst]"/>
-      <dgm:spPr/>
-      <dgm:t>
-        <a:bodyPr/>
-        <a:lstStyle/>
-        <a:p>
-          <a:r>
-            <a:rPr lang="en-DK" b="1" u="sng" dirty="0">
-              <a:solidFill>
-                <a:schemeClr val="bg1"/>
-              </a:solidFill>
-            </a:rPr>
-            <a:t>Hard</a:t>
-          </a:r>
-          <a:br>
-            <a:rPr lang="en-DK" dirty="0">
-              <a:solidFill>
-                <a:schemeClr val="bg1"/>
-              </a:solidFill>
-            </a:rPr>
-          </a:br>
-          <a:r>
-            <a:rPr lang="en-DK" dirty="0" err="1">
-              <a:solidFill>
-                <a:schemeClr val="bg1"/>
-              </a:solidFill>
-            </a:rPr>
-            <a:t>Begge</a:t>
-          </a:r>
-          <a:r>
-            <a:rPr lang="en-DK" dirty="0">
-              <a:solidFill>
-                <a:schemeClr val="bg1"/>
-              </a:solidFill>
-            </a:rPr>
-            <a:t> </a:t>
-          </a:r>
-          <a:r>
-            <a:rPr lang="en-DK" dirty="0" err="1">
-              <a:solidFill>
-                <a:schemeClr val="bg1"/>
-              </a:solidFill>
-            </a:rPr>
-            <a:t>øjne</a:t>
-          </a:r>
-          <a:r>
-            <a:rPr lang="en-DK" dirty="0">
-              <a:solidFill>
-                <a:schemeClr val="bg1"/>
-              </a:solidFill>
-            </a:rPr>
-            <a:t>, </a:t>
-          </a:r>
-          <a:r>
-            <a:rPr lang="en-DK" dirty="0" err="1">
-              <a:solidFill>
-                <a:schemeClr val="bg1"/>
-              </a:solidFill>
-            </a:rPr>
-            <a:t>næse</a:t>
-          </a:r>
-          <a:r>
-            <a:rPr lang="en-DK" dirty="0">
-              <a:solidFill>
-                <a:schemeClr val="bg1"/>
-              </a:solidFill>
-            </a:rPr>
-            <a:t> </a:t>
-          </a:r>
-          <a:r>
-            <a:rPr lang="en-DK" dirty="0" err="1">
-              <a:solidFill>
-                <a:schemeClr val="bg1"/>
-              </a:solidFill>
-            </a:rPr>
-            <a:t>og</a:t>
-          </a:r>
-          <a:r>
-            <a:rPr lang="en-DK" dirty="0">
-              <a:solidFill>
-                <a:schemeClr val="bg1"/>
-              </a:solidFill>
-            </a:rPr>
-            <a:t> </a:t>
-          </a:r>
-          <a:r>
-            <a:rPr lang="en-DK" dirty="0" err="1">
-              <a:solidFill>
-                <a:schemeClr val="bg1"/>
-              </a:solidFill>
-            </a:rPr>
-            <a:t>mun</a:t>
-          </a:r>
-          <a:r>
-            <a:rPr lang="en-DK" dirty="0">
-              <a:solidFill>
-                <a:schemeClr val="bg1"/>
-              </a:solidFill>
-            </a:rPr>
-            <a:t> er </a:t>
-          </a:r>
-          <a:r>
-            <a:rPr lang="en-DK" dirty="0" err="1">
-              <a:solidFill>
-                <a:schemeClr val="bg1"/>
-              </a:solidFill>
-            </a:rPr>
-            <a:t>ændret</a:t>
-          </a:r>
-          <a:br>
-            <a:rPr lang="en-DK" dirty="0">
-              <a:solidFill>
-                <a:schemeClr val="bg1"/>
-              </a:solidFill>
-            </a:rPr>
-          </a:br>
-          <a:endParaRPr lang="en-DK" dirty="0">
-            <a:solidFill>
-              <a:schemeClr val="bg1"/>
-            </a:solidFill>
-          </a:endParaRPr>
-        </a:p>
-      </dgm:t>
-    </dgm:pt>
-    <dgm:pt modelId="{A7B5B484-E2A1-43BD-A672-DE755953BA12}" type="parTrans" cxnId="{5DF0BACC-916F-4D1B-924A-840A331DBEC4}">
-      <dgm:prSet/>
-      <dgm:spPr/>
-      <dgm:t>
-        <a:bodyPr/>
-        <a:lstStyle/>
-        <a:p>
-          <a:endParaRPr lang="en-DK"/>
-        </a:p>
-      </dgm:t>
-    </dgm:pt>
-    <dgm:pt modelId="{2332DC0E-614B-4860-AEF7-551EE0502C6B}" type="sibTrans" cxnId="{5DF0BACC-916F-4D1B-924A-840A331DBEC4}">
-      <dgm:prSet/>
-      <dgm:spPr/>
-      <dgm:t>
-        <a:bodyPr/>
-        <a:lstStyle/>
-        <a:p>
-          <a:endParaRPr lang="en-DK"/>
-        </a:p>
-      </dgm:t>
-    </dgm:pt>
-    <dgm:pt modelId="{4F319B85-17A9-48FD-80C6-0450803A7B8A}">
-      <dgm:prSet phldrT="[Tekst]"/>
-      <dgm:spPr/>
-      <dgm:t>
-        <a:bodyPr/>
-        <a:lstStyle/>
-        <a:p>
-          <a:r>
-            <a:rPr lang="en-DK" b="1" u="sng" dirty="0">
-              <a:solidFill>
-                <a:schemeClr val="bg1"/>
-              </a:solidFill>
-            </a:rPr>
-            <a:t>Real</a:t>
-          </a:r>
-          <a:br>
-            <a:rPr lang="en-DK" dirty="0">
-              <a:solidFill>
-                <a:schemeClr val="bg1"/>
-              </a:solidFill>
-            </a:rPr>
-          </a:br>
-          <a:r>
-            <a:rPr lang="en-DK" dirty="0" err="1">
-              <a:solidFill>
-                <a:schemeClr val="bg1"/>
-              </a:solidFill>
-            </a:rPr>
-            <a:t>Originalt</a:t>
-          </a:r>
-          <a:r>
-            <a:rPr lang="en-DK" dirty="0">
-              <a:solidFill>
-                <a:schemeClr val="bg1"/>
-              </a:solidFill>
-            </a:rPr>
-            <a:t> billed, der </a:t>
-          </a:r>
-          <a:r>
-            <a:rPr lang="en-DK" dirty="0" err="1">
-              <a:solidFill>
-                <a:schemeClr val="bg1"/>
-              </a:solidFill>
-            </a:rPr>
-            <a:t>ikke</a:t>
-          </a:r>
-          <a:r>
-            <a:rPr lang="en-DK" dirty="0">
-              <a:solidFill>
-                <a:schemeClr val="bg1"/>
-              </a:solidFill>
-            </a:rPr>
-            <a:t> er </a:t>
-          </a:r>
-          <a:r>
-            <a:rPr lang="en-DK" dirty="0" err="1">
-              <a:solidFill>
-                <a:schemeClr val="bg1"/>
-              </a:solidFill>
-            </a:rPr>
-            <a:t>ændret</a:t>
-          </a:r>
-          <a:endParaRPr lang="en-DK" dirty="0">
-            <a:solidFill>
-              <a:schemeClr val="bg1"/>
-            </a:solidFill>
-          </a:endParaRPr>
-        </a:p>
-      </dgm:t>
-    </dgm:pt>
-    <dgm:pt modelId="{0FBFF61D-97F8-435B-BB10-8890A37EEDBB}" type="parTrans" cxnId="{5113DF9B-7A6E-4C15-9AEA-3388C1798E7B}">
-      <dgm:prSet/>
-      <dgm:spPr/>
-      <dgm:t>
-        <a:bodyPr/>
-        <a:lstStyle/>
-        <a:p>
-          <a:endParaRPr lang="en-DK"/>
-        </a:p>
-      </dgm:t>
-    </dgm:pt>
-    <dgm:pt modelId="{F350DBCC-E089-4B6B-8CDD-50E2CDB794D2}" type="sibTrans" cxnId="{5113DF9B-7A6E-4C15-9AEA-3388C1798E7B}">
-      <dgm:prSet/>
-      <dgm:spPr/>
-      <dgm:t>
-        <a:bodyPr/>
-        <a:lstStyle/>
-        <a:p>
-          <a:endParaRPr lang="en-DK"/>
-        </a:p>
-      </dgm:t>
-    </dgm:pt>
-    <dgm:pt modelId="{49C0C9D7-933A-4B0B-BD22-FB3E3FDCBCE2}">
-      <dgm:prSet phldrT="[Tekst]"/>
-      <dgm:spPr/>
-      <dgm:t>
-        <a:bodyPr/>
-        <a:lstStyle/>
-        <a:p>
-          <a:r>
-            <a:rPr lang="en-DK" b="1" u="sng" dirty="0">
-              <a:solidFill>
-                <a:schemeClr val="bg1"/>
-              </a:solidFill>
-            </a:rPr>
-            <a:t>Medium</a:t>
-          </a:r>
-          <a:br>
-            <a:rPr lang="en-DK" dirty="0">
-              <a:solidFill>
-                <a:schemeClr val="bg1"/>
-              </a:solidFill>
-            </a:rPr>
-          </a:br>
-          <a:r>
-            <a:rPr lang="en-DK" dirty="0" err="1">
-              <a:solidFill>
-                <a:schemeClr val="bg1"/>
-              </a:solidFill>
-            </a:rPr>
-            <a:t>Begge</a:t>
-          </a:r>
-          <a:r>
-            <a:rPr lang="en-DK" dirty="0">
-              <a:solidFill>
-                <a:schemeClr val="bg1"/>
-              </a:solidFill>
-            </a:rPr>
-            <a:t> </a:t>
-          </a:r>
-          <a:r>
-            <a:rPr lang="en-DK" dirty="0" err="1">
-              <a:solidFill>
-                <a:schemeClr val="bg1"/>
-              </a:solidFill>
-            </a:rPr>
-            <a:t>øjne</a:t>
-          </a:r>
-          <a:r>
-            <a:rPr lang="en-DK" dirty="0">
-              <a:solidFill>
-                <a:schemeClr val="bg1"/>
-              </a:solidFill>
-            </a:rPr>
-            <a:t>, </a:t>
-          </a:r>
-          <a:r>
-            <a:rPr lang="en-DK" dirty="0" err="1">
-              <a:solidFill>
-                <a:schemeClr val="bg1"/>
-              </a:solidFill>
-            </a:rPr>
-            <a:t>næse</a:t>
-          </a:r>
-          <a:r>
-            <a:rPr lang="en-DK" dirty="0">
-              <a:solidFill>
-                <a:schemeClr val="bg1"/>
-              </a:solidFill>
-            </a:rPr>
-            <a:t> &amp; </a:t>
-          </a:r>
-          <a:r>
-            <a:rPr lang="en-DK" dirty="0" err="1">
-              <a:solidFill>
-                <a:schemeClr val="bg1"/>
-              </a:solidFill>
-            </a:rPr>
-            <a:t>mund</a:t>
-          </a:r>
-          <a:r>
-            <a:rPr lang="en-DK" dirty="0">
-              <a:solidFill>
-                <a:schemeClr val="bg1"/>
-              </a:solidFill>
-            </a:rPr>
-            <a:t> er </a:t>
-          </a:r>
-          <a:r>
-            <a:rPr lang="en-DK" dirty="0" err="1">
-              <a:solidFill>
-                <a:schemeClr val="bg1"/>
-              </a:solidFill>
-            </a:rPr>
-            <a:t>ændret</a:t>
-          </a:r>
-          <a:endParaRPr lang="en-DK" dirty="0">
-            <a:solidFill>
-              <a:schemeClr val="bg1"/>
-            </a:solidFill>
-          </a:endParaRPr>
-        </a:p>
-      </dgm:t>
-    </dgm:pt>
-    <dgm:pt modelId="{4BB9E540-16A4-490A-9E79-8763E9EF04F6}" type="parTrans" cxnId="{9F85E964-2FC4-4ACF-8709-E17D087B1F7A}">
-      <dgm:prSet/>
-      <dgm:spPr/>
-      <dgm:t>
-        <a:bodyPr/>
-        <a:lstStyle/>
-        <a:p>
-          <a:endParaRPr lang="en-DK"/>
-        </a:p>
-      </dgm:t>
-    </dgm:pt>
-    <dgm:pt modelId="{C09B877F-81F7-44C1-B32B-0DCF700E393C}" type="sibTrans" cxnId="{9F85E964-2FC4-4ACF-8709-E17D087B1F7A}">
-      <dgm:prSet/>
-      <dgm:spPr/>
-      <dgm:t>
-        <a:bodyPr/>
-        <a:lstStyle/>
-        <a:p>
-          <a:endParaRPr lang="en-DK"/>
-        </a:p>
-      </dgm:t>
-    </dgm:pt>
-    <dgm:pt modelId="{10E5918E-92ED-466C-85EF-777AE4CD94BA}" type="pres">
-      <dgm:prSet presAssocID="{07C43D22-0FF9-429F-92BE-E5ED320CBE6B}" presName="Name0" presStyleCnt="0">
-        <dgm:presLayoutVars>
-          <dgm:chMax/>
-          <dgm:chPref/>
-          <dgm:dir/>
-        </dgm:presLayoutVars>
-      </dgm:prSet>
-      <dgm:spPr/>
-    </dgm:pt>
-    <dgm:pt modelId="{5AC59C55-BC5A-4B4E-B9BF-7177ACB59364}" type="pres">
-      <dgm:prSet presAssocID="{BE984E3C-AE80-471C-A64E-549D1518AC32}" presName="composite" presStyleCnt="0">
-        <dgm:presLayoutVars>
-          <dgm:chMax val="1"/>
-          <dgm:chPref val="1"/>
-        </dgm:presLayoutVars>
-      </dgm:prSet>
-      <dgm:spPr/>
-    </dgm:pt>
-    <dgm:pt modelId="{4106B49C-DAF6-473D-9A13-2B12F61231DA}" type="pres">
-      <dgm:prSet presAssocID="{BE984E3C-AE80-471C-A64E-549D1518AC32}" presName="Accent" presStyleLbl="trAlignAcc1" presStyleIdx="0" presStyleCnt="4">
-        <dgm:presLayoutVars>
-          <dgm:chMax val="0"/>
-          <dgm:chPref val="0"/>
-        </dgm:presLayoutVars>
-      </dgm:prSet>
-      <dgm:spPr/>
-    </dgm:pt>
-    <dgm:pt modelId="{65E2A70A-2F93-4093-8785-CAE6F5BF2AB2}" type="pres">
-      <dgm:prSet presAssocID="{BE984E3C-AE80-471C-A64E-549D1518AC32}" presName="Image" presStyleLbl="alignImgPlace1" presStyleIdx="0" presStyleCnt="4">
-        <dgm:presLayoutVars>
-          <dgm:chMax val="0"/>
-          <dgm:chPref val="0"/>
-        </dgm:presLayoutVars>
-      </dgm:prSet>
-      <dgm:spPr>
-        <a:blipFill>
-          <a:blip xmlns:r="http://schemas.openxmlformats.org/officeDocument/2006/relationships" r:embed="rId1">
-            <a:extLst>
-              <a:ext uri="{28A0092B-C50C-407E-A947-70E740481C1C}">
-                <a14:useLocalDpi xmlns:a14="http://schemas.microsoft.com/office/drawing/2010/main" val="0"/>
-              </a:ext>
-            </a:extLst>
-          </a:blip>
-          <a:srcRect/>
-          <a:stretch>
-            <a:fillRect t="-8000" b="-8000"/>
-          </a:stretch>
-        </a:blipFill>
-      </dgm:spPr>
-      <dgm:extLst>
-        <a:ext uri="{E40237B7-FDA0-4F09-8148-C483321AD2D9}">
-          <dgm14:cNvPr xmlns:dgm14="http://schemas.microsoft.com/office/drawing/2010/diagram" id="0" name="" descr="Et billede, der indeholder person, udendørs, luk&#10;&#10;Automatisk genereret beskrivelse">
-            <a:extLst>
-              <a:ext uri="{FF2B5EF4-FFF2-40B4-BE49-F238E27FC236}">
-                <a16:creationId xmlns:a16="http://schemas.microsoft.com/office/drawing/2014/main" id="{D2197A46-0AFC-D0BA-F071-CCA895446EA0}"/>
-              </a:ext>
-            </a:extLst>
-          </dgm14:cNvPr>
-        </a:ext>
-      </dgm:extLst>
-    </dgm:pt>
-    <dgm:pt modelId="{9CF3283F-BED1-4183-BA63-B46020E0A5AA}" type="pres">
-      <dgm:prSet presAssocID="{BE984E3C-AE80-471C-A64E-549D1518AC32}" presName="ChildComposite" presStyleCnt="0"/>
-      <dgm:spPr/>
-    </dgm:pt>
-    <dgm:pt modelId="{9E9B67BD-0929-49BE-9259-FEB85E68FD9F}" type="pres">
-      <dgm:prSet presAssocID="{BE984E3C-AE80-471C-A64E-549D1518AC32}" presName="Child" presStyleLbl="node1" presStyleIdx="0" presStyleCnt="0">
-        <dgm:presLayoutVars>
-          <dgm:chMax val="0"/>
-          <dgm:chPref val="0"/>
-          <dgm:bulletEnabled val="1"/>
-        </dgm:presLayoutVars>
-      </dgm:prSet>
-      <dgm:spPr/>
-    </dgm:pt>
-    <dgm:pt modelId="{0E91F2C9-340E-405B-A6A9-8804F8FA7440}" type="pres">
-      <dgm:prSet presAssocID="{BE984E3C-AE80-471C-A64E-549D1518AC32}" presName="Parent" presStyleLbl="revTx" presStyleIdx="0" presStyleCnt="4">
-        <dgm:presLayoutVars>
-          <dgm:chMax val="1"/>
-          <dgm:chPref val="0"/>
-          <dgm:bulletEnabled val="1"/>
-        </dgm:presLayoutVars>
-      </dgm:prSet>
-      <dgm:spPr/>
-    </dgm:pt>
-    <dgm:pt modelId="{75E48644-802F-4ACE-BC92-0DC8886CAD45}" type="pres">
-      <dgm:prSet presAssocID="{E44F3856-7D97-4A5D-B9DF-9B20F0F7B4A2}" presName="sibTrans" presStyleCnt="0"/>
-      <dgm:spPr/>
-    </dgm:pt>
-    <dgm:pt modelId="{55FF6281-464B-4B6A-BF56-01EBC8C16551}" type="pres">
-      <dgm:prSet presAssocID="{49C0C9D7-933A-4B0B-BD22-FB3E3FDCBCE2}" presName="composite" presStyleCnt="0">
-        <dgm:presLayoutVars>
-          <dgm:chMax val="1"/>
-          <dgm:chPref val="1"/>
-        </dgm:presLayoutVars>
-      </dgm:prSet>
-      <dgm:spPr/>
-    </dgm:pt>
-    <dgm:pt modelId="{252807D9-3E92-430E-8634-7ADF17AC4817}" type="pres">
-      <dgm:prSet presAssocID="{49C0C9D7-933A-4B0B-BD22-FB3E3FDCBCE2}" presName="Accent" presStyleLbl="trAlignAcc1" presStyleIdx="1" presStyleCnt="4">
-        <dgm:presLayoutVars>
-          <dgm:chMax val="0"/>
-          <dgm:chPref val="0"/>
-        </dgm:presLayoutVars>
-      </dgm:prSet>
-      <dgm:spPr/>
-    </dgm:pt>
-    <dgm:pt modelId="{84F40AEE-FFC5-41C7-9C07-AAC46C6E9154}" type="pres">
-      <dgm:prSet presAssocID="{49C0C9D7-933A-4B0B-BD22-FB3E3FDCBCE2}" presName="Image" presStyleLbl="alignImgPlace1" presStyleIdx="1" presStyleCnt="4">
-        <dgm:presLayoutVars>
-          <dgm:chMax val="0"/>
-          <dgm:chPref val="0"/>
-        </dgm:presLayoutVars>
-      </dgm:prSet>
-      <dgm:spPr>
-        <a:blipFill rotWithShape="1">
-          <a:blip xmlns:r="http://schemas.openxmlformats.org/officeDocument/2006/relationships" r:embed="rId2">
-            <a:extLst>
-              <a:ext uri="{28A0092B-C50C-407E-A947-70E740481C1C}">
-                <a14:useLocalDpi xmlns:a14="http://schemas.microsoft.com/office/drawing/2010/main" val="0"/>
-              </a:ext>
-            </a:extLst>
-          </a:blip>
-          <a:srcRect/>
-          <a:stretch>
-            <a:fillRect t="-9000" b="-9000"/>
-          </a:stretch>
-        </a:blipFill>
-      </dgm:spPr>
-    </dgm:pt>
-    <dgm:pt modelId="{E90B9CEA-97CE-47CF-B5DB-634D9EFC16F3}" type="pres">
-      <dgm:prSet presAssocID="{49C0C9D7-933A-4B0B-BD22-FB3E3FDCBCE2}" presName="ChildComposite" presStyleCnt="0"/>
-      <dgm:spPr/>
-    </dgm:pt>
-    <dgm:pt modelId="{C3FE671F-2C95-4EEA-B0EF-C5CCBFA17C69}" type="pres">
-      <dgm:prSet presAssocID="{49C0C9D7-933A-4B0B-BD22-FB3E3FDCBCE2}" presName="Child" presStyleLbl="node1" presStyleIdx="0" presStyleCnt="0">
-        <dgm:presLayoutVars>
-          <dgm:chMax val="0"/>
-          <dgm:chPref val="0"/>
-          <dgm:bulletEnabled val="1"/>
-        </dgm:presLayoutVars>
-      </dgm:prSet>
-      <dgm:spPr/>
-    </dgm:pt>
-    <dgm:pt modelId="{B6C2DB42-3745-484D-9B52-BC02DE9B08E5}" type="pres">
-      <dgm:prSet presAssocID="{49C0C9D7-933A-4B0B-BD22-FB3E3FDCBCE2}" presName="Parent" presStyleLbl="revTx" presStyleIdx="1" presStyleCnt="4">
-        <dgm:presLayoutVars>
-          <dgm:chMax val="1"/>
-          <dgm:chPref val="0"/>
-          <dgm:bulletEnabled val="1"/>
-        </dgm:presLayoutVars>
-      </dgm:prSet>
-      <dgm:spPr/>
-    </dgm:pt>
-    <dgm:pt modelId="{C5F60139-F02F-42A8-8769-6DAF67ADEC68}" type="pres">
-      <dgm:prSet presAssocID="{C09B877F-81F7-44C1-B32B-0DCF700E393C}" presName="sibTrans" presStyleCnt="0"/>
-      <dgm:spPr/>
-    </dgm:pt>
-    <dgm:pt modelId="{57E987C0-8DB0-4B4D-9085-710DD1CB0B4D}" type="pres">
-      <dgm:prSet presAssocID="{49D1E06F-88C8-415B-B2FE-00DCD7A275E6}" presName="composite" presStyleCnt="0">
-        <dgm:presLayoutVars>
-          <dgm:chMax val="1"/>
-          <dgm:chPref val="1"/>
-        </dgm:presLayoutVars>
-      </dgm:prSet>
-      <dgm:spPr/>
-    </dgm:pt>
-    <dgm:pt modelId="{E4F05E84-2DFC-4A7F-B8B1-4A4A4EB80718}" type="pres">
-      <dgm:prSet presAssocID="{49D1E06F-88C8-415B-B2FE-00DCD7A275E6}" presName="Accent" presStyleLbl="trAlignAcc1" presStyleIdx="2" presStyleCnt="4">
-        <dgm:presLayoutVars>
-          <dgm:chMax val="0"/>
-          <dgm:chPref val="0"/>
-        </dgm:presLayoutVars>
-      </dgm:prSet>
-      <dgm:spPr/>
-    </dgm:pt>
-    <dgm:pt modelId="{DBE13D3F-A0E1-43B2-A9B4-F1F1F03CFBA3}" type="pres">
-      <dgm:prSet presAssocID="{49D1E06F-88C8-415B-B2FE-00DCD7A275E6}" presName="Image" presStyleLbl="alignImgPlace1" presStyleIdx="2" presStyleCnt="4">
-        <dgm:presLayoutVars>
-          <dgm:chMax val="0"/>
-          <dgm:chPref val="0"/>
-        </dgm:presLayoutVars>
-      </dgm:prSet>
-      <dgm:spPr>
-        <a:blipFill rotWithShape="1">
-          <a:blip xmlns:r="http://schemas.openxmlformats.org/officeDocument/2006/relationships" r:embed="rId3">
-            <a:extLst>
-              <a:ext uri="{28A0092B-C50C-407E-A947-70E740481C1C}">
-                <a14:useLocalDpi xmlns:a14="http://schemas.microsoft.com/office/drawing/2010/main" val="0"/>
-              </a:ext>
-            </a:extLst>
-          </a:blip>
-          <a:srcRect/>
-          <a:stretch>
-            <a:fillRect t="-9000" b="-9000"/>
-          </a:stretch>
-        </a:blipFill>
-      </dgm:spPr>
-      <dgm:extLst>
-        <a:ext uri="{E40237B7-FDA0-4F09-8148-C483321AD2D9}">
-          <dgm14:cNvPr xmlns:dgm14="http://schemas.microsoft.com/office/drawing/2010/diagram" id="0" name="" descr="Et billede, der indeholder træ, person, udendørs, mand&#10;&#10;Automatisk genereret beskrivelse">
-            <a:extLst>
-              <a:ext uri="{FF2B5EF4-FFF2-40B4-BE49-F238E27FC236}">
-                <a16:creationId xmlns:a16="http://schemas.microsoft.com/office/drawing/2014/main" id="{DF1355BE-1DC8-1B6F-2CB6-58B808A3CFB1}"/>
-              </a:ext>
-            </a:extLst>
-          </dgm14:cNvPr>
-        </a:ext>
-      </dgm:extLst>
-    </dgm:pt>
-    <dgm:pt modelId="{A557946C-2A74-40FF-91DC-6B551386F4F1}" type="pres">
-      <dgm:prSet presAssocID="{49D1E06F-88C8-415B-B2FE-00DCD7A275E6}" presName="ChildComposite" presStyleCnt="0"/>
-      <dgm:spPr/>
-    </dgm:pt>
-    <dgm:pt modelId="{4045D62F-67F4-475C-BF41-62AF2370C683}" type="pres">
-      <dgm:prSet presAssocID="{49D1E06F-88C8-415B-B2FE-00DCD7A275E6}" presName="Child" presStyleLbl="node1" presStyleIdx="0" presStyleCnt="0">
-        <dgm:presLayoutVars>
-          <dgm:chMax val="0"/>
-          <dgm:chPref val="0"/>
-          <dgm:bulletEnabled val="1"/>
-        </dgm:presLayoutVars>
-      </dgm:prSet>
-      <dgm:spPr/>
-    </dgm:pt>
-    <dgm:pt modelId="{3E8815CB-D798-4D12-95B2-D6B47F644FA7}" type="pres">
-      <dgm:prSet presAssocID="{49D1E06F-88C8-415B-B2FE-00DCD7A275E6}" presName="Parent" presStyleLbl="revTx" presStyleIdx="2" presStyleCnt="4">
-        <dgm:presLayoutVars>
-          <dgm:chMax val="1"/>
-          <dgm:chPref val="0"/>
-          <dgm:bulletEnabled val="1"/>
-        </dgm:presLayoutVars>
-      </dgm:prSet>
-      <dgm:spPr/>
-    </dgm:pt>
-    <dgm:pt modelId="{4243FE5D-72EB-4C6B-BA3A-A4BEF92FE750}" type="pres">
-      <dgm:prSet presAssocID="{2332DC0E-614B-4860-AEF7-551EE0502C6B}" presName="sibTrans" presStyleCnt="0"/>
-      <dgm:spPr/>
-    </dgm:pt>
-    <dgm:pt modelId="{E8A23733-D045-41C4-A6DC-C44A600ABF5C}" type="pres">
-      <dgm:prSet presAssocID="{4F319B85-17A9-48FD-80C6-0450803A7B8A}" presName="composite" presStyleCnt="0">
-        <dgm:presLayoutVars>
-          <dgm:chMax val="1"/>
-          <dgm:chPref val="1"/>
-        </dgm:presLayoutVars>
-      </dgm:prSet>
-      <dgm:spPr/>
-    </dgm:pt>
-    <dgm:pt modelId="{0038D79E-0EF8-45CE-BAFD-C44545EEAAA2}" type="pres">
-      <dgm:prSet presAssocID="{4F319B85-17A9-48FD-80C6-0450803A7B8A}" presName="Accent" presStyleLbl="trAlignAcc1" presStyleIdx="3" presStyleCnt="4">
-        <dgm:presLayoutVars>
-          <dgm:chMax val="0"/>
-          <dgm:chPref val="0"/>
-        </dgm:presLayoutVars>
-      </dgm:prSet>
-      <dgm:spPr/>
-    </dgm:pt>
-    <dgm:pt modelId="{EEA60A49-E09D-4A71-AD00-7787E691FEF3}" type="pres">
-      <dgm:prSet presAssocID="{4F319B85-17A9-48FD-80C6-0450803A7B8A}" presName="Image" presStyleLbl="alignImgPlace1" presStyleIdx="3" presStyleCnt="4">
-        <dgm:presLayoutVars>
-          <dgm:chMax val="0"/>
-          <dgm:chPref val="0"/>
-        </dgm:presLayoutVars>
-      </dgm:prSet>
-      <dgm:spPr>
-        <a:blipFill>
-          <a:blip xmlns:r="http://schemas.openxmlformats.org/officeDocument/2006/relationships" r:embed="rId4">
-            <a:extLst>
-              <a:ext uri="{28A0092B-C50C-407E-A947-70E740481C1C}">
-                <a14:useLocalDpi xmlns:a14="http://schemas.microsoft.com/office/drawing/2010/main" val="0"/>
-              </a:ext>
-            </a:extLst>
-          </a:blip>
-          <a:srcRect/>
-          <a:stretch>
-            <a:fillRect t="-8000" b="-8000"/>
-          </a:stretch>
-        </a:blipFill>
-      </dgm:spPr>
-      <dgm:extLst>
-        <a:ext uri="{E40237B7-FDA0-4F09-8148-C483321AD2D9}">
-          <dgm14:cNvPr xmlns:dgm14="http://schemas.microsoft.com/office/drawing/2010/diagram" id="0" name="" descr="Et billede, der indeholder person, kvinde, pige, hår&#10;&#10;Automatisk genereret beskrivelse">
-            <a:extLst>
-              <a:ext uri="{FF2B5EF4-FFF2-40B4-BE49-F238E27FC236}">
-                <a16:creationId xmlns:a16="http://schemas.microsoft.com/office/drawing/2014/main" id="{0D865A87-44EC-8960-7B63-C58806886745}"/>
-              </a:ext>
-            </a:extLst>
-          </dgm14:cNvPr>
-        </a:ext>
-      </dgm:extLst>
-    </dgm:pt>
-    <dgm:pt modelId="{43008A51-4A06-46F9-B304-72D3BB261E47}" type="pres">
-      <dgm:prSet presAssocID="{4F319B85-17A9-48FD-80C6-0450803A7B8A}" presName="ChildComposite" presStyleCnt="0"/>
-      <dgm:spPr/>
-    </dgm:pt>
-    <dgm:pt modelId="{AF081042-D6EB-40F8-8DAE-95293F033D7E}" type="pres">
-      <dgm:prSet presAssocID="{4F319B85-17A9-48FD-80C6-0450803A7B8A}" presName="Child" presStyleLbl="node1" presStyleIdx="0" presStyleCnt="0">
-        <dgm:presLayoutVars>
-          <dgm:chMax val="0"/>
-          <dgm:chPref val="0"/>
-          <dgm:bulletEnabled val="1"/>
-        </dgm:presLayoutVars>
-      </dgm:prSet>
-      <dgm:spPr/>
-    </dgm:pt>
-    <dgm:pt modelId="{4C26D970-D849-4C03-8DF4-577FA4EF39A4}" type="pres">
-      <dgm:prSet presAssocID="{4F319B85-17A9-48FD-80C6-0450803A7B8A}" presName="Parent" presStyleLbl="revTx" presStyleIdx="3" presStyleCnt="4">
-        <dgm:presLayoutVars>
-          <dgm:chMax val="1"/>
-          <dgm:chPref val="0"/>
-          <dgm:bulletEnabled val="1"/>
-        </dgm:presLayoutVars>
-      </dgm:prSet>
-      <dgm:spPr/>
-    </dgm:pt>
-  </dgm:ptLst>
-  <dgm:cxnLst>
-    <dgm:cxn modelId="{F983E613-EF37-4934-AE66-F88FFA16A46C}" type="presOf" srcId="{49D1E06F-88C8-415B-B2FE-00DCD7A275E6}" destId="{3E8815CB-D798-4D12-95B2-D6B47F644FA7}" srcOrd="0" destOrd="0" presId="urn:microsoft.com/office/officeart/2008/layout/CaptionedPictures"/>
-    <dgm:cxn modelId="{132AE93A-24BD-4C1A-A9C3-C5B488627A88}" type="presOf" srcId="{49C0C9D7-933A-4B0B-BD22-FB3E3FDCBCE2}" destId="{B6C2DB42-3745-484D-9B52-BC02DE9B08E5}" srcOrd="0" destOrd="0" presId="urn:microsoft.com/office/officeart/2008/layout/CaptionedPictures"/>
-    <dgm:cxn modelId="{9F85E964-2FC4-4ACF-8709-E17D087B1F7A}" srcId="{07C43D22-0FF9-429F-92BE-E5ED320CBE6B}" destId="{49C0C9D7-933A-4B0B-BD22-FB3E3FDCBCE2}" srcOrd="1" destOrd="0" parTransId="{4BB9E540-16A4-490A-9E79-8763E9EF04F6}" sibTransId="{C09B877F-81F7-44C1-B32B-0DCF700E393C}"/>
-    <dgm:cxn modelId="{AE07C165-F4CA-4B1A-AF5D-349FC8DB0DD4}" srcId="{07C43D22-0FF9-429F-92BE-E5ED320CBE6B}" destId="{BE984E3C-AE80-471C-A64E-549D1518AC32}" srcOrd="0" destOrd="0" parTransId="{530ED6D2-D8A5-4C50-A879-F132FDA87106}" sibTransId="{E44F3856-7D97-4A5D-B9DF-9B20F0F7B4A2}"/>
-    <dgm:cxn modelId="{3ED88E46-D35D-4517-AA4C-D113E438EAB9}" type="presOf" srcId="{4F319B85-17A9-48FD-80C6-0450803A7B8A}" destId="{4C26D970-D849-4C03-8DF4-577FA4EF39A4}" srcOrd="0" destOrd="0" presId="urn:microsoft.com/office/officeart/2008/layout/CaptionedPictures"/>
-    <dgm:cxn modelId="{E022F448-2606-4779-AC45-C1668545E721}" type="presOf" srcId="{BE984E3C-AE80-471C-A64E-549D1518AC32}" destId="{0E91F2C9-340E-405B-A6A9-8804F8FA7440}" srcOrd="0" destOrd="0" presId="urn:microsoft.com/office/officeart/2008/layout/CaptionedPictures"/>
-    <dgm:cxn modelId="{5113DF9B-7A6E-4C15-9AEA-3388C1798E7B}" srcId="{07C43D22-0FF9-429F-92BE-E5ED320CBE6B}" destId="{4F319B85-17A9-48FD-80C6-0450803A7B8A}" srcOrd="3" destOrd="0" parTransId="{0FBFF61D-97F8-435B-BB10-8890A37EEDBB}" sibTransId="{F350DBCC-E089-4B6B-8CDD-50E2CDB794D2}"/>
-    <dgm:cxn modelId="{5DF0BACC-916F-4D1B-924A-840A331DBEC4}" srcId="{07C43D22-0FF9-429F-92BE-E5ED320CBE6B}" destId="{49D1E06F-88C8-415B-B2FE-00DCD7A275E6}" srcOrd="2" destOrd="0" parTransId="{A7B5B484-E2A1-43BD-A672-DE755953BA12}" sibTransId="{2332DC0E-614B-4860-AEF7-551EE0502C6B}"/>
-    <dgm:cxn modelId="{5BDB86FC-5994-42AE-976F-F0EFA6B310C6}" type="presOf" srcId="{07C43D22-0FF9-429F-92BE-E5ED320CBE6B}" destId="{10E5918E-92ED-466C-85EF-777AE4CD94BA}" srcOrd="0" destOrd="0" presId="urn:microsoft.com/office/officeart/2008/layout/CaptionedPictures"/>
-    <dgm:cxn modelId="{D4C1CE09-BF03-4BDC-8525-6826976F08AB}" type="presParOf" srcId="{10E5918E-92ED-466C-85EF-777AE4CD94BA}" destId="{5AC59C55-BC5A-4B4E-B9BF-7177ACB59364}" srcOrd="0" destOrd="0" presId="urn:microsoft.com/office/officeart/2008/layout/CaptionedPictures"/>
-    <dgm:cxn modelId="{C98BA7E9-BBCB-476E-BAF8-9CAFCF854F1C}" type="presParOf" srcId="{5AC59C55-BC5A-4B4E-B9BF-7177ACB59364}" destId="{4106B49C-DAF6-473D-9A13-2B12F61231DA}" srcOrd="0" destOrd="0" presId="urn:microsoft.com/office/officeart/2008/layout/CaptionedPictures"/>
-    <dgm:cxn modelId="{76297E91-6F93-4CE1-AD67-EA8CD0809B6B}" type="presParOf" srcId="{5AC59C55-BC5A-4B4E-B9BF-7177ACB59364}" destId="{65E2A70A-2F93-4093-8785-CAE6F5BF2AB2}" srcOrd="1" destOrd="0" presId="urn:microsoft.com/office/officeart/2008/layout/CaptionedPictures"/>
-    <dgm:cxn modelId="{348FF5FA-52DF-45C2-BEF2-BCEF80907B59}" type="presParOf" srcId="{5AC59C55-BC5A-4B4E-B9BF-7177ACB59364}" destId="{9CF3283F-BED1-4183-BA63-B46020E0A5AA}" srcOrd="2" destOrd="0" presId="urn:microsoft.com/office/officeart/2008/layout/CaptionedPictures"/>
-    <dgm:cxn modelId="{F9159C7B-7575-48BB-A83C-C4A953066250}" type="presParOf" srcId="{9CF3283F-BED1-4183-BA63-B46020E0A5AA}" destId="{9E9B67BD-0929-49BE-9259-FEB85E68FD9F}" srcOrd="0" destOrd="0" presId="urn:microsoft.com/office/officeart/2008/layout/CaptionedPictures"/>
-    <dgm:cxn modelId="{E2C3F7E1-19E4-4502-8F04-FE610DFBC1BD}" type="presParOf" srcId="{9CF3283F-BED1-4183-BA63-B46020E0A5AA}" destId="{0E91F2C9-340E-405B-A6A9-8804F8FA7440}" srcOrd="1" destOrd="0" presId="urn:microsoft.com/office/officeart/2008/layout/CaptionedPictures"/>
-    <dgm:cxn modelId="{6E8DE371-FD6F-48B4-8738-59F4C0AA7762}" type="presParOf" srcId="{10E5918E-92ED-466C-85EF-777AE4CD94BA}" destId="{75E48644-802F-4ACE-BC92-0DC8886CAD45}" srcOrd="1" destOrd="0" presId="urn:microsoft.com/office/officeart/2008/layout/CaptionedPictures"/>
-    <dgm:cxn modelId="{FD2D05B5-7B67-401E-A68D-EBC3CADF1F77}" type="presParOf" srcId="{10E5918E-92ED-466C-85EF-777AE4CD94BA}" destId="{55FF6281-464B-4B6A-BF56-01EBC8C16551}" srcOrd="2" destOrd="0" presId="urn:microsoft.com/office/officeart/2008/layout/CaptionedPictures"/>
-    <dgm:cxn modelId="{CC15B22D-24A6-4A39-B208-B5906BAB2A1F}" type="presParOf" srcId="{55FF6281-464B-4B6A-BF56-01EBC8C16551}" destId="{252807D9-3E92-430E-8634-7ADF17AC4817}" srcOrd="0" destOrd="0" presId="urn:microsoft.com/office/officeart/2008/layout/CaptionedPictures"/>
-    <dgm:cxn modelId="{F344BDA2-455E-447F-BCCC-7067E6B29CEF}" type="presParOf" srcId="{55FF6281-464B-4B6A-BF56-01EBC8C16551}" destId="{84F40AEE-FFC5-41C7-9C07-AAC46C6E9154}" srcOrd="1" destOrd="0" presId="urn:microsoft.com/office/officeart/2008/layout/CaptionedPictures"/>
-    <dgm:cxn modelId="{A8A74CA5-A0A0-470C-A549-5312AC2099D5}" type="presParOf" srcId="{55FF6281-464B-4B6A-BF56-01EBC8C16551}" destId="{E90B9CEA-97CE-47CF-B5DB-634D9EFC16F3}" srcOrd="2" destOrd="0" presId="urn:microsoft.com/office/officeart/2008/layout/CaptionedPictures"/>
-    <dgm:cxn modelId="{B68AF31A-222C-4F53-9F71-8272998C2AFA}" type="presParOf" srcId="{E90B9CEA-97CE-47CF-B5DB-634D9EFC16F3}" destId="{C3FE671F-2C95-4EEA-B0EF-C5CCBFA17C69}" srcOrd="0" destOrd="0" presId="urn:microsoft.com/office/officeart/2008/layout/CaptionedPictures"/>
-    <dgm:cxn modelId="{79357137-2F69-4944-A50C-521258F06C65}" type="presParOf" srcId="{E90B9CEA-97CE-47CF-B5DB-634D9EFC16F3}" destId="{B6C2DB42-3745-484D-9B52-BC02DE9B08E5}" srcOrd="1" destOrd="0" presId="urn:microsoft.com/office/officeart/2008/layout/CaptionedPictures"/>
-    <dgm:cxn modelId="{2B919BD9-70E6-48EB-8FDF-08B0269F6AFC}" type="presParOf" srcId="{10E5918E-92ED-466C-85EF-777AE4CD94BA}" destId="{C5F60139-F02F-42A8-8769-6DAF67ADEC68}" srcOrd="3" destOrd="0" presId="urn:microsoft.com/office/officeart/2008/layout/CaptionedPictures"/>
-    <dgm:cxn modelId="{95F138E9-8E84-424F-9867-5D5CA1FA8EEF}" type="presParOf" srcId="{10E5918E-92ED-466C-85EF-777AE4CD94BA}" destId="{57E987C0-8DB0-4B4D-9085-710DD1CB0B4D}" srcOrd="4" destOrd="0" presId="urn:microsoft.com/office/officeart/2008/layout/CaptionedPictures"/>
-    <dgm:cxn modelId="{B6F6DB97-1230-4A0F-8D72-D21C7605BB56}" type="presParOf" srcId="{57E987C0-8DB0-4B4D-9085-710DD1CB0B4D}" destId="{E4F05E84-2DFC-4A7F-B8B1-4A4A4EB80718}" srcOrd="0" destOrd="0" presId="urn:microsoft.com/office/officeart/2008/layout/CaptionedPictures"/>
-    <dgm:cxn modelId="{C9524107-EC36-4EC9-8F19-3B03B3110527}" type="presParOf" srcId="{57E987C0-8DB0-4B4D-9085-710DD1CB0B4D}" destId="{DBE13D3F-A0E1-43B2-A9B4-F1F1F03CFBA3}" srcOrd="1" destOrd="0" presId="urn:microsoft.com/office/officeart/2008/layout/CaptionedPictures"/>
-    <dgm:cxn modelId="{56DAC865-F4BA-405A-9583-175E242E5701}" type="presParOf" srcId="{57E987C0-8DB0-4B4D-9085-710DD1CB0B4D}" destId="{A557946C-2A74-40FF-91DC-6B551386F4F1}" srcOrd="2" destOrd="0" presId="urn:microsoft.com/office/officeart/2008/layout/CaptionedPictures"/>
-    <dgm:cxn modelId="{639450CF-9563-4447-AFF9-AF785F1FF18E}" type="presParOf" srcId="{A557946C-2A74-40FF-91DC-6B551386F4F1}" destId="{4045D62F-67F4-475C-BF41-62AF2370C683}" srcOrd="0" destOrd="0" presId="urn:microsoft.com/office/officeart/2008/layout/CaptionedPictures"/>
-    <dgm:cxn modelId="{2F2F8F53-7293-459C-B12C-BC69451FC2E6}" type="presParOf" srcId="{A557946C-2A74-40FF-91DC-6B551386F4F1}" destId="{3E8815CB-D798-4D12-95B2-D6B47F644FA7}" srcOrd="1" destOrd="0" presId="urn:microsoft.com/office/officeart/2008/layout/CaptionedPictures"/>
-    <dgm:cxn modelId="{87773BE4-3967-468A-9DF1-1C731285EBBB}" type="presParOf" srcId="{10E5918E-92ED-466C-85EF-777AE4CD94BA}" destId="{4243FE5D-72EB-4C6B-BA3A-A4BEF92FE750}" srcOrd="5" destOrd="0" presId="urn:microsoft.com/office/officeart/2008/layout/CaptionedPictures"/>
-    <dgm:cxn modelId="{DD64101A-4E11-41FB-8B40-8A228E77076E}" type="presParOf" srcId="{10E5918E-92ED-466C-85EF-777AE4CD94BA}" destId="{E8A23733-D045-41C4-A6DC-C44A600ABF5C}" srcOrd="6" destOrd="0" presId="urn:microsoft.com/office/officeart/2008/layout/CaptionedPictures"/>
-    <dgm:cxn modelId="{EF0798E1-A682-457A-B5E8-FB4F186EEE64}" type="presParOf" srcId="{E8A23733-D045-41C4-A6DC-C44A600ABF5C}" destId="{0038D79E-0EF8-45CE-BAFD-C44545EEAAA2}" srcOrd="0" destOrd="0" presId="urn:microsoft.com/office/officeart/2008/layout/CaptionedPictures"/>
-    <dgm:cxn modelId="{9F54C566-5ED8-4CAB-9E58-61BD4EC7B8DE}" type="presParOf" srcId="{E8A23733-D045-41C4-A6DC-C44A600ABF5C}" destId="{EEA60A49-E09D-4A71-AD00-7787E691FEF3}" srcOrd="1" destOrd="0" presId="urn:microsoft.com/office/officeart/2008/layout/CaptionedPictures"/>
-    <dgm:cxn modelId="{06555427-1215-473C-A5BF-84301BD62C45}" type="presParOf" srcId="{E8A23733-D045-41C4-A6DC-C44A600ABF5C}" destId="{43008A51-4A06-46F9-B304-72D3BB261E47}" srcOrd="2" destOrd="0" presId="urn:microsoft.com/office/officeart/2008/layout/CaptionedPictures"/>
-    <dgm:cxn modelId="{61658315-2B5E-464C-B90E-6CB204621FAC}" type="presParOf" srcId="{43008A51-4A06-46F9-B304-72D3BB261E47}" destId="{AF081042-D6EB-40F8-8DAE-95293F033D7E}" srcOrd="0" destOrd="0" presId="urn:microsoft.com/office/officeart/2008/layout/CaptionedPictures"/>
-    <dgm:cxn modelId="{E938D181-83F3-425A-AA9F-AEF6DB78E2D7}" type="presParOf" srcId="{43008A51-4A06-46F9-B304-72D3BB261E47}" destId="{4C26D970-D849-4C03-8DF4-577FA4EF39A4}" srcOrd="1" destOrd="0" presId="urn:microsoft.com/office/officeart/2008/layout/CaptionedPictures"/>
-  </dgm:cxnLst>
-  <dgm:bg/>
-  <dgm:whole/>
-  <dgm:extLst>
-    <a:ext uri="http://schemas.microsoft.com/office/drawing/2008/diagram">
-      <dsp:dataModelExt xmlns:dsp="http://schemas.microsoft.com/office/drawing/2008/diagram" relId="rId6" minVer="http://schemas.openxmlformats.org/drawingml/2006/diagram"/>
-    </a:ext>
-  </dgm:extLst>
-</dgm:dataModel>
-</file>
-
-<file path=ppt/diagrams/drawing1.xml><?xml version="1.0" encoding="utf-8"?>
-<dsp:drawing xmlns:dgm="http://schemas.openxmlformats.org/drawingml/2006/diagram" xmlns:dsp="http://schemas.microsoft.com/office/drawing/2008/diagram" xmlns:a="http://schemas.openxmlformats.org/drawingml/2006/main">
-  <dsp:spTree>
-    <dsp:nvGrpSpPr>
-      <dsp:cNvPr id="0" name=""/>
-      <dsp:cNvGrpSpPr/>
-    </dsp:nvGrpSpPr>
-    <dsp:grpSpPr/>
-    <dsp:sp modelId="{4106B49C-DAF6-473D-9A13-2B12F61231DA}">
-      <dsp:nvSpPr>
-        <dsp:cNvPr id="0" name=""/>
-        <dsp:cNvSpPr/>
-      </dsp:nvSpPr>
-      <dsp:spPr>
-        <a:xfrm>
-          <a:off x="396421" y="19480"/>
-          <a:ext cx="1078612" cy="1268955"/>
-        </a:xfrm>
-        <a:prstGeom prst="rect">
-          <a:avLst/>
-        </a:prstGeom>
-        <a:solidFill>
-          <a:schemeClr val="lt1">
-            <a:alpha val="40000"/>
-            <a:hueOff val="0"/>
-            <a:satOff val="0"/>
-            <a:lumOff val="0"/>
-            <a:alphaOff val="0"/>
-          </a:schemeClr>
-        </a:solidFill>
-        <a:ln w="9525" cap="flat" cmpd="sng" algn="ctr">
-          <a:solidFill>
-            <a:schemeClr val="accent1">
-              <a:hueOff val="0"/>
-              <a:satOff val="0"/>
-              <a:lumOff val="0"/>
-              <a:alphaOff val="0"/>
-            </a:schemeClr>
-          </a:solidFill>
-          <a:prstDash val="solid"/>
-        </a:ln>
-        <a:effectLst/>
-      </dsp:spPr>
-      <dsp:style>
-        <a:lnRef idx="1">
-          <a:scrgbClr r="0" g="0" b="0"/>
-        </a:lnRef>
-        <a:fillRef idx="1">
-          <a:scrgbClr r="0" g="0" b="0"/>
-        </a:fillRef>
-        <a:effectRef idx="0">
-          <a:scrgbClr r="0" g="0" b="0"/>
-        </a:effectRef>
-        <a:fontRef idx="minor"/>
-      </dsp:style>
-    </dsp:sp>
-    <dsp:sp modelId="{65E2A70A-2F93-4093-8785-CAE6F5BF2AB2}">
-      <dsp:nvSpPr>
-        <dsp:cNvPr id="0" name=""/>
-        <dsp:cNvSpPr/>
-      </dsp:nvSpPr>
-      <dsp:spPr>
-        <a:xfrm>
-          <a:off x="450352" y="70238"/>
-          <a:ext cx="970751" cy="824821"/>
-        </a:xfrm>
-        <a:prstGeom prst="rect">
-          <a:avLst/>
-        </a:prstGeom>
-        <a:blipFill>
-          <a:blip xmlns:r="http://schemas.openxmlformats.org/officeDocument/2006/relationships" r:embed="rId1">
-            <a:extLst>
-              <a:ext uri="{28A0092B-C50C-407E-A947-70E740481C1C}">
-                <a14:useLocalDpi xmlns:a14="http://schemas.microsoft.com/office/drawing/2010/main" val="0"/>
-              </a:ext>
-            </a:extLst>
-          </a:blip>
-          <a:srcRect/>
-          <a:stretch>
-            <a:fillRect t="-8000" b="-8000"/>
-          </a:stretch>
-        </a:blipFill>
-        <a:ln w="12700" cap="flat" cmpd="sng" algn="ctr">
-          <a:solidFill>
-            <a:schemeClr val="lt1">
-              <a:hueOff val="0"/>
-              <a:satOff val="0"/>
-              <a:lumOff val="0"/>
-              <a:alphaOff val="0"/>
-            </a:schemeClr>
-          </a:solidFill>
-          <a:prstDash val="solid"/>
-        </a:ln>
-        <a:effectLst/>
-      </dsp:spPr>
-      <dsp:style>
-        <a:lnRef idx="2">
-          <a:scrgbClr r="0" g="0" b="0"/>
-        </a:lnRef>
-        <a:fillRef idx="1">
-          <a:scrgbClr r="0" g="0" b="0"/>
-        </a:fillRef>
-        <a:effectRef idx="0">
-          <a:scrgbClr r="0" g="0" b="0"/>
-        </a:effectRef>
-        <a:fontRef idx="minor"/>
-      </dsp:style>
-    </dsp:sp>
-    <dsp:sp modelId="{0E91F2C9-340E-405B-A6A9-8804F8FA7440}">
-      <dsp:nvSpPr>
-        <dsp:cNvPr id="0" name=""/>
-        <dsp:cNvSpPr/>
-      </dsp:nvSpPr>
-      <dsp:spPr>
-        <a:xfrm>
-          <a:off x="450352" y="895059"/>
-          <a:ext cx="970751" cy="342618"/>
-        </a:xfrm>
-        <a:prstGeom prst="rect">
-          <a:avLst/>
-        </a:prstGeom>
-        <a:noFill/>
-        <a:ln>
-          <a:noFill/>
-        </a:ln>
-        <a:effectLst/>
-      </dsp:spPr>
-      <dsp:style>
-        <a:lnRef idx="0">
-          <a:scrgbClr r="0" g="0" b="0"/>
-        </a:lnRef>
-        <a:fillRef idx="0">
-          <a:scrgbClr r="0" g="0" b="0"/>
-        </a:fillRef>
-        <a:effectRef idx="0">
-          <a:scrgbClr r="0" g="0" b="0"/>
-        </a:effectRef>
-        <a:fontRef idx="minor"/>
-      </dsp:style>
-      <dsp:txBody>
-        <a:bodyPr spcFirstLastPara="0" vert="horz" wrap="square" lIns="19050" tIns="19050" rIns="19050" bIns="19050" numCol="1" spcCol="1270" anchor="ctr" anchorCtr="0">
-          <a:noAutofit/>
-        </a:bodyPr>
-        <a:lstStyle/>
-        <a:p>
-          <a:pPr marL="0" lvl="0" indent="0" algn="ctr" defTabSz="222250">
-            <a:lnSpc>
-              <a:spcPct val="90000"/>
-            </a:lnSpc>
-            <a:spcBef>
-              <a:spcPct val="0"/>
-            </a:spcBef>
-            <a:spcAft>
-              <a:spcPct val="35000"/>
-            </a:spcAft>
-            <a:buNone/>
-          </a:pPr>
-          <a:r>
-            <a:rPr lang="en-DK" sz="500" b="1" u="sng" kern="1200" dirty="0">
-              <a:solidFill>
-                <a:schemeClr val="bg1"/>
-              </a:solidFill>
-            </a:rPr>
-            <a:t>Easy</a:t>
-          </a:r>
-          <a:br>
-            <a:rPr lang="en-DK" sz="500" kern="1200" dirty="0">
-              <a:solidFill>
-                <a:schemeClr val="bg1"/>
-              </a:solidFill>
-            </a:rPr>
-          </a:br>
-          <a:r>
-            <a:rPr lang="en-DK" sz="500" kern="1200" dirty="0" err="1">
-              <a:solidFill>
-                <a:schemeClr val="bg1"/>
-              </a:solidFill>
-            </a:rPr>
-            <a:t>Mund</a:t>
-          </a:r>
-          <a:r>
-            <a:rPr lang="en-DK" sz="500" kern="1200" dirty="0">
-              <a:solidFill>
-                <a:schemeClr val="bg1"/>
-              </a:solidFill>
-            </a:rPr>
-            <a:t> &amp; </a:t>
-          </a:r>
-          <a:r>
-            <a:rPr lang="en-DK" sz="500" kern="1200" dirty="0" err="1">
-              <a:solidFill>
-                <a:schemeClr val="bg1"/>
-              </a:solidFill>
-            </a:rPr>
-            <a:t>næse</a:t>
-          </a:r>
-          <a:r>
-            <a:rPr lang="en-DK" sz="500" kern="1200" dirty="0">
-              <a:solidFill>
-                <a:schemeClr val="bg1"/>
-              </a:solidFill>
-            </a:rPr>
-            <a:t> er </a:t>
-          </a:r>
-          <a:r>
-            <a:rPr lang="en-DK" sz="500" kern="1200" dirty="0" err="1">
-              <a:solidFill>
-                <a:schemeClr val="bg1"/>
-              </a:solidFill>
-            </a:rPr>
-            <a:t>ændret</a:t>
-          </a:r>
-          <a:endParaRPr lang="en-DK" sz="500" kern="1200" dirty="0">
-            <a:solidFill>
-              <a:schemeClr val="bg1"/>
-            </a:solidFill>
-          </a:endParaRPr>
-        </a:p>
-      </dsp:txBody>
-      <dsp:txXfrm>
-        <a:off x="450352" y="895059"/>
-        <a:ext cx="970751" cy="342618"/>
-      </dsp:txXfrm>
-    </dsp:sp>
-    <dsp:sp modelId="{252807D9-3E92-430E-8634-7ADF17AC4817}">
-      <dsp:nvSpPr>
-        <dsp:cNvPr id="0" name=""/>
-        <dsp:cNvSpPr/>
-      </dsp:nvSpPr>
-      <dsp:spPr>
-        <a:xfrm>
-          <a:off x="1621388" y="19480"/>
-          <a:ext cx="1078612" cy="1268955"/>
-        </a:xfrm>
-        <a:prstGeom prst="rect">
-          <a:avLst/>
-        </a:prstGeom>
-        <a:solidFill>
-          <a:schemeClr val="lt1">
-            <a:alpha val="40000"/>
-            <a:hueOff val="0"/>
-            <a:satOff val="0"/>
-            <a:lumOff val="0"/>
-            <a:alphaOff val="0"/>
-          </a:schemeClr>
-        </a:solidFill>
-        <a:ln w="9525" cap="flat" cmpd="sng" algn="ctr">
-          <a:solidFill>
-            <a:schemeClr val="accent1">
-              <a:hueOff val="0"/>
-              <a:satOff val="0"/>
-              <a:lumOff val="0"/>
-              <a:alphaOff val="0"/>
-            </a:schemeClr>
-          </a:solidFill>
-          <a:prstDash val="solid"/>
-        </a:ln>
-        <a:effectLst/>
-      </dsp:spPr>
-      <dsp:style>
-        <a:lnRef idx="1">
-          <a:scrgbClr r="0" g="0" b="0"/>
-        </a:lnRef>
-        <a:fillRef idx="1">
-          <a:scrgbClr r="0" g="0" b="0"/>
-        </a:fillRef>
-        <a:effectRef idx="0">
-          <a:scrgbClr r="0" g="0" b="0"/>
-        </a:effectRef>
-        <a:fontRef idx="minor"/>
-      </dsp:style>
-    </dsp:sp>
-    <dsp:sp modelId="{84F40AEE-FFC5-41C7-9C07-AAC46C6E9154}">
-      <dsp:nvSpPr>
-        <dsp:cNvPr id="0" name=""/>
-        <dsp:cNvSpPr/>
-      </dsp:nvSpPr>
-      <dsp:spPr>
-        <a:xfrm>
-          <a:off x="1675318" y="70238"/>
-          <a:ext cx="970751" cy="824821"/>
-        </a:xfrm>
-        <a:prstGeom prst="rect">
-          <a:avLst/>
-        </a:prstGeom>
-        <a:blipFill rotWithShape="1">
-          <a:blip xmlns:r="http://schemas.openxmlformats.org/officeDocument/2006/relationships" r:embed="rId2">
-            <a:extLst>
-              <a:ext uri="{28A0092B-C50C-407E-A947-70E740481C1C}">
-                <a14:useLocalDpi xmlns:a14="http://schemas.microsoft.com/office/drawing/2010/main" val="0"/>
-              </a:ext>
-            </a:extLst>
-          </a:blip>
-          <a:srcRect/>
-          <a:stretch>
-            <a:fillRect t="-9000" b="-9000"/>
-          </a:stretch>
-        </a:blipFill>
-        <a:ln w="12700" cap="flat" cmpd="sng" algn="ctr">
-          <a:solidFill>
-            <a:schemeClr val="lt1">
-              <a:hueOff val="0"/>
-              <a:satOff val="0"/>
-              <a:lumOff val="0"/>
-              <a:alphaOff val="0"/>
-            </a:schemeClr>
-          </a:solidFill>
-          <a:prstDash val="solid"/>
-        </a:ln>
-        <a:effectLst/>
-      </dsp:spPr>
-      <dsp:style>
-        <a:lnRef idx="2">
-          <a:scrgbClr r="0" g="0" b="0"/>
-        </a:lnRef>
-        <a:fillRef idx="1">
-          <a:scrgbClr r="0" g="0" b="0"/>
-        </a:fillRef>
-        <a:effectRef idx="0">
-          <a:scrgbClr r="0" g="0" b="0"/>
-        </a:effectRef>
-        <a:fontRef idx="minor"/>
-      </dsp:style>
-    </dsp:sp>
-    <dsp:sp modelId="{B6C2DB42-3745-484D-9B52-BC02DE9B08E5}">
-      <dsp:nvSpPr>
-        <dsp:cNvPr id="0" name=""/>
-        <dsp:cNvSpPr/>
-      </dsp:nvSpPr>
-      <dsp:spPr>
-        <a:xfrm>
-          <a:off x="1675318" y="895059"/>
-          <a:ext cx="970751" cy="342618"/>
-        </a:xfrm>
-        <a:prstGeom prst="rect">
-          <a:avLst/>
-        </a:prstGeom>
-        <a:noFill/>
-        <a:ln>
-          <a:noFill/>
-        </a:ln>
-        <a:effectLst/>
-      </dsp:spPr>
-      <dsp:style>
-        <a:lnRef idx="0">
-          <a:scrgbClr r="0" g="0" b="0"/>
-        </a:lnRef>
-        <a:fillRef idx="0">
-          <a:scrgbClr r="0" g="0" b="0"/>
-        </a:fillRef>
-        <a:effectRef idx="0">
-          <a:scrgbClr r="0" g="0" b="0"/>
-        </a:effectRef>
-        <a:fontRef idx="minor"/>
-      </dsp:style>
-      <dsp:txBody>
-        <a:bodyPr spcFirstLastPara="0" vert="horz" wrap="square" lIns="19050" tIns="19050" rIns="19050" bIns="19050" numCol="1" spcCol="1270" anchor="ctr" anchorCtr="0">
-          <a:noAutofit/>
-        </a:bodyPr>
-        <a:lstStyle/>
-        <a:p>
-          <a:pPr marL="0" lvl="0" indent="0" algn="ctr" defTabSz="222250">
-            <a:lnSpc>
-              <a:spcPct val="90000"/>
-            </a:lnSpc>
-            <a:spcBef>
-              <a:spcPct val="0"/>
-            </a:spcBef>
-            <a:spcAft>
-              <a:spcPct val="35000"/>
-            </a:spcAft>
-            <a:buNone/>
-          </a:pPr>
-          <a:r>
-            <a:rPr lang="en-DK" sz="500" b="1" u="sng" kern="1200" dirty="0">
-              <a:solidFill>
-                <a:schemeClr val="bg1"/>
-              </a:solidFill>
-            </a:rPr>
-            <a:t>Medium</a:t>
-          </a:r>
-          <a:br>
-            <a:rPr lang="en-DK" sz="500" kern="1200" dirty="0">
-              <a:solidFill>
-                <a:schemeClr val="bg1"/>
-              </a:solidFill>
-            </a:rPr>
-          </a:br>
-          <a:r>
-            <a:rPr lang="en-DK" sz="500" kern="1200" dirty="0" err="1">
-              <a:solidFill>
-                <a:schemeClr val="bg1"/>
-              </a:solidFill>
-            </a:rPr>
-            <a:t>Begge</a:t>
-          </a:r>
-          <a:r>
-            <a:rPr lang="en-DK" sz="500" kern="1200" dirty="0">
-              <a:solidFill>
-                <a:schemeClr val="bg1"/>
-              </a:solidFill>
-            </a:rPr>
-            <a:t> </a:t>
-          </a:r>
-          <a:r>
-            <a:rPr lang="en-DK" sz="500" kern="1200" dirty="0" err="1">
-              <a:solidFill>
-                <a:schemeClr val="bg1"/>
-              </a:solidFill>
-            </a:rPr>
-            <a:t>øjne</a:t>
-          </a:r>
-          <a:r>
-            <a:rPr lang="en-DK" sz="500" kern="1200" dirty="0">
-              <a:solidFill>
-                <a:schemeClr val="bg1"/>
-              </a:solidFill>
-            </a:rPr>
-            <a:t>, </a:t>
-          </a:r>
-          <a:r>
-            <a:rPr lang="en-DK" sz="500" kern="1200" dirty="0" err="1">
-              <a:solidFill>
-                <a:schemeClr val="bg1"/>
-              </a:solidFill>
-            </a:rPr>
-            <a:t>næse</a:t>
-          </a:r>
-          <a:r>
-            <a:rPr lang="en-DK" sz="500" kern="1200" dirty="0">
-              <a:solidFill>
-                <a:schemeClr val="bg1"/>
-              </a:solidFill>
-            </a:rPr>
-            <a:t> &amp; </a:t>
-          </a:r>
-          <a:r>
-            <a:rPr lang="en-DK" sz="500" kern="1200" dirty="0" err="1">
-              <a:solidFill>
-                <a:schemeClr val="bg1"/>
-              </a:solidFill>
-            </a:rPr>
-            <a:t>mund</a:t>
-          </a:r>
-          <a:r>
-            <a:rPr lang="en-DK" sz="500" kern="1200" dirty="0">
-              <a:solidFill>
-                <a:schemeClr val="bg1"/>
-              </a:solidFill>
-            </a:rPr>
-            <a:t> er </a:t>
-          </a:r>
-          <a:r>
-            <a:rPr lang="en-DK" sz="500" kern="1200" dirty="0" err="1">
-              <a:solidFill>
-                <a:schemeClr val="bg1"/>
-              </a:solidFill>
-            </a:rPr>
-            <a:t>ændret</a:t>
-          </a:r>
-          <a:endParaRPr lang="en-DK" sz="500" kern="1200" dirty="0">
-            <a:solidFill>
-              <a:schemeClr val="bg1"/>
-            </a:solidFill>
-          </a:endParaRPr>
-        </a:p>
-      </dsp:txBody>
-      <dsp:txXfrm>
-        <a:off x="1675318" y="895059"/>
-        <a:ext cx="970751" cy="342618"/>
-      </dsp:txXfrm>
-    </dsp:sp>
-    <dsp:sp modelId="{E4F05E84-2DFC-4A7F-B8B1-4A4A4EB80718}">
-      <dsp:nvSpPr>
-        <dsp:cNvPr id="0" name=""/>
-        <dsp:cNvSpPr/>
-      </dsp:nvSpPr>
-      <dsp:spPr>
-        <a:xfrm>
-          <a:off x="396421" y="1396297"/>
-          <a:ext cx="1078612" cy="1268955"/>
-        </a:xfrm>
-        <a:prstGeom prst="rect">
-          <a:avLst/>
-        </a:prstGeom>
-        <a:solidFill>
-          <a:schemeClr val="lt1">
-            <a:alpha val="40000"/>
-            <a:hueOff val="0"/>
-            <a:satOff val="0"/>
-            <a:lumOff val="0"/>
-            <a:alphaOff val="0"/>
-          </a:schemeClr>
-        </a:solidFill>
-        <a:ln w="9525" cap="flat" cmpd="sng" algn="ctr">
-          <a:solidFill>
-            <a:schemeClr val="accent1">
-              <a:hueOff val="0"/>
-              <a:satOff val="0"/>
-              <a:lumOff val="0"/>
-              <a:alphaOff val="0"/>
-            </a:schemeClr>
-          </a:solidFill>
-          <a:prstDash val="solid"/>
-        </a:ln>
-        <a:effectLst/>
-      </dsp:spPr>
-      <dsp:style>
-        <a:lnRef idx="1">
-          <a:scrgbClr r="0" g="0" b="0"/>
-        </a:lnRef>
-        <a:fillRef idx="1">
-          <a:scrgbClr r="0" g="0" b="0"/>
-        </a:fillRef>
-        <a:effectRef idx="0">
-          <a:scrgbClr r="0" g="0" b="0"/>
-        </a:effectRef>
-        <a:fontRef idx="minor"/>
-      </dsp:style>
-    </dsp:sp>
-    <dsp:sp modelId="{DBE13D3F-A0E1-43B2-A9B4-F1F1F03CFBA3}">
-      <dsp:nvSpPr>
-        <dsp:cNvPr id="0" name=""/>
-        <dsp:cNvSpPr/>
-      </dsp:nvSpPr>
-      <dsp:spPr>
-        <a:xfrm>
-          <a:off x="450352" y="1447055"/>
-          <a:ext cx="970751" cy="824821"/>
-        </a:xfrm>
-        <a:prstGeom prst="rect">
-          <a:avLst/>
-        </a:prstGeom>
-        <a:blipFill rotWithShape="1">
-          <a:blip xmlns:r="http://schemas.openxmlformats.org/officeDocument/2006/relationships" r:embed="rId3">
-            <a:extLst>
-              <a:ext uri="{28A0092B-C50C-407E-A947-70E740481C1C}">
-                <a14:useLocalDpi xmlns:a14="http://schemas.microsoft.com/office/drawing/2010/main" val="0"/>
-              </a:ext>
-            </a:extLst>
-          </a:blip>
-          <a:srcRect/>
-          <a:stretch>
-            <a:fillRect t="-9000" b="-9000"/>
-          </a:stretch>
-        </a:blipFill>
-        <a:ln w="12700" cap="flat" cmpd="sng" algn="ctr">
-          <a:solidFill>
-            <a:schemeClr val="lt1">
-              <a:hueOff val="0"/>
-              <a:satOff val="0"/>
-              <a:lumOff val="0"/>
-              <a:alphaOff val="0"/>
-            </a:schemeClr>
-          </a:solidFill>
-          <a:prstDash val="solid"/>
-        </a:ln>
-        <a:effectLst/>
-      </dsp:spPr>
-      <dsp:style>
-        <a:lnRef idx="2">
-          <a:scrgbClr r="0" g="0" b="0"/>
-        </a:lnRef>
-        <a:fillRef idx="1">
-          <a:scrgbClr r="0" g="0" b="0"/>
-        </a:fillRef>
-        <a:effectRef idx="0">
-          <a:scrgbClr r="0" g="0" b="0"/>
-        </a:effectRef>
-        <a:fontRef idx="minor"/>
-      </dsp:style>
-    </dsp:sp>
-    <dsp:sp modelId="{3E8815CB-D798-4D12-95B2-D6B47F644FA7}">
-      <dsp:nvSpPr>
-        <dsp:cNvPr id="0" name=""/>
-        <dsp:cNvSpPr/>
-      </dsp:nvSpPr>
-      <dsp:spPr>
-        <a:xfrm>
-          <a:off x="450352" y="2271876"/>
-          <a:ext cx="970751" cy="342618"/>
-        </a:xfrm>
-        <a:prstGeom prst="rect">
-          <a:avLst/>
-        </a:prstGeom>
-        <a:noFill/>
-        <a:ln>
-          <a:noFill/>
-        </a:ln>
-        <a:effectLst/>
-      </dsp:spPr>
-      <dsp:style>
-        <a:lnRef idx="0">
-          <a:scrgbClr r="0" g="0" b="0"/>
-        </a:lnRef>
-        <a:fillRef idx="0">
-          <a:scrgbClr r="0" g="0" b="0"/>
-        </a:fillRef>
-        <a:effectRef idx="0">
-          <a:scrgbClr r="0" g="0" b="0"/>
-        </a:effectRef>
-        <a:fontRef idx="minor"/>
-      </dsp:style>
-      <dsp:txBody>
-        <a:bodyPr spcFirstLastPara="0" vert="horz" wrap="square" lIns="19050" tIns="19050" rIns="19050" bIns="19050" numCol="1" spcCol="1270" anchor="ctr" anchorCtr="0">
-          <a:noAutofit/>
-        </a:bodyPr>
-        <a:lstStyle/>
-        <a:p>
-          <a:pPr marL="0" lvl="0" indent="0" algn="ctr" defTabSz="222250">
-            <a:lnSpc>
-              <a:spcPct val="90000"/>
-            </a:lnSpc>
-            <a:spcBef>
-              <a:spcPct val="0"/>
-            </a:spcBef>
-            <a:spcAft>
-              <a:spcPct val="35000"/>
-            </a:spcAft>
-            <a:buNone/>
-          </a:pPr>
-          <a:r>
-            <a:rPr lang="en-DK" sz="500" b="1" u="sng" kern="1200" dirty="0">
-              <a:solidFill>
-                <a:schemeClr val="bg1"/>
-              </a:solidFill>
-            </a:rPr>
-            <a:t>Hard</a:t>
-          </a:r>
-          <a:br>
-            <a:rPr lang="en-DK" sz="500" kern="1200" dirty="0">
-              <a:solidFill>
-                <a:schemeClr val="bg1"/>
-              </a:solidFill>
-            </a:rPr>
-          </a:br>
-          <a:r>
-            <a:rPr lang="en-DK" sz="500" kern="1200" dirty="0" err="1">
-              <a:solidFill>
-                <a:schemeClr val="bg1"/>
-              </a:solidFill>
-            </a:rPr>
-            <a:t>Begge</a:t>
-          </a:r>
-          <a:r>
-            <a:rPr lang="en-DK" sz="500" kern="1200" dirty="0">
-              <a:solidFill>
-                <a:schemeClr val="bg1"/>
-              </a:solidFill>
-            </a:rPr>
-            <a:t> </a:t>
-          </a:r>
-          <a:r>
-            <a:rPr lang="en-DK" sz="500" kern="1200" dirty="0" err="1">
-              <a:solidFill>
-                <a:schemeClr val="bg1"/>
-              </a:solidFill>
-            </a:rPr>
-            <a:t>øjne</a:t>
-          </a:r>
-          <a:r>
-            <a:rPr lang="en-DK" sz="500" kern="1200" dirty="0">
-              <a:solidFill>
-                <a:schemeClr val="bg1"/>
-              </a:solidFill>
-            </a:rPr>
-            <a:t>, </a:t>
-          </a:r>
-          <a:r>
-            <a:rPr lang="en-DK" sz="500" kern="1200" dirty="0" err="1">
-              <a:solidFill>
-                <a:schemeClr val="bg1"/>
-              </a:solidFill>
-            </a:rPr>
-            <a:t>næse</a:t>
-          </a:r>
-          <a:r>
-            <a:rPr lang="en-DK" sz="500" kern="1200" dirty="0">
-              <a:solidFill>
-                <a:schemeClr val="bg1"/>
-              </a:solidFill>
-            </a:rPr>
-            <a:t> </a:t>
-          </a:r>
-          <a:r>
-            <a:rPr lang="en-DK" sz="500" kern="1200" dirty="0" err="1">
-              <a:solidFill>
-                <a:schemeClr val="bg1"/>
-              </a:solidFill>
-            </a:rPr>
-            <a:t>og</a:t>
-          </a:r>
-          <a:r>
-            <a:rPr lang="en-DK" sz="500" kern="1200" dirty="0">
-              <a:solidFill>
-                <a:schemeClr val="bg1"/>
-              </a:solidFill>
-            </a:rPr>
-            <a:t> </a:t>
-          </a:r>
-          <a:r>
-            <a:rPr lang="en-DK" sz="500" kern="1200" dirty="0" err="1">
-              <a:solidFill>
-                <a:schemeClr val="bg1"/>
-              </a:solidFill>
-            </a:rPr>
-            <a:t>mun</a:t>
-          </a:r>
-          <a:r>
-            <a:rPr lang="en-DK" sz="500" kern="1200" dirty="0">
-              <a:solidFill>
-                <a:schemeClr val="bg1"/>
-              </a:solidFill>
-            </a:rPr>
-            <a:t> er </a:t>
-          </a:r>
-          <a:r>
-            <a:rPr lang="en-DK" sz="500" kern="1200" dirty="0" err="1">
-              <a:solidFill>
-                <a:schemeClr val="bg1"/>
-              </a:solidFill>
-            </a:rPr>
-            <a:t>ændret</a:t>
-          </a:r>
-          <a:br>
-            <a:rPr lang="en-DK" sz="500" kern="1200" dirty="0">
-              <a:solidFill>
-                <a:schemeClr val="bg1"/>
-              </a:solidFill>
-            </a:rPr>
-          </a:br>
-          <a:endParaRPr lang="en-DK" sz="500" kern="1200" dirty="0">
-            <a:solidFill>
-              <a:schemeClr val="bg1"/>
-            </a:solidFill>
-          </a:endParaRPr>
-        </a:p>
-      </dsp:txBody>
-      <dsp:txXfrm>
-        <a:off x="450352" y="2271876"/>
-        <a:ext cx="970751" cy="342618"/>
-      </dsp:txXfrm>
-    </dsp:sp>
-    <dsp:sp modelId="{0038D79E-0EF8-45CE-BAFD-C44545EEAAA2}">
-      <dsp:nvSpPr>
-        <dsp:cNvPr id="0" name=""/>
-        <dsp:cNvSpPr/>
-      </dsp:nvSpPr>
-      <dsp:spPr>
-        <a:xfrm>
-          <a:off x="1621388" y="1396297"/>
-          <a:ext cx="1078612" cy="1268955"/>
-        </a:xfrm>
-        <a:prstGeom prst="rect">
-          <a:avLst/>
-        </a:prstGeom>
-        <a:solidFill>
-          <a:schemeClr val="lt1">
-            <a:alpha val="40000"/>
-            <a:hueOff val="0"/>
-            <a:satOff val="0"/>
-            <a:lumOff val="0"/>
-            <a:alphaOff val="0"/>
-          </a:schemeClr>
-        </a:solidFill>
-        <a:ln w="9525" cap="flat" cmpd="sng" algn="ctr">
-          <a:solidFill>
-            <a:schemeClr val="accent1">
-              <a:hueOff val="0"/>
-              <a:satOff val="0"/>
-              <a:lumOff val="0"/>
-              <a:alphaOff val="0"/>
-            </a:schemeClr>
-          </a:solidFill>
-          <a:prstDash val="solid"/>
-        </a:ln>
-        <a:effectLst/>
-      </dsp:spPr>
-      <dsp:style>
-        <a:lnRef idx="1">
-          <a:scrgbClr r="0" g="0" b="0"/>
-        </a:lnRef>
-        <a:fillRef idx="1">
-          <a:scrgbClr r="0" g="0" b="0"/>
-        </a:fillRef>
-        <a:effectRef idx="0">
-          <a:scrgbClr r="0" g="0" b="0"/>
-        </a:effectRef>
-        <a:fontRef idx="minor"/>
-      </dsp:style>
-    </dsp:sp>
-    <dsp:sp modelId="{EEA60A49-E09D-4A71-AD00-7787E691FEF3}">
-      <dsp:nvSpPr>
-        <dsp:cNvPr id="0" name=""/>
-        <dsp:cNvSpPr/>
-      </dsp:nvSpPr>
-      <dsp:spPr>
-        <a:xfrm>
-          <a:off x="1675318" y="1447055"/>
-          <a:ext cx="970751" cy="824821"/>
-        </a:xfrm>
-        <a:prstGeom prst="rect">
-          <a:avLst/>
-        </a:prstGeom>
-        <a:blipFill>
-          <a:blip xmlns:r="http://schemas.openxmlformats.org/officeDocument/2006/relationships" r:embed="rId4">
-            <a:extLst>
-              <a:ext uri="{28A0092B-C50C-407E-A947-70E740481C1C}">
-                <a14:useLocalDpi xmlns:a14="http://schemas.microsoft.com/office/drawing/2010/main" val="0"/>
-              </a:ext>
-            </a:extLst>
-          </a:blip>
-          <a:srcRect/>
-          <a:stretch>
-            <a:fillRect t="-8000" b="-8000"/>
-          </a:stretch>
-        </a:blipFill>
-        <a:ln w="12700" cap="flat" cmpd="sng" algn="ctr">
-          <a:solidFill>
-            <a:schemeClr val="lt1">
-              <a:hueOff val="0"/>
-              <a:satOff val="0"/>
-              <a:lumOff val="0"/>
-              <a:alphaOff val="0"/>
-            </a:schemeClr>
-          </a:solidFill>
-          <a:prstDash val="solid"/>
-        </a:ln>
-        <a:effectLst/>
-      </dsp:spPr>
-      <dsp:style>
-        <a:lnRef idx="2">
-          <a:scrgbClr r="0" g="0" b="0"/>
-        </a:lnRef>
-        <a:fillRef idx="1">
-          <a:scrgbClr r="0" g="0" b="0"/>
-        </a:fillRef>
-        <a:effectRef idx="0">
-          <a:scrgbClr r="0" g="0" b="0"/>
-        </a:effectRef>
-        <a:fontRef idx="minor"/>
-      </dsp:style>
-    </dsp:sp>
-    <dsp:sp modelId="{4C26D970-D849-4C03-8DF4-577FA4EF39A4}">
-      <dsp:nvSpPr>
-        <dsp:cNvPr id="0" name=""/>
-        <dsp:cNvSpPr/>
-      </dsp:nvSpPr>
-      <dsp:spPr>
-        <a:xfrm>
-          <a:off x="1675318" y="2271876"/>
-          <a:ext cx="970751" cy="342618"/>
-        </a:xfrm>
-        <a:prstGeom prst="rect">
-          <a:avLst/>
-        </a:prstGeom>
-        <a:noFill/>
-        <a:ln>
-          <a:noFill/>
-        </a:ln>
-        <a:effectLst/>
-      </dsp:spPr>
-      <dsp:style>
-        <a:lnRef idx="0">
-          <a:scrgbClr r="0" g="0" b="0"/>
-        </a:lnRef>
-        <a:fillRef idx="0">
-          <a:scrgbClr r="0" g="0" b="0"/>
-        </a:fillRef>
-        <a:effectRef idx="0">
-          <a:scrgbClr r="0" g="0" b="0"/>
-        </a:effectRef>
-        <a:fontRef idx="minor"/>
-      </dsp:style>
-      <dsp:txBody>
-        <a:bodyPr spcFirstLastPara="0" vert="horz" wrap="square" lIns="19050" tIns="19050" rIns="19050" bIns="19050" numCol="1" spcCol="1270" anchor="ctr" anchorCtr="0">
-          <a:noAutofit/>
-        </a:bodyPr>
-        <a:lstStyle/>
-        <a:p>
-          <a:pPr marL="0" lvl="0" indent="0" algn="ctr" defTabSz="222250">
-            <a:lnSpc>
-              <a:spcPct val="90000"/>
-            </a:lnSpc>
-            <a:spcBef>
-              <a:spcPct val="0"/>
-            </a:spcBef>
-            <a:spcAft>
-              <a:spcPct val="35000"/>
-            </a:spcAft>
-            <a:buNone/>
-          </a:pPr>
-          <a:r>
-            <a:rPr lang="en-DK" sz="500" b="1" u="sng" kern="1200" dirty="0">
-              <a:solidFill>
-                <a:schemeClr val="bg1"/>
-              </a:solidFill>
-            </a:rPr>
-            <a:t>Real</a:t>
-          </a:r>
-          <a:br>
-            <a:rPr lang="en-DK" sz="500" kern="1200" dirty="0">
-              <a:solidFill>
-                <a:schemeClr val="bg1"/>
-              </a:solidFill>
-            </a:rPr>
-          </a:br>
-          <a:r>
-            <a:rPr lang="en-DK" sz="500" kern="1200" dirty="0" err="1">
-              <a:solidFill>
-                <a:schemeClr val="bg1"/>
-              </a:solidFill>
-            </a:rPr>
-            <a:t>Originalt</a:t>
-          </a:r>
-          <a:r>
-            <a:rPr lang="en-DK" sz="500" kern="1200" dirty="0">
-              <a:solidFill>
-                <a:schemeClr val="bg1"/>
-              </a:solidFill>
-            </a:rPr>
-            <a:t> billed, der </a:t>
-          </a:r>
-          <a:r>
-            <a:rPr lang="en-DK" sz="500" kern="1200" dirty="0" err="1">
-              <a:solidFill>
-                <a:schemeClr val="bg1"/>
-              </a:solidFill>
-            </a:rPr>
-            <a:t>ikke</a:t>
-          </a:r>
-          <a:r>
-            <a:rPr lang="en-DK" sz="500" kern="1200" dirty="0">
-              <a:solidFill>
-                <a:schemeClr val="bg1"/>
-              </a:solidFill>
-            </a:rPr>
-            <a:t> er </a:t>
-          </a:r>
-          <a:r>
-            <a:rPr lang="en-DK" sz="500" kern="1200" dirty="0" err="1">
-              <a:solidFill>
-                <a:schemeClr val="bg1"/>
-              </a:solidFill>
-            </a:rPr>
-            <a:t>ændret</a:t>
-          </a:r>
-          <a:endParaRPr lang="en-DK" sz="500" kern="1200" dirty="0">
-            <a:solidFill>
-              <a:schemeClr val="bg1"/>
-            </a:solidFill>
-          </a:endParaRPr>
-        </a:p>
-      </dsp:txBody>
-      <dsp:txXfrm>
-        <a:off x="1675318" y="2271876"/>
-        <a:ext cx="970751" cy="342618"/>
-      </dsp:txXfrm>
-    </dsp:sp>
-  </dsp:spTree>
-</dsp:drawing>
-</file>
-
-<file path=ppt/diagrams/layout1.xml><?xml version="1.0" encoding="utf-8"?>
-<dgm:layoutDef xmlns:dgm="http://schemas.openxmlformats.org/drawingml/2006/diagram" xmlns:a="http://schemas.openxmlformats.org/drawingml/2006/main" uniqueId="urn:microsoft.com/office/officeart/2008/layout/CaptionedPictures">
-  <dgm:title val=""/>
-  <dgm:desc val=""/>
-  <dgm:catLst>
-    <dgm:cat type="picture" pri="5000"/>
-    <dgm:cat type="pictureconvert" pri="5000"/>
-  </dgm:catLst>
-  <dgm:sampData>
-    <dgm:dataModel>
-      <dgm:ptLst>
-        <dgm:pt modelId="0" type="doc"/>
-        <dgm:pt modelId="10">
-          <dgm:prSet phldr="1"/>
-        </dgm:pt>
-        <dgm:pt modelId="11">
-          <dgm:prSet phldr="1"/>
-        </dgm:pt>
-        <dgm:pt modelId="20">
-          <dgm:prSet phldr="1"/>
-        </dgm:pt>
-        <dgm:pt modelId="21">
-          <dgm:prSet phldr="1"/>
-        </dgm:pt>
-        <dgm:pt modelId="30">
-          <dgm:prSet phldr="1"/>
-        </dgm:pt>
-        <dgm:pt modelId="31">
-          <dgm:prSet phldr="1"/>
-        </dgm:pt>
-      </dgm:ptLst>
-      <dgm:cxnLst>
-        <dgm:cxn modelId="60" srcId="0" destId="10" srcOrd="0" destOrd="0"/>
-        <dgm:cxn modelId="12" srcId="10" destId="11" srcOrd="0" destOrd="0"/>
-        <dgm:cxn modelId="70" srcId="0" destId="20" srcOrd="1" destOrd="0"/>
-        <dgm:cxn modelId="22" srcId="20" destId="21" srcOrd="0" destOrd="0"/>
-        <dgm:cxn modelId="80" srcId="0" destId="30" srcOrd="2" destOrd="0"/>
-        <dgm:cxn modelId="32" srcId="30" destId="31" srcOrd="0" destOrd="0"/>
-      </dgm:cxnLst>
-      <dgm:bg/>
-      <dgm:whole/>
-    </dgm:dataModel>
-  </dgm:sampData>
-  <dgm:styleData>
-    <dgm:dataModel>
-      <dgm:ptLst>
-        <dgm:pt modelId="0" type="doc"/>
-        <dgm:pt modelId="10">
-          <dgm:prSet phldr="1"/>
-        </dgm:pt>
-        <dgm:pt modelId="11">
-          <dgm:prSet phldr="1"/>
-        </dgm:pt>
-        <dgm:pt modelId="20">
-          <dgm:prSet phldr="1"/>
-        </dgm:pt>
-        <dgm:pt modelId="21">
-          <dgm:prSet phldr="1"/>
-        </dgm:pt>
-      </dgm:ptLst>
-      <dgm:cxnLst>
-        <dgm:cxn modelId="60" srcId="0" destId="10" srcOrd="0" destOrd="0"/>
-        <dgm:cxn modelId="12" srcId="10" destId="11" srcOrd="0" destOrd="0"/>
-        <dgm:cxn modelId="70" srcId="0" destId="20" srcOrd="1" destOrd="0"/>
-        <dgm:cxn modelId="22" srcId="20" destId="21" srcOrd="0" destOrd="0"/>
-      </dgm:cxnLst>
-      <dgm:bg/>
-      <dgm:whole/>
-    </dgm:dataModel>
-  </dgm:styleData>
-  <dgm:clrData>
-    <dgm:dataModel>
-      <dgm:ptLst>
-        <dgm:pt modelId="0" type="doc"/>
-        <dgm:pt modelId="10">
-          <dgm:prSet phldr="1"/>
-        </dgm:pt>
-        <dgm:pt modelId="11">
-          <dgm:prSet phldr="1"/>
-        </dgm:pt>
-        <dgm:pt modelId="20">
-          <dgm:prSet phldr="1"/>
-        </dgm:pt>
-        <dgm:pt modelId="21">
-          <dgm:prSet phldr="1"/>
-        </dgm:pt>
-        <dgm:pt modelId="30">
-          <dgm:prSet phldr="1"/>
-        </dgm:pt>
-        <dgm:pt modelId="31">
-          <dgm:prSet phldr="1"/>
-        </dgm:pt>
-        <dgm:pt modelId="40">
-          <dgm:prSet phldr="1"/>
-        </dgm:pt>
-        <dgm:pt modelId="41">
-          <dgm:prSet phldr="1"/>
-        </dgm:pt>
-      </dgm:ptLst>
-      <dgm:cxnLst>
-        <dgm:cxn modelId="60" srcId="0" destId="10" srcOrd="0" destOrd="0"/>
-        <dgm:cxn modelId="12" srcId="10" destId="11" srcOrd="0" destOrd="0"/>
-        <dgm:cxn modelId="70" srcId="0" destId="20" srcOrd="1" destOrd="0"/>
-        <dgm:cxn modelId="22" srcId="20" destId="21" srcOrd="0" destOrd="0"/>
-        <dgm:cxn modelId="80" srcId="0" destId="30" srcOrd="2" destOrd="0"/>
-        <dgm:cxn modelId="32" srcId="30" destId="31" srcOrd="0" destOrd="0"/>
-        <dgm:cxn modelId="90" srcId="0" destId="40" srcOrd="3" destOrd="0"/>
-        <dgm:cxn modelId="42" srcId="40" destId="41" srcOrd="0" destOrd="0"/>
-      </dgm:cxnLst>
-      <dgm:bg/>
-      <dgm:whole/>
-    </dgm:dataModel>
-  </dgm:clrData>
-  <dgm:layoutNode name="Name0">
-    <dgm:varLst>
-      <dgm:chMax/>
-      <dgm:chPref/>
-      <dgm:dir/>
-    </dgm:varLst>
-    <dgm:choose name="Name1">
-      <dgm:if name="Name2" func="var" arg="dir" op="equ" val="norm">
-        <dgm:alg type="snake">
-          <dgm:param type="off" val="ctr"/>
-        </dgm:alg>
-      </dgm:if>
-      <dgm:else name="Name3">
-        <dgm:alg type="snake">
-          <dgm:param type="grDir" val="tR"/>
-          <dgm:param type="off" val="ctr"/>
-        </dgm:alg>
-      </dgm:else>
-    </dgm:choose>
-    <dgm:shape xmlns:r="http://schemas.openxmlformats.org/officeDocument/2006/relationships" r:blip="">
-      <dgm:adjLst/>
-    </dgm:shape>
-    <dgm:constrLst>
-      <dgm:constr type="primFontSz" for="des" forName="Parent" op="equ"/>
-      <dgm:constr type="primFontSz" for="des" forName="Child" refType="primFontSz" refFor="des" refForName="Parent" op="lte"/>
-      <dgm:constr type="w" for="ch" forName="composite" refType="w"/>
-      <dgm:constr type="h" for="ch" forName="composite" refType="h"/>
-      <dgm:constr type="sp" refType="w" refFor="ch" refForName="composite" op="equ" fact="0.1"/>
-      <dgm:constr type="w" for="ch" forName="sibTrans" refType="w" refFor="ch" refForName="composite" op="equ" fact="0.1"/>
-      <dgm:constr type="h" for="ch" forName="sibTrans" refType="w" refFor="ch" refForName="sibTrans" op="equ"/>
-    </dgm:constrLst>
-    <dgm:forEach name="nodesForEach" axis="ch" ptType="node">
-      <dgm:layoutNode name="composite">
-        <dgm:varLst>
-          <dgm:chMax val="1"/>
-          <dgm:chPref val="1"/>
-        </dgm:varLst>
-        <dgm:alg type="composite">
-          <dgm:param type="ar" val="0.85"/>
-        </dgm:alg>
-        <dgm:shape xmlns:r="http://schemas.openxmlformats.org/officeDocument/2006/relationships" r:blip="">
-          <dgm:adjLst/>
-        </dgm:shape>
-        <dgm:constrLst>
-          <dgm:constr type="l" for="ch" forName="Accent" refType="w" fact="0"/>
-          <dgm:constr type="t" for="ch" forName="Accent" refType="h" fact="0"/>
-          <dgm:constr type="w" for="ch" forName="Accent" refType="w"/>
-          <dgm:constr type="h" for="ch" forName="Accent" refType="h"/>
-          <dgm:constr type="l" for="ch" forName="Image" refType="w" fact="0.05"/>
-          <dgm:constr type="t" for="ch" forName="Image" refType="h" fact="0.04"/>
-          <dgm:constr type="w" for="ch" forName="Image" refType="w" fact="0.9"/>
-          <dgm:constr type="h" for="ch" forName="Image" refType="h" fact="0.65"/>
-          <dgm:constr type="l" for="ch" forName="ChildComposite" refType="w" fact="0.05"/>
-          <dgm:constr type="t" for="ch" forName="ChildComposite" refType="h" fact="0.69"/>
-          <dgm:constr type="w" for="ch" forName="ChildComposite" refType="w" fact="0.9"/>
-          <dgm:constr type="h" for="ch" forName="ChildComposite" refType="h" fact="0.27"/>
-        </dgm:constrLst>
-        <dgm:layoutNode name="Accent" styleLbl="trAlignAcc1">
-          <dgm:varLst>
-            <dgm:chMax val="0"/>
-            <dgm:chPref val="0"/>
-          </dgm:varLst>
-          <dgm:alg type="sp"/>
-          <dgm:shape xmlns:r="http://schemas.openxmlformats.org/officeDocument/2006/relationships" type="rect" r:blip="">
-            <dgm:adjLst/>
-          </dgm:shape>
-          <dgm:presOf/>
-        </dgm:layoutNode>
-        <dgm:layoutNode name="Image" styleLbl="alignImgPlace1">
-          <dgm:varLst>
-            <dgm:chMax val="0"/>
-            <dgm:chPref val="0"/>
-          </dgm:varLst>
-          <dgm:alg type="sp"/>
-          <dgm:shape xmlns:r="http://schemas.openxmlformats.org/officeDocument/2006/relationships" type="rect" r:blip="" blipPhldr="1">
-            <dgm:adjLst/>
-          </dgm:shape>
-          <dgm:presOf/>
-        </dgm:layoutNode>
-        <dgm:layoutNode name="ChildComposite">
-          <dgm:alg type="composite"/>
-          <dgm:shape xmlns:r="http://schemas.openxmlformats.org/officeDocument/2006/relationships" r:blip="">
-            <dgm:adjLst/>
-          </dgm:shape>
-          <dgm:choose name="Name4">
-            <dgm:if name="Name5" axis="ch" ptType="node" func="cnt" op="gte" val="1">
-              <dgm:constrLst>
-                <dgm:constr type="l" for="ch" forName="Parent" refType="w" fact="0"/>
-                <dgm:constr type="t" for="ch" forName="Parent" refType="h" fact="0"/>
-                <dgm:constr type="w" for="ch" forName="Parent" refType="w"/>
-                <dgm:constr type="h" for="ch" forName="Parent" refType="h" fact="0.3704"/>
-                <dgm:constr type="l" for="ch" forName="Child" refType="w" fact="0"/>
-                <dgm:constr type="t" for="ch" forName="Child" refType="h" fact="0.3704"/>
-                <dgm:constr type="w" for="ch" forName="Child" refType="w"/>
-                <dgm:constr type="h" for="ch" forName="Child" refType="h" fact="0.6296"/>
-              </dgm:constrLst>
-            </dgm:if>
-            <dgm:else name="Name6">
-              <dgm:constrLst>
-                <dgm:constr type="l" for="ch" forName="Parent" refType="w" fact="0"/>
-                <dgm:constr type="t" for="ch" forName="Parent" refType="h" fact="0"/>
-                <dgm:constr type="w" for="ch" forName="Parent" refType="w"/>
-                <dgm:constr type="h" for="ch" forName="Parent" refType="h"/>
-                <dgm:constr type="l" for="ch" forName="Child" refType="w" fact="0"/>
-                <dgm:constr type="t" for="ch" forName="Child" refType="h" fact="0"/>
-                <dgm:constr type="w" for="ch" forName="Child" refType="w" fact="0"/>
-                <dgm:constr type="h" for="ch" forName="Child" refType="h" fact="0"/>
-              </dgm:constrLst>
-            </dgm:else>
-          </dgm:choose>
-          <dgm:layoutNode name="Child" styleLbl="node1">
-            <dgm:varLst>
-              <dgm:chMax val="0"/>
-              <dgm:chPref val="0"/>
-              <dgm:bulletEnabled val="1"/>
-            </dgm:varLst>
-            <dgm:choose name="Name7">
-              <dgm:if name="Name8" axis="ch" ptType="node" func="cnt" op="gt" val="1">
-                <dgm:alg type="tx">
-                  <dgm:param type="parTxLTRAlign" val="l"/>
-                  <dgm:param type="parTxRTLAlign" val="r"/>
-                  <dgm:param type="txAnchorVert" val="mid"/>
-                  <dgm:param type="txAnchorVertCh" val="mid"/>
-                </dgm:alg>
-              </dgm:if>
-              <dgm:else name="Name9">
-                <dgm:alg type="tx">
-                  <dgm:param type="parTxLTRAlign" val="ctr"/>
-                  <dgm:param type="parTxRTLAlign" val="ctr"/>
-                  <dgm:param type="shpTxLTRAlignCh" val="l"/>
-                  <dgm:param type="shpTxRTLAlignCh" val="r"/>
-                  <dgm:param type="txAnchorVert" val="mid"/>
-                  <dgm:param type="txAnchorVertCh" val="mid"/>
-                </dgm:alg>
-              </dgm:else>
-            </dgm:choose>
-            <dgm:choose name="Name10">
-              <dgm:if name="Name11" axis="ch" ptType="node" func="cnt" op="gte" val="1">
-                <dgm:shape xmlns:r="http://schemas.openxmlformats.org/officeDocument/2006/relationships" type="rect" r:blip="">
-                  <dgm:adjLst/>
-                </dgm:shape>
-              </dgm:if>
-              <dgm:else name="Name12">
-                <dgm:shape xmlns:r="http://schemas.openxmlformats.org/officeDocument/2006/relationships" type="rect" r:blip="" hideGeom="1">
-                  <dgm:adjLst/>
-                </dgm:shape>
-              </dgm:else>
-            </dgm:choose>
-            <dgm:choose name="Name13">
-              <dgm:if name="Name14" axis="ch" ptType="node" func="cnt" op="gte" val="1">
-                <dgm:presOf axis="des" ptType="node"/>
-              </dgm:if>
-              <dgm:else name="Name15">
-                <dgm:presOf/>
-              </dgm:else>
-            </dgm:choose>
-            <dgm:constrLst>
-              <dgm:constr type="lMarg" refType="primFontSz" fact="0.3"/>
-              <dgm:constr type="rMarg" refType="primFontSz" fact="0.3"/>
-              <dgm:constr type="tMarg" refType="primFontSz" fact="0.3"/>
-              <dgm:constr type="bMarg" refType="primFontSz" fact="0.3"/>
-            </dgm:constrLst>
-            <dgm:ruleLst>
-              <dgm:rule type="primFontSz" val="5" fact="NaN" max="NaN"/>
-            </dgm:ruleLst>
-          </dgm:layoutNode>
-          <dgm:layoutNode name="Parent" styleLbl="revTx">
-            <dgm:varLst>
-              <dgm:chMax val="1"/>
-              <dgm:chPref val="0"/>
-              <dgm:bulletEnabled val="1"/>
-            </dgm:varLst>
-            <dgm:alg type="tx">
-              <dgm:param type="shpTxLTRAlignCh" val="ctr"/>
-              <dgm:param type="txAnchorVert" val="mid"/>
-            </dgm:alg>
-            <dgm:shape xmlns:r="http://schemas.openxmlformats.org/officeDocument/2006/relationships" type="rect" r:blip="">
-              <dgm:adjLst/>
-            </dgm:shape>
-            <dgm:presOf axis="self" ptType="node"/>
-            <dgm:constrLst>
-              <dgm:constr type="lMarg" refType="primFontSz" fact="0.3"/>
-              <dgm:constr type="rMarg" refType="primFontSz" fact="0.3"/>
-              <dgm:constr type="tMarg" refType="primFontSz" fact="0.3"/>
-              <dgm:constr type="bMarg" refType="primFontSz" fact="0.3"/>
-            </dgm:constrLst>
-            <dgm:ruleLst>
-              <dgm:rule type="primFontSz" val="5" fact="NaN" max="NaN"/>
-            </dgm:ruleLst>
-          </dgm:layoutNode>
-        </dgm:layoutNode>
-      </dgm:layoutNode>
-      <dgm:forEach name="sibTransForEach" axis="followSib" ptType="sibTrans" cnt="1">
-        <dgm:layoutNode name="sibTrans">
-          <dgm:alg type="sp"/>
-          <dgm:shape xmlns:r="http://schemas.openxmlformats.org/officeDocument/2006/relationships" r:blip="">
-            <dgm:adjLst/>
-          </dgm:shape>
-        </dgm:layoutNode>
-      </dgm:forEach>
-    </dgm:forEach>
-  </dgm:layoutNode>
-</dgm:layoutDef>
-</file>
-
-<file path=ppt/diagrams/quickStyle1.xml><?xml version="1.0" encoding="utf-8"?>
-<dgm:styleDef xmlns:dgm="http://schemas.openxmlformats.org/drawingml/2006/diagram" xmlns:a="http://schemas.openxmlformats.org/drawingml/2006/main" uniqueId="urn:microsoft.com/office/officeart/2005/8/quickstyle/simple1">
-  <dgm:title val=""/>
-  <dgm:desc val=""/>
-  <dgm:catLst>
-    <dgm:cat type="simple" pri="10100"/>
-  </dgm:catLst>
-  <dgm:scene3d>
-    <a:camera prst="orthographicFront"/>
-    <a:lightRig rig="threePt" dir="t"/>
-  </dgm:scene3d>
-  <dgm:styleLbl name="node0">
-    <dgm:scene3d>
-      <a:camera prst="orthographicFront"/>
-      <a:lightRig rig="threePt" dir="t"/>
-    </dgm:scene3d>
-    <dgm:sp3d/>
-    <dgm:txPr/>
-    <dgm:style>
-      <a:lnRef idx="2">
-        <a:scrgbClr r="0" g="0" b="0"/>
-      </a:lnRef>
-      <a:fillRef idx="1">
-        <a:scrgbClr r="0" g="0" b="0"/>
-      </a:fillRef>
-      <a:effectRef idx="0">
-        <a:scrgbClr r="0" g="0" b="0"/>
-      </a:effectRef>
-      <a:fontRef idx="minor">
-        <a:schemeClr val="lt1"/>
-      </a:fontRef>
-    </dgm:style>
-  </dgm:styleLbl>
-  <dgm:styleLbl name="lnNode1">
-    <dgm:scene3d>
-      <a:camera prst="orthographicFront"/>
-      <a:lightRig rig="threePt" dir="t"/>
-    </dgm:scene3d>
-    <dgm:sp3d/>
-    <dgm:txPr/>
-    <dgm:style>
-      <a:lnRef idx="2">
-        <a:scrgbClr r="0" g="0" b="0"/>
-      </a:lnRef>
-      <a:fillRef idx="1">
-        <a:scrgbClr r="0" g="0" b="0"/>
-      </a:fillRef>
-      <a:effectRef idx="0">
-        <a:scrgbClr r="0" g="0" b="0"/>
-      </a:effectRef>
-      <a:fontRef idx="minor">
-        <a:schemeClr val="lt1"/>
-      </a:fontRef>
-    </dgm:style>
-  </dgm:styleLbl>
-  <dgm:styleLbl name="vennNode1">
-    <dgm:scene3d>
-      <a:camera prst="orthographicFront"/>
-      <a:lightRig rig="threePt" dir="t"/>
-    </dgm:scene3d>
-    <dgm:sp3d/>
-    <dgm:txPr/>
-    <dgm:style>
-      <a:lnRef idx="2">
-        <a:scrgbClr r="0" g="0" b="0"/>
-      </a:lnRef>
-      <a:fillRef idx="1">
-        <a:scrgbClr r="0" g="0" b="0"/>
-      </a:fillRef>
-      <a:effectRef idx="0">
-        <a:scrgbClr r="0" g="0" b="0"/>
-      </a:effectRef>
-      <a:fontRef idx="minor">
-        <a:schemeClr val="tx1"/>
-      </a:fontRef>
-    </dgm:style>
-  </dgm:styleLbl>
-  <dgm:styleLbl name="alignNode1">
-    <dgm:scene3d>
-      <a:camera prst="orthographicFront"/>
-      <a:lightRig rig="threePt" dir="t"/>
-    </dgm:scene3d>
-    <dgm:sp3d/>
-    <dgm:txPr/>
-    <dgm:style>
-      <a:lnRef idx="2">
-        <a:scrgbClr r="0" g="0" b="0"/>
-      </a:lnRef>
-      <a:fillRef idx="1">
-        <a:scrgbClr r="0" g="0" b="0"/>
-      </a:fillRef>
-      <a:effectRef idx="0">
-        <a:scrgbClr r="0" g="0" b="0"/>
-      </a:effectRef>
-      <a:fontRef idx="minor">
-        <a:schemeClr val="lt1"/>
-      </a:fontRef>
-    </dgm:style>
-  </dgm:styleLbl>
-  <dgm:styleLbl name="node1">
-    <dgm:scene3d>
-      <a:camera prst="orthographicFront"/>
-      <a:lightRig rig="threePt" dir="t"/>
-    </dgm:scene3d>
-    <dgm:sp3d/>
-    <dgm:txPr/>
-    <dgm:style>
-      <a:lnRef idx="2">
-        <a:scrgbClr r="0" g="0" b="0"/>
-      </a:lnRef>
-      <a:fillRef idx="1">
-        <a:scrgbClr r="0" g="0" b="0"/>
-      </a:fillRef>
-      <a:effectRef idx="0">
-        <a:scrgbClr r="0" g="0" b="0"/>
-      </a:effectRef>
-      <a:fontRef idx="minor">
-        <a:schemeClr val="lt1"/>
-      </a:fontRef>
-    </dgm:style>
-  </dgm:styleLbl>
-  <dgm:styleLbl name="node2">
-    <dgm:scene3d>
-      <a:camera prst="orthographicFront"/>
-      <a:lightRig rig="threePt" dir="t"/>
-    </dgm:scene3d>
-    <dgm:sp3d/>
-    <dgm:txPr/>
-    <dgm:style>
-      <a:lnRef idx="2">
-        <a:scrgbClr r="0" g="0" b="0"/>
-      </a:lnRef>
-      <a:fillRef idx="1">
-        <a:scrgbClr r="0" g="0" b="0"/>
-      </a:fillRef>
-      <a:effectRef idx="0">
-        <a:scrgbClr r="0" g="0" b="0"/>
-      </a:effectRef>
-      <a:fontRef idx="minor">
-        <a:schemeClr val="lt1"/>
-      </a:fontRef>
-    </dgm:style>
-  </dgm:styleLbl>
-  <dgm:styleLbl name="node3">
-    <dgm:scene3d>
-      <a:camera prst="orthographicFront"/>
-      <a:lightRig rig="threePt" dir="t"/>
-    </dgm:scene3d>
-    <dgm:sp3d/>
-    <dgm:txPr/>
-    <dgm:style>
-      <a:lnRef idx="2">
-        <a:scrgbClr r="0" g="0" b="0"/>
-      </a:lnRef>
-      <a:fillRef idx="1">
-        <a:scrgbClr r="0" g="0" b="0"/>
-      </a:fillRef>
-      <a:effectRef idx="0">
-        <a:scrgbClr r="0" g="0" b="0"/>
-      </a:effectRef>
-      <a:fontRef idx="minor">
-        <a:schemeClr val="lt1"/>
-      </a:fontRef>
-    </dgm:style>
-  </dgm:styleLbl>
-  <dgm:styleLbl name="node4">
-    <dgm:scene3d>
-      <a:camera prst="orthographicFront"/>
-      <a:lightRig rig="threePt" dir="t"/>
-    </dgm:scene3d>
-    <dgm:sp3d/>
-    <dgm:txPr/>
-    <dgm:style>
-      <a:lnRef idx="2">
-        <a:scrgbClr r="0" g="0" b="0"/>
-      </a:lnRef>
-      <a:fillRef idx="1">
-        <a:scrgbClr r="0" g="0" b="0"/>
-      </a:fillRef>
-      <a:effectRef idx="0">
-        <a:scrgbClr r="0" g="0" b="0"/>
-      </a:effectRef>
-      <a:fontRef idx="minor">
-        <a:schemeClr val="lt1"/>
-      </a:fontRef>
-    </dgm:style>
-  </dgm:styleLbl>
-  <dgm:styleLbl name="fgImgPlace1">
-    <dgm:scene3d>
-      <a:camera prst="orthographicFront"/>
-      <a:lightRig rig="threePt" dir="t"/>
-    </dgm:scene3d>
-    <dgm:sp3d/>
-    <dgm:txPr/>
-    <dgm:style>
-      <a:lnRef idx="2">
-        <a:scrgbClr r="0" g="0" b="0"/>
-      </a:lnRef>
-      <a:fillRef idx="1">
-        <a:scrgbClr r="0" g="0" b="0"/>
-      </a:fillRef>
-      <a:effectRef idx="0">
-        <a:scrgbClr r="0" g="0" b="0"/>
-      </a:effectRef>
-      <a:fontRef idx="minor"/>
-    </dgm:style>
-  </dgm:styleLbl>
-  <dgm:styleLbl name="alignImgPlace1">
-    <dgm:scene3d>
-      <a:camera prst="orthographicFront"/>
-      <a:lightRig rig="threePt" dir="t"/>
-    </dgm:scene3d>
-    <dgm:sp3d/>
-    <dgm:txPr/>
-    <dgm:style>
-      <a:lnRef idx="2">
-        <a:scrgbClr r="0" g="0" b="0"/>
-      </a:lnRef>
-      <a:fillRef idx="1">
-        <a:scrgbClr r="0" g="0" b="0"/>
-      </a:fillRef>
-      <a:effectRef idx="0">
-        <a:scrgbClr r="0" g="0" b="0"/>
-      </a:effectRef>
-      <a:fontRef idx="minor"/>
-    </dgm:style>
-  </dgm:styleLbl>
-  <dgm:styleLbl name="bgImgPlace1">
-    <dgm:scene3d>
-      <a:camera prst="orthographicFront"/>
-      <a:lightRig rig="threePt" dir="t"/>
-    </dgm:scene3d>
-    <dgm:sp3d/>
-    <dgm:txPr/>
-    <dgm:style>
-      <a:lnRef idx="2">
-        <a:scrgbClr r="0" g="0" b="0"/>
-      </a:lnRef>
-      <a:fillRef idx="1">
-        <a:scrgbClr r="0" g="0" b="0"/>
-      </a:fillRef>
-      <a:effectRef idx="0">
-        <a:scrgbClr r="0" g="0" b="0"/>
-      </a:effectRef>
-      <a:fontRef idx="minor"/>
-    </dgm:style>
-  </dgm:styleLbl>
-  <dgm:styleLbl name="sibTrans2D1">
-    <dgm:scene3d>
-      <a:camera prst="orthographicFront"/>
-      <a:lightRig rig="threePt" dir="t"/>
-    </dgm:scene3d>
-    <dgm:sp3d/>
-    <dgm:txPr/>
-    <dgm:style>
-      <a:lnRef idx="0">
-        <a:scrgbClr r="0" g="0" b="0"/>
-      </a:lnRef>
-      <a:fillRef idx="1">
-        <a:scrgbClr r="0" g="0" b="0"/>
-      </a:fillRef>
-      <a:effectRef idx="0">
-        <a:scrgbClr r="0" g="0" b="0"/>
-      </a:effectRef>
-      <a:fontRef idx="minor">
-        <a:schemeClr val="lt1"/>
-      </a:fontRef>
-    </dgm:style>
-  </dgm:styleLbl>
-  <dgm:styleLbl name="fgSibTrans2D1">
-    <dgm:scene3d>
-      <a:camera prst="orthographicFront"/>
-      <a:lightRig rig="threePt" dir="t"/>
-    </dgm:scene3d>
-    <dgm:sp3d/>
-    <dgm:txPr/>
-    <dgm:style>
-      <a:lnRef idx="0">
-        <a:scrgbClr r="0" g="0" b="0"/>
-      </a:lnRef>
-      <a:fillRef idx="1">
-        <a:scrgbClr r="0" g="0" b="0"/>
-      </a:fillRef>
-      <a:effectRef idx="0">
-        <a:scrgbClr r="0" g="0" b="0"/>
-      </a:effectRef>
-      <a:fontRef idx="minor">
-        <a:schemeClr val="lt1"/>
-      </a:fontRef>
-    </dgm:style>
-  </dgm:styleLbl>
-  <dgm:styleLbl name="bgSibTrans2D1">
-    <dgm:scene3d>
-      <a:camera prst="orthographicFront"/>
-      <a:lightRig rig="threePt" dir="t"/>
-    </dgm:scene3d>
-    <dgm:sp3d/>
-    <dgm:txPr/>
-    <dgm:style>
-      <a:lnRef idx="0">
-        <a:scrgbClr r="0" g="0" b="0"/>
-      </a:lnRef>
-      <a:fillRef idx="1">
-        <a:scrgbClr r="0" g="0" b="0"/>
-      </a:fillRef>
-      <a:effectRef idx="0">
-        <a:scrgbClr r="0" g="0" b="0"/>
-      </a:effectRef>
-      <a:fontRef idx="minor">
-        <a:schemeClr val="lt1"/>
-      </a:fontRef>
-    </dgm:style>
-  </dgm:styleLbl>
-  <dgm:styleLbl name="sibTrans1D1">
-    <dgm:scene3d>
-      <a:camera prst="orthographicFront"/>
-      <a:lightRig rig="threePt" dir="t"/>
-    </dgm:scene3d>
-    <dgm:sp3d/>
-    <dgm:txPr/>
-    <dgm:style>
-      <a:lnRef idx="1">
-        <a:scrgbClr r="0" g="0" b="0"/>
-      </a:lnRef>
-      <a:fillRef idx="0">
-        <a:scrgbClr r="0" g="0" b="0"/>
-      </a:fillRef>
-      <a:effectRef idx="0">
-        <a:scrgbClr r="0" g="0" b="0"/>
-      </a:effectRef>
-      <a:fontRef idx="minor"/>
-    </dgm:style>
-  </dgm:styleLbl>
-  <dgm:styleLbl name="callout">
-    <dgm:scene3d>
-      <a:camera prst="orthographicFront"/>
-      <a:lightRig rig="threePt" dir="t"/>
-    </dgm:scene3d>
-    <dgm:sp3d/>
-    <dgm:txPr/>
-    <dgm:style>
-      <a:lnRef idx="2">
-        <a:scrgbClr r="0" g="0" b="0"/>
-      </a:lnRef>
-      <a:fillRef idx="1">
-        <a:scrgbClr r="0" g="0" b="0"/>
-      </a:fillRef>
-      <a:effectRef idx="0">
-        <a:scrgbClr r="0" g="0" b="0"/>
-      </a:effectRef>
-      <a:fontRef idx="minor"/>
-    </dgm:style>
-  </dgm:styleLbl>
-  <dgm:styleLbl name="asst0">
-    <dgm:scene3d>
-      <a:camera prst="orthographicFront"/>
-      <a:lightRig rig="threePt" dir="t"/>
-    </dgm:scene3d>
-    <dgm:sp3d/>
-    <dgm:txPr/>
-    <dgm:style>
-      <a:lnRef idx="2">
-        <a:scrgbClr r="0" g="0" b="0"/>
-      </a:lnRef>
-      <a:fillRef idx="1">
-        <a:scrgbClr r="0" g="0" b="0"/>
-      </a:fillRef>
-      <a:effectRef idx="0">
-        <a:scrgbClr r="0" g="0" b="0"/>
-      </a:effectRef>
-      <a:fontRef idx="minor">
-        <a:schemeClr val="lt1"/>
-      </a:fontRef>
-    </dgm:style>
-  </dgm:styleLbl>
-  <dgm:styleLbl name="asst1">
-    <dgm:scene3d>
-      <a:camera prst="orthographicFront"/>
-      <a:lightRig rig="threePt" dir="t"/>
-    </dgm:scene3d>
-    <dgm:sp3d/>
-    <dgm:txPr/>
-    <dgm:style>
-      <a:lnRef idx="2">
-        <a:scrgbClr r="0" g="0" b="0"/>
-      </a:lnRef>
-      <a:fillRef idx="1">
-        <a:scrgbClr r="0" g="0" b="0"/>
-      </a:fillRef>
-      <a:effectRef idx="0">
-        <a:scrgbClr r="0" g="0" b="0"/>
-      </a:effectRef>
-      <a:fontRef idx="minor">
-        <a:schemeClr val="lt1"/>
-      </a:fontRef>
-    </dgm:style>
-  </dgm:styleLbl>
-  <dgm:styleLbl name="asst2">
-    <dgm:scene3d>
-      <a:camera prst="orthographicFront"/>
-      <a:lightRig rig="threePt" dir="t"/>
-    </dgm:scene3d>
-    <dgm:sp3d/>
-    <dgm:txPr/>
-    <dgm:style>
-      <a:lnRef idx="2">
-        <a:scrgbClr r="0" g="0" b="0"/>
-      </a:lnRef>
-      <a:fillRef idx="1">
-        <a:scrgbClr r="0" g="0" b="0"/>
-      </a:fillRef>
-      <a:effectRef idx="0">
-        <a:scrgbClr r="0" g="0" b="0"/>
-      </a:effectRef>
-      <a:fontRef idx="minor">
-        <a:schemeClr val="lt1"/>
-      </a:fontRef>
-    </dgm:style>
-  </dgm:styleLbl>
-  <dgm:styleLbl name="asst3">
-    <dgm:scene3d>
-      <a:camera prst="orthographicFront"/>
-      <a:lightRig rig="threePt" dir="t"/>
-    </dgm:scene3d>
-    <dgm:sp3d/>
-    <dgm:txPr/>
-    <dgm:style>
-      <a:lnRef idx="2">
-        <a:scrgbClr r="0" g="0" b="0"/>
-      </a:lnRef>
-      <a:fillRef idx="1">
-        <a:scrgbClr r="0" g="0" b="0"/>
-      </a:fillRef>
-      <a:effectRef idx="0">
-        <a:scrgbClr r="0" g="0" b="0"/>
-      </a:effectRef>
-      <a:fontRef idx="minor">
-        <a:schemeClr val="lt1"/>
-      </a:fontRef>
-    </dgm:style>
-  </dgm:styleLbl>
-  <dgm:styleLbl name="asst4">
-    <dgm:scene3d>
-      <a:camera prst="orthographicFront"/>
-      <a:lightRig rig="threePt" dir="t"/>
-    </dgm:scene3d>
-    <dgm:sp3d/>
-    <dgm:txPr/>
-    <dgm:style>
-      <a:lnRef idx="2">
-        <a:scrgbClr r="0" g="0" b="0"/>
-      </a:lnRef>
-      <a:fillRef idx="1">
-        <a:scrgbClr r="0" g="0" b="0"/>
-      </a:fillRef>
-      <a:effectRef idx="0">
-        <a:scrgbClr r="0" g="0" b="0"/>
-      </a:effectRef>
-      <a:fontRef idx="minor">
-        <a:schemeClr val="lt1"/>
-      </a:fontRef>
-    </dgm:style>
-  </dgm:styleLbl>
-  <dgm:styleLbl name="parChTrans2D1">
-    <dgm:scene3d>
-      <a:camera prst="orthographicFront"/>
-      <a:lightRig rig="threePt" dir="t"/>
-    </dgm:scene3d>
-    <dgm:sp3d/>
-    <dgm:txPr/>
-    <dgm:style>
-      <a:lnRef idx="2">
-        <a:scrgbClr r="0" g="0" b="0"/>
-      </a:lnRef>
-      <a:fillRef idx="1">
-        <a:scrgbClr r="0" g="0" b="0"/>
-      </a:fillRef>
-      <a:effectRef idx="0">
-        <a:scrgbClr r="0" g="0" b="0"/>
-      </a:effectRef>
-      <a:fontRef idx="minor">
-        <a:schemeClr val="lt1"/>
-      </a:fontRef>
-    </dgm:style>
-  </dgm:styleLbl>
-  <dgm:styleLbl name="parChTrans2D2">
-    <dgm:scene3d>
-      <a:camera prst="orthographicFront"/>
-      <a:lightRig rig="threePt" dir="t"/>
-    </dgm:scene3d>
-    <dgm:sp3d/>
-    <dgm:txPr/>
-    <dgm:style>
-      <a:lnRef idx="2">
-        <a:scrgbClr r="0" g="0" b="0"/>
-      </a:lnRef>
-      <a:fillRef idx="1">
-        <a:scrgbClr r="0" g="0" b="0"/>
-      </a:fillRef>
-      <a:effectRef idx="0">
-        <a:scrgbClr r="0" g="0" b="0"/>
-      </a:effectRef>
-      <a:fontRef idx="minor">
-        <a:schemeClr val="lt1"/>
-      </a:fontRef>
-    </dgm:style>
-  </dgm:styleLbl>
-  <dgm:styleLbl name="parChTrans2D3">
-    <dgm:scene3d>
-      <a:camera prst="orthographicFront"/>
-      <a:lightRig rig="threePt" dir="t"/>
-    </dgm:scene3d>
-    <dgm:sp3d/>
-    <dgm:txPr/>
-    <dgm:style>
-      <a:lnRef idx="2">
-        <a:scrgbClr r="0" g="0" b="0"/>
-      </a:lnRef>
-      <a:fillRef idx="1">
-        <a:scrgbClr r="0" g="0" b="0"/>
-      </a:fillRef>
-      <a:effectRef idx="0">
-        <a:scrgbClr r="0" g="0" b="0"/>
-      </a:effectRef>
-      <a:fontRef idx="minor">
-        <a:schemeClr val="lt1"/>
-      </a:fontRef>
-    </dgm:style>
-  </dgm:styleLbl>
-  <dgm:styleLbl name="parChTrans2D4">
-    <dgm:scene3d>
-      <a:camera prst="orthographicFront"/>
-      <a:lightRig rig="threePt" dir="t"/>
-    </dgm:scene3d>
-    <dgm:sp3d/>
-    <dgm:txPr/>
-    <dgm:style>
-      <a:lnRef idx="2">
-        <a:scrgbClr r="0" g="0" b="0"/>
-      </a:lnRef>
-      <a:fillRef idx="1">
-        <a:scrgbClr r="0" g="0" b="0"/>
-      </a:fillRef>
-      <a:effectRef idx="0">
-        <a:scrgbClr r="0" g="0" b="0"/>
-      </a:effectRef>
-      <a:fontRef idx="minor">
-        <a:schemeClr val="lt1"/>
-      </a:fontRef>
-    </dgm:style>
-  </dgm:styleLbl>
-  <dgm:styleLbl name="parChTrans1D1">
-    <dgm:scene3d>
-      <a:camera prst="orthographicFront"/>
-      <a:lightRig rig="threePt" dir="t"/>
-    </dgm:scene3d>
-    <dgm:sp3d/>
-    <dgm:txPr/>
-    <dgm:style>
-      <a:lnRef idx="2">
-        <a:scrgbClr r="0" g="0" b="0"/>
-      </a:lnRef>
-      <a:fillRef idx="0">
-        <a:scrgbClr r="0" g="0" b="0"/>
-      </a:fillRef>
-      <a:effectRef idx="0">
-        <a:scrgbClr r="0" g="0" b="0"/>
-      </a:effectRef>
-      <a:fontRef idx="minor"/>
-    </dgm:style>
-  </dgm:styleLbl>
-  <dgm:styleLbl name="parChTrans1D2">
-    <dgm:scene3d>
-      <a:camera prst="orthographicFront"/>
-      <a:lightRig rig="threePt" dir="t"/>
-    </dgm:scene3d>
-    <dgm:sp3d/>
-    <dgm:txPr/>
-    <dgm:style>
-      <a:lnRef idx="2">
-        <a:scrgbClr r="0" g="0" b="0"/>
-      </a:lnRef>
-      <a:fillRef idx="0">
-        <a:scrgbClr r="0" g="0" b="0"/>
-      </a:fillRef>
-      <a:effectRef idx="0">
-        <a:scrgbClr r="0" g="0" b="0"/>
-      </a:effectRef>
-      <a:fontRef idx="minor"/>
-    </dgm:style>
-  </dgm:styleLbl>
-  <dgm:styleLbl name="parChTrans1D3">
-    <dgm:scene3d>
-      <a:camera prst="orthographicFront"/>
-      <a:lightRig rig="threePt" dir="t"/>
-    </dgm:scene3d>
-    <dgm:sp3d/>
-    <dgm:txPr/>
-    <dgm:style>
-      <a:lnRef idx="2">
-        <a:scrgbClr r="0" g="0" b="0"/>
-      </a:lnRef>
-      <a:fillRef idx="0">
-        <a:scrgbClr r="0" g="0" b="0"/>
-      </a:fillRef>
-      <a:effectRef idx="0">
-        <a:scrgbClr r="0" g="0" b="0"/>
-      </a:effectRef>
-      <a:fontRef idx="minor"/>
-    </dgm:style>
-  </dgm:styleLbl>
-  <dgm:styleLbl name="parChTrans1D4">
-    <dgm:scene3d>
-      <a:camera prst="orthographicFront"/>
-      <a:lightRig rig="threePt" dir="t"/>
-    </dgm:scene3d>
-    <dgm:sp3d/>
-    <dgm:txPr/>
-    <dgm:style>
-      <a:lnRef idx="2">
-        <a:scrgbClr r="0" g="0" b="0"/>
-      </a:lnRef>
-      <a:fillRef idx="0">
-        <a:scrgbClr r="0" g="0" b="0"/>
-      </a:fillRef>
-      <a:effectRef idx="0">
-        <a:scrgbClr r="0" g="0" b="0"/>
-      </a:effectRef>
-      <a:fontRef idx="minor"/>
-    </dgm:style>
-  </dgm:styleLbl>
-  <dgm:styleLbl name="fgAcc1">
-    <dgm:scene3d>
-      <a:camera prst="orthographicFront"/>
-      <a:lightRig rig="threePt" dir="t"/>
-    </dgm:scene3d>
-    <dgm:sp3d/>
-    <dgm:txPr/>
-    <dgm:style>
-      <a:lnRef idx="2">
-        <a:scrgbClr r="0" g="0" b="0"/>
-      </a:lnRef>
-      <a:fillRef idx="1">
-        <a:scrgbClr r="0" g="0" b="0"/>
-      </a:fillRef>
-      <a:effectRef idx="0">
-        <a:scrgbClr r="0" g="0" b="0"/>
-      </a:effectRef>
-      <a:fontRef idx="minor"/>
-    </dgm:style>
-  </dgm:styleLbl>
-  <dgm:styleLbl name="conFgAcc1">
-    <dgm:scene3d>
-      <a:camera prst="orthographicFront"/>
-      <a:lightRig rig="threePt" dir="t"/>
-    </dgm:scene3d>
-    <dgm:sp3d/>
-    <dgm:txPr/>
-    <dgm:style>
-      <a:lnRef idx="2">
-        <a:scrgbClr r="0" g="0" b="0"/>
-      </a:lnRef>
-      <a:fillRef idx="1">
-        <a:scrgbClr r="0" g="0" b="0"/>
-      </a:fillRef>
-      <a:effectRef idx="0">
-        <a:scrgbClr r="0" g="0" b="0"/>
-      </a:effectRef>
-      <a:fontRef idx="minor"/>
-    </dgm:style>
-  </dgm:styleLbl>
-  <dgm:styleLbl name="alignAcc1">
-    <dgm:scene3d>
-      <a:camera prst="orthographicFront"/>
-      <a:lightRig rig="threePt" dir="t"/>
-    </dgm:scene3d>
-    <dgm:sp3d/>
-    <dgm:txPr/>
-    <dgm:style>
-      <a:lnRef idx="2">
-        <a:scrgbClr r="0" g="0" b="0"/>
-      </a:lnRef>
-      <a:fillRef idx="1">
-        <a:scrgbClr r="0" g="0" b="0"/>
-      </a:fillRef>
-      <a:effectRef idx="0">
-        <a:scrgbClr r="0" g="0" b="0"/>
-      </a:effectRef>
-      <a:fontRef idx="minor"/>
-    </dgm:style>
-  </dgm:styleLbl>
-  <dgm:styleLbl name="trAlignAcc1">
-    <dgm:scene3d>
-      <a:camera prst="orthographicFront"/>
-      <a:lightRig rig="threePt" dir="t"/>
-    </dgm:scene3d>
-    <dgm:sp3d/>
-    <dgm:txPr/>
-    <dgm:style>
-      <a:lnRef idx="1">
-        <a:scrgbClr r="0" g="0" b="0"/>
-      </a:lnRef>
-      <a:fillRef idx="1">
-        <a:scrgbClr r="0" g="0" b="0"/>
-      </a:fillRef>
-      <a:effectRef idx="0">
-        <a:scrgbClr r="0" g="0" b="0"/>
-      </a:effectRef>
-      <a:fontRef idx="minor"/>
-    </dgm:style>
-  </dgm:styleLbl>
-  <dgm:styleLbl name="bgAcc1">
-    <dgm:scene3d>
-      <a:camera prst="orthographicFront"/>
-      <a:lightRig rig="threePt" dir="t"/>
-    </dgm:scene3d>
-    <dgm:sp3d/>
-    <dgm:txPr/>
-    <dgm:style>
-      <a:lnRef idx="2">
-        <a:scrgbClr r="0" g="0" b="0"/>
-      </a:lnRef>
-      <a:fillRef idx="1">
-        <a:scrgbClr r="0" g="0" b="0"/>
-      </a:fillRef>
-      <a:effectRef idx="0">
-        <a:scrgbClr r="0" g="0" b="0"/>
-      </a:effectRef>
-      <a:fontRef idx="minor"/>
-    </dgm:style>
-  </dgm:styleLbl>
-  <dgm:styleLbl name="solidFgAcc1">
-    <dgm:scene3d>
-      <a:camera prst="orthographicFront"/>
-      <a:lightRig rig="threePt" dir="t"/>
-    </dgm:scene3d>
-    <dgm:sp3d/>
-    <dgm:txPr/>
-    <dgm:style>
-      <a:lnRef idx="2">
-        <a:scrgbClr r="0" g="0" b="0"/>
-      </a:lnRef>
-      <a:fillRef idx="1">
-        <a:scrgbClr r="0" g="0" b="0"/>
-      </a:fillRef>
-      <a:effectRef idx="0">
-        <a:scrgbClr r="0" g="0" b="0"/>
-      </a:effectRef>
-      <a:fontRef idx="minor"/>
-    </dgm:style>
-  </dgm:styleLbl>
-  <dgm:styleLbl name="solidAlignAcc1">
-    <dgm:scene3d>
-      <a:camera prst="orthographicFront"/>
-      <a:lightRig rig="threePt" dir="t"/>
-    </dgm:scene3d>
-    <dgm:sp3d/>
-    <dgm:txPr/>
-    <dgm:style>
-      <a:lnRef idx="2">
-        <a:scrgbClr r="0" g="0" b="0"/>
-      </a:lnRef>
-      <a:fillRef idx="1">
-        <a:scrgbClr r="0" g="0" b="0"/>
-      </a:fillRef>
-      <a:effectRef idx="0">
-        <a:scrgbClr r="0" g="0" b="0"/>
-      </a:effectRef>
-      <a:fontRef idx="minor"/>
-    </dgm:style>
-  </dgm:styleLbl>
-  <dgm:styleLbl name="solidBgAcc1">
-    <dgm:scene3d>
-      <a:camera prst="orthographicFront"/>
-      <a:lightRig rig="threePt" dir="t"/>
-    </dgm:scene3d>
-    <dgm:sp3d/>
-    <dgm:txPr/>
-    <dgm:style>
-      <a:lnRef idx="2">
-        <a:scrgbClr r="0" g="0" b="0"/>
-      </a:lnRef>
-      <a:fillRef idx="1">
-        <a:scrgbClr r="0" g="0" b="0"/>
-      </a:fillRef>
-      <a:effectRef idx="0">
-        <a:scrgbClr r="0" g="0" b="0"/>
-      </a:effectRef>
-      <a:fontRef idx="minor"/>
-    </dgm:style>
-  </dgm:styleLbl>
-  <dgm:styleLbl name="fgAccFollowNode1">
-    <dgm:scene3d>
-      <a:camera prst="orthographicFront"/>
-      <a:lightRig rig="threePt" dir="t"/>
-    </dgm:scene3d>
-    <dgm:sp3d/>
-    <dgm:txPr/>
-    <dgm:style>
-      <a:lnRef idx="2">
-        <a:scrgbClr r="0" g="0" b="0"/>
-      </a:lnRef>
-      <a:fillRef idx="1">
-        <a:scrgbClr r="0" g="0" b="0"/>
-      </a:fillRef>
-      <a:effectRef idx="0">
-        <a:scrgbClr r="0" g="0" b="0"/>
-      </a:effectRef>
-      <a:fontRef idx="minor"/>
-    </dgm:style>
-  </dgm:styleLbl>
-  <dgm:styleLbl name="alignAccFollowNode1">
-    <dgm:scene3d>
-      <a:camera prst="orthographicFront"/>
-      <a:lightRig rig="threePt" dir="t"/>
-    </dgm:scene3d>
-    <dgm:sp3d/>
-    <dgm:txPr/>
-    <dgm:style>
-      <a:lnRef idx="2">
-        <a:scrgbClr r="0" g="0" b="0"/>
-      </a:lnRef>
-      <a:fillRef idx="1">
-        <a:scrgbClr r="0" g="0" b="0"/>
-      </a:fillRef>
-      <a:effectRef idx="0">
-        <a:scrgbClr r="0" g="0" b="0"/>
-      </a:effectRef>
-      <a:fontRef idx="minor"/>
-    </dgm:style>
-  </dgm:styleLbl>
-  <dgm:styleLbl name="bgAccFollowNode1">
-    <dgm:scene3d>
-      <a:camera prst="orthographicFront"/>
-      <a:lightRig rig="threePt" dir="t"/>
-    </dgm:scene3d>
-    <dgm:sp3d/>
-    <dgm:txPr/>
-    <dgm:style>
-      <a:lnRef idx="2">
-        <a:scrgbClr r="0" g="0" b="0"/>
-      </a:lnRef>
-      <a:fillRef idx="1">
-        <a:scrgbClr r="0" g="0" b="0"/>
-      </a:fillRef>
-      <a:effectRef idx="0">
-        <a:scrgbClr r="0" g="0" b="0"/>
-      </a:effectRef>
-      <a:fontRef idx="minor"/>
-    </dgm:style>
-  </dgm:styleLbl>
-  <dgm:styleLbl name="fgAcc0">
-    <dgm:scene3d>
-      <a:camera prst="orthographicFront"/>
-      <a:lightRig rig="threePt" dir="t"/>
-    </dgm:scene3d>
-    <dgm:sp3d/>
-    <dgm:txPr/>
-    <dgm:style>
-      <a:lnRef idx="2">
-        <a:scrgbClr r="0" g="0" b="0"/>
-      </a:lnRef>
-      <a:fillRef idx="1">
-        <a:scrgbClr r="0" g="0" b="0"/>
-      </a:fillRef>
-      <a:effectRef idx="0">
-        <a:scrgbClr r="0" g="0" b="0"/>
-      </a:effectRef>
-      <a:fontRef idx="minor"/>
-    </dgm:style>
-  </dgm:styleLbl>
-  <dgm:styleLbl name="fgAcc2">
-    <dgm:scene3d>
-      <a:camera prst="orthographicFront"/>
-      <a:lightRig rig="threePt" dir="t"/>
-    </dgm:scene3d>
-    <dgm:sp3d/>
-    <dgm:txPr/>
-    <dgm:style>
-      <a:lnRef idx="2">
-        <a:scrgbClr r="0" g="0" b="0"/>
-      </a:lnRef>
-      <a:fillRef idx="1">
-        <a:scrgbClr r="0" g="0" b="0"/>
-      </a:fillRef>
-      <a:effectRef idx="0">
-        <a:scrgbClr r="0" g="0" b="0"/>
-      </a:effectRef>
-      <a:fontRef idx="minor"/>
-    </dgm:style>
-  </dgm:styleLbl>
-  <dgm:styleLbl name="fgAcc3">
-    <dgm:scene3d>
-      <a:camera prst="orthographicFront"/>
-      <a:lightRig rig="threePt" dir="t"/>
-    </dgm:scene3d>
-    <dgm:sp3d/>
-    <dgm:txPr/>
-    <dgm:style>
-      <a:lnRef idx="2">
-        <a:scrgbClr r="0" g="0" b="0"/>
-      </a:lnRef>
-      <a:fillRef idx="1">
-        <a:scrgbClr r="0" g="0" b="0"/>
-      </a:fillRef>
-      <a:effectRef idx="0">
-        <a:scrgbClr r="0" g="0" b="0"/>
-      </a:effectRef>
-      <a:fontRef idx="minor"/>
-    </dgm:style>
-  </dgm:styleLbl>
-  <dgm:styleLbl name="fgAcc4">
-    <dgm:scene3d>
-      <a:camera prst="orthographicFront"/>
-      <a:lightRig rig="threePt" dir="t"/>
-    </dgm:scene3d>
-    <dgm:sp3d/>
-    <dgm:txPr/>
-    <dgm:style>
-      <a:lnRef idx="2">
-        <a:scrgbClr r="0" g="0" b="0"/>
-      </a:lnRef>
-      <a:fillRef idx="1">
-        <a:scrgbClr r="0" g="0" b="0"/>
-      </a:fillRef>
-      <a:effectRef idx="0">
-        <a:scrgbClr r="0" g="0" b="0"/>
-      </a:effectRef>
-      <a:fontRef idx="minor"/>
-    </dgm:style>
-  </dgm:styleLbl>
-  <dgm:styleLbl name="bgShp">
-    <dgm:scene3d>
-      <a:camera prst="orthographicFront"/>
-      <a:lightRig rig="threePt" dir="t"/>
-    </dgm:scene3d>
-    <dgm:sp3d/>
-    <dgm:txPr/>
-    <dgm:style>
-      <a:lnRef idx="0">
-        <a:scrgbClr r="0" g="0" b="0"/>
-      </a:lnRef>
-      <a:fillRef idx="1">
-        <a:scrgbClr r="0" g="0" b="0"/>
-      </a:fillRef>
-      <a:effectRef idx="0">
-        <a:scrgbClr r="0" g="0" b="0"/>
-      </a:effectRef>
-      <a:fontRef idx="minor"/>
-    </dgm:style>
-  </dgm:styleLbl>
-  <dgm:styleLbl name="dkBgShp">
-    <dgm:scene3d>
-      <a:camera prst="orthographicFront"/>
-      <a:lightRig rig="threePt" dir="t"/>
-    </dgm:scene3d>
-    <dgm:sp3d/>
-    <dgm:txPr/>
-    <dgm:style>
-      <a:lnRef idx="0">
-        <a:scrgbClr r="0" g="0" b="0"/>
-      </a:lnRef>
-      <a:fillRef idx="1">
-        <a:scrgbClr r="0" g="0" b="0"/>
-      </a:fillRef>
-      <a:effectRef idx="0">
-        <a:scrgbClr r="0" g="0" b="0"/>
-      </a:effectRef>
-      <a:fontRef idx="minor"/>
-    </dgm:style>
-  </dgm:styleLbl>
-  <dgm:styleLbl name="trBgShp">
-    <dgm:scene3d>
-      <a:camera prst="orthographicFront"/>
-      <a:lightRig rig="threePt" dir="t"/>
-    </dgm:scene3d>
-    <dgm:sp3d/>
-    <dgm:txPr/>
-    <dgm:style>
-      <a:lnRef idx="0">
-        <a:scrgbClr r="0" g="0" b="0"/>
-      </a:lnRef>
-      <a:fillRef idx="1">
-        <a:scrgbClr r="0" g="0" b="0"/>
-      </a:fillRef>
-      <a:effectRef idx="0">
-        <a:scrgbClr r="0" g="0" b="0"/>
-      </a:effectRef>
-      <a:fontRef idx="minor"/>
-    </dgm:style>
-  </dgm:styleLbl>
-  <dgm:styleLbl name="fgShp">
-    <dgm:scene3d>
-      <a:camera prst="orthographicFront"/>
-      <a:lightRig rig="threePt" dir="t"/>
-    </dgm:scene3d>
-    <dgm:sp3d/>
-    <dgm:txPr/>
-    <dgm:style>
-      <a:lnRef idx="2">
-        <a:scrgbClr r="0" g="0" b="0"/>
-      </a:lnRef>
-      <a:fillRef idx="1">
-        <a:scrgbClr r="0" g="0" b="0"/>
-      </a:fillRef>
-      <a:effectRef idx="0">
-        <a:scrgbClr r="0" g="0" b="0"/>
-      </a:effectRef>
-      <a:fontRef idx="minor"/>
-    </dgm:style>
-  </dgm:styleLbl>
-  <dgm:styleLbl name="revTx">
-    <dgm:scene3d>
-      <a:camera prst="orthographicFront"/>
-      <a:lightRig rig="threePt" dir="t"/>
-    </dgm:scene3d>
-    <dgm:sp3d/>
-    <dgm:txPr/>
-    <dgm:style>
-      <a:lnRef idx="0">
-        <a:scrgbClr r="0" g="0" b="0"/>
-      </a:lnRef>
-      <a:fillRef idx="0">
-        <a:scrgbClr r="0" g="0" b="0"/>
-      </a:fillRef>
-      <a:effectRef idx="0">
-        <a:scrgbClr r="0" g="0" b="0"/>
-      </a:effectRef>
-      <a:fontRef idx="minor"/>
-    </dgm:style>
-  </dgm:styleLbl>
-</dgm:styleDef>
-</file>
-
 <file path=ppt/slideLayouts/slideLayout1.xml><?xml version="1.0" encoding="utf-8"?>
 <p:sldLayout xmlns:a="http://schemas.openxmlformats.org/drawingml/2006/main" xmlns:r="http://schemas.openxmlformats.org/officeDocument/2006/relationships" xmlns:p="http://schemas.openxmlformats.org/presentationml/2006/main" type="title" preserve="1">
   <p:cSld name="Title Slide">
@@ -4170,7 +282,7 @@
           <a:p>
             <a:fld id="{D2CDA3DE-14DF-470F-9819-26C440152B3A}" type="datetimeFigureOut">
               <a:rPr lang="en-DK" smtClean="0"/>
-              <a:t>07/05/2022</a:t>
+              <a:t>05/08/2022</a:t>
             </a:fld>
             <a:endParaRPr lang="en-DK"/>
           </a:p>
@@ -4437,7 +549,7 @@
           <a:p>
             <a:fld id="{D2CDA3DE-14DF-470F-9819-26C440152B3A}" type="datetimeFigureOut">
               <a:rPr lang="en-DK" smtClean="0"/>
-              <a:t>07/05/2022</a:t>
+              <a:t>05/08/2022</a:t>
             </a:fld>
             <a:endParaRPr lang="en-DK"/>
           </a:p>
@@ -4668,7 +780,7 @@
           <a:p>
             <a:fld id="{D2CDA3DE-14DF-470F-9819-26C440152B3A}" type="datetimeFigureOut">
               <a:rPr lang="en-DK" smtClean="0"/>
-              <a:t>07/05/2022</a:t>
+              <a:t>05/08/2022</a:t>
             </a:fld>
             <a:endParaRPr lang="en-DK"/>
           </a:p>
@@ -4978,7 +1090,7 @@
           <a:p>
             <a:fld id="{D2CDA3DE-14DF-470F-9819-26C440152B3A}" type="datetimeFigureOut">
               <a:rPr lang="en-DK" smtClean="0"/>
-              <a:t>07/05/2022</a:t>
+              <a:t>05/08/2022</a:t>
             </a:fld>
             <a:endParaRPr lang="en-DK"/>
           </a:p>
@@ -5451,7 +1563,7 @@
           <a:p>
             <a:fld id="{D2CDA3DE-14DF-470F-9819-26C440152B3A}" type="datetimeFigureOut">
               <a:rPr lang="en-DK" smtClean="0"/>
-              <a:t>07/05/2022</a:t>
+              <a:t>05/08/2022</a:t>
             </a:fld>
             <a:endParaRPr lang="en-DK"/>
           </a:p>
@@ -5998,7 +2110,7 @@
           <a:p>
             <a:fld id="{D2CDA3DE-14DF-470F-9819-26C440152B3A}" type="datetimeFigureOut">
               <a:rPr lang="en-DK" smtClean="0"/>
-              <a:t>07/05/2022</a:t>
+              <a:t>05/08/2022</a:t>
             </a:fld>
             <a:endParaRPr lang="en-DK"/>
           </a:p>
@@ -6772,7 +2884,7 @@
           <a:p>
             <a:fld id="{D2CDA3DE-14DF-470F-9819-26C440152B3A}" type="datetimeFigureOut">
               <a:rPr lang="en-DK" smtClean="0"/>
-              <a:t>07/05/2022</a:t>
+              <a:t>05/08/2022</a:t>
             </a:fld>
             <a:endParaRPr lang="en-DK"/>
           </a:p>
@@ -6947,7 +3059,7 @@
           <a:p>
             <a:fld id="{D2CDA3DE-14DF-470F-9819-26C440152B3A}" type="datetimeFigureOut">
               <a:rPr lang="en-DK" smtClean="0"/>
-              <a:t>07/05/2022</a:t>
+              <a:t>05/08/2022</a:t>
             </a:fld>
             <a:endParaRPr lang="en-DK"/>
           </a:p>
@@ -7170,7 +3282,7 @@
           <a:p>
             <a:fld id="{D2CDA3DE-14DF-470F-9819-26C440152B3A}" type="datetimeFigureOut">
               <a:rPr lang="en-DK" smtClean="0"/>
-              <a:t>07/05/2022</a:t>
+              <a:t>05/08/2022</a:t>
             </a:fld>
             <a:endParaRPr lang="en-DK"/>
           </a:p>
@@ -7350,7 +3462,7 @@
           <a:p>
             <a:fld id="{D2CDA3DE-14DF-470F-9819-26C440152B3A}" type="datetimeFigureOut">
               <a:rPr lang="en-DK" smtClean="0"/>
-              <a:t>07/05/2022</a:t>
+              <a:t>05/08/2022</a:t>
             </a:fld>
             <a:endParaRPr lang="en-DK"/>
           </a:p>
@@ -7639,7 +3751,7 @@
           <a:p>
             <a:fld id="{D2CDA3DE-14DF-470F-9819-26C440152B3A}" type="datetimeFigureOut">
               <a:rPr lang="en-DK" smtClean="0"/>
-              <a:t>07/05/2022</a:t>
+              <a:t>05/08/2022</a:t>
             </a:fld>
             <a:endParaRPr lang="en-DK"/>
           </a:p>
@@ -7881,7 +3993,7 @@
           <a:p>
             <a:fld id="{D2CDA3DE-14DF-470F-9819-26C440152B3A}" type="datetimeFigureOut">
               <a:rPr lang="en-DK" smtClean="0"/>
-              <a:t>07/05/2022</a:t>
+              <a:t>05/08/2022</a:t>
             </a:fld>
             <a:endParaRPr lang="en-DK"/>
           </a:p>
@@ -8260,7 +4372,7 @@
           <a:p>
             <a:fld id="{D2CDA3DE-14DF-470F-9819-26C440152B3A}" type="datetimeFigureOut">
               <a:rPr lang="en-DK" smtClean="0"/>
-              <a:t>07/05/2022</a:t>
+              <a:t>05/08/2022</a:t>
             </a:fld>
             <a:endParaRPr lang="en-DK"/>
           </a:p>
@@ -8378,7 +4490,7 @@
           <a:p>
             <a:fld id="{D2CDA3DE-14DF-470F-9819-26C440152B3A}" type="datetimeFigureOut">
               <a:rPr lang="en-DK" smtClean="0"/>
-              <a:t>07/05/2022</a:t>
+              <a:t>05/08/2022</a:t>
             </a:fld>
             <a:endParaRPr lang="en-DK"/>
           </a:p>
@@ -8473,7 +4585,7 @@
           <a:p>
             <a:fld id="{D2CDA3DE-14DF-470F-9819-26C440152B3A}" type="datetimeFigureOut">
               <a:rPr lang="en-DK" smtClean="0"/>
-              <a:t>07/05/2022</a:t>
+              <a:t>05/08/2022</a:t>
             </a:fld>
             <a:endParaRPr lang="en-DK"/>
           </a:p>
@@ -8722,7 +4834,7 @@
           <a:p>
             <a:fld id="{D2CDA3DE-14DF-470F-9819-26C440152B3A}" type="datetimeFigureOut">
               <a:rPr lang="en-DK" smtClean="0"/>
-              <a:t>07/05/2022</a:t>
+              <a:t>05/08/2022</a:t>
             </a:fld>
             <a:endParaRPr lang="en-DK"/>
           </a:p>
@@ -8979,7 +5091,7 @@
           <a:p>
             <a:fld id="{D2CDA3DE-14DF-470F-9819-26C440152B3A}" type="datetimeFigureOut">
               <a:rPr lang="en-DK" smtClean="0"/>
-              <a:t>07/05/2022</a:t>
+              <a:t>05/08/2022</a:t>
             </a:fld>
             <a:endParaRPr lang="en-DK"/>
           </a:p>
@@ -9222,7 +5334,7 @@
           <a:p>
             <a:fld id="{D2CDA3DE-14DF-470F-9819-26C440152B3A}" type="datetimeFigureOut">
               <a:rPr lang="en-DK" smtClean="0"/>
-              <a:t>07/05/2022</a:t>
+              <a:t>05/08/2022</a:t>
             </a:fld>
             <a:endParaRPr lang="en-DK"/>
           </a:p>
@@ -9651,8 +5763,8 @@
         </p:nvSpPr>
         <p:spPr>
           <a:xfrm>
-            <a:off x="549779" y="-239283"/>
-            <a:ext cx="11092441" cy="854580"/>
+            <a:off x="542769" y="96667"/>
+            <a:ext cx="11092441" cy="592290"/>
           </a:xfrm>
         </p:spPr>
         <p:txBody>
@@ -9662,44 +5774,16 @@
           <a:lstStyle/>
           <a:p>
             <a:r>
-              <a:rPr lang="en-DK" sz="3200" dirty="0" err="1"/>
-              <a:t>Genkendelse</a:t>
-            </a:r>
-            <a:r>
               <a:rPr lang="en-DK" sz="3200" dirty="0"/>
-              <a:t> </a:t>
-            </a:r>
-            <a:r>
-              <a:rPr lang="en-DK" sz="3200" dirty="0" err="1"/>
-              <a:t>af</a:t>
+              <a:t>Genkendelse af grafisk ændrede billeder </a:t>
+            </a:r>
+            <a:r>
+              <a:rPr lang="da-DK" sz="3200" dirty="0"/>
+              <a:t>med</a:t>
             </a:r>
             <a:r>
               <a:rPr lang="en-DK" sz="3200" dirty="0"/>
-              <a:t> </a:t>
-            </a:r>
-            <a:r>
-              <a:rPr lang="en-DK" sz="3200" dirty="0" err="1"/>
-              <a:t>grafisk</a:t>
-            </a:r>
-            <a:r>
-              <a:rPr lang="en-DK" sz="3200" dirty="0"/>
-              <a:t> </a:t>
-            </a:r>
-            <a:r>
-              <a:rPr lang="en-DK" sz="3200" dirty="0" err="1"/>
-              <a:t>ændrede</a:t>
-            </a:r>
-            <a:r>
-              <a:rPr lang="en-DK" sz="3200" dirty="0"/>
-              <a:t> </a:t>
-            </a:r>
-            <a:r>
-              <a:rPr lang="en-DK" sz="3200" dirty="0" err="1"/>
-              <a:t>billeder</a:t>
-            </a:r>
-            <a:r>
-              <a:rPr lang="en-DK" sz="3200" dirty="0"/>
-              <a:t> via ML</a:t>
+              <a:t> ML</a:t>
             </a:r>
           </a:p>
         </p:txBody>
@@ -9722,8 +5806,8 @@
         </p:nvSpPr>
         <p:spPr>
           <a:xfrm>
-            <a:off x="203200" y="704675"/>
-            <a:ext cx="3340455" cy="2892391"/>
+            <a:off x="203201" y="704674"/>
+            <a:ext cx="3152058" cy="3101115"/>
           </a:xfrm>
         </p:spPr>
         <p:style>
@@ -9742,7 +5826,7 @@
         </p:style>
         <p:txBody>
           <a:bodyPr>
-            <a:normAutofit fontScale="92500"/>
+            <a:noAutofit/>
           </a:bodyPr>
           <a:lstStyle/>
           <a:p>
@@ -9768,157 +5852,146 @@
           </a:p>
           <a:p>
             <a:pPr algn="l">
+              <a:lnSpc>
+                <a:spcPct val="120000"/>
+              </a:lnSpc>
               <a:spcBef>
                 <a:spcPts val="600"/>
               </a:spcBef>
             </a:pPr>
             <a:r>
-              <a:rPr lang="da-DK" sz="900" dirty="0">
+              <a:rPr lang="da-DK" sz="700" dirty="0">
                 <a:effectLst/>
-                <a:latin typeface="Arial" panose="020B0604020202020204" pitchFamily="34" charset="0"/>
+                <a:latin typeface="Century Gothic (Body)"/>
               </a:rPr>
               <a:t>I dagens Danmark er det populært at ‘poste’ billeder af sig selv på internettet. Men disse billeder er ofte redigerede, og det kan være svært at vide hvordan en person faktisk ser ud. Vores ide til O4 projektet vil omhandle en model, der kan genkende falske eller redigerede ansigter, så man nemmere kan se hvordan folk faktisk ser ud.</a:t>
             </a:r>
           </a:p>
           <a:p>
             <a:pPr algn="l">
+              <a:lnSpc>
+                <a:spcPct val="120000"/>
+              </a:lnSpc>
               <a:spcBef>
                 <a:spcPts val="600"/>
               </a:spcBef>
             </a:pPr>
             <a:r>
-              <a:rPr lang="da-DK" sz="900" dirty="0">
+              <a:rPr lang="da-DK" sz="700" dirty="0">
                 <a:effectLst/>
-                <a:latin typeface="Arial" panose="020B0604020202020204" pitchFamily="34" charset="0"/>
+                <a:latin typeface="Century Gothic (Body)"/>
               </a:rPr>
               <a:t>Datasættet stammer fra </a:t>
             </a:r>
             <a:r>
-              <a:rPr lang="da-DK" sz="900" dirty="0" err="1">
+              <a:rPr lang="da-DK" sz="700" dirty="0" err="1">
                 <a:effectLst/>
-                <a:latin typeface="Arial" panose="020B0604020202020204" pitchFamily="34" charset="0"/>
+                <a:latin typeface="Century Gothic (Body)"/>
               </a:rPr>
               <a:t>Kaggle</a:t>
             </a:r>
             <a:r>
-              <a:rPr lang="da-DK" sz="900" dirty="0">
+              <a:rPr lang="da-DK" sz="700" dirty="0">
                 <a:effectLst/>
-                <a:latin typeface="Arial" panose="020B0604020202020204" pitchFamily="34" charset="0"/>
+                <a:latin typeface="Century Gothic (Body)"/>
               </a:rPr>
               <a:t>: Real and Fake Face </a:t>
             </a:r>
             <a:r>
-              <a:rPr lang="da-DK" sz="900" dirty="0" err="1">
+              <a:rPr lang="da-DK" sz="700" dirty="0" err="1">
                 <a:effectLst/>
-                <a:latin typeface="Arial" panose="020B0604020202020204" pitchFamily="34" charset="0"/>
+                <a:latin typeface="Century Gothic (Body)"/>
               </a:rPr>
               <a:t>Detection</a:t>
             </a:r>
             <a:r>
-              <a:rPr lang="da-DK" sz="900" dirty="0">
+              <a:rPr lang="da-DK" sz="700" dirty="0">
                 <a:effectLst/>
-                <a:latin typeface="Arial" panose="020B0604020202020204" pitchFamily="34" charset="0"/>
+                <a:latin typeface="Century Gothic (Body)"/>
               </a:rPr>
-              <a:t> [CIPLAB, 2022]. Datasættet består af en række ægte billeder af </a:t>
-            </a:r>
-            <a:r>
-              <a:rPr lang="da-DK" sz="900" dirty="0" err="1">
+              <a:t> [CIPLAB, 2022]. Datasættet består af en række ægte billeder af menneskellige ansigter, sammmen med et sæt af ansigter der er </a:t>
+            </a:r>
+            <a:r>
+              <a:rPr lang="da-DK" sz="700" dirty="0">
+                <a:latin typeface="Century Gothic (Body)"/>
+              </a:rPr>
+              <a:t>redigeret</a:t>
+            </a:r>
+            <a:r>
+              <a:rPr lang="da-DK" sz="700" dirty="0">
                 <a:effectLst/>
-                <a:latin typeface="Arial" panose="020B0604020202020204" pitchFamily="34" charset="0"/>
+                <a:latin typeface="Century Gothic (Body)"/>
               </a:rPr>
-              <a:t>menneskellige</a:t>
-            </a:r>
-            <a:r>
-              <a:rPr lang="da-DK" sz="900" dirty="0">
-                <a:effectLst/>
-                <a:latin typeface="Arial" panose="020B0604020202020204" pitchFamily="34" charset="0"/>
-              </a:rPr>
-              <a:t> ansigter, </a:t>
-            </a:r>
-            <a:r>
-              <a:rPr lang="da-DK" sz="900" dirty="0" err="1">
-                <a:effectLst/>
-                <a:latin typeface="Arial" panose="020B0604020202020204" pitchFamily="34" charset="0"/>
-              </a:rPr>
-              <a:t>sammmen</a:t>
-            </a:r>
-            <a:r>
-              <a:rPr lang="da-DK" sz="900" dirty="0">
-                <a:effectLst/>
-                <a:latin typeface="Arial" panose="020B0604020202020204" pitchFamily="34" charset="0"/>
-              </a:rPr>
-              <a:t> med et sæt af ansigter der er lavet i Photoshop. Ansigterne er lavet ved at tage øjne, næse og</a:t>
-            </a:r>
-            <a:br>
-              <a:rPr lang="da-DK" sz="900" dirty="0"/>
-            </a:br>
-            <a:r>
-              <a:rPr lang="da-DK" sz="900" dirty="0">
-                <a:effectLst/>
-                <a:latin typeface="Arial" panose="020B0604020202020204" pitchFamily="34" charset="0"/>
-              </a:rPr>
-              <a:t>mund fra andre billeder og indsætte dem, således der blive lavet et nyt ansigt.</a:t>
+              <a:t> i software som Photoshop. Ansigterne er lavet ved at tage øjne, næse og mund fra andre billeder og indsætte dem, således der blive lavet et nyt ansigt.</a:t>
             </a:r>
           </a:p>
           <a:p>
             <a:pPr algn="l">
+              <a:lnSpc>
+                <a:spcPct val="120000"/>
+              </a:lnSpc>
               <a:spcBef>
                 <a:spcPts val="600"/>
               </a:spcBef>
             </a:pPr>
             <a:r>
-              <a:rPr lang="da-DK" sz="900" dirty="0">
+              <a:rPr lang="da-DK" sz="700" dirty="0">
                 <a:effectLst/>
-                <a:latin typeface="Arial" panose="020B0604020202020204" pitchFamily="34" charset="0"/>
+                <a:latin typeface="Century Gothic (Body)"/>
               </a:rPr>
               <a:t>Datasættet er delt op i 3 dele. </a:t>
             </a:r>
             <a:r>
-              <a:rPr lang="da-DK" sz="900" dirty="0">
-                <a:latin typeface="Arial" panose="020B0604020202020204" pitchFamily="34" charset="0"/>
+              <a:rPr lang="da-DK" sz="700" dirty="0">
+                <a:latin typeface="Century Gothic (Body)"/>
               </a:rPr>
               <a:t>É</a:t>
             </a:r>
             <a:r>
-              <a:rPr lang="da-DK" sz="900" dirty="0">
+              <a:rPr lang="da-DK" sz="700" dirty="0">
                 <a:effectLst/>
-                <a:latin typeface="Arial" panose="020B0604020202020204" pitchFamily="34" charset="0"/>
+                <a:latin typeface="Century Gothic (Body)"/>
               </a:rPr>
               <a:t>t sæt med ægte billeder af ansigter, ét sæt med ansigter der er nemme at genkende som ændret og et sæt der er svært at genkende. Målet med vores model vil derfor være at kunne klassificere de falske billeder fra de rigtige billeder. </a:t>
             </a:r>
-            <a:endParaRPr lang="en-DK" sz="900" dirty="0">
+            <a:endParaRPr lang="en-DK" sz="700" dirty="0">
               <a:effectLst/>
-              <a:latin typeface="Arial" panose="020B0604020202020204" pitchFamily="34" charset="0"/>
+              <a:latin typeface="Century Gothic (Body)"/>
             </a:endParaRPr>
           </a:p>
           <a:p>
             <a:pPr algn="l">
+              <a:lnSpc>
+                <a:spcPct val="120000"/>
+              </a:lnSpc>
               <a:spcBef>
                 <a:spcPts val="600"/>
               </a:spcBef>
             </a:pPr>
             <a:r>
-              <a:rPr lang="da-DK" sz="900" dirty="0">
+              <a:rPr lang="da-DK" sz="700" dirty="0">
                 <a:effectLst/>
-                <a:latin typeface="Arial" panose="020B0604020202020204" pitchFamily="34" charset="0"/>
+                <a:latin typeface="Century Gothic (Body)"/>
               </a:rPr>
               <a:t>Størrelsesmæssigt er vores datasæt samlet 2041 billeder, hvor 960 er falske photoshoppede billeder og 1081 er</a:t>
             </a:r>
             <a:r>
-              <a:rPr lang="en-DK" sz="900" dirty="0">
+              <a:rPr lang="en-DK" sz="700" dirty="0">
                 <a:effectLst/>
-                <a:latin typeface="Arial" panose="020B0604020202020204" pitchFamily="34" charset="0"/>
+                <a:latin typeface="Century Gothic (Body)"/>
               </a:rPr>
               <a:t> </a:t>
             </a:r>
             <a:r>
-              <a:rPr lang="da-DK" sz="900" dirty="0">
+              <a:rPr lang="da-DK" sz="700" dirty="0">
                 <a:effectLst/>
-                <a:latin typeface="Arial" panose="020B0604020202020204" pitchFamily="34" charset="0"/>
+                <a:latin typeface="Century Gothic (Body)"/>
               </a:rPr>
               <a:t>faktiske ansigter. Af de falske billeder er de i forvejen kategoriseret af udbyderen.</a:t>
             </a:r>
-            <a:endParaRPr lang="en-DK" sz="1200" dirty="0"/>
+            <a:endParaRPr lang="en-DK" sz="700" dirty="0">
+              <a:latin typeface="Century Gothic (Body)"/>
+            </a:endParaRPr>
           </a:p>
         </p:txBody>
       </p:sp>
@@ -9938,8 +6011,8 @@
         </p:nvSpPr>
         <p:spPr>
           <a:xfrm>
-            <a:off x="203200" y="3725254"/>
-            <a:ext cx="3340455" cy="2999396"/>
+            <a:off x="203198" y="3871452"/>
+            <a:ext cx="3152058" cy="2866015"/>
           </a:xfrm>
           <a:prstGeom prst="rect">
             <a:avLst/>
@@ -10148,8 +6221,8 @@
         </p:nvSpPr>
         <p:spPr>
           <a:xfrm>
-            <a:off x="3658079" y="704675"/>
-            <a:ext cx="4644637" cy="6019975"/>
+            <a:off x="3446229" y="704675"/>
+            <a:ext cx="4856487" cy="6032792"/>
           </a:xfrm>
           <a:prstGeom prst="rect">
             <a:avLst/>
@@ -10338,67 +6411,91 @@
             </a:lvl9pPr>
           </a:lstStyle>
           <a:p>
-            <a:r>
-              <a:rPr lang="da-DK" sz="1600" b="1" dirty="0">
+            <a:pPr>
+              <a:lnSpc>
+                <a:spcPct val="200000"/>
+              </a:lnSpc>
+            </a:pPr>
+            <a:r>
+              <a:rPr lang="da-DK" sz="900" b="1" dirty="0">
                 <a:solidFill>
                   <a:schemeClr val="bg1"/>
                 </a:solidFill>
               </a:rPr>
-              <a:t>Metoder</a:t>
-            </a:r>
-            <a:endParaRPr lang="da-DK" sz="800" dirty="0">
+              <a:t>Hvilke features arbejder vi med?</a:t>
+            </a:r>
+          </a:p>
+          <a:p>
+            <a:pPr algn="l"/>
+            <a:r>
+              <a:rPr lang="da-DK" sz="800" dirty="0">
+                <a:solidFill>
+                  <a:schemeClr val="bg1"/>
+                </a:solidFill>
+              </a:rPr>
+              <a:t>Da vores datasæt består af billeder, vil hvert pixel være en attribut i sig selv. Heraf har vi RGB data for hvert pixel, som vil være hvert pixels features.</a:t>
+            </a:r>
+          </a:p>
+          <a:p>
+            <a:r>
+              <a:rPr lang="da-DK" sz="900" b="1" dirty="0">
+                <a:solidFill>
+                  <a:schemeClr val="bg1"/>
+                </a:solidFill>
+              </a:rPr>
+              <a:t>Hvilken algoritmeklasse bruger vi?</a:t>
+            </a:r>
+            <a:endParaRPr lang="da-DK" sz="900" dirty="0">
               <a:solidFill>
                 <a:schemeClr val="bg1"/>
               </a:solidFill>
             </a:endParaRPr>
           </a:p>
           <a:p>
+            <a:pPr algn="l"/>
+            <a:r>
+              <a:rPr lang="da-DK" sz="800" dirty="0">
+                <a:solidFill>
+                  <a:schemeClr val="bg1"/>
+                </a:solidFill>
+              </a:rPr>
+              <a:t>Som en del af vores datasæt er vi givet en række information for hvert billede. Dette inkludere hvorvidt billedet er redigeret, og hvis ja, hvilke dele af det er redigeret. Det er derfor oplagt at vi benytter en </a:t>
+            </a:r>
+            <a:r>
+              <a:rPr lang="da-DK" sz="800" b="1" dirty="0" err="1">
+                <a:solidFill>
+                  <a:schemeClr val="bg1"/>
+                </a:solidFill>
+              </a:rPr>
+              <a:t>supervised</a:t>
+            </a:r>
             <a:r>
               <a:rPr lang="da-DK" sz="800" b="1" dirty="0">
                 <a:solidFill>
                   <a:schemeClr val="bg1"/>
                 </a:solidFill>
               </a:rPr>
-              <a:t>Hvilke features arbejder vi med?</a:t>
-            </a:r>
-          </a:p>
-          <a:p>
-            <a:pPr algn="l"/>
+              <a:t> model</a:t>
+            </a:r>
             <a:r>
               <a:rPr lang="da-DK" sz="800" dirty="0">
                 <a:solidFill>
                   <a:schemeClr val="bg1"/>
                 </a:solidFill>
               </a:rPr>
-              <a:t>Da vores datasæt består af billeder, vil hvert pixel være en </a:t>
-            </a:r>
-            <a:r>
-              <a:rPr lang="da-DK" sz="800" dirty="0" err="1">
+              <a:t>. Det kommer også af datasættets natur at det vil være en klassificerings model, da datasættet er diskret.</a:t>
+            </a:r>
+          </a:p>
+          <a:p>
+            <a:r>
+              <a:rPr lang="da-DK" sz="900" b="1" dirty="0">
                 <a:solidFill>
                   <a:schemeClr val="bg1"/>
                 </a:solidFill>
               </a:rPr>
-              <a:t>attribute</a:t>
-            </a:r>
-            <a:r>
-              <a:rPr lang="da-DK" sz="800" dirty="0">
-                <a:solidFill>
-                  <a:schemeClr val="bg1"/>
-                </a:solidFill>
-              </a:rPr>
-              <a:t> i sig selv. Heraf har vi RGB data for hvert pixel, som vil være hvert pixels features.</a:t>
-            </a:r>
-          </a:p>
-          <a:p>
-            <a:r>
-              <a:rPr lang="da-DK" sz="800" b="1" dirty="0">
-                <a:solidFill>
-                  <a:schemeClr val="bg1"/>
-                </a:solidFill>
-              </a:rPr>
-              <a:t>Hvilken algoritmeklasse bruger vi?</a:t>
-            </a:r>
-            <a:endParaRPr lang="da-DK" sz="800" dirty="0">
+              <a:t>Hvorfor passer vores valgte algoritme til vores datasæt?</a:t>
+            </a:r>
+            <a:endParaRPr lang="da-DK" sz="900" dirty="0">
               <a:solidFill>
                 <a:schemeClr val="bg1"/>
               </a:solidFill>
@@ -10407,40 +6504,56 @@
           <a:p>
             <a:pPr algn="l"/>
             <a:r>
+              <a:rPr lang="da-DK" sz="800" b="1" dirty="0" err="1">
+                <a:solidFill>
+                  <a:schemeClr val="bg1"/>
+                </a:solidFill>
+              </a:rPr>
+              <a:t>Convolutional</a:t>
+            </a:r>
+            <a:r>
+              <a:rPr lang="da-DK" sz="800" b="1" dirty="0">
+                <a:solidFill>
+                  <a:schemeClr val="bg1"/>
+                </a:solidFill>
+              </a:rPr>
+              <a:t> Neural </a:t>
+            </a:r>
+            <a:r>
+              <a:rPr lang="da-DK" sz="800" b="1" dirty="0" err="1">
+                <a:solidFill>
+                  <a:schemeClr val="bg1"/>
+                </a:solidFill>
+              </a:rPr>
+              <a:t>Network's</a:t>
+            </a:r>
+            <a:r>
+              <a:rPr lang="da-DK" sz="800" b="1" dirty="0">
+                <a:solidFill>
+                  <a:schemeClr val="bg1"/>
+                </a:solidFill>
+              </a:rPr>
+              <a:t> </a:t>
+            </a:r>
+            <a:r>
               <a:rPr lang="da-DK" sz="800" dirty="0">
                 <a:solidFill>
                   <a:schemeClr val="bg1"/>
                 </a:solidFill>
               </a:rPr>
-              <a:t>Som en del af vores datasæt er vi givet en række information for hvert billede. Dette inkludere hvorvidt billedet er redigeret, og hvis ja, hvilke dele af det er redigeret. Det er derfor oplagt at vi benytter en </a:t>
-            </a:r>
-            <a:r>
-              <a:rPr lang="da-DK" sz="800" dirty="0" err="1">
+              <a:t>(CNN's) er den hyppigst brugte type af model til billedklassificering. Dette kommer af, at CNN modeller tager input i form af matricer, og det er derfor nemt at repræsentere et billede som input. Ellers ville data for hvert pixel blive fladet ud, så billedets dimensioner bliver tabt. Der er derfor blevet valgt en CNN model.</a:t>
+            </a:r>
+          </a:p>
+          <a:p>
+            <a:r>
+              <a:rPr lang="da-DK" sz="900" b="1" dirty="0">
                 <a:solidFill>
                   <a:schemeClr val="bg1"/>
                 </a:solidFill>
               </a:rPr>
-              <a:t>supervised</a:t>
-            </a:r>
-            <a:r>
-              <a:rPr lang="da-DK" sz="800" dirty="0">
-                <a:solidFill>
-                  <a:schemeClr val="bg1"/>
-                </a:solidFill>
-              </a:rPr>
-              <a:t> model. Det kommer også naturligt af datasættets natur at det det vil være en klassificerings model, da datasættet er diskret.  </a:t>
-            </a:r>
-          </a:p>
-          <a:p>
-            <a:r>
-              <a:rPr lang="da-DK" sz="800" b="1" dirty="0">
-                <a:solidFill>
-                  <a:schemeClr val="bg1"/>
-                </a:solidFill>
-              </a:rPr>
-              <a:t>Hvorfor passer vores valgte algoritme til vores datasæt?</a:t>
-            </a:r>
-            <a:endParaRPr lang="da-DK" sz="800" dirty="0">
+              <a:t>Hvordan opsætter vi validerings –og træningssæt?</a:t>
+            </a:r>
+            <a:endParaRPr lang="da-DK" sz="900" dirty="0">
               <a:solidFill>
                 <a:schemeClr val="bg1"/>
               </a:solidFill>
@@ -10449,12 +6562,20 @@
           <a:p>
             <a:pPr algn="l"/>
             <a:r>
-              <a:rPr lang="da-DK" sz="800" dirty="0" err="1">
+              <a:rPr lang="da-DK" sz="800" dirty="0">
                 <a:solidFill>
                   <a:schemeClr val="bg1"/>
                 </a:solidFill>
               </a:rPr>
-              <a:t>Convolutional</a:t>
+              <a:t>Der er valgt et train-test split på 80-20, hvilket resulterer i et træningssæt på 1632 billeder og et test sæt på 409 billeder. Der var overvejelser om </a:t>
+            </a:r>
+            <a:r>
+              <a:rPr lang="da-DK" sz="800" b="1" dirty="0">
+                <a:solidFill>
+                  <a:schemeClr val="bg1"/>
+                </a:solidFill>
+              </a:rPr>
+              <a:t>K-fold kryds validering</a:t>
             </a:r>
             <a:r>
               <a:rPr lang="da-DK" sz="800" dirty="0">
@@ -10462,35 +6583,19 @@
                   <a:schemeClr val="bg1"/>
                 </a:solidFill>
               </a:rPr>
-              <a:t> Neural </a:t>
-            </a:r>
-            <a:r>
-              <a:rPr lang="da-DK" sz="800" dirty="0" err="1">
+              <a:t>, men efter gennemkørsler af modellen var der overrasskende gode resultater selv med et forholdsvist lille datasæt.</a:t>
+            </a:r>
+          </a:p>
+          <a:p>
+            <a:r>
+              <a:rPr lang="da-DK" sz="900" b="1" dirty="0">
                 <a:solidFill>
                   <a:schemeClr val="bg1"/>
                 </a:solidFill>
               </a:rPr>
-              <a:t>Network's</a:t>
-            </a:r>
-            <a:r>
-              <a:rPr lang="da-DK" sz="800" dirty="0">
-                <a:solidFill>
-                  <a:schemeClr val="bg1"/>
-                </a:solidFill>
-              </a:rPr>
-              <a:t> (CNN's) er den hyppigst brugte type af model til billedklassificering. Dette kommer af, at CNN modeller tager input i form af matricer, og det er derfor nemt at repræsentere et billede som input. Ellers ville data for hvert pixel blive fladet ud, så billedets dimensioner bliver tabt. Der er derfor blevet valgt en CNN model.</a:t>
-            </a:r>
-          </a:p>
-          <a:p>
-            <a:r>
-              <a:rPr lang="da-DK" sz="800" b="1" dirty="0">
-                <a:solidFill>
-                  <a:schemeClr val="bg1"/>
-                </a:solidFill>
-              </a:rPr>
-              <a:t>Hvordan opsætter vi validerings –og træningssæt?</a:t>
-            </a:r>
-            <a:endParaRPr lang="da-DK" sz="800" dirty="0">
+              <a:t>Hvordan vil vi måle effektiviteten af vores model?</a:t>
+            </a:r>
+            <a:endParaRPr lang="da-DK" sz="900" dirty="0">
               <a:solidFill>
                 <a:schemeClr val="bg1"/>
               </a:solidFill>
@@ -10504,15 +6609,15 @@
                   <a:schemeClr val="bg1"/>
                 </a:solidFill>
               </a:rPr>
-              <a:t>Vores datasæt er relativt lille, specielt når man tager forhold for at billederne er delt op i '</a:t>
-            </a:r>
-            <a:r>
-              <a:rPr lang="da-DK" sz="800" dirty="0" err="1">
+              <a:t>Vi vil optimalt have en model der kan fortælle os hvilke dele af billedet der er blevet redigeret. Her ville performance bliver bestemt ud fra </a:t>
+            </a:r>
+            <a:r>
+              <a:rPr lang="da-DK" sz="800" b="1" dirty="0">
                 <a:solidFill>
                   <a:schemeClr val="bg1"/>
                 </a:solidFill>
               </a:rPr>
-              <a:t>easy</a:t>
+              <a:t>accuracy</a:t>
             </a:r>
             <a:r>
               <a:rPr lang="da-DK" sz="800" dirty="0">
@@ -10520,15 +6625,15 @@
                   <a:schemeClr val="bg1"/>
                 </a:solidFill>
               </a:rPr>
-              <a:t>', 'normal', '</a:t>
-            </a:r>
-            <a:r>
-              <a:rPr lang="da-DK" sz="800" dirty="0" err="1">
+              <a:t>,</a:t>
+            </a:r>
+            <a:r>
+              <a:rPr lang="da-DK" sz="800" b="1" dirty="0">
                 <a:solidFill>
                   <a:schemeClr val="bg1"/>
                 </a:solidFill>
               </a:rPr>
-              <a:t>hard</a:t>
+              <a:t> precision </a:t>
             </a:r>
             <a:r>
               <a:rPr lang="da-DK" sz="800" dirty="0">
@@ -10536,15 +6641,15 @@
                   <a:schemeClr val="bg1"/>
                 </a:solidFill>
               </a:rPr>
-              <a:t>' og 'real'. Der vil derfor blive benyttet K-fold Cross </a:t>
-            </a:r>
-            <a:r>
-              <a:rPr lang="da-DK" sz="800" dirty="0" err="1">
+              <a:t>og</a:t>
+            </a:r>
+            <a:r>
+              <a:rPr lang="da-DK" sz="800" b="1" dirty="0">
                 <a:solidFill>
                   <a:schemeClr val="bg1"/>
                 </a:solidFill>
               </a:rPr>
-              <a:t>Validation</a:t>
+              <a:t> recall</a:t>
             </a:r>
             <a:r>
               <a:rPr lang="da-DK" sz="800" dirty="0">
@@ -10552,179 +6657,121 @@
                   <a:schemeClr val="bg1"/>
                 </a:solidFill>
               </a:rPr>
-              <a:t> til at summere validerings -og trænings-sæt i samme datasæt.</a:t>
-            </a:r>
-          </a:p>
-          <a:p>
+              <a:t>. </a:t>
+            </a:r>
+            <a:br>
+              <a:rPr lang="da-DK" sz="800" dirty="0">
+                <a:solidFill>
+                  <a:schemeClr val="bg1"/>
+                </a:solidFill>
+              </a:rPr>
+            </a:br>
+            <a:r>
+              <a:rPr lang="da-DK" sz="800" dirty="0">
+                <a:solidFill>
+                  <a:schemeClr val="bg1"/>
+                </a:solidFill>
+              </a:rPr>
+              <a:t>Vi har dog en forventning om at det bliver svært at opnå en tilfredsstillende model med tidligere nævnte metrik. Derfor overvejer vi også at måle modellen efter om den kan kende redigerede billeder fra uredigerede billeder. Her ville performance blive målt ud fra en 'Performance Matrice', med FN, TN, FP og TP.</a:t>
+            </a:r>
+          </a:p>
+          <a:p>
+            <a:r>
+              <a:rPr lang="da-DK" sz="900" b="1" dirty="0">
+                <a:solidFill>
+                  <a:schemeClr val="bg1"/>
+                </a:solidFill>
+              </a:rPr>
+              <a:t>Hvordan har vi optimeret vores system?</a:t>
+            </a:r>
+          </a:p>
+          <a:p>
+            <a:pPr algn="l"/>
+            <a:r>
+              <a:rPr lang="da-DK" sz="800" dirty="0">
+                <a:solidFill>
+                  <a:schemeClr val="bg1"/>
+                </a:solidFill>
+              </a:rPr>
+              <a:t>Vi bruger </a:t>
+            </a:r>
             <a:r>
               <a:rPr lang="da-DK" sz="800" b="1" dirty="0">
                 <a:solidFill>
                   <a:schemeClr val="bg1"/>
                 </a:solidFill>
               </a:rPr>
-              <a:t>Hvordan vil vi måle effektiviteten af vores model?</a:t>
-            </a:r>
-            <a:endParaRPr lang="da-DK" sz="800" dirty="0">
+              <a:t>adam</a:t>
+            </a:r>
+            <a:r>
+              <a:rPr lang="da-DK" sz="800" dirty="0">
+                <a:solidFill>
+                  <a:schemeClr val="bg1"/>
+                </a:solidFill>
+              </a:rPr>
+              <a:t> optimerings algoritmen, som er en kombination af AdaGrad og RMSProp. Der benyttes derfor både Momentum og RMS Propegation optimering.</a:t>
+            </a:r>
+          </a:p>
+          <a:p>
+            <a:r>
+              <a:rPr lang="da-DK" sz="900" b="1" dirty="0">
+                <a:solidFill>
+                  <a:schemeClr val="bg1"/>
+                </a:solidFill>
+              </a:rPr>
+              <a:t>Hvordan undgår vi under –og/eller overfitting?</a:t>
+            </a:r>
+          </a:p>
+          <a:p>
+            <a:pPr algn="l"/>
+            <a:r>
+              <a:rPr lang="da-DK" sz="800" b="1" dirty="0">
+                <a:solidFill>
+                  <a:schemeClr val="bg1"/>
+                </a:solidFill>
+              </a:rPr>
+              <a:t>L2 Regularization </a:t>
+            </a:r>
+            <a:r>
+              <a:rPr lang="da-DK" sz="800" dirty="0">
+                <a:solidFill>
+                  <a:schemeClr val="bg1"/>
+                </a:solidFill>
+              </a:rPr>
+              <a:t>benyttes til at undgå overfitting, ved at reducere vægtninger ud fra den kvadrerede sum. Derved kan der ikke komme for store fluktuationerne på vægtningene. </a:t>
+            </a:r>
+          </a:p>
+          <a:p>
+            <a:pPr algn="l"/>
+            <a:r>
+              <a:rPr lang="da-DK" sz="800" dirty="0">
+                <a:solidFill>
+                  <a:schemeClr val="bg1"/>
+                </a:solidFill>
+              </a:rPr>
+              <a:t>Derudover benyttes der også </a:t>
+            </a:r>
+            <a:r>
+              <a:rPr lang="da-DK" sz="800" b="1" dirty="0">
+                <a:solidFill>
+                  <a:schemeClr val="bg1"/>
+                </a:solidFill>
+              </a:rPr>
+              <a:t>Data Augmentation</a:t>
+            </a:r>
+            <a:r>
+              <a:rPr lang="da-DK" sz="800" dirty="0">
+                <a:solidFill>
+                  <a:schemeClr val="bg1"/>
+                </a:solidFill>
+              </a:rPr>
+              <a:t>, for at sikre der ikke findes uhensigtsmæssige mønstre. Dette er specielt vigtigt, da vores datasæt er relativt lille.</a:t>
+            </a:r>
+            <a:endParaRPr lang="da-DK" sz="900" dirty="0">
               <a:solidFill>
                 <a:schemeClr val="bg1"/>
               </a:solidFill>
             </a:endParaRPr>
-          </a:p>
-          <a:p>
-            <a:pPr algn="l"/>
-            <a:r>
-              <a:rPr lang="da-DK" sz="800" dirty="0">
-                <a:solidFill>
-                  <a:schemeClr val="bg1"/>
-                </a:solidFill>
-              </a:rPr>
-              <a:t>Vi vil optimalt have en model der kan fortælle os hvilke dele af billedet der er blevet redigeret. Her ville performance bliver bestemt ud fra XXX. Vi har dog en forventning om at det bliver svært at opnå en tilfredsstillende model med tidligere nævnte metrik. Derfor overvejer vi også at måle modellen efter om den kan kende redigerede billeder fra uredigerede billeder. Her ville performance blive målt ud fra en 'Performance Matrice', med FN, TN, FP og TP.</a:t>
-            </a:r>
-          </a:p>
-          <a:p>
-            <a:r>
-              <a:rPr lang="da-DK" sz="800" b="1" dirty="0">
-                <a:solidFill>
-                  <a:schemeClr val="bg1"/>
-                </a:solidFill>
-              </a:rPr>
-              <a:t>Hvordan har vi optimeret vores system?</a:t>
-            </a:r>
-          </a:p>
-          <a:p>
-            <a:pPr algn="l"/>
-            <a:r>
-              <a:rPr lang="da-DK" sz="800" dirty="0">
-                <a:solidFill>
-                  <a:schemeClr val="bg1"/>
-                </a:solidFill>
-              </a:rPr>
-              <a:t>Til at optimere har vi benyttet en række optimerings tekniker:</a:t>
-            </a:r>
-          </a:p>
-          <a:p>
-            <a:pPr marL="171450" indent="-171450" algn="l">
-              <a:buFont typeface="Arial" panose="020B0604020202020204" pitchFamily="34" charset="0"/>
-              <a:buChar char="•"/>
-            </a:pPr>
-            <a:r>
-              <a:rPr lang="da-DK" sz="800" dirty="0">
-                <a:solidFill>
-                  <a:schemeClr val="bg1"/>
-                </a:solidFill>
-              </a:rPr>
-              <a:t>Vi bruger </a:t>
-            </a:r>
-            <a:r>
-              <a:rPr lang="da-DK" sz="800" dirty="0" err="1">
-                <a:solidFill>
-                  <a:schemeClr val="bg1"/>
-                </a:solidFill>
-              </a:rPr>
-              <a:t>adam</a:t>
-            </a:r>
-            <a:r>
-              <a:rPr lang="da-DK" sz="800" dirty="0">
-                <a:solidFill>
-                  <a:schemeClr val="bg1"/>
-                </a:solidFill>
-              </a:rPr>
-              <a:t> optimerings algoritmen, som er en kombination af </a:t>
-            </a:r>
-            <a:r>
-              <a:rPr lang="da-DK" sz="800" dirty="0" err="1">
-                <a:solidFill>
-                  <a:schemeClr val="bg1"/>
-                </a:solidFill>
-              </a:rPr>
-              <a:t>AdaGrad</a:t>
-            </a:r>
-            <a:r>
-              <a:rPr lang="da-DK" sz="800" dirty="0">
-                <a:solidFill>
-                  <a:schemeClr val="bg1"/>
-                </a:solidFill>
-              </a:rPr>
-              <a:t> og </a:t>
-            </a:r>
-            <a:r>
-              <a:rPr lang="da-DK" sz="800" dirty="0" err="1">
-                <a:solidFill>
-                  <a:schemeClr val="bg1"/>
-                </a:solidFill>
-              </a:rPr>
-              <a:t>RMSProp</a:t>
-            </a:r>
-            <a:r>
-              <a:rPr lang="da-DK" sz="800" dirty="0">
-                <a:solidFill>
-                  <a:schemeClr val="bg1"/>
-                </a:solidFill>
-              </a:rPr>
-              <a:t>. Der benyttes derfor både Momentum og RMS </a:t>
-            </a:r>
-            <a:r>
-              <a:rPr lang="da-DK" sz="800" dirty="0" err="1">
-                <a:solidFill>
-                  <a:schemeClr val="bg1"/>
-                </a:solidFill>
-              </a:rPr>
-              <a:t>Propegation</a:t>
-            </a:r>
-            <a:r>
-              <a:rPr lang="da-DK" sz="800" dirty="0">
-                <a:solidFill>
-                  <a:schemeClr val="bg1"/>
-                </a:solidFill>
-              </a:rPr>
-              <a:t> optimering.</a:t>
-            </a:r>
-          </a:p>
-          <a:p>
-            <a:pPr marL="171450" indent="-171450" algn="l">
-              <a:buFont typeface="Arial" panose="020B0604020202020204" pitchFamily="34" charset="0"/>
-              <a:buChar char="•"/>
-            </a:pPr>
-            <a:r>
-              <a:rPr lang="da-DK" sz="800" dirty="0">
-                <a:solidFill>
-                  <a:schemeClr val="bg1"/>
-                </a:solidFill>
-              </a:rPr>
-              <a:t>Grid Search bliver benyttet for at finde optimale </a:t>
-            </a:r>
-            <a:r>
-              <a:rPr lang="da-DK" sz="800" dirty="0" err="1">
-                <a:solidFill>
-                  <a:schemeClr val="bg1"/>
-                </a:solidFill>
-              </a:rPr>
-              <a:t>hyperparametre</a:t>
-            </a:r>
-            <a:r>
-              <a:rPr lang="da-DK" sz="800" dirty="0">
-                <a:solidFill>
-                  <a:schemeClr val="bg1"/>
-                </a:solidFill>
-              </a:rPr>
-              <a:t>, vi har valgt at benytte Grid Search, da vores datasæt er relativt lille, og GS derfor ikke kommer til at tage for lang tid, og kan give bedre </a:t>
-            </a:r>
-            <a:r>
-              <a:rPr lang="da-DK" sz="800" dirty="0" err="1">
-                <a:solidFill>
-                  <a:schemeClr val="bg1"/>
-                </a:solidFill>
-              </a:rPr>
-              <a:t>hyperparametre</a:t>
-            </a:r>
-            <a:r>
-              <a:rPr lang="da-DK" sz="800" dirty="0">
-                <a:solidFill>
-                  <a:schemeClr val="bg1"/>
-                </a:solidFill>
-              </a:rPr>
-              <a:t>.</a:t>
-            </a:r>
           </a:p>
         </p:txBody>
       </p:sp>
@@ -10744,8 +6791,8 @@
         </p:nvSpPr>
         <p:spPr>
           <a:xfrm>
-            <a:off x="8417140" y="2664595"/>
-            <a:ext cx="3378619" cy="3020579"/>
+            <a:off x="8417140" y="3237271"/>
+            <a:ext cx="3637210" cy="2669458"/>
           </a:xfrm>
           <a:prstGeom prst="rect">
             <a:avLst/>
@@ -10971,8 +7018,8 @@
         </p:nvSpPr>
         <p:spPr>
           <a:xfrm>
-            <a:off x="8417140" y="5796793"/>
-            <a:ext cx="3378619" cy="927856"/>
+            <a:off x="8417140" y="6039465"/>
+            <a:ext cx="3637210" cy="685184"/>
           </a:xfrm>
           <a:prstGeom prst="rect">
             <a:avLst/>
@@ -11162,14 +7209,14 @@
           </a:lstStyle>
           <a:p>
             <a:r>
-              <a:rPr lang="en-DK" sz="1600" b="1" dirty="0" err="1">
+              <a:rPr lang="en-DK" sz="1200" b="1" dirty="0" err="1">
                 <a:solidFill>
                   <a:schemeClr val="bg1"/>
                 </a:solidFill>
               </a:rPr>
               <a:t>Referencer</a:t>
             </a:r>
-            <a:endParaRPr lang="en-DK" dirty="0">
+            <a:endParaRPr lang="en-DK" sz="1800" dirty="0">
               <a:solidFill>
                 <a:schemeClr val="bg1"/>
               </a:solidFill>
@@ -11177,7 +7224,7 @@
           </a:p>
           <a:p>
             <a:r>
-              <a:rPr lang="en-US" sz="900" dirty="0">
+              <a:rPr lang="en-US" sz="700" dirty="0">
                 <a:solidFill>
                   <a:schemeClr val="bg1"/>
                 </a:solidFill>
@@ -11187,7 +7234,7 @@
               <a:t>[CIPLAB, 2022] CIPLAB (last visited 15/03/2022). Real and fake face detection. </a:t>
             </a:r>
             <a:r>
-              <a:rPr lang="en-US" sz="900" dirty="0">
+              <a:rPr lang="en-US" sz="700" dirty="0">
                 <a:solidFill>
                   <a:schemeClr val="bg1"/>
                 </a:solidFill>
@@ -11197,14 +7244,14 @@
               <a:t>https://www.kaggle.</a:t>
             </a:r>
             <a:br>
-              <a:rPr lang="en-US" sz="900" dirty="0">
+              <a:rPr lang="en-US" sz="700" dirty="0">
                 <a:solidFill>
                   <a:schemeClr val="bg1"/>
                 </a:solidFill>
               </a:rPr>
             </a:br>
             <a:r>
-              <a:rPr lang="en-US" sz="900" dirty="0">
+              <a:rPr lang="en-US" sz="700" dirty="0">
                 <a:solidFill>
                   <a:schemeClr val="bg1"/>
                 </a:solidFill>
@@ -11214,7 +7261,7 @@
               <a:t>com/</a:t>
             </a:r>
             <a:r>
-              <a:rPr lang="en-US" sz="900" dirty="0" err="1">
+              <a:rPr lang="en-US" sz="700" dirty="0" err="1">
                 <a:solidFill>
                   <a:schemeClr val="bg1"/>
                 </a:solidFill>
@@ -11224,7 +7271,7 @@
               <a:t>ciplab</a:t>
             </a:r>
             <a:r>
-              <a:rPr lang="en-US" sz="900" dirty="0">
+              <a:rPr lang="en-US" sz="700" dirty="0">
                 <a:solidFill>
                   <a:schemeClr val="bg1"/>
                 </a:solidFill>
@@ -11234,7 +7281,7 @@
               <a:t>/real-and-fake-face-</a:t>
             </a:r>
             <a:r>
-              <a:rPr lang="en-US" sz="900" dirty="0" err="1">
+              <a:rPr lang="en-US" sz="700" dirty="0" err="1">
                 <a:solidFill>
                   <a:schemeClr val="bg1"/>
                 </a:solidFill>
@@ -11244,7 +7291,7 @@
               <a:t>detectio</a:t>
             </a:r>
             <a:r>
-              <a:rPr lang="en-DK" sz="900" dirty="0">
+              <a:rPr lang="en-DK" sz="700" dirty="0">
                 <a:solidFill>
                   <a:schemeClr val="bg1"/>
                 </a:solidFill>
@@ -11253,7 +7300,7 @@
               </a:rPr>
               <a:t>n</a:t>
             </a:r>
-            <a:endParaRPr lang="da-DK" sz="900" dirty="0">
+            <a:endParaRPr lang="da-DK" sz="700" dirty="0">
               <a:solidFill>
                 <a:schemeClr val="bg1"/>
               </a:solidFill>
@@ -11271,34 +7318,1366 @@
           </a:p>
         </p:txBody>
       </p:sp>
-      <p:graphicFrame>
-        <p:nvGraphicFramePr>
-          <p:cNvPr id="15" name="Diagram 14">
+      <p:grpSp>
+        <p:nvGrpSpPr>
+          <p:cNvPr id="8" name="Group 7">
             <a:extLst>
               <a:ext uri="{FF2B5EF4-FFF2-40B4-BE49-F238E27FC236}">
-                <a16:creationId xmlns:a16="http://schemas.microsoft.com/office/drawing/2014/main" id="{B40B72D3-338D-6ABE-BBC9-B7083D7943EF}"/>
+                <a16:creationId xmlns:a16="http://schemas.microsoft.com/office/drawing/2014/main" id="{56417C83-4B31-D540-5C53-F630E96751D5}"/>
               </a:ext>
             </a:extLst>
           </p:cNvPr>
-          <p:cNvGraphicFramePr/>
-          <p:nvPr>
-            <p:extLst>
-              <p:ext uri="{D42A27DB-BD31-4B8C-83A1-F6EECF244321}">
-                <p14:modId xmlns:p14="http://schemas.microsoft.com/office/powerpoint/2010/main" val="1953319955"/>
-              </p:ext>
-            </p:extLst>
-          </p:nvPr>
-        </p:nvGraphicFramePr>
-        <p:xfrm>
-          <a:off x="317624" y="3985260"/>
-          <a:ext cx="3096422" cy="2684733"/>
-        </p:xfrm>
-        <a:graphic>
-          <a:graphicData uri="http://schemas.openxmlformats.org/drawingml/2006/diagram">
-            <dgm:relIds xmlns:dgm="http://schemas.openxmlformats.org/drawingml/2006/diagram" xmlns:r="http://schemas.openxmlformats.org/officeDocument/2006/relationships" r:dm="rId2" r:lo="rId3" r:qs="rId4" r:cs="rId5"/>
-          </a:graphicData>
-        </a:graphic>
-      </p:graphicFrame>
+          <p:cNvGrpSpPr/>
+          <p:nvPr/>
+        </p:nvGrpSpPr>
+        <p:grpSpPr>
+          <a:xfrm>
+            <a:off x="542769" y="4185430"/>
+            <a:ext cx="2472916" cy="2462171"/>
+            <a:chOff x="714045" y="4215956"/>
+            <a:chExt cx="2472916" cy="2462171"/>
+          </a:xfrm>
+        </p:grpSpPr>
+        <p:sp>
+          <p:nvSpPr>
+            <p:cNvPr id="9" name="Rectangle 8">
+              <a:extLst>
+                <a:ext uri="{FF2B5EF4-FFF2-40B4-BE49-F238E27FC236}">
+                  <a16:creationId xmlns:a16="http://schemas.microsoft.com/office/drawing/2014/main" id="{4718EAB8-0EAA-E826-EEAD-02E08BE25AF9}"/>
+                </a:ext>
+              </a:extLst>
+            </p:cNvPr>
+            <p:cNvSpPr/>
+            <p:nvPr/>
+          </p:nvSpPr>
+          <p:spPr>
+            <a:xfrm>
+              <a:off x="714045" y="4215956"/>
+              <a:ext cx="1078612" cy="1160425"/>
+            </a:xfrm>
+            <a:prstGeom prst="rect">
+              <a:avLst/>
+            </a:prstGeom>
+          </p:spPr>
+          <p:style>
+            <a:lnRef idx="1">
+              <a:schemeClr val="accent1">
+                <a:hueOff val="0"/>
+                <a:satOff val="0"/>
+                <a:lumOff val="0"/>
+                <a:alphaOff val="0"/>
+              </a:schemeClr>
+            </a:lnRef>
+            <a:fillRef idx="1">
+              <a:schemeClr val="lt1">
+                <a:alpha val="40000"/>
+                <a:hueOff val="0"/>
+                <a:satOff val="0"/>
+                <a:lumOff val="0"/>
+                <a:alphaOff val="0"/>
+              </a:schemeClr>
+            </a:fillRef>
+            <a:effectRef idx="0">
+              <a:schemeClr val="lt1">
+                <a:alpha val="40000"/>
+                <a:hueOff val="0"/>
+                <a:satOff val="0"/>
+                <a:lumOff val="0"/>
+                <a:alphaOff val="0"/>
+              </a:schemeClr>
+            </a:effectRef>
+            <a:fontRef idx="minor">
+              <a:schemeClr val="dk1">
+                <a:hueOff val="0"/>
+                <a:satOff val="0"/>
+                <a:lumOff val="0"/>
+                <a:alphaOff val="0"/>
+              </a:schemeClr>
+            </a:fontRef>
+          </p:style>
+        </p:sp>
+        <p:sp>
+          <p:nvSpPr>
+            <p:cNvPr id="11" name="Rectangle 10" descr="Et billede, der indeholder person, udendørs, luk&#10;&#10;Automatisk genereret beskrivelse">
+              <a:extLst>
+                <a:ext uri="{FF2B5EF4-FFF2-40B4-BE49-F238E27FC236}">
+                  <a16:creationId xmlns:a16="http://schemas.microsoft.com/office/drawing/2014/main" id="{D2197A46-0AFC-D0BA-F071-CCA895446EA0}"/>
+                </a:ext>
+              </a:extLst>
+            </p:cNvPr>
+            <p:cNvSpPr/>
+            <p:nvPr/>
+          </p:nvSpPr>
+          <p:spPr>
+            <a:xfrm>
+              <a:off x="767974" y="4297533"/>
+              <a:ext cx="970751" cy="824821"/>
+            </a:xfrm>
+            <a:prstGeom prst="rect">
+              <a:avLst/>
+            </a:prstGeom>
+            <a:blipFill>
+              <a:blip r:embed="rId2">
+                <a:extLst>
+                  <a:ext uri="{28A0092B-C50C-407E-A947-70E740481C1C}">
+                    <a14:useLocalDpi xmlns:a14="http://schemas.microsoft.com/office/drawing/2010/main" val="0"/>
+                  </a:ext>
+                </a:extLst>
+              </a:blip>
+              <a:srcRect/>
+              <a:stretch>
+                <a:fillRect t="-8000" b="-8000"/>
+              </a:stretch>
+            </a:blipFill>
+          </p:spPr>
+          <p:style>
+            <a:lnRef idx="2">
+              <a:schemeClr val="lt1">
+                <a:hueOff val="0"/>
+                <a:satOff val="0"/>
+                <a:lumOff val="0"/>
+                <a:alphaOff val="0"/>
+              </a:schemeClr>
+            </a:lnRef>
+            <a:fillRef idx="1">
+              <a:scrgbClr r="0" g="0" b="0"/>
+            </a:fillRef>
+            <a:effectRef idx="0">
+              <a:schemeClr val="accent1">
+                <a:tint val="50000"/>
+                <a:hueOff val="0"/>
+                <a:satOff val="0"/>
+                <a:lumOff val="0"/>
+                <a:alphaOff val="0"/>
+              </a:schemeClr>
+            </a:effectRef>
+            <a:fontRef idx="minor">
+              <a:schemeClr val="lt1">
+                <a:hueOff val="0"/>
+                <a:satOff val="0"/>
+                <a:lumOff val="0"/>
+                <a:alphaOff val="0"/>
+              </a:schemeClr>
+            </a:fontRef>
+          </p:style>
+        </p:sp>
+        <p:sp>
+          <p:nvSpPr>
+            <p:cNvPr id="12" name="Freeform: Shape 11">
+              <a:extLst>
+                <a:ext uri="{FF2B5EF4-FFF2-40B4-BE49-F238E27FC236}">
+                  <a16:creationId xmlns:a16="http://schemas.microsoft.com/office/drawing/2014/main" id="{280CD4CF-9DAF-1EB7-D12C-84248626FB36}"/>
+                </a:ext>
+              </a:extLst>
+            </p:cNvPr>
+            <p:cNvSpPr/>
+            <p:nvPr/>
+          </p:nvSpPr>
+          <p:spPr>
+            <a:xfrm>
+              <a:off x="767974" y="5058401"/>
+              <a:ext cx="970751" cy="342618"/>
+            </a:xfrm>
+            <a:custGeom>
+              <a:avLst/>
+              <a:gdLst>
+                <a:gd name="connsiteX0" fmla="*/ 0 w 970751"/>
+                <a:gd name="connsiteY0" fmla="*/ 0 h 342618"/>
+                <a:gd name="connsiteX1" fmla="*/ 970751 w 970751"/>
+                <a:gd name="connsiteY1" fmla="*/ 0 h 342618"/>
+                <a:gd name="connsiteX2" fmla="*/ 970751 w 970751"/>
+                <a:gd name="connsiteY2" fmla="*/ 342618 h 342618"/>
+                <a:gd name="connsiteX3" fmla="*/ 0 w 970751"/>
+                <a:gd name="connsiteY3" fmla="*/ 342618 h 342618"/>
+                <a:gd name="connsiteX4" fmla="*/ 0 w 970751"/>
+                <a:gd name="connsiteY4" fmla="*/ 0 h 342618"/>
+              </a:gdLst>
+              <a:ahLst/>
+              <a:cxnLst>
+                <a:cxn ang="0">
+                  <a:pos x="connsiteX0" y="connsiteY0"/>
+                </a:cxn>
+                <a:cxn ang="0">
+                  <a:pos x="connsiteX1" y="connsiteY1"/>
+                </a:cxn>
+                <a:cxn ang="0">
+                  <a:pos x="connsiteX2" y="connsiteY2"/>
+                </a:cxn>
+                <a:cxn ang="0">
+                  <a:pos x="connsiteX3" y="connsiteY3"/>
+                </a:cxn>
+                <a:cxn ang="0">
+                  <a:pos x="connsiteX4" y="connsiteY4"/>
+                </a:cxn>
+              </a:cxnLst>
+              <a:rect l="l" t="t" r="r" b="b"/>
+              <a:pathLst>
+                <a:path w="970751" h="342618">
+                  <a:moveTo>
+                    <a:pt x="0" y="0"/>
+                  </a:moveTo>
+                  <a:lnTo>
+                    <a:pt x="970751" y="0"/>
+                  </a:lnTo>
+                  <a:lnTo>
+                    <a:pt x="970751" y="342618"/>
+                  </a:lnTo>
+                  <a:lnTo>
+                    <a:pt x="0" y="342618"/>
+                  </a:lnTo>
+                  <a:lnTo>
+                    <a:pt x="0" y="0"/>
+                  </a:lnTo>
+                  <a:close/>
+                </a:path>
+              </a:pathLst>
+            </a:custGeom>
+          </p:spPr>
+          <p:style>
+            <a:lnRef idx="0">
+              <a:schemeClr val="dk1">
+                <a:alpha val="0"/>
+                <a:hueOff val="0"/>
+                <a:satOff val="0"/>
+                <a:lumOff val="0"/>
+                <a:alphaOff val="0"/>
+              </a:schemeClr>
+            </a:lnRef>
+            <a:fillRef idx="0">
+              <a:schemeClr val="lt1">
+                <a:alpha val="0"/>
+                <a:hueOff val="0"/>
+                <a:satOff val="0"/>
+                <a:lumOff val="0"/>
+                <a:alphaOff val="0"/>
+              </a:schemeClr>
+            </a:fillRef>
+            <a:effectRef idx="0">
+              <a:schemeClr val="lt1">
+                <a:alpha val="0"/>
+                <a:hueOff val="0"/>
+                <a:satOff val="0"/>
+                <a:lumOff val="0"/>
+                <a:alphaOff val="0"/>
+              </a:schemeClr>
+            </a:effectRef>
+            <a:fontRef idx="minor">
+              <a:schemeClr val="tx1">
+                <a:hueOff val="0"/>
+                <a:satOff val="0"/>
+                <a:lumOff val="0"/>
+                <a:alphaOff val="0"/>
+              </a:schemeClr>
+            </a:fontRef>
+          </p:style>
+          <p:txBody>
+            <a:bodyPr spcFirstLastPara="0" vert="horz" wrap="square" lIns="19050" tIns="19050" rIns="19050" bIns="19050" numCol="1" spcCol="1270" anchor="ctr" anchorCtr="0">
+              <a:noAutofit/>
+            </a:bodyPr>
+            <a:lstStyle/>
+            <a:p>
+              <a:pPr marL="0" lvl="0" indent="0" algn="ctr" defTabSz="222250">
+                <a:lnSpc>
+                  <a:spcPct val="90000"/>
+                </a:lnSpc>
+                <a:spcBef>
+                  <a:spcPct val="0"/>
+                </a:spcBef>
+                <a:spcAft>
+                  <a:spcPct val="35000"/>
+                </a:spcAft>
+                <a:buNone/>
+              </a:pPr>
+              <a:r>
+                <a:rPr lang="en-DK" sz="500" b="1" u="sng" kern="1200" dirty="0">
+                  <a:solidFill>
+                    <a:schemeClr val="bg1"/>
+                  </a:solidFill>
+                </a:rPr>
+                <a:t>Easy</a:t>
+              </a:r>
+              <a:br>
+                <a:rPr lang="en-DK" sz="500" kern="1200" dirty="0">
+                  <a:solidFill>
+                    <a:schemeClr val="bg1"/>
+                  </a:solidFill>
+                </a:rPr>
+              </a:br>
+              <a:r>
+                <a:rPr lang="en-DK" sz="500" kern="1200" dirty="0" err="1">
+                  <a:solidFill>
+                    <a:schemeClr val="bg1"/>
+                  </a:solidFill>
+                </a:rPr>
+                <a:t>Mund</a:t>
+              </a:r>
+              <a:r>
+                <a:rPr lang="en-DK" sz="500" kern="1200" dirty="0">
+                  <a:solidFill>
+                    <a:schemeClr val="bg1"/>
+                  </a:solidFill>
+                </a:rPr>
+                <a:t> &amp; </a:t>
+              </a:r>
+              <a:r>
+                <a:rPr lang="en-DK" sz="500" kern="1200" dirty="0" err="1">
+                  <a:solidFill>
+                    <a:schemeClr val="bg1"/>
+                  </a:solidFill>
+                </a:rPr>
+                <a:t>næse</a:t>
+              </a:r>
+              <a:r>
+                <a:rPr lang="en-DK" sz="500" kern="1200" dirty="0">
+                  <a:solidFill>
+                    <a:schemeClr val="bg1"/>
+                  </a:solidFill>
+                </a:rPr>
+                <a:t> er </a:t>
+              </a:r>
+              <a:r>
+                <a:rPr lang="en-DK" sz="500" kern="1200" dirty="0" err="1">
+                  <a:solidFill>
+                    <a:schemeClr val="bg1"/>
+                  </a:solidFill>
+                </a:rPr>
+                <a:t>ændret</a:t>
+              </a:r>
+              <a:endParaRPr lang="en-DK" sz="500" kern="1200" dirty="0">
+                <a:solidFill>
+                  <a:schemeClr val="bg1"/>
+                </a:solidFill>
+              </a:endParaRPr>
+            </a:p>
+          </p:txBody>
+        </p:sp>
+        <p:sp>
+          <p:nvSpPr>
+            <p:cNvPr id="13" name="Rectangle 12">
+              <a:extLst>
+                <a:ext uri="{FF2B5EF4-FFF2-40B4-BE49-F238E27FC236}">
+                  <a16:creationId xmlns:a16="http://schemas.microsoft.com/office/drawing/2014/main" id="{86235316-D8BA-4E8E-75AA-51CD0FCD1C88}"/>
+                </a:ext>
+              </a:extLst>
+            </p:cNvPr>
+            <p:cNvSpPr/>
+            <p:nvPr/>
+          </p:nvSpPr>
+          <p:spPr>
+            <a:xfrm>
+              <a:off x="2108349" y="4224169"/>
+              <a:ext cx="1078612" cy="1179852"/>
+            </a:xfrm>
+            <a:prstGeom prst="rect">
+              <a:avLst/>
+            </a:prstGeom>
+          </p:spPr>
+          <p:style>
+            <a:lnRef idx="1">
+              <a:schemeClr val="accent1">
+                <a:hueOff val="0"/>
+                <a:satOff val="0"/>
+                <a:lumOff val="0"/>
+                <a:alphaOff val="0"/>
+              </a:schemeClr>
+            </a:lnRef>
+            <a:fillRef idx="1">
+              <a:schemeClr val="lt1">
+                <a:alpha val="40000"/>
+                <a:hueOff val="0"/>
+                <a:satOff val="0"/>
+                <a:lumOff val="0"/>
+                <a:alphaOff val="0"/>
+              </a:schemeClr>
+            </a:fillRef>
+            <a:effectRef idx="0">
+              <a:schemeClr val="lt1">
+                <a:alpha val="40000"/>
+                <a:hueOff val="0"/>
+                <a:satOff val="0"/>
+                <a:lumOff val="0"/>
+                <a:alphaOff val="0"/>
+              </a:schemeClr>
+            </a:effectRef>
+            <a:fontRef idx="minor">
+              <a:schemeClr val="dk1">
+                <a:hueOff val="0"/>
+                <a:satOff val="0"/>
+                <a:lumOff val="0"/>
+                <a:alphaOff val="0"/>
+              </a:schemeClr>
+            </a:fontRef>
+          </p:style>
+        </p:sp>
+        <p:sp>
+          <p:nvSpPr>
+            <p:cNvPr id="16" name="Rectangle 15">
+              <a:extLst>
+                <a:ext uri="{FF2B5EF4-FFF2-40B4-BE49-F238E27FC236}">
+                  <a16:creationId xmlns:a16="http://schemas.microsoft.com/office/drawing/2014/main" id="{83758C65-284B-5078-5DC1-40AB461D6E1E}"/>
+                </a:ext>
+              </a:extLst>
+            </p:cNvPr>
+            <p:cNvSpPr/>
+            <p:nvPr/>
+          </p:nvSpPr>
+          <p:spPr>
+            <a:xfrm>
+              <a:off x="2162279" y="4267338"/>
+              <a:ext cx="970751" cy="824821"/>
+            </a:xfrm>
+            <a:prstGeom prst="rect">
+              <a:avLst/>
+            </a:prstGeom>
+            <a:blipFill rotWithShape="1">
+              <a:blip r:embed="rId3">
+                <a:extLst>
+                  <a:ext uri="{28A0092B-C50C-407E-A947-70E740481C1C}">
+                    <a14:useLocalDpi xmlns:a14="http://schemas.microsoft.com/office/drawing/2010/main" val="0"/>
+                  </a:ext>
+                </a:extLst>
+              </a:blip>
+              <a:srcRect/>
+              <a:stretch>
+                <a:fillRect t="-9000" b="-9000"/>
+              </a:stretch>
+            </a:blipFill>
+          </p:spPr>
+          <p:style>
+            <a:lnRef idx="2">
+              <a:schemeClr val="lt1">
+                <a:hueOff val="0"/>
+                <a:satOff val="0"/>
+                <a:lumOff val="0"/>
+                <a:alphaOff val="0"/>
+              </a:schemeClr>
+            </a:lnRef>
+            <a:fillRef idx="1">
+              <a:scrgbClr r="0" g="0" b="0"/>
+            </a:fillRef>
+            <a:effectRef idx="0">
+              <a:schemeClr val="accent1">
+                <a:tint val="50000"/>
+                <a:hueOff val="0"/>
+                <a:satOff val="0"/>
+                <a:lumOff val="0"/>
+                <a:alphaOff val="0"/>
+              </a:schemeClr>
+            </a:effectRef>
+            <a:fontRef idx="minor">
+              <a:schemeClr val="lt1">
+                <a:hueOff val="0"/>
+                <a:satOff val="0"/>
+                <a:lumOff val="0"/>
+                <a:alphaOff val="0"/>
+              </a:schemeClr>
+            </a:fontRef>
+          </p:style>
+        </p:sp>
+        <p:sp>
+          <p:nvSpPr>
+            <p:cNvPr id="17" name="Freeform: Shape 16">
+              <a:extLst>
+                <a:ext uri="{FF2B5EF4-FFF2-40B4-BE49-F238E27FC236}">
+                  <a16:creationId xmlns:a16="http://schemas.microsoft.com/office/drawing/2014/main" id="{E06B2CDD-CADF-99DC-322A-4B1504CBDA8F}"/>
+                </a:ext>
+              </a:extLst>
+            </p:cNvPr>
+            <p:cNvSpPr/>
+            <p:nvPr/>
+          </p:nvSpPr>
+          <p:spPr>
+            <a:xfrm>
+              <a:off x="2162279" y="5061404"/>
+              <a:ext cx="970751" cy="342618"/>
+            </a:xfrm>
+            <a:custGeom>
+              <a:avLst/>
+              <a:gdLst>
+                <a:gd name="connsiteX0" fmla="*/ 0 w 970751"/>
+                <a:gd name="connsiteY0" fmla="*/ 0 h 342618"/>
+                <a:gd name="connsiteX1" fmla="*/ 970751 w 970751"/>
+                <a:gd name="connsiteY1" fmla="*/ 0 h 342618"/>
+                <a:gd name="connsiteX2" fmla="*/ 970751 w 970751"/>
+                <a:gd name="connsiteY2" fmla="*/ 342618 h 342618"/>
+                <a:gd name="connsiteX3" fmla="*/ 0 w 970751"/>
+                <a:gd name="connsiteY3" fmla="*/ 342618 h 342618"/>
+                <a:gd name="connsiteX4" fmla="*/ 0 w 970751"/>
+                <a:gd name="connsiteY4" fmla="*/ 0 h 342618"/>
+              </a:gdLst>
+              <a:ahLst/>
+              <a:cxnLst>
+                <a:cxn ang="0">
+                  <a:pos x="connsiteX0" y="connsiteY0"/>
+                </a:cxn>
+                <a:cxn ang="0">
+                  <a:pos x="connsiteX1" y="connsiteY1"/>
+                </a:cxn>
+                <a:cxn ang="0">
+                  <a:pos x="connsiteX2" y="connsiteY2"/>
+                </a:cxn>
+                <a:cxn ang="0">
+                  <a:pos x="connsiteX3" y="connsiteY3"/>
+                </a:cxn>
+                <a:cxn ang="0">
+                  <a:pos x="connsiteX4" y="connsiteY4"/>
+                </a:cxn>
+              </a:cxnLst>
+              <a:rect l="l" t="t" r="r" b="b"/>
+              <a:pathLst>
+                <a:path w="970751" h="342618">
+                  <a:moveTo>
+                    <a:pt x="0" y="0"/>
+                  </a:moveTo>
+                  <a:lnTo>
+                    <a:pt x="970751" y="0"/>
+                  </a:lnTo>
+                  <a:lnTo>
+                    <a:pt x="970751" y="342618"/>
+                  </a:lnTo>
+                  <a:lnTo>
+                    <a:pt x="0" y="342618"/>
+                  </a:lnTo>
+                  <a:lnTo>
+                    <a:pt x="0" y="0"/>
+                  </a:lnTo>
+                  <a:close/>
+                </a:path>
+              </a:pathLst>
+            </a:custGeom>
+          </p:spPr>
+          <p:style>
+            <a:lnRef idx="0">
+              <a:schemeClr val="dk1">
+                <a:alpha val="0"/>
+                <a:hueOff val="0"/>
+                <a:satOff val="0"/>
+                <a:lumOff val="0"/>
+                <a:alphaOff val="0"/>
+              </a:schemeClr>
+            </a:lnRef>
+            <a:fillRef idx="0">
+              <a:schemeClr val="lt1">
+                <a:alpha val="0"/>
+                <a:hueOff val="0"/>
+                <a:satOff val="0"/>
+                <a:lumOff val="0"/>
+                <a:alphaOff val="0"/>
+              </a:schemeClr>
+            </a:fillRef>
+            <a:effectRef idx="0">
+              <a:schemeClr val="lt1">
+                <a:alpha val="0"/>
+                <a:hueOff val="0"/>
+                <a:satOff val="0"/>
+                <a:lumOff val="0"/>
+                <a:alphaOff val="0"/>
+              </a:schemeClr>
+            </a:effectRef>
+            <a:fontRef idx="minor">
+              <a:schemeClr val="tx1">
+                <a:hueOff val="0"/>
+                <a:satOff val="0"/>
+                <a:lumOff val="0"/>
+                <a:alphaOff val="0"/>
+              </a:schemeClr>
+            </a:fontRef>
+          </p:style>
+          <p:txBody>
+            <a:bodyPr spcFirstLastPara="0" vert="horz" wrap="square" lIns="19050" tIns="19050" rIns="19050" bIns="19050" numCol="1" spcCol="1270" anchor="ctr" anchorCtr="0">
+              <a:noAutofit/>
+            </a:bodyPr>
+            <a:lstStyle/>
+            <a:p>
+              <a:pPr marL="0" lvl="0" indent="0" algn="ctr" defTabSz="222250">
+                <a:lnSpc>
+                  <a:spcPct val="90000"/>
+                </a:lnSpc>
+                <a:spcBef>
+                  <a:spcPct val="0"/>
+                </a:spcBef>
+                <a:spcAft>
+                  <a:spcPct val="35000"/>
+                </a:spcAft>
+                <a:buNone/>
+              </a:pPr>
+              <a:r>
+                <a:rPr lang="en-DK" sz="500" b="1" u="sng" kern="1200" dirty="0">
+                  <a:solidFill>
+                    <a:schemeClr val="bg1"/>
+                  </a:solidFill>
+                </a:rPr>
+                <a:t>Medium</a:t>
+              </a:r>
+              <a:br>
+                <a:rPr lang="en-DK" sz="500" kern="1200" dirty="0">
+                  <a:solidFill>
+                    <a:schemeClr val="bg1"/>
+                  </a:solidFill>
+                </a:rPr>
+              </a:br>
+              <a:r>
+                <a:rPr lang="en-DK" sz="500" kern="1200" dirty="0" err="1">
+                  <a:solidFill>
+                    <a:schemeClr val="bg1"/>
+                  </a:solidFill>
+                </a:rPr>
+                <a:t>Begge</a:t>
+              </a:r>
+              <a:r>
+                <a:rPr lang="en-DK" sz="500" kern="1200" dirty="0">
+                  <a:solidFill>
+                    <a:schemeClr val="bg1"/>
+                  </a:solidFill>
+                </a:rPr>
+                <a:t> </a:t>
+              </a:r>
+              <a:r>
+                <a:rPr lang="en-DK" sz="500" kern="1200" dirty="0" err="1">
+                  <a:solidFill>
+                    <a:schemeClr val="bg1"/>
+                  </a:solidFill>
+                </a:rPr>
+                <a:t>øjne</a:t>
+              </a:r>
+              <a:r>
+                <a:rPr lang="en-DK" sz="500" kern="1200" dirty="0">
+                  <a:solidFill>
+                    <a:schemeClr val="bg1"/>
+                  </a:solidFill>
+                </a:rPr>
+                <a:t>, </a:t>
+              </a:r>
+              <a:r>
+                <a:rPr lang="en-DK" sz="500" kern="1200" dirty="0" err="1">
+                  <a:solidFill>
+                    <a:schemeClr val="bg1"/>
+                  </a:solidFill>
+                </a:rPr>
+                <a:t>næse</a:t>
+              </a:r>
+              <a:r>
+                <a:rPr lang="en-DK" sz="500" kern="1200" dirty="0">
+                  <a:solidFill>
+                    <a:schemeClr val="bg1"/>
+                  </a:solidFill>
+                </a:rPr>
+                <a:t> &amp; </a:t>
+              </a:r>
+              <a:r>
+                <a:rPr lang="en-DK" sz="500" kern="1200" dirty="0" err="1">
+                  <a:solidFill>
+                    <a:schemeClr val="bg1"/>
+                  </a:solidFill>
+                </a:rPr>
+                <a:t>mund</a:t>
+              </a:r>
+              <a:r>
+                <a:rPr lang="en-DK" sz="500" kern="1200" dirty="0">
+                  <a:solidFill>
+                    <a:schemeClr val="bg1"/>
+                  </a:solidFill>
+                </a:rPr>
+                <a:t> er </a:t>
+              </a:r>
+              <a:r>
+                <a:rPr lang="en-DK" sz="500" kern="1200" dirty="0" err="1">
+                  <a:solidFill>
+                    <a:schemeClr val="bg1"/>
+                  </a:solidFill>
+                </a:rPr>
+                <a:t>ændret</a:t>
+              </a:r>
+              <a:endParaRPr lang="en-DK" sz="500" kern="1200" dirty="0">
+                <a:solidFill>
+                  <a:schemeClr val="bg1"/>
+                </a:solidFill>
+              </a:endParaRPr>
+            </a:p>
+          </p:txBody>
+        </p:sp>
+        <p:sp>
+          <p:nvSpPr>
+            <p:cNvPr id="18" name="Rectangle 17">
+              <a:extLst>
+                <a:ext uri="{FF2B5EF4-FFF2-40B4-BE49-F238E27FC236}">
+                  <a16:creationId xmlns:a16="http://schemas.microsoft.com/office/drawing/2014/main" id="{46E8063F-FD09-72EC-71BD-B2950A7DA140}"/>
+                </a:ext>
+              </a:extLst>
+            </p:cNvPr>
+            <p:cNvSpPr/>
+            <p:nvPr/>
+          </p:nvSpPr>
+          <p:spPr>
+            <a:xfrm>
+              <a:off x="714045" y="5459655"/>
+              <a:ext cx="1078612" cy="1190857"/>
+            </a:xfrm>
+            <a:prstGeom prst="rect">
+              <a:avLst/>
+            </a:prstGeom>
+          </p:spPr>
+          <p:style>
+            <a:lnRef idx="1">
+              <a:schemeClr val="accent1">
+                <a:hueOff val="0"/>
+                <a:satOff val="0"/>
+                <a:lumOff val="0"/>
+                <a:alphaOff val="0"/>
+              </a:schemeClr>
+            </a:lnRef>
+            <a:fillRef idx="1">
+              <a:schemeClr val="lt1">
+                <a:alpha val="40000"/>
+                <a:hueOff val="0"/>
+                <a:satOff val="0"/>
+                <a:lumOff val="0"/>
+                <a:alphaOff val="0"/>
+              </a:schemeClr>
+            </a:fillRef>
+            <a:effectRef idx="0">
+              <a:schemeClr val="lt1">
+                <a:alpha val="40000"/>
+                <a:hueOff val="0"/>
+                <a:satOff val="0"/>
+                <a:lumOff val="0"/>
+                <a:alphaOff val="0"/>
+              </a:schemeClr>
+            </a:effectRef>
+            <a:fontRef idx="minor">
+              <a:schemeClr val="dk1">
+                <a:hueOff val="0"/>
+                <a:satOff val="0"/>
+                <a:lumOff val="0"/>
+                <a:alphaOff val="0"/>
+              </a:schemeClr>
+            </a:fontRef>
+          </p:style>
+        </p:sp>
+        <p:sp>
+          <p:nvSpPr>
+            <p:cNvPr id="19" name="Rectangle 18" descr="Et billede, der indeholder træ, person, udendørs, mand&#10;&#10;Automatisk genereret beskrivelse">
+              <a:extLst>
+                <a:ext uri="{FF2B5EF4-FFF2-40B4-BE49-F238E27FC236}">
+                  <a16:creationId xmlns:a16="http://schemas.microsoft.com/office/drawing/2014/main" id="{DF1355BE-1DC8-1B6F-2CB6-58B808A3CFB1}"/>
+                </a:ext>
+              </a:extLst>
+            </p:cNvPr>
+            <p:cNvSpPr/>
+            <p:nvPr/>
+          </p:nvSpPr>
+          <p:spPr>
+            <a:xfrm>
+              <a:off x="767975" y="5528616"/>
+              <a:ext cx="970751" cy="824821"/>
+            </a:xfrm>
+            <a:prstGeom prst="rect">
+              <a:avLst/>
+            </a:prstGeom>
+            <a:blipFill rotWithShape="1">
+              <a:blip r:embed="rId4">
+                <a:extLst>
+                  <a:ext uri="{28A0092B-C50C-407E-A947-70E740481C1C}">
+                    <a14:useLocalDpi xmlns:a14="http://schemas.microsoft.com/office/drawing/2010/main" val="0"/>
+                  </a:ext>
+                </a:extLst>
+              </a:blip>
+              <a:srcRect/>
+              <a:stretch>
+                <a:fillRect t="-9000" b="-9000"/>
+              </a:stretch>
+            </a:blipFill>
+          </p:spPr>
+          <p:style>
+            <a:lnRef idx="2">
+              <a:schemeClr val="lt1">
+                <a:hueOff val="0"/>
+                <a:satOff val="0"/>
+                <a:lumOff val="0"/>
+                <a:alphaOff val="0"/>
+              </a:schemeClr>
+            </a:lnRef>
+            <a:fillRef idx="1">
+              <a:scrgbClr r="0" g="0" b="0"/>
+            </a:fillRef>
+            <a:effectRef idx="0">
+              <a:schemeClr val="accent1">
+                <a:tint val="50000"/>
+                <a:hueOff val="0"/>
+                <a:satOff val="0"/>
+                <a:lumOff val="0"/>
+                <a:alphaOff val="0"/>
+              </a:schemeClr>
+            </a:effectRef>
+            <a:fontRef idx="minor">
+              <a:schemeClr val="lt1">
+                <a:hueOff val="0"/>
+                <a:satOff val="0"/>
+                <a:lumOff val="0"/>
+                <a:alphaOff val="0"/>
+              </a:schemeClr>
+            </a:fontRef>
+          </p:style>
+        </p:sp>
+        <p:sp>
+          <p:nvSpPr>
+            <p:cNvPr id="20" name="Freeform: Shape 19">
+              <a:extLst>
+                <a:ext uri="{FF2B5EF4-FFF2-40B4-BE49-F238E27FC236}">
+                  <a16:creationId xmlns:a16="http://schemas.microsoft.com/office/drawing/2014/main" id="{54738FC5-0845-6E1F-B1B3-1866AA69AFCD}"/>
+                </a:ext>
+              </a:extLst>
+            </p:cNvPr>
+            <p:cNvSpPr/>
+            <p:nvPr/>
+          </p:nvSpPr>
+          <p:spPr>
+            <a:xfrm>
+              <a:off x="767975" y="6346514"/>
+              <a:ext cx="970751" cy="331613"/>
+            </a:xfrm>
+            <a:custGeom>
+              <a:avLst/>
+              <a:gdLst>
+                <a:gd name="connsiteX0" fmla="*/ 0 w 970751"/>
+                <a:gd name="connsiteY0" fmla="*/ 0 h 342618"/>
+                <a:gd name="connsiteX1" fmla="*/ 970751 w 970751"/>
+                <a:gd name="connsiteY1" fmla="*/ 0 h 342618"/>
+                <a:gd name="connsiteX2" fmla="*/ 970751 w 970751"/>
+                <a:gd name="connsiteY2" fmla="*/ 342618 h 342618"/>
+                <a:gd name="connsiteX3" fmla="*/ 0 w 970751"/>
+                <a:gd name="connsiteY3" fmla="*/ 342618 h 342618"/>
+                <a:gd name="connsiteX4" fmla="*/ 0 w 970751"/>
+                <a:gd name="connsiteY4" fmla="*/ 0 h 342618"/>
+              </a:gdLst>
+              <a:ahLst/>
+              <a:cxnLst>
+                <a:cxn ang="0">
+                  <a:pos x="connsiteX0" y="connsiteY0"/>
+                </a:cxn>
+                <a:cxn ang="0">
+                  <a:pos x="connsiteX1" y="connsiteY1"/>
+                </a:cxn>
+                <a:cxn ang="0">
+                  <a:pos x="connsiteX2" y="connsiteY2"/>
+                </a:cxn>
+                <a:cxn ang="0">
+                  <a:pos x="connsiteX3" y="connsiteY3"/>
+                </a:cxn>
+                <a:cxn ang="0">
+                  <a:pos x="connsiteX4" y="connsiteY4"/>
+                </a:cxn>
+              </a:cxnLst>
+              <a:rect l="l" t="t" r="r" b="b"/>
+              <a:pathLst>
+                <a:path w="970751" h="342618">
+                  <a:moveTo>
+                    <a:pt x="0" y="0"/>
+                  </a:moveTo>
+                  <a:lnTo>
+                    <a:pt x="970751" y="0"/>
+                  </a:lnTo>
+                  <a:lnTo>
+                    <a:pt x="970751" y="342618"/>
+                  </a:lnTo>
+                  <a:lnTo>
+                    <a:pt x="0" y="342618"/>
+                  </a:lnTo>
+                  <a:lnTo>
+                    <a:pt x="0" y="0"/>
+                  </a:lnTo>
+                  <a:close/>
+                </a:path>
+              </a:pathLst>
+            </a:custGeom>
+          </p:spPr>
+          <p:style>
+            <a:lnRef idx="0">
+              <a:schemeClr val="dk1">
+                <a:alpha val="0"/>
+                <a:hueOff val="0"/>
+                <a:satOff val="0"/>
+                <a:lumOff val="0"/>
+                <a:alphaOff val="0"/>
+              </a:schemeClr>
+            </a:lnRef>
+            <a:fillRef idx="0">
+              <a:schemeClr val="lt1">
+                <a:alpha val="0"/>
+                <a:hueOff val="0"/>
+                <a:satOff val="0"/>
+                <a:lumOff val="0"/>
+                <a:alphaOff val="0"/>
+              </a:schemeClr>
+            </a:fillRef>
+            <a:effectRef idx="0">
+              <a:schemeClr val="lt1">
+                <a:alpha val="0"/>
+                <a:hueOff val="0"/>
+                <a:satOff val="0"/>
+                <a:lumOff val="0"/>
+                <a:alphaOff val="0"/>
+              </a:schemeClr>
+            </a:effectRef>
+            <a:fontRef idx="minor">
+              <a:schemeClr val="tx1">
+                <a:hueOff val="0"/>
+                <a:satOff val="0"/>
+                <a:lumOff val="0"/>
+                <a:alphaOff val="0"/>
+              </a:schemeClr>
+            </a:fontRef>
+          </p:style>
+          <p:txBody>
+            <a:bodyPr spcFirstLastPara="0" vert="horz" wrap="square" lIns="19050" tIns="19050" rIns="19050" bIns="19050" numCol="1" spcCol="1270" anchor="ctr" anchorCtr="0">
+              <a:noAutofit/>
+            </a:bodyPr>
+            <a:lstStyle/>
+            <a:p>
+              <a:pPr marL="0" lvl="0" indent="0" algn="ctr" defTabSz="222250">
+                <a:lnSpc>
+                  <a:spcPct val="90000"/>
+                </a:lnSpc>
+                <a:spcBef>
+                  <a:spcPct val="0"/>
+                </a:spcBef>
+                <a:spcAft>
+                  <a:spcPct val="35000"/>
+                </a:spcAft>
+                <a:buNone/>
+              </a:pPr>
+              <a:r>
+                <a:rPr lang="en-DK" sz="500" b="1" u="sng" kern="1200" dirty="0">
+                  <a:solidFill>
+                    <a:schemeClr val="bg1"/>
+                  </a:solidFill>
+                </a:rPr>
+                <a:t>Hard</a:t>
+              </a:r>
+              <a:br>
+                <a:rPr lang="en-DK" sz="500" kern="1200" dirty="0">
+                  <a:solidFill>
+                    <a:schemeClr val="bg1"/>
+                  </a:solidFill>
+                </a:rPr>
+              </a:br>
+              <a:r>
+                <a:rPr lang="en-DK" sz="500" kern="1200" dirty="0" err="1">
+                  <a:solidFill>
+                    <a:schemeClr val="bg1"/>
+                  </a:solidFill>
+                </a:rPr>
+                <a:t>Begge</a:t>
+              </a:r>
+              <a:r>
+                <a:rPr lang="en-DK" sz="500" kern="1200" dirty="0">
+                  <a:solidFill>
+                    <a:schemeClr val="bg1"/>
+                  </a:solidFill>
+                </a:rPr>
+                <a:t> </a:t>
+              </a:r>
+              <a:r>
+                <a:rPr lang="en-DK" sz="500" kern="1200" dirty="0" err="1">
+                  <a:solidFill>
+                    <a:schemeClr val="bg1"/>
+                  </a:solidFill>
+                </a:rPr>
+                <a:t>øjne</a:t>
+              </a:r>
+              <a:r>
+                <a:rPr lang="en-DK" sz="500" kern="1200" dirty="0">
+                  <a:solidFill>
+                    <a:schemeClr val="bg1"/>
+                  </a:solidFill>
+                </a:rPr>
+                <a:t>, </a:t>
+              </a:r>
+              <a:r>
+                <a:rPr lang="en-DK" sz="500" kern="1200" dirty="0" err="1">
+                  <a:solidFill>
+                    <a:schemeClr val="bg1"/>
+                  </a:solidFill>
+                </a:rPr>
+                <a:t>næse</a:t>
+              </a:r>
+              <a:r>
+                <a:rPr lang="en-DK" sz="500" kern="1200" dirty="0">
+                  <a:solidFill>
+                    <a:schemeClr val="bg1"/>
+                  </a:solidFill>
+                </a:rPr>
+                <a:t> </a:t>
+              </a:r>
+              <a:r>
+                <a:rPr lang="en-DK" sz="500" kern="1200" dirty="0" err="1">
+                  <a:solidFill>
+                    <a:schemeClr val="bg1"/>
+                  </a:solidFill>
+                </a:rPr>
+                <a:t>og</a:t>
+              </a:r>
+              <a:r>
+                <a:rPr lang="en-DK" sz="500" kern="1200" dirty="0">
+                  <a:solidFill>
+                    <a:schemeClr val="bg1"/>
+                  </a:solidFill>
+                </a:rPr>
+                <a:t> </a:t>
+              </a:r>
+              <a:r>
+                <a:rPr lang="en-DK" sz="500" kern="1200" dirty="0" err="1">
+                  <a:solidFill>
+                    <a:schemeClr val="bg1"/>
+                  </a:solidFill>
+                </a:rPr>
+                <a:t>mun</a:t>
+              </a:r>
+              <a:r>
+                <a:rPr lang="en-DK" sz="500" kern="1200" dirty="0">
+                  <a:solidFill>
+                    <a:schemeClr val="bg1"/>
+                  </a:solidFill>
+                </a:rPr>
+                <a:t> er </a:t>
+              </a:r>
+              <a:r>
+                <a:rPr lang="en-DK" sz="500" kern="1200" dirty="0" err="1">
+                  <a:solidFill>
+                    <a:schemeClr val="bg1"/>
+                  </a:solidFill>
+                </a:rPr>
+                <a:t>ændret</a:t>
+              </a:r>
+              <a:br>
+                <a:rPr lang="en-DK" sz="500" kern="1200" dirty="0">
+                  <a:solidFill>
+                    <a:schemeClr val="bg1"/>
+                  </a:solidFill>
+                </a:rPr>
+              </a:br>
+              <a:endParaRPr lang="en-DK" sz="500" kern="1200" dirty="0">
+                <a:solidFill>
+                  <a:schemeClr val="bg1"/>
+                </a:solidFill>
+              </a:endParaRPr>
+            </a:p>
+          </p:txBody>
+        </p:sp>
+        <p:sp>
+          <p:nvSpPr>
+            <p:cNvPr id="21" name="Rectangle 20">
+              <a:extLst>
+                <a:ext uri="{FF2B5EF4-FFF2-40B4-BE49-F238E27FC236}">
+                  <a16:creationId xmlns:a16="http://schemas.microsoft.com/office/drawing/2014/main" id="{BDDA9064-9DC1-628A-9B6D-8B19E93D1A48}"/>
+                </a:ext>
+              </a:extLst>
+            </p:cNvPr>
+            <p:cNvSpPr/>
+            <p:nvPr/>
+          </p:nvSpPr>
+          <p:spPr>
+            <a:xfrm>
+              <a:off x="2108348" y="5459655"/>
+              <a:ext cx="1078612" cy="1179852"/>
+            </a:xfrm>
+            <a:prstGeom prst="rect">
+              <a:avLst/>
+            </a:prstGeom>
+          </p:spPr>
+          <p:style>
+            <a:lnRef idx="1">
+              <a:schemeClr val="accent1">
+                <a:hueOff val="0"/>
+                <a:satOff val="0"/>
+                <a:lumOff val="0"/>
+                <a:alphaOff val="0"/>
+              </a:schemeClr>
+            </a:lnRef>
+            <a:fillRef idx="1">
+              <a:schemeClr val="lt1">
+                <a:alpha val="40000"/>
+                <a:hueOff val="0"/>
+                <a:satOff val="0"/>
+                <a:lumOff val="0"/>
+                <a:alphaOff val="0"/>
+              </a:schemeClr>
+            </a:fillRef>
+            <a:effectRef idx="0">
+              <a:schemeClr val="lt1">
+                <a:alpha val="40000"/>
+                <a:hueOff val="0"/>
+                <a:satOff val="0"/>
+                <a:lumOff val="0"/>
+                <a:alphaOff val="0"/>
+              </a:schemeClr>
+            </a:effectRef>
+            <a:fontRef idx="minor">
+              <a:schemeClr val="dk1">
+                <a:hueOff val="0"/>
+                <a:satOff val="0"/>
+                <a:lumOff val="0"/>
+                <a:alphaOff val="0"/>
+              </a:schemeClr>
+            </a:fontRef>
+          </p:style>
+        </p:sp>
+        <p:sp>
+          <p:nvSpPr>
+            <p:cNvPr id="22" name="Rectangle 21" descr="Et billede, der indeholder person, kvinde, pige, hår&#10;&#10;Automatisk genereret beskrivelse">
+              <a:extLst>
+                <a:ext uri="{FF2B5EF4-FFF2-40B4-BE49-F238E27FC236}">
+                  <a16:creationId xmlns:a16="http://schemas.microsoft.com/office/drawing/2014/main" id="{0D865A87-44EC-8960-7B63-C58806886745}"/>
+                </a:ext>
+              </a:extLst>
+            </p:cNvPr>
+            <p:cNvSpPr/>
+            <p:nvPr/>
+          </p:nvSpPr>
+          <p:spPr>
+            <a:xfrm>
+              <a:off x="2162279" y="5528616"/>
+              <a:ext cx="970751" cy="824821"/>
+            </a:xfrm>
+            <a:prstGeom prst="rect">
+              <a:avLst/>
+            </a:prstGeom>
+            <a:blipFill>
+              <a:blip r:embed="rId5">
+                <a:extLst>
+                  <a:ext uri="{28A0092B-C50C-407E-A947-70E740481C1C}">
+                    <a14:useLocalDpi xmlns:a14="http://schemas.microsoft.com/office/drawing/2010/main" val="0"/>
+                  </a:ext>
+                </a:extLst>
+              </a:blip>
+              <a:srcRect/>
+              <a:stretch>
+                <a:fillRect t="-8000" b="-8000"/>
+              </a:stretch>
+            </a:blipFill>
+          </p:spPr>
+          <p:style>
+            <a:lnRef idx="2">
+              <a:schemeClr val="lt1">
+                <a:hueOff val="0"/>
+                <a:satOff val="0"/>
+                <a:lumOff val="0"/>
+                <a:alphaOff val="0"/>
+              </a:schemeClr>
+            </a:lnRef>
+            <a:fillRef idx="1">
+              <a:scrgbClr r="0" g="0" b="0"/>
+            </a:fillRef>
+            <a:effectRef idx="0">
+              <a:schemeClr val="accent1">
+                <a:tint val="50000"/>
+                <a:hueOff val="0"/>
+                <a:satOff val="0"/>
+                <a:lumOff val="0"/>
+                <a:alphaOff val="0"/>
+              </a:schemeClr>
+            </a:effectRef>
+            <a:fontRef idx="minor">
+              <a:schemeClr val="lt1">
+                <a:hueOff val="0"/>
+                <a:satOff val="0"/>
+                <a:lumOff val="0"/>
+                <a:alphaOff val="0"/>
+              </a:schemeClr>
+            </a:fontRef>
+          </p:style>
+        </p:sp>
+        <p:sp>
+          <p:nvSpPr>
+            <p:cNvPr id="23" name="Freeform: Shape 22">
+              <a:extLst>
+                <a:ext uri="{FF2B5EF4-FFF2-40B4-BE49-F238E27FC236}">
+                  <a16:creationId xmlns:a16="http://schemas.microsoft.com/office/drawing/2014/main" id="{D820070B-1507-00A9-C26C-6A0340E0389D}"/>
+                </a:ext>
+              </a:extLst>
+            </p:cNvPr>
+            <p:cNvSpPr/>
+            <p:nvPr/>
+          </p:nvSpPr>
+          <p:spPr>
+            <a:xfrm>
+              <a:off x="2152214" y="6322114"/>
+              <a:ext cx="970751" cy="342618"/>
+            </a:xfrm>
+            <a:custGeom>
+              <a:avLst/>
+              <a:gdLst>
+                <a:gd name="connsiteX0" fmla="*/ 0 w 970751"/>
+                <a:gd name="connsiteY0" fmla="*/ 0 h 342618"/>
+                <a:gd name="connsiteX1" fmla="*/ 970751 w 970751"/>
+                <a:gd name="connsiteY1" fmla="*/ 0 h 342618"/>
+                <a:gd name="connsiteX2" fmla="*/ 970751 w 970751"/>
+                <a:gd name="connsiteY2" fmla="*/ 342618 h 342618"/>
+                <a:gd name="connsiteX3" fmla="*/ 0 w 970751"/>
+                <a:gd name="connsiteY3" fmla="*/ 342618 h 342618"/>
+                <a:gd name="connsiteX4" fmla="*/ 0 w 970751"/>
+                <a:gd name="connsiteY4" fmla="*/ 0 h 342618"/>
+              </a:gdLst>
+              <a:ahLst/>
+              <a:cxnLst>
+                <a:cxn ang="0">
+                  <a:pos x="connsiteX0" y="connsiteY0"/>
+                </a:cxn>
+                <a:cxn ang="0">
+                  <a:pos x="connsiteX1" y="connsiteY1"/>
+                </a:cxn>
+                <a:cxn ang="0">
+                  <a:pos x="connsiteX2" y="connsiteY2"/>
+                </a:cxn>
+                <a:cxn ang="0">
+                  <a:pos x="connsiteX3" y="connsiteY3"/>
+                </a:cxn>
+                <a:cxn ang="0">
+                  <a:pos x="connsiteX4" y="connsiteY4"/>
+                </a:cxn>
+              </a:cxnLst>
+              <a:rect l="l" t="t" r="r" b="b"/>
+              <a:pathLst>
+                <a:path w="970751" h="342618">
+                  <a:moveTo>
+                    <a:pt x="0" y="0"/>
+                  </a:moveTo>
+                  <a:lnTo>
+                    <a:pt x="970751" y="0"/>
+                  </a:lnTo>
+                  <a:lnTo>
+                    <a:pt x="970751" y="342618"/>
+                  </a:lnTo>
+                  <a:lnTo>
+                    <a:pt x="0" y="342618"/>
+                  </a:lnTo>
+                  <a:lnTo>
+                    <a:pt x="0" y="0"/>
+                  </a:lnTo>
+                  <a:close/>
+                </a:path>
+              </a:pathLst>
+            </a:custGeom>
+          </p:spPr>
+          <p:style>
+            <a:lnRef idx="0">
+              <a:schemeClr val="dk1">
+                <a:alpha val="0"/>
+                <a:hueOff val="0"/>
+                <a:satOff val="0"/>
+                <a:lumOff val="0"/>
+                <a:alphaOff val="0"/>
+              </a:schemeClr>
+            </a:lnRef>
+            <a:fillRef idx="0">
+              <a:schemeClr val="lt1">
+                <a:alpha val="0"/>
+                <a:hueOff val="0"/>
+                <a:satOff val="0"/>
+                <a:lumOff val="0"/>
+                <a:alphaOff val="0"/>
+              </a:schemeClr>
+            </a:fillRef>
+            <a:effectRef idx="0">
+              <a:schemeClr val="lt1">
+                <a:alpha val="0"/>
+                <a:hueOff val="0"/>
+                <a:satOff val="0"/>
+                <a:lumOff val="0"/>
+                <a:alphaOff val="0"/>
+              </a:schemeClr>
+            </a:effectRef>
+            <a:fontRef idx="minor">
+              <a:schemeClr val="tx1">
+                <a:hueOff val="0"/>
+                <a:satOff val="0"/>
+                <a:lumOff val="0"/>
+                <a:alphaOff val="0"/>
+              </a:schemeClr>
+            </a:fontRef>
+          </p:style>
+          <p:txBody>
+            <a:bodyPr spcFirstLastPara="0" vert="horz" wrap="square" lIns="19050" tIns="19050" rIns="19050" bIns="19050" numCol="1" spcCol="1270" anchor="ctr" anchorCtr="0">
+              <a:noAutofit/>
+            </a:bodyPr>
+            <a:lstStyle/>
+            <a:p>
+              <a:pPr marL="0" lvl="0" indent="0" algn="ctr" defTabSz="222250">
+                <a:lnSpc>
+                  <a:spcPct val="90000"/>
+                </a:lnSpc>
+                <a:spcBef>
+                  <a:spcPct val="0"/>
+                </a:spcBef>
+                <a:spcAft>
+                  <a:spcPct val="35000"/>
+                </a:spcAft>
+                <a:buNone/>
+              </a:pPr>
+              <a:r>
+                <a:rPr lang="en-DK" sz="500" b="1" u="sng" kern="1200" dirty="0">
+                  <a:solidFill>
+                    <a:schemeClr val="bg1"/>
+                  </a:solidFill>
+                </a:rPr>
+                <a:t>Real</a:t>
+              </a:r>
+              <a:br>
+                <a:rPr lang="en-DK" sz="500" kern="1200" dirty="0">
+                  <a:solidFill>
+                    <a:schemeClr val="bg1"/>
+                  </a:solidFill>
+                </a:rPr>
+              </a:br>
+              <a:r>
+                <a:rPr lang="en-DK" sz="500" kern="1200" dirty="0" err="1">
+                  <a:solidFill>
+                    <a:schemeClr val="bg1"/>
+                  </a:solidFill>
+                </a:rPr>
+                <a:t>Originalt</a:t>
+              </a:r>
+              <a:r>
+                <a:rPr lang="en-DK" sz="500" kern="1200" dirty="0">
+                  <a:solidFill>
+                    <a:schemeClr val="bg1"/>
+                  </a:solidFill>
+                </a:rPr>
+                <a:t> billed, der </a:t>
+              </a:r>
+              <a:r>
+                <a:rPr lang="en-DK" sz="500" kern="1200" dirty="0" err="1">
+                  <a:solidFill>
+                    <a:schemeClr val="bg1"/>
+                  </a:solidFill>
+                </a:rPr>
+                <a:t>ikke</a:t>
+              </a:r>
+              <a:r>
+                <a:rPr lang="en-DK" sz="500" kern="1200" dirty="0">
+                  <a:solidFill>
+                    <a:schemeClr val="bg1"/>
+                  </a:solidFill>
+                </a:rPr>
+                <a:t> er </a:t>
+              </a:r>
+              <a:r>
+                <a:rPr lang="en-DK" sz="500" kern="1200" dirty="0" err="1">
+                  <a:solidFill>
+                    <a:schemeClr val="bg1"/>
+                  </a:solidFill>
+                </a:rPr>
+                <a:t>ændret</a:t>
+              </a:r>
+              <a:endParaRPr lang="en-DK" sz="500" kern="1200" dirty="0">
+                <a:solidFill>
+                  <a:schemeClr val="bg1"/>
+                </a:solidFill>
+              </a:endParaRPr>
+            </a:p>
+          </p:txBody>
+        </p:sp>
+      </p:grpSp>
       <p:sp>
         <p:nvSpPr>
           <p:cNvPr id="14" name="Undertitel 2">
@@ -11315,8 +8694,8 @@
         </p:nvSpPr>
         <p:spPr>
           <a:xfrm>
-            <a:off x="203200" y="3725254"/>
-            <a:ext cx="3340455" cy="449631"/>
+            <a:off x="649975" y="3877340"/>
+            <a:ext cx="2282384" cy="449631"/>
           </a:xfrm>
           <a:prstGeom prst="rect">
             <a:avLst/>
@@ -11510,44 +8889,12 @@
           </a:lstStyle>
           <a:p>
             <a:r>
-              <a:rPr lang="en-DK" sz="1200" b="1" dirty="0">
+              <a:rPr lang="da-DK" sz="1200" b="1" dirty="0">
                 <a:solidFill>
                   <a:schemeClr val="bg1"/>
                 </a:solidFill>
               </a:rPr>
-              <a:t>Eksempel </a:t>
-            </a:r>
-            <a:r>
-              <a:rPr lang="en-DK" sz="1200" b="1" dirty="0" err="1">
-                <a:solidFill>
-                  <a:schemeClr val="bg1"/>
-                </a:solidFill>
-              </a:rPr>
-              <a:t>fra</a:t>
-            </a:r>
-            <a:r>
-              <a:rPr lang="en-DK" sz="1200" b="1" dirty="0">
-                <a:solidFill>
-                  <a:schemeClr val="bg1"/>
-                </a:solidFill>
-              </a:rPr>
-              <a:t> </a:t>
-            </a:r>
-            <a:r>
-              <a:rPr lang="en-DK" sz="1200" b="1" dirty="0" err="1">
-                <a:solidFill>
-                  <a:schemeClr val="bg1"/>
-                </a:solidFill>
-              </a:rPr>
-              <a:t>datasæt</a:t>
-            </a:r>
-            <a:r>
-              <a:rPr lang="da-DK" sz="1200" b="1" dirty="0">
-                <a:solidFill>
-                  <a:schemeClr val="bg1"/>
-                </a:solidFill>
-              </a:rPr>
-              <a:t> – Kan du kende forskel?</a:t>
+              <a:t>Kan du kende forskel?</a:t>
             </a:r>
             <a:endParaRPr lang="en-DK" sz="1200" b="1" dirty="0">
               <a:solidFill>
@@ -11573,8 +8920,8 @@
         </p:nvSpPr>
         <p:spPr>
           <a:xfrm>
-            <a:off x="8417140" y="726917"/>
-            <a:ext cx="3378619" cy="1826060"/>
+            <a:off x="8417141" y="726917"/>
+            <a:ext cx="1788744" cy="2377618"/>
           </a:xfrm>
           <a:prstGeom prst="rect">
             <a:avLst/>
@@ -11764,92 +9111,584 @@
           </a:lstStyle>
           <a:p>
             <a:r>
+              <a:rPr lang="da-DK" sz="1400" b="1" dirty="0">
+                <a:solidFill>
+                  <a:schemeClr val="bg1"/>
+                </a:solidFill>
+              </a:rPr>
+              <a:t>Model og </a:t>
+            </a:r>
+            <a:br>
+              <a:rPr lang="da-DK" sz="1400" b="1" dirty="0">
+                <a:solidFill>
+                  <a:schemeClr val="bg1"/>
+                </a:solidFill>
+              </a:rPr>
+            </a:br>
+            <a:r>
+              <a:rPr lang="da-DK" sz="1400" b="1" dirty="0">
+                <a:solidFill>
+                  <a:schemeClr val="bg1"/>
+                </a:solidFill>
+              </a:rPr>
+              <a:t>pre-processering</a:t>
+            </a:r>
+          </a:p>
+          <a:p>
+            <a:pPr marL="0" marR="0" lvl="0" indent="0" algn="l" defTabSz="457200" rtl="0" eaLnBrk="1" fontAlgn="auto" latinLnBrk="0" hangingPunct="1">
+              <a:lnSpc>
+                <a:spcPct val="100000"/>
+              </a:lnSpc>
+              <a:spcBef>
+                <a:spcPts val="0"/>
+              </a:spcBef>
+              <a:spcAft>
+                <a:spcPts val="0"/>
+              </a:spcAft>
+              <a:buClrTx/>
+              <a:buSzTx/>
+              <a:buFontTx/>
+              <a:buNone/>
+              <a:tabLst/>
+              <a:defRPr/>
+            </a:pPr>
+            <a:br>
+              <a:rPr lang="da-DK" sz="800" dirty="0">
+                <a:solidFill>
+                  <a:prstClr val="black"/>
+                </a:solidFill>
+                <a:latin typeface="Century Gothic" panose="020B0502020202020204"/>
+              </a:rPr>
+            </a:br>
+            <a:r>
+              <a:rPr lang="da-DK" sz="800" dirty="0">
+                <a:solidFill>
+                  <a:prstClr val="black"/>
+                </a:solidFill>
+                <a:latin typeface="Century Gothic" panose="020B0502020202020204"/>
+              </a:rPr>
+              <a:t>Der er taget udgangpunkt fra leNET-5 modellen. Modellen består af 2 convelutional lag efterfulgt at et neuralt netværk.</a:t>
+            </a:r>
+          </a:p>
+          <a:p>
+            <a:pPr marL="0" marR="0" lvl="0" indent="0" algn="l" defTabSz="457200" rtl="0" eaLnBrk="1" fontAlgn="auto" latinLnBrk="0" hangingPunct="1">
+              <a:lnSpc>
+                <a:spcPct val="100000"/>
+              </a:lnSpc>
+              <a:spcBef>
+                <a:spcPts val="0"/>
+              </a:spcBef>
+              <a:spcAft>
+                <a:spcPts val="0"/>
+              </a:spcAft>
+              <a:buClrTx/>
+              <a:buSzTx/>
+              <a:buFontTx/>
+              <a:buNone/>
+              <a:tabLst/>
+              <a:defRPr/>
+            </a:pPr>
+            <a:endParaRPr lang="da-DK" sz="800" dirty="0">
+              <a:solidFill>
+                <a:prstClr val="black"/>
+              </a:solidFill>
+              <a:latin typeface="Century Gothic" panose="020B0502020202020204"/>
+            </a:endParaRPr>
+          </a:p>
+          <a:p>
+            <a:pPr marL="0" marR="0" lvl="0" indent="0" algn="l" defTabSz="457200" rtl="0" eaLnBrk="1" fontAlgn="auto" latinLnBrk="0" hangingPunct="1">
+              <a:lnSpc>
+                <a:spcPct val="100000"/>
+              </a:lnSpc>
+              <a:spcBef>
+                <a:spcPts val="0"/>
+              </a:spcBef>
+              <a:spcAft>
+                <a:spcPts val="0"/>
+              </a:spcAft>
+              <a:buClrTx/>
+              <a:buSzTx/>
+              <a:buFontTx/>
+              <a:buNone/>
+              <a:tabLst/>
+              <a:defRPr/>
+            </a:pPr>
+            <a:r>
+              <a:rPr lang="da-DK" sz="800" dirty="0">
+                <a:solidFill>
+                  <a:prstClr val="black"/>
+                </a:solidFill>
+                <a:latin typeface="Century Gothic" panose="020B0502020202020204"/>
+              </a:rPr>
+              <a:t>Inden billederne køres igennem modellen behandles de til at være i en passende størrelse på </a:t>
+            </a:r>
+            <a:r>
+              <a:rPr lang="da-DK" sz="800" b="1" dirty="0">
+                <a:solidFill>
+                  <a:prstClr val="black"/>
+                </a:solidFill>
+                <a:latin typeface="Century Gothic" panose="020B0502020202020204"/>
+              </a:rPr>
+              <a:t>256</a:t>
+            </a:r>
+            <a:r>
+              <a:rPr lang="da-DK" sz="800" dirty="0">
+                <a:solidFill>
+                  <a:prstClr val="black"/>
+                </a:solidFill>
+                <a:latin typeface="Century Gothic" panose="020B0502020202020204"/>
+              </a:rPr>
+              <a:t>x</a:t>
+            </a:r>
+            <a:r>
+              <a:rPr lang="da-DK" sz="800" b="1" dirty="0">
+                <a:solidFill>
+                  <a:prstClr val="black"/>
+                </a:solidFill>
+                <a:latin typeface="Century Gothic" panose="020B0502020202020204"/>
+              </a:rPr>
+              <a:t>256</a:t>
+            </a:r>
+            <a:r>
+              <a:rPr lang="da-DK" sz="800" dirty="0">
+                <a:solidFill>
+                  <a:prstClr val="black"/>
+                </a:solidFill>
+                <a:latin typeface="Century Gothic" panose="020B0502020202020204"/>
+              </a:rPr>
+              <a:t> pixels (derved er der </a:t>
+            </a:r>
+            <a:r>
+              <a:rPr lang="da-DK" sz="800" b="1" dirty="0">
+                <a:solidFill>
+                  <a:prstClr val="black"/>
+                </a:solidFill>
+                <a:latin typeface="Century Gothic" panose="020B0502020202020204"/>
+              </a:rPr>
+              <a:t>196608</a:t>
+            </a:r>
+            <a:r>
+              <a:rPr lang="da-DK" sz="800" dirty="0">
+                <a:solidFill>
+                  <a:prstClr val="black"/>
+                </a:solidFill>
+                <a:latin typeface="Century Gothic" panose="020B0502020202020204"/>
+              </a:rPr>
+              <a:t> features per billede, da der er 3 farver per pixel), derudover tilføjes der </a:t>
+            </a:r>
+            <a:r>
+              <a:rPr lang="da-DK" sz="800" b="1" dirty="0">
+                <a:solidFill>
+                  <a:prstClr val="black"/>
+                </a:solidFill>
+                <a:latin typeface="Century Gothic" panose="020B0502020202020204"/>
+              </a:rPr>
+              <a:t>en tilfældig rotering </a:t>
+            </a:r>
+            <a:r>
+              <a:rPr lang="da-DK" sz="800" dirty="0">
+                <a:solidFill>
+                  <a:prstClr val="black"/>
+                </a:solidFill>
+                <a:latin typeface="Century Gothic" panose="020B0502020202020204"/>
+              </a:rPr>
+              <a:t>for at øge entropien i billedet.</a:t>
+            </a:r>
+          </a:p>
+          <a:p>
+            <a:pPr marL="0" marR="0" lvl="0" indent="0" algn="l" defTabSz="457200" rtl="0" eaLnBrk="1" fontAlgn="auto" latinLnBrk="0" hangingPunct="1">
+              <a:lnSpc>
+                <a:spcPct val="100000"/>
+              </a:lnSpc>
+              <a:spcBef>
+                <a:spcPts val="0"/>
+              </a:spcBef>
+              <a:spcAft>
+                <a:spcPts val="0"/>
+              </a:spcAft>
+              <a:buClrTx/>
+              <a:buSzTx/>
+              <a:buFontTx/>
+              <a:buNone/>
+              <a:tabLst/>
+              <a:defRPr/>
+            </a:pPr>
+            <a:endParaRPr kumimoji="0" lang="da-DK" sz="800" b="0" i="0" u="none" strike="noStrike" kern="1200" cap="none" spc="0" normalizeH="0" baseline="0" noProof="0" dirty="0">
+              <a:ln>
+                <a:noFill/>
+              </a:ln>
+              <a:solidFill>
+                <a:prstClr val="black"/>
+              </a:solidFill>
+              <a:effectLst/>
+              <a:uLnTx/>
+              <a:uFillTx/>
+              <a:latin typeface="Century Gothic" panose="020B0502020202020204"/>
+              <a:ea typeface="+mn-ea"/>
+              <a:cs typeface="+mn-cs"/>
+            </a:endParaRPr>
+          </a:p>
+          <a:p>
+            <a:pPr marL="0" marR="0" lvl="0" indent="0" algn="l" defTabSz="457200" rtl="0" eaLnBrk="1" fontAlgn="auto" latinLnBrk="0" hangingPunct="1">
+              <a:lnSpc>
+                <a:spcPct val="100000"/>
+              </a:lnSpc>
+              <a:spcBef>
+                <a:spcPts val="0"/>
+              </a:spcBef>
+              <a:spcAft>
+                <a:spcPts val="0"/>
+              </a:spcAft>
+              <a:buClrTx/>
+              <a:buSzTx/>
+              <a:buFontTx/>
+              <a:buNone/>
+              <a:tabLst/>
+              <a:defRPr/>
+            </a:pPr>
+            <a:endParaRPr kumimoji="0" lang="da-DK" sz="800" b="0" i="0" u="none" strike="noStrike" kern="1200" cap="none" spc="0" normalizeH="0" baseline="0" noProof="0" dirty="0">
+              <a:ln>
+                <a:noFill/>
+              </a:ln>
+              <a:solidFill>
+                <a:prstClr val="black"/>
+              </a:solidFill>
+              <a:effectLst/>
+              <a:uLnTx/>
+              <a:uFillTx/>
+              <a:latin typeface="Century Gothic" panose="020B0502020202020204"/>
+              <a:ea typeface="+mn-ea"/>
+              <a:cs typeface="+mn-cs"/>
+            </a:endParaRPr>
+          </a:p>
+        </p:txBody>
+      </p:sp>
+      <p:sp>
+        <p:nvSpPr>
+          <p:cNvPr id="24" name="Undertitel 2">
+            <a:extLst>
+              <a:ext uri="{FF2B5EF4-FFF2-40B4-BE49-F238E27FC236}">
+                <a16:creationId xmlns:a16="http://schemas.microsoft.com/office/drawing/2014/main" id="{202F5FCF-FAA4-1B37-40F9-70130864B3D2}"/>
+              </a:ext>
+            </a:extLst>
+          </p:cNvPr>
+          <p:cNvSpPr txBox="1">
+            <a:spLocks/>
+          </p:cNvSpPr>
+          <p:nvPr/>
+        </p:nvSpPr>
+        <p:spPr>
+          <a:xfrm>
+            <a:off x="10265606" y="726914"/>
+            <a:ext cx="1788744" cy="2377618"/>
+          </a:xfrm>
+          <a:prstGeom prst="rect">
+            <a:avLst/>
+          </a:prstGeom>
+        </p:spPr>
+        <p:style>
+          <a:lnRef idx="2">
+            <a:schemeClr val="dk1"/>
+          </a:lnRef>
+          <a:fillRef idx="1">
+            <a:schemeClr val="lt1"/>
+          </a:fillRef>
+          <a:effectRef idx="0">
+            <a:schemeClr val="dk1"/>
+          </a:effectRef>
+          <a:fontRef idx="minor">
+            <a:schemeClr val="dk1"/>
+          </a:fontRef>
+        </p:style>
+        <p:txBody>
+          <a:bodyPr vert="horz" lIns="91440" tIns="45720" rIns="91440" bIns="45720" rtlCol="0">
+            <a:normAutofit/>
+          </a:bodyPr>
+          <a:lstStyle>
+            <a:lvl1pPr marL="0" indent="0" algn="ctr" defTabSz="914400" rtl="0" eaLnBrk="1" latinLnBrk="0" hangingPunct="1">
+              <a:lnSpc>
+                <a:spcPct val="90000"/>
+              </a:lnSpc>
+              <a:spcBef>
+                <a:spcPts val="1000"/>
+              </a:spcBef>
+              <a:buFont typeface="Arial" panose="020B0604020202020204" pitchFamily="34" charset="0"/>
+              <a:buNone/>
+              <a:defRPr sz="2400" kern="1200">
+                <a:solidFill>
+                  <a:schemeClr val="tx1"/>
+                </a:solidFill>
+                <a:latin typeface="+mn-lt"/>
+                <a:ea typeface="+mn-ea"/>
+                <a:cs typeface="+mn-cs"/>
+              </a:defRPr>
+            </a:lvl1pPr>
+            <a:lvl2pPr marL="457200" indent="0" algn="ctr" defTabSz="914400" rtl="0" eaLnBrk="1" latinLnBrk="0" hangingPunct="1">
+              <a:lnSpc>
+                <a:spcPct val="90000"/>
+              </a:lnSpc>
+              <a:spcBef>
+                <a:spcPts val="500"/>
+              </a:spcBef>
+              <a:buFont typeface="Arial" panose="020B0604020202020204" pitchFamily="34" charset="0"/>
+              <a:buNone/>
+              <a:defRPr sz="2000" kern="1200">
+                <a:solidFill>
+                  <a:schemeClr val="tx1"/>
+                </a:solidFill>
+                <a:latin typeface="+mn-lt"/>
+                <a:ea typeface="+mn-ea"/>
+                <a:cs typeface="+mn-cs"/>
+              </a:defRPr>
+            </a:lvl2pPr>
+            <a:lvl3pPr marL="914400" indent="0" algn="ctr" defTabSz="914400" rtl="0" eaLnBrk="1" latinLnBrk="0" hangingPunct="1">
+              <a:lnSpc>
+                <a:spcPct val="90000"/>
+              </a:lnSpc>
+              <a:spcBef>
+                <a:spcPts val="500"/>
+              </a:spcBef>
+              <a:buFont typeface="Arial" panose="020B0604020202020204" pitchFamily="34" charset="0"/>
+              <a:buNone/>
+              <a:defRPr sz="1800" kern="1200">
+                <a:solidFill>
+                  <a:schemeClr val="tx1"/>
+                </a:solidFill>
+                <a:latin typeface="+mn-lt"/>
+                <a:ea typeface="+mn-ea"/>
+                <a:cs typeface="+mn-cs"/>
+              </a:defRPr>
+            </a:lvl3pPr>
+            <a:lvl4pPr marL="1371600" indent="0" algn="ctr" defTabSz="914400" rtl="0" eaLnBrk="1" latinLnBrk="0" hangingPunct="1">
+              <a:lnSpc>
+                <a:spcPct val="90000"/>
+              </a:lnSpc>
+              <a:spcBef>
+                <a:spcPts val="500"/>
+              </a:spcBef>
+              <a:buFont typeface="Arial" panose="020B0604020202020204" pitchFamily="34" charset="0"/>
+              <a:buNone/>
+              <a:defRPr sz="1600" kern="1200">
+                <a:solidFill>
+                  <a:schemeClr val="tx1"/>
+                </a:solidFill>
+                <a:latin typeface="+mn-lt"/>
+                <a:ea typeface="+mn-ea"/>
+                <a:cs typeface="+mn-cs"/>
+              </a:defRPr>
+            </a:lvl4pPr>
+            <a:lvl5pPr marL="1828800" indent="0" algn="ctr" defTabSz="914400" rtl="0" eaLnBrk="1" latinLnBrk="0" hangingPunct="1">
+              <a:lnSpc>
+                <a:spcPct val="90000"/>
+              </a:lnSpc>
+              <a:spcBef>
+                <a:spcPts val="500"/>
+              </a:spcBef>
+              <a:buFont typeface="Arial" panose="020B0604020202020204" pitchFamily="34" charset="0"/>
+              <a:buNone/>
+              <a:defRPr sz="1600" kern="1200">
+                <a:solidFill>
+                  <a:schemeClr val="tx1"/>
+                </a:solidFill>
+                <a:latin typeface="+mn-lt"/>
+                <a:ea typeface="+mn-ea"/>
+                <a:cs typeface="+mn-cs"/>
+              </a:defRPr>
+            </a:lvl5pPr>
+            <a:lvl6pPr marL="2286000" indent="0" algn="ctr" defTabSz="914400" rtl="0" eaLnBrk="1" latinLnBrk="0" hangingPunct="1">
+              <a:lnSpc>
+                <a:spcPct val="90000"/>
+              </a:lnSpc>
+              <a:spcBef>
+                <a:spcPts val="500"/>
+              </a:spcBef>
+              <a:buFont typeface="Arial" panose="020B0604020202020204" pitchFamily="34" charset="0"/>
+              <a:buNone/>
+              <a:defRPr sz="1600" kern="1200">
+                <a:solidFill>
+                  <a:schemeClr val="tx1"/>
+                </a:solidFill>
+                <a:latin typeface="+mn-lt"/>
+                <a:ea typeface="+mn-ea"/>
+                <a:cs typeface="+mn-cs"/>
+              </a:defRPr>
+            </a:lvl6pPr>
+            <a:lvl7pPr marL="2743200" indent="0" algn="ctr" defTabSz="914400" rtl="0" eaLnBrk="1" latinLnBrk="0" hangingPunct="1">
+              <a:lnSpc>
+                <a:spcPct val="90000"/>
+              </a:lnSpc>
+              <a:spcBef>
+                <a:spcPts val="500"/>
+              </a:spcBef>
+              <a:buFont typeface="Arial" panose="020B0604020202020204" pitchFamily="34" charset="0"/>
+              <a:buNone/>
+              <a:defRPr sz="1600" kern="1200">
+                <a:solidFill>
+                  <a:schemeClr val="tx1"/>
+                </a:solidFill>
+                <a:latin typeface="+mn-lt"/>
+                <a:ea typeface="+mn-ea"/>
+                <a:cs typeface="+mn-cs"/>
+              </a:defRPr>
+            </a:lvl7pPr>
+            <a:lvl8pPr marL="3200400" indent="0" algn="ctr" defTabSz="914400" rtl="0" eaLnBrk="1" latinLnBrk="0" hangingPunct="1">
+              <a:lnSpc>
+                <a:spcPct val="90000"/>
+              </a:lnSpc>
+              <a:spcBef>
+                <a:spcPts val="500"/>
+              </a:spcBef>
+              <a:buFont typeface="Arial" panose="020B0604020202020204" pitchFamily="34" charset="0"/>
+              <a:buNone/>
+              <a:defRPr sz="1600" kern="1200">
+                <a:solidFill>
+                  <a:schemeClr val="tx1"/>
+                </a:solidFill>
+                <a:latin typeface="+mn-lt"/>
+                <a:ea typeface="+mn-ea"/>
+                <a:cs typeface="+mn-cs"/>
+              </a:defRPr>
+            </a:lvl8pPr>
+            <a:lvl9pPr marL="3657600" indent="0" algn="ctr" defTabSz="914400" rtl="0" eaLnBrk="1" latinLnBrk="0" hangingPunct="1">
+              <a:lnSpc>
+                <a:spcPct val="90000"/>
+              </a:lnSpc>
+              <a:spcBef>
+                <a:spcPts val="500"/>
+              </a:spcBef>
+              <a:buFont typeface="Arial" panose="020B0604020202020204" pitchFamily="34" charset="0"/>
+              <a:buNone/>
+              <a:defRPr sz="1600" kern="1200">
+                <a:solidFill>
+                  <a:schemeClr val="tx1"/>
+                </a:solidFill>
+                <a:latin typeface="+mn-lt"/>
+                <a:ea typeface="+mn-ea"/>
+                <a:cs typeface="+mn-cs"/>
+              </a:defRPr>
+            </a:lvl9pPr>
+          </a:lstStyle>
+          <a:p>
+            <a:r>
               <a:rPr lang="da-DK" sz="1600" b="1" dirty="0">
                 <a:solidFill>
                   <a:schemeClr val="bg1"/>
                 </a:solidFill>
               </a:rPr>
-              <a:t>Metoder – Fortsat</a:t>
-            </a:r>
-          </a:p>
-          <a:p>
-            <a:r>
-              <a:rPr lang="da-DK" sz="800" b="1" dirty="0">
-                <a:solidFill>
-                  <a:schemeClr val="bg1"/>
-                </a:solidFill>
+              <a:t>Træning</a:t>
+            </a:r>
+          </a:p>
+          <a:p>
+            <a:pPr marL="0" marR="0" lvl="0" indent="0" algn="l" defTabSz="457200" rtl="0" eaLnBrk="1" fontAlgn="auto" latinLnBrk="0" hangingPunct="1">
+              <a:lnSpc>
+                <a:spcPct val="100000"/>
+              </a:lnSpc>
+              <a:spcBef>
+                <a:spcPts val="0"/>
+              </a:spcBef>
+              <a:spcAft>
+                <a:spcPts val="0"/>
+              </a:spcAft>
+              <a:buClrTx/>
+              <a:buSzTx/>
+              <a:buFontTx/>
+              <a:buNone/>
+              <a:tabLst/>
+              <a:defRPr/>
+            </a:pPr>
+            <a:br>
+              <a:rPr kumimoji="0" lang="da-DK" sz="800" b="0" i="0" u="none" strike="noStrike" kern="1200" cap="none" spc="0" normalizeH="0" baseline="0" noProof="0" dirty="0">
+                <a:ln>
+                  <a:noFill/>
+                </a:ln>
+                <a:solidFill>
+                  <a:prstClr val="black"/>
+                </a:solidFill>
+                <a:effectLst/>
+                <a:uLnTx/>
+                <a:uFillTx/>
+                <a:latin typeface="Century Gothic" panose="020B0502020202020204"/>
+                <a:ea typeface="+mn-ea"/>
+                <a:cs typeface="+mn-cs"/>
               </a:rPr>
-              <a:t>Hvordan undgår vi under –og/eller overfitting?</a:t>
-            </a:r>
-          </a:p>
-          <a:p>
-            <a:pPr algn="l"/>
-            <a:r>
-              <a:rPr lang="da-DK" sz="800" dirty="0">
-                <a:solidFill>
-                  <a:schemeClr val="bg1"/>
-                </a:solidFill>
+            </a:br>
+            <a:r>
+              <a:rPr kumimoji="0" lang="da-DK" sz="800" b="0" i="0" u="none" strike="noStrike" kern="1200" cap="none" spc="0" normalizeH="0" baseline="0" noProof="0" dirty="0">
+                <a:ln>
+                  <a:noFill/>
+                </a:ln>
+                <a:solidFill>
+                  <a:prstClr val="black"/>
+                </a:solidFill>
+                <a:effectLst/>
+                <a:uLnTx/>
+                <a:uFillTx/>
+                <a:latin typeface="Century Gothic" panose="020B0502020202020204"/>
+                <a:ea typeface="+mn-ea"/>
+                <a:cs typeface="+mn-cs"/>
               </a:rPr>
-              <a:t>L2 </a:t>
-            </a:r>
-            <a:r>
-              <a:rPr lang="da-DK" sz="800" dirty="0" err="1">
-                <a:solidFill>
-                  <a:schemeClr val="bg1"/>
-                </a:solidFill>
+              <a:t>Modellen er trænet over 256 epocher med 51 batches per epoche.</a:t>
+            </a:r>
+          </a:p>
+          <a:p>
+            <a:pPr marL="0" marR="0" lvl="0" indent="0" algn="l" defTabSz="457200" rtl="0" eaLnBrk="1" fontAlgn="auto" latinLnBrk="0" hangingPunct="1">
+              <a:lnSpc>
+                <a:spcPct val="100000"/>
+              </a:lnSpc>
+              <a:spcBef>
+                <a:spcPts val="0"/>
+              </a:spcBef>
+              <a:spcAft>
+                <a:spcPts val="0"/>
+              </a:spcAft>
+              <a:buClrTx/>
+              <a:buSzTx/>
+              <a:buFontTx/>
+              <a:buNone/>
+              <a:tabLst/>
+              <a:defRPr/>
+            </a:pPr>
+            <a:endParaRPr lang="da-DK" sz="800" dirty="0">
+              <a:solidFill>
+                <a:prstClr val="black"/>
+              </a:solidFill>
+              <a:latin typeface="Century Gothic" panose="020B0502020202020204"/>
+            </a:endParaRPr>
+          </a:p>
+          <a:p>
+            <a:pPr marL="0" marR="0" lvl="0" indent="0" algn="l" defTabSz="457200" rtl="0" eaLnBrk="1" fontAlgn="auto" latinLnBrk="0" hangingPunct="1">
+              <a:lnSpc>
+                <a:spcPct val="100000"/>
+              </a:lnSpc>
+              <a:spcBef>
+                <a:spcPts val="0"/>
+              </a:spcBef>
+              <a:spcAft>
+                <a:spcPts val="0"/>
+              </a:spcAft>
+              <a:buClrTx/>
+              <a:buSzTx/>
+              <a:buFontTx/>
+              <a:buNone/>
+              <a:tabLst/>
+              <a:defRPr/>
+            </a:pPr>
+            <a:r>
+              <a:rPr kumimoji="0" lang="da-DK" sz="800" b="0" i="0" u="none" strike="noStrike" kern="1200" cap="none" spc="0" normalizeH="0" baseline="0" noProof="0" dirty="0">
+                <a:ln>
+                  <a:noFill/>
+                </a:ln>
+                <a:solidFill>
+                  <a:prstClr val="black"/>
+                </a:solidFill>
+                <a:effectLst/>
+                <a:uLnTx/>
+                <a:uFillTx/>
+                <a:latin typeface="Century Gothic" panose="020B0502020202020204"/>
+                <a:ea typeface="+mn-ea"/>
+                <a:cs typeface="+mn-cs"/>
               </a:rPr>
-              <a:t>Regularization</a:t>
-            </a:r>
-            <a:r>
-              <a:rPr lang="da-DK" sz="800" dirty="0">
-                <a:solidFill>
-                  <a:schemeClr val="bg1"/>
-                </a:solidFill>
-              </a:rPr>
-              <a:t> benyttes til at undgå overfitting, ved at reducere vægtninger ud fra den kvadrerede sum. Derved kan der ikke komme for store fluktuationerne på </a:t>
-            </a:r>
-            <a:r>
-              <a:rPr lang="da-DK" sz="800" dirty="0" err="1">
-                <a:solidFill>
-                  <a:schemeClr val="bg1"/>
-                </a:solidFill>
-              </a:rPr>
-              <a:t>vægtningene</a:t>
-            </a:r>
-            <a:r>
-              <a:rPr lang="da-DK" sz="800" dirty="0">
-                <a:solidFill>
-                  <a:schemeClr val="bg1"/>
-                </a:solidFill>
-              </a:rPr>
-              <a:t>. </a:t>
-            </a:r>
-          </a:p>
-          <a:p>
-            <a:pPr algn="l"/>
-            <a:r>
-              <a:rPr lang="da-DK" sz="800" dirty="0">
-                <a:solidFill>
-                  <a:schemeClr val="bg1"/>
-                </a:solidFill>
-              </a:rPr>
-              <a:t>Derudover benyttes der også Data Augmentation, for at sikre der ikke findes uhensigtsmæssige mønstre. Dette er specielt vigtigt, da vores datasæt er relativt lille. Til sidst benytter vi dropout </a:t>
-            </a:r>
-            <a:r>
-              <a:rPr lang="da-DK" sz="800" dirty="0" err="1">
-                <a:solidFill>
-                  <a:schemeClr val="bg1"/>
-                </a:solidFill>
-              </a:rPr>
-              <a:t>regularization</a:t>
-            </a:r>
-            <a:r>
-              <a:rPr lang="da-DK" sz="800" dirty="0">
-                <a:solidFill>
-                  <a:schemeClr val="bg1"/>
-                </a:solidFill>
-              </a:rPr>
-              <a:t>, af samme grund.</a:t>
+              <a:t>Der er valgt et train-test split på 80-20 (1632 - 409)</a:t>
             </a:r>
           </a:p>
         </p:txBody>

--- a/SWMAL/O4 poster.pptx
+++ b/SWMAL/O4 poster.pptx
@@ -282,7 +282,7 @@
           <a:p>
             <a:fld id="{D2CDA3DE-14DF-470F-9819-26C440152B3A}" type="datetimeFigureOut">
               <a:rPr lang="en-DK" smtClean="0"/>
-              <a:t>05/08/2022</a:t>
+              <a:t>08/05/2022</a:t>
             </a:fld>
             <a:endParaRPr lang="en-DK"/>
           </a:p>
@@ -549,7 +549,7 @@
           <a:p>
             <a:fld id="{D2CDA3DE-14DF-470F-9819-26C440152B3A}" type="datetimeFigureOut">
               <a:rPr lang="en-DK" smtClean="0"/>
-              <a:t>05/08/2022</a:t>
+              <a:t>08/05/2022</a:t>
             </a:fld>
             <a:endParaRPr lang="en-DK"/>
           </a:p>
@@ -780,7 +780,7 @@
           <a:p>
             <a:fld id="{D2CDA3DE-14DF-470F-9819-26C440152B3A}" type="datetimeFigureOut">
               <a:rPr lang="en-DK" smtClean="0"/>
-              <a:t>05/08/2022</a:t>
+              <a:t>08/05/2022</a:t>
             </a:fld>
             <a:endParaRPr lang="en-DK"/>
           </a:p>
@@ -1090,7 +1090,7 @@
           <a:p>
             <a:fld id="{D2CDA3DE-14DF-470F-9819-26C440152B3A}" type="datetimeFigureOut">
               <a:rPr lang="en-DK" smtClean="0"/>
-              <a:t>05/08/2022</a:t>
+              <a:t>08/05/2022</a:t>
             </a:fld>
             <a:endParaRPr lang="en-DK"/>
           </a:p>
@@ -1563,7 +1563,7 @@
           <a:p>
             <a:fld id="{D2CDA3DE-14DF-470F-9819-26C440152B3A}" type="datetimeFigureOut">
               <a:rPr lang="en-DK" smtClean="0"/>
-              <a:t>05/08/2022</a:t>
+              <a:t>08/05/2022</a:t>
             </a:fld>
             <a:endParaRPr lang="en-DK"/>
           </a:p>
@@ -2110,7 +2110,7 @@
           <a:p>
             <a:fld id="{D2CDA3DE-14DF-470F-9819-26C440152B3A}" type="datetimeFigureOut">
               <a:rPr lang="en-DK" smtClean="0"/>
-              <a:t>05/08/2022</a:t>
+              <a:t>08/05/2022</a:t>
             </a:fld>
             <a:endParaRPr lang="en-DK"/>
           </a:p>
@@ -2884,7 +2884,7 @@
           <a:p>
             <a:fld id="{D2CDA3DE-14DF-470F-9819-26C440152B3A}" type="datetimeFigureOut">
               <a:rPr lang="en-DK" smtClean="0"/>
-              <a:t>05/08/2022</a:t>
+              <a:t>08/05/2022</a:t>
             </a:fld>
             <a:endParaRPr lang="en-DK"/>
           </a:p>
@@ -3059,7 +3059,7 @@
           <a:p>
             <a:fld id="{D2CDA3DE-14DF-470F-9819-26C440152B3A}" type="datetimeFigureOut">
               <a:rPr lang="en-DK" smtClean="0"/>
-              <a:t>05/08/2022</a:t>
+              <a:t>08/05/2022</a:t>
             </a:fld>
             <a:endParaRPr lang="en-DK"/>
           </a:p>
@@ -3282,7 +3282,7 @@
           <a:p>
             <a:fld id="{D2CDA3DE-14DF-470F-9819-26C440152B3A}" type="datetimeFigureOut">
               <a:rPr lang="en-DK" smtClean="0"/>
-              <a:t>05/08/2022</a:t>
+              <a:t>08/05/2022</a:t>
             </a:fld>
             <a:endParaRPr lang="en-DK"/>
           </a:p>
@@ -3462,7 +3462,7 @@
           <a:p>
             <a:fld id="{D2CDA3DE-14DF-470F-9819-26C440152B3A}" type="datetimeFigureOut">
               <a:rPr lang="en-DK" smtClean="0"/>
-              <a:t>05/08/2022</a:t>
+              <a:t>08/05/2022</a:t>
             </a:fld>
             <a:endParaRPr lang="en-DK"/>
           </a:p>
@@ -3751,7 +3751,7 @@
           <a:p>
             <a:fld id="{D2CDA3DE-14DF-470F-9819-26C440152B3A}" type="datetimeFigureOut">
               <a:rPr lang="en-DK" smtClean="0"/>
-              <a:t>05/08/2022</a:t>
+              <a:t>08/05/2022</a:t>
             </a:fld>
             <a:endParaRPr lang="en-DK"/>
           </a:p>
@@ -3993,7 +3993,7 @@
           <a:p>
             <a:fld id="{D2CDA3DE-14DF-470F-9819-26C440152B3A}" type="datetimeFigureOut">
               <a:rPr lang="en-DK" smtClean="0"/>
-              <a:t>05/08/2022</a:t>
+              <a:t>08/05/2022</a:t>
             </a:fld>
             <a:endParaRPr lang="en-DK"/>
           </a:p>
@@ -4372,7 +4372,7 @@
           <a:p>
             <a:fld id="{D2CDA3DE-14DF-470F-9819-26C440152B3A}" type="datetimeFigureOut">
               <a:rPr lang="en-DK" smtClean="0"/>
-              <a:t>05/08/2022</a:t>
+              <a:t>08/05/2022</a:t>
             </a:fld>
             <a:endParaRPr lang="en-DK"/>
           </a:p>
@@ -4490,7 +4490,7 @@
           <a:p>
             <a:fld id="{D2CDA3DE-14DF-470F-9819-26C440152B3A}" type="datetimeFigureOut">
               <a:rPr lang="en-DK" smtClean="0"/>
-              <a:t>05/08/2022</a:t>
+              <a:t>08/05/2022</a:t>
             </a:fld>
             <a:endParaRPr lang="en-DK"/>
           </a:p>
@@ -4585,7 +4585,7 @@
           <a:p>
             <a:fld id="{D2CDA3DE-14DF-470F-9819-26C440152B3A}" type="datetimeFigureOut">
               <a:rPr lang="en-DK" smtClean="0"/>
-              <a:t>05/08/2022</a:t>
+              <a:t>08/05/2022</a:t>
             </a:fld>
             <a:endParaRPr lang="en-DK"/>
           </a:p>
@@ -4834,7 +4834,7 @@
           <a:p>
             <a:fld id="{D2CDA3DE-14DF-470F-9819-26C440152B3A}" type="datetimeFigureOut">
               <a:rPr lang="en-DK" smtClean="0"/>
-              <a:t>05/08/2022</a:t>
+              <a:t>08/05/2022</a:t>
             </a:fld>
             <a:endParaRPr lang="en-DK"/>
           </a:p>
@@ -5091,7 +5091,7 @@
           <a:p>
             <a:fld id="{D2CDA3DE-14DF-470F-9819-26C440152B3A}" type="datetimeFigureOut">
               <a:rPr lang="en-DK" smtClean="0"/>
-              <a:t>05/08/2022</a:t>
+              <a:t>08/05/2022</a:t>
             </a:fld>
             <a:endParaRPr lang="en-DK"/>
           </a:p>
@@ -5334,7 +5334,7 @@
           <a:p>
             <a:fld id="{D2CDA3DE-14DF-470F-9819-26C440152B3A}" type="datetimeFigureOut">
               <a:rPr lang="en-DK" smtClean="0"/>
-              <a:t>05/08/2022</a:t>
+              <a:t>08/05/2022</a:t>
             </a:fld>
             <a:endParaRPr lang="en-DK"/>
           </a:p>
@@ -6791,7 +6791,7 @@
         </p:nvSpPr>
         <p:spPr>
           <a:xfrm>
-            <a:off x="8417140" y="3237271"/>
+            <a:off x="8417140" y="3237268"/>
             <a:ext cx="3637210" cy="2669458"/>
           </a:xfrm>
           <a:prstGeom prst="rect">
@@ -6988,16 +6988,6 @@
                 </a:solidFill>
               </a:rPr>
               <a:t>Resultater</a:t>
-            </a:r>
-          </a:p>
-          <a:p>
-            <a:r>
-              <a:rPr lang="da-DK" sz="800" dirty="0">
-                <a:solidFill>
-                  <a:schemeClr val="bg1"/>
-                </a:solidFill>
-              </a:rPr>
-              <a:t>Hvad har vi fundet ud af? Ingenting, giv mig høj karakter, tak.</a:t>
             </a:r>
           </a:p>
         </p:txBody>
@@ -8334,6 +8324,14 @@
                 <a:t>mun</a:t>
               </a:r>
               <a:r>
+                <a:rPr lang="en-US" sz="500" kern="1200" dirty="0">
+                  <a:solidFill>
+                    <a:schemeClr val="bg1"/>
+                  </a:solidFill>
+                </a:rPr>
+                <a:t>d</a:t>
+              </a:r>
+              <a:r>
                 <a:rPr lang="en-DK" sz="500" kern="1200" dirty="0">
                   <a:solidFill>
                     <a:schemeClr val="bg1"/>
@@ -9693,6 +9691,563 @@
           </a:p>
         </p:txBody>
       </p:sp>
+      <p:pic>
+        <p:nvPicPr>
+          <p:cNvPr id="1025" name="Picture 1">
+            <a:extLst>
+              <a:ext uri="{FF2B5EF4-FFF2-40B4-BE49-F238E27FC236}">
+                <a16:creationId xmlns:a16="http://schemas.microsoft.com/office/drawing/2014/main" id="{6184E2EE-F37E-43EF-BA89-221F0785DA32}"/>
+              </a:ext>
+            </a:extLst>
+          </p:cNvPr>
+          <p:cNvPicPr>
+            <a:picLocks noChangeAspect="1" noChangeArrowheads="1"/>
+          </p:cNvPicPr>
+          <p:nvPr/>
+        </p:nvPicPr>
+        <p:blipFill>
+          <a:blip r:embed="rId6">
+            <a:extLst>
+              <a:ext uri="{28A0092B-C50C-407E-A947-70E740481C1C}">
+                <a14:useLocalDpi xmlns:a14="http://schemas.microsoft.com/office/drawing/2010/main" val="0"/>
+              </a:ext>
+            </a:extLst>
+          </a:blip>
+          <a:srcRect/>
+          <a:stretch>
+            <a:fillRect/>
+          </a:stretch>
+        </p:blipFill>
+        <p:spPr bwMode="auto">
+          <a:xfrm>
+            <a:off x="9925050" y="3713311"/>
+            <a:ext cx="2063749" cy="2137018"/>
+          </a:xfrm>
+          <a:prstGeom prst="rect">
+            <a:avLst/>
+          </a:prstGeom>
+          <a:noFill/>
+          <a:extLst>
+            <a:ext uri="{909E8E84-426E-40DD-AFC4-6F175D3DCCD1}">
+              <a14:hiddenFill xmlns:a14="http://schemas.microsoft.com/office/drawing/2010/main">
+                <a:solidFill>
+                  <a:srgbClr val="FFFFFF"/>
+                </a:solidFill>
+              </a14:hiddenFill>
+            </a:ext>
+          </a:extLst>
+        </p:spPr>
+      </p:pic>
+      <p:pic>
+        <p:nvPicPr>
+          <p:cNvPr id="1026" name="Picture 2">
+            <a:extLst>
+              <a:ext uri="{FF2B5EF4-FFF2-40B4-BE49-F238E27FC236}">
+                <a16:creationId xmlns:a16="http://schemas.microsoft.com/office/drawing/2014/main" id="{476CBBD3-AB4A-4928-9C94-E10B9DB86B10}"/>
+              </a:ext>
+            </a:extLst>
+          </p:cNvPr>
+          <p:cNvPicPr>
+            <a:picLocks noChangeAspect="1" noChangeArrowheads="1"/>
+          </p:cNvPicPr>
+          <p:nvPr/>
+        </p:nvPicPr>
+        <p:blipFill>
+          <a:blip r:embed="rId7">
+            <a:extLst>
+              <a:ext uri="{28A0092B-C50C-407E-A947-70E740481C1C}">
+                <a14:useLocalDpi xmlns:a14="http://schemas.microsoft.com/office/drawing/2010/main" val="0"/>
+              </a:ext>
+            </a:extLst>
+          </a:blip>
+          <a:srcRect/>
+          <a:stretch>
+            <a:fillRect/>
+          </a:stretch>
+        </p:blipFill>
+        <p:spPr bwMode="auto">
+          <a:xfrm>
+            <a:off x="8467032" y="4876479"/>
+            <a:ext cx="1408126" cy="938752"/>
+          </a:xfrm>
+          <a:prstGeom prst="rect">
+            <a:avLst/>
+          </a:prstGeom>
+          <a:noFill/>
+          <a:extLst>
+            <a:ext uri="{909E8E84-426E-40DD-AFC4-6F175D3DCCD1}">
+              <a14:hiddenFill xmlns:a14="http://schemas.microsoft.com/office/drawing/2010/main">
+                <a:solidFill>
+                  <a:srgbClr val="FFFFFF"/>
+                </a:solidFill>
+              </a14:hiddenFill>
+            </a:ext>
+          </a:extLst>
+        </p:spPr>
+      </p:pic>
+      <p:sp>
+        <p:nvSpPr>
+          <p:cNvPr id="26" name="Undertitel 2">
+            <a:extLst>
+              <a:ext uri="{FF2B5EF4-FFF2-40B4-BE49-F238E27FC236}">
+                <a16:creationId xmlns:a16="http://schemas.microsoft.com/office/drawing/2014/main" id="{D3C41407-AB96-405D-81F6-7A6DD2650520}"/>
+              </a:ext>
+            </a:extLst>
+          </p:cNvPr>
+          <p:cNvSpPr txBox="1">
+            <a:spLocks/>
+          </p:cNvSpPr>
+          <p:nvPr/>
+        </p:nvSpPr>
+        <p:spPr>
+          <a:xfrm>
+            <a:off x="8479953" y="3529199"/>
+            <a:ext cx="1382284" cy="1347280"/>
+          </a:xfrm>
+          <a:prstGeom prst="rect">
+            <a:avLst/>
+          </a:prstGeom>
+          <a:ln>
+            <a:solidFill>
+              <a:schemeClr val="tx1"/>
+            </a:solidFill>
+          </a:ln>
+        </p:spPr>
+        <p:style>
+          <a:lnRef idx="2">
+            <a:schemeClr val="dk1"/>
+          </a:lnRef>
+          <a:fillRef idx="1">
+            <a:schemeClr val="lt1"/>
+          </a:fillRef>
+          <a:effectRef idx="0">
+            <a:schemeClr val="dk1"/>
+          </a:effectRef>
+          <a:fontRef idx="minor">
+            <a:schemeClr val="dk1"/>
+          </a:fontRef>
+        </p:style>
+        <p:txBody>
+          <a:bodyPr vert="horz" lIns="91440" tIns="45720" rIns="91440" bIns="45720" rtlCol="0">
+            <a:normAutofit/>
+          </a:bodyPr>
+          <a:lstStyle>
+            <a:lvl1pPr marL="0" indent="0" algn="ctr" defTabSz="914400" rtl="0" eaLnBrk="1" latinLnBrk="0" hangingPunct="1">
+              <a:lnSpc>
+                <a:spcPct val="90000"/>
+              </a:lnSpc>
+              <a:spcBef>
+                <a:spcPts val="1000"/>
+              </a:spcBef>
+              <a:buFont typeface="Arial" panose="020B0604020202020204" pitchFamily="34" charset="0"/>
+              <a:buNone/>
+              <a:defRPr sz="2400" kern="1200">
+                <a:solidFill>
+                  <a:schemeClr val="tx1"/>
+                </a:solidFill>
+                <a:latin typeface="+mn-lt"/>
+                <a:ea typeface="+mn-ea"/>
+                <a:cs typeface="+mn-cs"/>
+              </a:defRPr>
+            </a:lvl1pPr>
+            <a:lvl2pPr marL="457200" indent="0" algn="ctr" defTabSz="914400" rtl="0" eaLnBrk="1" latinLnBrk="0" hangingPunct="1">
+              <a:lnSpc>
+                <a:spcPct val="90000"/>
+              </a:lnSpc>
+              <a:spcBef>
+                <a:spcPts val="500"/>
+              </a:spcBef>
+              <a:buFont typeface="Arial" panose="020B0604020202020204" pitchFamily="34" charset="0"/>
+              <a:buNone/>
+              <a:defRPr sz="2000" kern="1200">
+                <a:solidFill>
+                  <a:schemeClr val="tx1"/>
+                </a:solidFill>
+                <a:latin typeface="+mn-lt"/>
+                <a:ea typeface="+mn-ea"/>
+                <a:cs typeface="+mn-cs"/>
+              </a:defRPr>
+            </a:lvl2pPr>
+            <a:lvl3pPr marL="914400" indent="0" algn="ctr" defTabSz="914400" rtl="0" eaLnBrk="1" latinLnBrk="0" hangingPunct="1">
+              <a:lnSpc>
+                <a:spcPct val="90000"/>
+              </a:lnSpc>
+              <a:spcBef>
+                <a:spcPts val="500"/>
+              </a:spcBef>
+              <a:buFont typeface="Arial" panose="020B0604020202020204" pitchFamily="34" charset="0"/>
+              <a:buNone/>
+              <a:defRPr sz="1800" kern="1200">
+                <a:solidFill>
+                  <a:schemeClr val="tx1"/>
+                </a:solidFill>
+                <a:latin typeface="+mn-lt"/>
+                <a:ea typeface="+mn-ea"/>
+                <a:cs typeface="+mn-cs"/>
+              </a:defRPr>
+            </a:lvl3pPr>
+            <a:lvl4pPr marL="1371600" indent="0" algn="ctr" defTabSz="914400" rtl="0" eaLnBrk="1" latinLnBrk="0" hangingPunct="1">
+              <a:lnSpc>
+                <a:spcPct val="90000"/>
+              </a:lnSpc>
+              <a:spcBef>
+                <a:spcPts val="500"/>
+              </a:spcBef>
+              <a:buFont typeface="Arial" panose="020B0604020202020204" pitchFamily="34" charset="0"/>
+              <a:buNone/>
+              <a:defRPr sz="1600" kern="1200">
+                <a:solidFill>
+                  <a:schemeClr val="tx1"/>
+                </a:solidFill>
+                <a:latin typeface="+mn-lt"/>
+                <a:ea typeface="+mn-ea"/>
+                <a:cs typeface="+mn-cs"/>
+              </a:defRPr>
+            </a:lvl4pPr>
+            <a:lvl5pPr marL="1828800" indent="0" algn="ctr" defTabSz="914400" rtl="0" eaLnBrk="1" latinLnBrk="0" hangingPunct="1">
+              <a:lnSpc>
+                <a:spcPct val="90000"/>
+              </a:lnSpc>
+              <a:spcBef>
+                <a:spcPts val="500"/>
+              </a:spcBef>
+              <a:buFont typeface="Arial" panose="020B0604020202020204" pitchFamily="34" charset="0"/>
+              <a:buNone/>
+              <a:defRPr sz="1600" kern="1200">
+                <a:solidFill>
+                  <a:schemeClr val="tx1"/>
+                </a:solidFill>
+                <a:latin typeface="+mn-lt"/>
+                <a:ea typeface="+mn-ea"/>
+                <a:cs typeface="+mn-cs"/>
+              </a:defRPr>
+            </a:lvl5pPr>
+            <a:lvl6pPr marL="2286000" indent="0" algn="ctr" defTabSz="914400" rtl="0" eaLnBrk="1" latinLnBrk="0" hangingPunct="1">
+              <a:lnSpc>
+                <a:spcPct val="90000"/>
+              </a:lnSpc>
+              <a:spcBef>
+                <a:spcPts val="500"/>
+              </a:spcBef>
+              <a:buFont typeface="Arial" panose="020B0604020202020204" pitchFamily="34" charset="0"/>
+              <a:buNone/>
+              <a:defRPr sz="1600" kern="1200">
+                <a:solidFill>
+                  <a:schemeClr val="tx1"/>
+                </a:solidFill>
+                <a:latin typeface="+mn-lt"/>
+                <a:ea typeface="+mn-ea"/>
+                <a:cs typeface="+mn-cs"/>
+              </a:defRPr>
+            </a:lvl6pPr>
+            <a:lvl7pPr marL="2743200" indent="0" algn="ctr" defTabSz="914400" rtl="0" eaLnBrk="1" latinLnBrk="0" hangingPunct="1">
+              <a:lnSpc>
+                <a:spcPct val="90000"/>
+              </a:lnSpc>
+              <a:spcBef>
+                <a:spcPts val="500"/>
+              </a:spcBef>
+              <a:buFont typeface="Arial" panose="020B0604020202020204" pitchFamily="34" charset="0"/>
+              <a:buNone/>
+              <a:defRPr sz="1600" kern="1200">
+                <a:solidFill>
+                  <a:schemeClr val="tx1"/>
+                </a:solidFill>
+                <a:latin typeface="+mn-lt"/>
+                <a:ea typeface="+mn-ea"/>
+                <a:cs typeface="+mn-cs"/>
+              </a:defRPr>
+            </a:lvl7pPr>
+            <a:lvl8pPr marL="3200400" indent="0" algn="ctr" defTabSz="914400" rtl="0" eaLnBrk="1" latinLnBrk="0" hangingPunct="1">
+              <a:lnSpc>
+                <a:spcPct val="90000"/>
+              </a:lnSpc>
+              <a:spcBef>
+                <a:spcPts val="500"/>
+              </a:spcBef>
+              <a:buFont typeface="Arial" panose="020B0604020202020204" pitchFamily="34" charset="0"/>
+              <a:buNone/>
+              <a:defRPr sz="1600" kern="1200">
+                <a:solidFill>
+                  <a:schemeClr val="tx1"/>
+                </a:solidFill>
+                <a:latin typeface="+mn-lt"/>
+                <a:ea typeface="+mn-ea"/>
+                <a:cs typeface="+mn-cs"/>
+              </a:defRPr>
+            </a:lvl8pPr>
+            <a:lvl9pPr marL="3657600" indent="0" algn="ctr" defTabSz="914400" rtl="0" eaLnBrk="1" latinLnBrk="0" hangingPunct="1">
+              <a:lnSpc>
+                <a:spcPct val="90000"/>
+              </a:lnSpc>
+              <a:spcBef>
+                <a:spcPts val="500"/>
+              </a:spcBef>
+              <a:buFont typeface="Arial" panose="020B0604020202020204" pitchFamily="34" charset="0"/>
+              <a:buNone/>
+              <a:defRPr sz="1600" kern="1200">
+                <a:solidFill>
+                  <a:schemeClr val="tx1"/>
+                </a:solidFill>
+                <a:latin typeface="+mn-lt"/>
+                <a:ea typeface="+mn-ea"/>
+                <a:cs typeface="+mn-cs"/>
+              </a:defRPr>
+            </a:lvl9pPr>
+          </a:lstStyle>
+          <a:p>
+            <a:pPr algn="l"/>
+            <a:r>
+              <a:rPr kumimoji="0" lang="da-DK" sz="800" b="0" i="0" u="none" strike="noStrike" kern="1200" cap="none" spc="0" normalizeH="0" baseline="0" noProof="0" dirty="0">
+                <a:ln>
+                  <a:noFill/>
+                </a:ln>
+                <a:solidFill>
+                  <a:prstClr val="black"/>
+                </a:solidFill>
+                <a:effectLst/>
+                <a:uLnTx/>
+                <a:uFillTx/>
+                <a:latin typeface="Century Gothic" panose="020B0502020202020204"/>
+                <a:ea typeface="+mn-ea"/>
+                <a:cs typeface="+mn-cs"/>
+              </a:rPr>
+              <a:t>På grafen her under ses resultatet af den løbende Loss, hvor det kan ses, der er et problem med den valgte model, hvilket har resulteret i overfitting, efter 50 epochs.</a:t>
+            </a:r>
+          </a:p>
+        </p:txBody>
+      </p:sp>
+      <p:sp>
+        <p:nvSpPr>
+          <p:cNvPr id="27" name="Undertitel 2">
+            <a:extLst>
+              <a:ext uri="{FF2B5EF4-FFF2-40B4-BE49-F238E27FC236}">
+                <a16:creationId xmlns:a16="http://schemas.microsoft.com/office/drawing/2014/main" id="{3442A0F0-83A6-43A5-AF4B-F5E4204627C8}"/>
+              </a:ext>
+            </a:extLst>
+          </p:cNvPr>
+          <p:cNvSpPr txBox="1">
+            <a:spLocks/>
+          </p:cNvSpPr>
+          <p:nvPr/>
+        </p:nvSpPr>
+        <p:spPr>
+          <a:xfrm>
+            <a:off x="10392786" y="3532390"/>
+            <a:ext cx="1188826" cy="229047"/>
+          </a:xfrm>
+          <a:prstGeom prst="rect">
+            <a:avLst/>
+          </a:prstGeom>
+          <a:ln>
+            <a:solidFill>
+              <a:schemeClr val="tx1"/>
+            </a:solidFill>
+          </a:ln>
+        </p:spPr>
+        <p:style>
+          <a:lnRef idx="2">
+            <a:schemeClr val="dk1"/>
+          </a:lnRef>
+          <a:fillRef idx="1">
+            <a:schemeClr val="lt1"/>
+          </a:fillRef>
+          <a:effectRef idx="0">
+            <a:schemeClr val="dk1"/>
+          </a:effectRef>
+          <a:fontRef idx="minor">
+            <a:schemeClr val="dk1"/>
+          </a:fontRef>
+        </p:style>
+        <p:txBody>
+          <a:bodyPr vert="horz" lIns="91440" tIns="45720" rIns="91440" bIns="45720" rtlCol="0">
+            <a:normAutofit/>
+          </a:bodyPr>
+          <a:lstStyle>
+            <a:lvl1pPr marL="0" indent="0" algn="ctr" defTabSz="914400" rtl="0" eaLnBrk="1" latinLnBrk="0" hangingPunct="1">
+              <a:lnSpc>
+                <a:spcPct val="90000"/>
+              </a:lnSpc>
+              <a:spcBef>
+                <a:spcPts val="1000"/>
+              </a:spcBef>
+              <a:buFont typeface="Arial" panose="020B0604020202020204" pitchFamily="34" charset="0"/>
+              <a:buNone/>
+              <a:defRPr sz="2400" kern="1200">
+                <a:solidFill>
+                  <a:schemeClr val="tx1"/>
+                </a:solidFill>
+                <a:latin typeface="+mn-lt"/>
+                <a:ea typeface="+mn-ea"/>
+                <a:cs typeface="+mn-cs"/>
+              </a:defRPr>
+            </a:lvl1pPr>
+            <a:lvl2pPr marL="457200" indent="0" algn="ctr" defTabSz="914400" rtl="0" eaLnBrk="1" latinLnBrk="0" hangingPunct="1">
+              <a:lnSpc>
+                <a:spcPct val="90000"/>
+              </a:lnSpc>
+              <a:spcBef>
+                <a:spcPts val="500"/>
+              </a:spcBef>
+              <a:buFont typeface="Arial" panose="020B0604020202020204" pitchFamily="34" charset="0"/>
+              <a:buNone/>
+              <a:defRPr sz="2000" kern="1200">
+                <a:solidFill>
+                  <a:schemeClr val="tx1"/>
+                </a:solidFill>
+                <a:latin typeface="+mn-lt"/>
+                <a:ea typeface="+mn-ea"/>
+                <a:cs typeface="+mn-cs"/>
+              </a:defRPr>
+            </a:lvl2pPr>
+            <a:lvl3pPr marL="914400" indent="0" algn="ctr" defTabSz="914400" rtl="0" eaLnBrk="1" latinLnBrk="0" hangingPunct="1">
+              <a:lnSpc>
+                <a:spcPct val="90000"/>
+              </a:lnSpc>
+              <a:spcBef>
+                <a:spcPts val="500"/>
+              </a:spcBef>
+              <a:buFont typeface="Arial" panose="020B0604020202020204" pitchFamily="34" charset="0"/>
+              <a:buNone/>
+              <a:defRPr sz="1800" kern="1200">
+                <a:solidFill>
+                  <a:schemeClr val="tx1"/>
+                </a:solidFill>
+                <a:latin typeface="+mn-lt"/>
+                <a:ea typeface="+mn-ea"/>
+                <a:cs typeface="+mn-cs"/>
+              </a:defRPr>
+            </a:lvl3pPr>
+            <a:lvl4pPr marL="1371600" indent="0" algn="ctr" defTabSz="914400" rtl="0" eaLnBrk="1" latinLnBrk="0" hangingPunct="1">
+              <a:lnSpc>
+                <a:spcPct val="90000"/>
+              </a:lnSpc>
+              <a:spcBef>
+                <a:spcPts val="500"/>
+              </a:spcBef>
+              <a:buFont typeface="Arial" panose="020B0604020202020204" pitchFamily="34" charset="0"/>
+              <a:buNone/>
+              <a:defRPr sz="1600" kern="1200">
+                <a:solidFill>
+                  <a:schemeClr val="tx1"/>
+                </a:solidFill>
+                <a:latin typeface="+mn-lt"/>
+                <a:ea typeface="+mn-ea"/>
+                <a:cs typeface="+mn-cs"/>
+              </a:defRPr>
+            </a:lvl4pPr>
+            <a:lvl5pPr marL="1828800" indent="0" algn="ctr" defTabSz="914400" rtl="0" eaLnBrk="1" latinLnBrk="0" hangingPunct="1">
+              <a:lnSpc>
+                <a:spcPct val="90000"/>
+              </a:lnSpc>
+              <a:spcBef>
+                <a:spcPts val="500"/>
+              </a:spcBef>
+              <a:buFont typeface="Arial" panose="020B0604020202020204" pitchFamily="34" charset="0"/>
+              <a:buNone/>
+              <a:defRPr sz="1600" kern="1200">
+                <a:solidFill>
+                  <a:schemeClr val="tx1"/>
+                </a:solidFill>
+                <a:latin typeface="+mn-lt"/>
+                <a:ea typeface="+mn-ea"/>
+                <a:cs typeface="+mn-cs"/>
+              </a:defRPr>
+            </a:lvl5pPr>
+            <a:lvl6pPr marL="2286000" indent="0" algn="ctr" defTabSz="914400" rtl="0" eaLnBrk="1" latinLnBrk="0" hangingPunct="1">
+              <a:lnSpc>
+                <a:spcPct val="90000"/>
+              </a:lnSpc>
+              <a:spcBef>
+                <a:spcPts val="500"/>
+              </a:spcBef>
+              <a:buFont typeface="Arial" panose="020B0604020202020204" pitchFamily="34" charset="0"/>
+              <a:buNone/>
+              <a:defRPr sz="1600" kern="1200">
+                <a:solidFill>
+                  <a:schemeClr val="tx1"/>
+                </a:solidFill>
+                <a:latin typeface="+mn-lt"/>
+                <a:ea typeface="+mn-ea"/>
+                <a:cs typeface="+mn-cs"/>
+              </a:defRPr>
+            </a:lvl6pPr>
+            <a:lvl7pPr marL="2743200" indent="0" algn="ctr" defTabSz="914400" rtl="0" eaLnBrk="1" latinLnBrk="0" hangingPunct="1">
+              <a:lnSpc>
+                <a:spcPct val="90000"/>
+              </a:lnSpc>
+              <a:spcBef>
+                <a:spcPts val="500"/>
+              </a:spcBef>
+              <a:buFont typeface="Arial" panose="020B0604020202020204" pitchFamily="34" charset="0"/>
+              <a:buNone/>
+              <a:defRPr sz="1600" kern="1200">
+                <a:solidFill>
+                  <a:schemeClr val="tx1"/>
+                </a:solidFill>
+                <a:latin typeface="+mn-lt"/>
+                <a:ea typeface="+mn-ea"/>
+                <a:cs typeface="+mn-cs"/>
+              </a:defRPr>
+            </a:lvl7pPr>
+            <a:lvl8pPr marL="3200400" indent="0" algn="ctr" defTabSz="914400" rtl="0" eaLnBrk="1" latinLnBrk="0" hangingPunct="1">
+              <a:lnSpc>
+                <a:spcPct val="90000"/>
+              </a:lnSpc>
+              <a:spcBef>
+                <a:spcPts val="500"/>
+              </a:spcBef>
+              <a:buFont typeface="Arial" panose="020B0604020202020204" pitchFamily="34" charset="0"/>
+              <a:buNone/>
+              <a:defRPr sz="1600" kern="1200">
+                <a:solidFill>
+                  <a:schemeClr val="tx1"/>
+                </a:solidFill>
+                <a:latin typeface="+mn-lt"/>
+                <a:ea typeface="+mn-ea"/>
+                <a:cs typeface="+mn-cs"/>
+              </a:defRPr>
+            </a:lvl8pPr>
+            <a:lvl9pPr marL="3657600" indent="0" algn="ctr" defTabSz="914400" rtl="0" eaLnBrk="1" latinLnBrk="0" hangingPunct="1">
+              <a:lnSpc>
+                <a:spcPct val="90000"/>
+              </a:lnSpc>
+              <a:spcBef>
+                <a:spcPts val="500"/>
+              </a:spcBef>
+              <a:buFont typeface="Arial" panose="020B0604020202020204" pitchFamily="34" charset="0"/>
+              <a:buNone/>
+              <a:defRPr sz="1600" kern="1200">
+                <a:solidFill>
+                  <a:schemeClr val="tx1"/>
+                </a:solidFill>
+                <a:latin typeface="+mn-lt"/>
+                <a:ea typeface="+mn-ea"/>
+                <a:cs typeface="+mn-cs"/>
+              </a:defRPr>
+            </a:lvl9pPr>
+          </a:lstStyle>
+          <a:p>
+            <a:r>
+              <a:rPr kumimoji="0" lang="da-DK" sz="800" b="1" i="0" strike="noStrike" kern="1200" cap="none" spc="0" normalizeH="0" baseline="0" noProof="0" dirty="0">
+                <a:ln>
+                  <a:noFill/>
+                </a:ln>
+                <a:solidFill>
+                  <a:prstClr val="black"/>
+                </a:solidFill>
+                <a:effectLst/>
+                <a:uLnTx/>
+                <a:uFillTx/>
+                <a:latin typeface="Century Gothic" panose="020B0502020202020204"/>
+                <a:ea typeface="+mn-ea"/>
+                <a:cs typeface="+mn-cs"/>
+              </a:rPr>
+              <a:t>Validerings data</a:t>
+            </a:r>
+          </a:p>
+        </p:txBody>
+      </p:sp>
     </p:spTree>
     <p:extLst>
       <p:ext uri="{BB962C8B-B14F-4D97-AF65-F5344CB8AC3E}">
